--- a/Java Урок 6 Методи.pptx
+++ b/Java Урок 6 Методи.pptx
@@ -217,7 +217,7 @@
           <a:p>
             <a:fld id="{0E8BD93E-8DC1-4C6E-9A0C-53B63244A1A1}" type="datetimeFigureOut">
               <a:rPr lang="uk-UA" smtClean="0"/>
-              <a:t>21.12.2023</a:t>
+              <a:t>27.12.2023</a:t>
             </a:fld>
             <a:endParaRPr lang="uk-UA"/>
           </a:p>
@@ -718,7 +718,7 @@
           <a:p>
             <a:fld id="{8B6C0C13-D616-4B7A-ADAD-21744A79AB48}" type="datetimeFigureOut">
               <a:rPr lang="uk-UA" smtClean="0"/>
-              <a:t>21.12.2023</a:t>
+              <a:t>27.12.2023</a:t>
             </a:fld>
             <a:endParaRPr lang="uk-UA"/>
           </a:p>
@@ -918,7 +918,7 @@
           <a:p>
             <a:fld id="{8B6C0C13-D616-4B7A-ADAD-21744A79AB48}" type="datetimeFigureOut">
               <a:rPr lang="uk-UA" smtClean="0"/>
-              <a:t>21.12.2023</a:t>
+              <a:t>27.12.2023</a:t>
             </a:fld>
             <a:endParaRPr lang="uk-UA"/>
           </a:p>
@@ -1128,7 +1128,7 @@
           <a:p>
             <a:fld id="{8B6C0C13-D616-4B7A-ADAD-21744A79AB48}" type="datetimeFigureOut">
               <a:rPr lang="uk-UA" smtClean="0"/>
-              <a:t>21.12.2023</a:t>
+              <a:t>27.12.2023</a:t>
             </a:fld>
             <a:endParaRPr lang="uk-UA"/>
           </a:p>
@@ -1328,7 +1328,7 @@
           <a:p>
             <a:fld id="{8B6C0C13-D616-4B7A-ADAD-21744A79AB48}" type="datetimeFigureOut">
               <a:rPr lang="uk-UA" smtClean="0"/>
-              <a:t>21.12.2023</a:t>
+              <a:t>27.12.2023</a:t>
             </a:fld>
             <a:endParaRPr lang="uk-UA"/>
           </a:p>
@@ -1604,7 +1604,7 @@
           <a:p>
             <a:fld id="{8B6C0C13-D616-4B7A-ADAD-21744A79AB48}" type="datetimeFigureOut">
               <a:rPr lang="uk-UA" smtClean="0"/>
-              <a:t>21.12.2023</a:t>
+              <a:t>27.12.2023</a:t>
             </a:fld>
             <a:endParaRPr lang="uk-UA"/>
           </a:p>
@@ -1872,7 +1872,7 @@
           <a:p>
             <a:fld id="{8B6C0C13-D616-4B7A-ADAD-21744A79AB48}" type="datetimeFigureOut">
               <a:rPr lang="uk-UA" smtClean="0"/>
-              <a:t>21.12.2023</a:t>
+              <a:t>27.12.2023</a:t>
             </a:fld>
             <a:endParaRPr lang="uk-UA"/>
           </a:p>
@@ -2287,7 +2287,7 @@
           <a:p>
             <a:fld id="{8B6C0C13-D616-4B7A-ADAD-21744A79AB48}" type="datetimeFigureOut">
               <a:rPr lang="uk-UA" smtClean="0"/>
-              <a:t>21.12.2023</a:t>
+              <a:t>27.12.2023</a:t>
             </a:fld>
             <a:endParaRPr lang="uk-UA"/>
           </a:p>
@@ -2429,7 +2429,7 @@
           <a:p>
             <a:fld id="{8B6C0C13-D616-4B7A-ADAD-21744A79AB48}" type="datetimeFigureOut">
               <a:rPr lang="uk-UA" smtClean="0"/>
-              <a:t>21.12.2023</a:t>
+              <a:t>27.12.2023</a:t>
             </a:fld>
             <a:endParaRPr lang="uk-UA"/>
           </a:p>
@@ -2542,7 +2542,7 @@
           <a:p>
             <a:fld id="{8B6C0C13-D616-4B7A-ADAD-21744A79AB48}" type="datetimeFigureOut">
               <a:rPr lang="uk-UA" smtClean="0"/>
-              <a:t>21.12.2023</a:t>
+              <a:t>27.12.2023</a:t>
             </a:fld>
             <a:endParaRPr lang="uk-UA"/>
           </a:p>
@@ -2855,7 +2855,7 @@
           <a:p>
             <a:fld id="{8B6C0C13-D616-4B7A-ADAD-21744A79AB48}" type="datetimeFigureOut">
               <a:rPr lang="uk-UA" smtClean="0"/>
-              <a:t>21.12.2023</a:t>
+              <a:t>27.12.2023</a:t>
             </a:fld>
             <a:endParaRPr lang="uk-UA"/>
           </a:p>
@@ -3144,7 +3144,7 @@
           <a:p>
             <a:fld id="{8B6C0C13-D616-4B7A-ADAD-21744A79AB48}" type="datetimeFigureOut">
               <a:rPr lang="uk-UA" smtClean="0"/>
-              <a:t>21.12.2023</a:t>
+              <a:t>27.12.2023</a:t>
             </a:fld>
             <a:endParaRPr lang="uk-UA"/>
           </a:p>
@@ -3387,7 +3387,7 @@
           <a:p>
             <a:fld id="{8B6C0C13-D616-4B7A-ADAD-21744A79AB48}" type="datetimeFigureOut">
               <a:rPr lang="uk-UA" smtClean="0"/>
-              <a:t>21.12.2023</a:t>
+              <a:t>27.12.2023</a:t>
             </a:fld>
             <a:endParaRPr lang="uk-UA"/>
           </a:p>
@@ -7622,7 +7622,18 @@
                 <a:latin typeface="Times New Roman" panose="02020603050405020304" pitchFamily="18" charset="0"/>
                 <a:cs typeface="Times New Roman" panose="02020603050405020304" pitchFamily="18" charset="0"/>
               </a:rPr>
-              <a:t>Stringз</a:t>
+              <a:t>String</a:t>
+            </a:r>
+            <a:r>
+              <a:rPr kumimoji="0" lang="en-US" altLang="uk-UA" sz="2000" b="0" i="0" u="none" strike="noStrike" cap="none" normalizeH="0" baseline="0" dirty="0">
+                <a:ln>
+                  <a:noFill/>
+                </a:ln>
+                <a:effectLst/>
+                <a:latin typeface="Times New Roman" panose="02020603050405020304" pitchFamily="18" charset="0"/>
+                <a:cs typeface="Times New Roman" panose="02020603050405020304" pitchFamily="18" charset="0"/>
+              </a:rPr>
+              <a:t> </a:t>
             </a:r>
             <a:r>
               <a:rPr kumimoji="0" lang="uk-UA" altLang="uk-UA" sz="2000" b="0" i="0" u="none" strike="noStrike" cap="none" normalizeH="0" baseline="0" dirty="0">
@@ -7633,7 +7644,7 @@
                 <a:latin typeface="Times New Roman" panose="02020603050405020304" pitchFamily="18" charset="0"/>
                 <a:cs typeface="Times New Roman" panose="02020603050405020304" pitchFamily="18" charset="0"/>
               </a:rPr>
-              <a:t> ім'ям </a:t>
+              <a:t>з ім'ям </a:t>
             </a:r>
             <a:r>
               <a:rPr kumimoji="0" lang="uk-UA" altLang="uk-UA" sz="2000" b="0" i="0" u="none" strike="noStrike" cap="none" normalizeH="0" baseline="0" dirty="0" err="1">
@@ -7644,7 +7655,18 @@
                 <a:latin typeface="Times New Roman" panose="02020603050405020304" pitchFamily="18" charset="0"/>
                 <a:cs typeface="Times New Roman" panose="02020603050405020304" pitchFamily="18" charset="0"/>
               </a:rPr>
-              <a:t>nameі</a:t>
+              <a:t>name</a:t>
+            </a:r>
+            <a:r>
+              <a:rPr kumimoji="0" lang="en-US" altLang="uk-UA" sz="2000" b="0" i="0" u="none" strike="noStrike" cap="none" normalizeH="0" baseline="0" dirty="0">
+                <a:ln>
+                  <a:noFill/>
+                </a:ln>
+                <a:effectLst/>
+                <a:latin typeface="Times New Roman" panose="02020603050405020304" pitchFamily="18" charset="0"/>
+                <a:cs typeface="Times New Roman" panose="02020603050405020304" pitchFamily="18" charset="0"/>
+              </a:rPr>
+              <a:t> </a:t>
             </a:r>
             <a:r>
               <a:rPr kumimoji="0" lang="uk-UA" altLang="uk-UA" sz="2000" b="0" i="0" u="none" strike="noStrike" cap="none" normalizeH="0" baseline="0" dirty="0">
@@ -7655,7 +7677,7 @@
                 <a:latin typeface="Times New Roman" panose="02020603050405020304" pitchFamily="18" charset="0"/>
                 <a:cs typeface="Times New Roman" panose="02020603050405020304" pitchFamily="18" charset="0"/>
               </a:rPr>
-              <a:t> надалі ми використовуємо цю змінну у нашому методі. У методі можна використовувати необмежену кількість параметрів, але більше 7 не рекомендується. Коли ми не знаємо точну кількість елементів, але всі ці елементи потрібні для однієї мети і будуть одного типу (наприклад, </a:t>
+              <a:t>і надалі ми використовуємо цю змінну у нашому методі. У методі можна використовувати необмежену кількість параметрів, але більше 7 не рекомендується. Коли ми не знаємо точну кількість елементів, але всі ці елементи потрібні для однієї мети і будуть одного типу (наприклад, </a:t>
             </a:r>
             <a:r>
               <a:rPr kumimoji="0" lang="uk-UA" altLang="uk-UA" sz="2000" b="0" i="0" u="none" strike="noStrike" cap="none" normalizeH="0" baseline="0" dirty="0" err="1">
@@ -12927,7 +12949,7 @@
           <a:graphicData uri="http://schemas.openxmlformats.org/presentationml/2006/ole">
             <mc:AlternateContent xmlns:mc="http://schemas.openxmlformats.org/markup-compatibility/2006">
               <mc:Choice xmlns:v="urn:schemas-microsoft-com:vml" Requires="v">
-                <p:oleObj spid="_x0000_s3284" name="Visio" r:id="rId3" imgW="4052761" imgH="1697289" progId="Visio.Drawing.11">
+                <p:oleObj spid="_x0000_s3302" name="Visio" r:id="rId3" imgW="4052761" imgH="1697289" progId="Visio.Drawing.11">
                   <p:embed/>
                 </p:oleObj>
               </mc:Choice>
@@ -13020,7 +13042,7 @@
           <a:graphicData uri="http://schemas.openxmlformats.org/presentationml/2006/ole">
             <mc:AlternateContent xmlns:mc="http://schemas.openxmlformats.org/markup-compatibility/2006">
               <mc:Choice xmlns:v="urn:schemas-microsoft-com:vml" Requires="v">
-                <p:oleObj spid="_x0000_s3285" name="Visio" r:id="rId5" imgW="4144201" imgH="3179241" progId="Visio.Drawing.11">
+                <p:oleObj spid="_x0000_s3303" name="Visio" r:id="rId5" imgW="4144201" imgH="3179241" progId="Visio.Drawing.11">
                   <p:embed/>
                 </p:oleObj>
               </mc:Choice>
@@ -13113,7 +13135,7 @@
           <a:graphicData uri="http://schemas.openxmlformats.org/presentationml/2006/ole">
             <mc:AlternateContent xmlns:mc="http://schemas.openxmlformats.org/markup-compatibility/2006">
               <mc:Choice xmlns:v="urn:schemas-microsoft-com:vml" Requires="v">
-                <p:oleObj spid="_x0000_s3286" name="Visio" r:id="rId7" imgW="4327081" imgH="3352699" progId="Visio.Drawing.11">
+                <p:oleObj spid="_x0000_s3304" name="Visio" r:id="rId7" imgW="4327081" imgH="3352699" progId="Visio.Drawing.11">
                   <p:embed/>
                 </p:oleObj>
               </mc:Choice>
@@ -13377,7 +13399,7 @@
           <a:graphicData uri="http://schemas.openxmlformats.org/presentationml/2006/ole">
             <mc:AlternateContent xmlns:mc="http://schemas.openxmlformats.org/markup-compatibility/2006">
               <mc:Choice xmlns:v="urn:schemas-microsoft-com:vml" Requires="v">
-                <p:oleObj spid="_x0000_s2190" name="Visio" r:id="rId3" imgW="4136574" imgH="2907994" progId="Visio.Drawing.11">
+                <p:oleObj spid="_x0000_s2202" name="Visio" r:id="rId3" imgW="4136574" imgH="2907994" progId="Visio.Drawing.11">
                   <p:embed/>
                 </p:oleObj>
               </mc:Choice>
@@ -13447,7 +13469,7 @@
           <a:graphicData uri="http://schemas.openxmlformats.org/presentationml/2006/ole">
             <mc:AlternateContent xmlns:mc="http://schemas.openxmlformats.org/markup-compatibility/2006">
               <mc:Choice xmlns:v="urn:schemas-microsoft-com:vml" Requires="v">
-                <p:oleObj spid="_x0000_s2191" name="Visio" r:id="rId5" imgW="453771" imgH="685631" progId="Visio.Drawing.11">
+                <p:oleObj spid="_x0000_s2203" name="Visio" r:id="rId5" imgW="453771" imgH="685631" progId="Visio.Drawing.11">
                   <p:embed/>
                 </p:oleObj>
               </mc:Choice>
@@ -13781,8 +13803,27 @@
                 <a:latin typeface="Times New Roman" panose="02020603050405020304" pitchFamily="18" charset="0"/>
                 <a:cs typeface="Times New Roman" panose="02020603050405020304" pitchFamily="18" charset="0"/>
               </a:rPr>
-              <a:t>this</a:t>
-            </a:r>
+              <a:t>this. </a:t>
+            </a:r>
+            <a:r>
+              <a:rPr lang="uk-UA" sz="4800" b="1" i="0" dirty="0">
+                <a:solidFill>
+                  <a:srgbClr val="151F33"/>
+                </a:solidFill>
+                <a:effectLst/>
+                <a:latin typeface="Times New Roman" panose="02020603050405020304" pitchFamily="18" charset="0"/>
+                <a:cs typeface="Times New Roman" panose="02020603050405020304" pitchFamily="18" charset="0"/>
+              </a:rPr>
+              <a:t>ООП</a:t>
+            </a:r>
+            <a:endParaRPr lang="en-US" sz="4800" b="1" i="0" dirty="0">
+              <a:solidFill>
+                <a:srgbClr val="151F33"/>
+              </a:solidFill>
+              <a:effectLst/>
+              <a:latin typeface="Times New Roman" panose="02020603050405020304" pitchFamily="18" charset="0"/>
+              <a:cs typeface="Times New Roman" panose="02020603050405020304" pitchFamily="18" charset="0"/>
+            </a:endParaRPr>
           </a:p>
         </p:txBody>
       </p:sp>
@@ -16762,6 +16803,16 @@
           <a:p>
             <a:pPr algn="ctr"/>
             <a:r>
+              <a:rPr lang="en-US" sz="4800" b="1" dirty="0">
+                <a:solidFill>
+                  <a:srgbClr val="151F33"/>
+                </a:solidFill>
+                <a:latin typeface="Times New Roman" panose="02020603050405020304" pitchFamily="18" charset="0"/>
+                <a:cs typeface="Times New Roman" panose="02020603050405020304" pitchFamily="18" charset="0"/>
+              </a:rPr>
+              <a:t>t</a:t>
+            </a:r>
+            <a:r>
               <a:rPr lang="en-US" sz="4800" b="1" i="0" dirty="0">
                 <a:solidFill>
                   <a:srgbClr val="151F33"/>
@@ -16770,8 +16821,46 @@
                 <a:latin typeface="Times New Roman" panose="02020603050405020304" pitchFamily="18" charset="0"/>
                 <a:cs typeface="Times New Roman" panose="02020603050405020304" pitchFamily="18" charset="0"/>
               </a:rPr>
-              <a:t>this</a:t>
-            </a:r>
+              <a:t>his</a:t>
+            </a:r>
+            <a:r>
+              <a:rPr lang="uk-UA" sz="4800" b="1" dirty="0">
+                <a:solidFill>
+                  <a:srgbClr val="151F33"/>
+                </a:solidFill>
+                <a:latin typeface="Times New Roman" panose="02020603050405020304" pitchFamily="18" charset="0"/>
+                <a:cs typeface="Times New Roman" panose="02020603050405020304" pitchFamily="18" charset="0"/>
+              </a:rPr>
+              <a:t>. О</a:t>
+            </a:r>
+            <a:r>
+              <a:rPr lang="en-US" sz="4800" b="1" dirty="0">
+                <a:solidFill>
+                  <a:srgbClr val="151F33"/>
+                </a:solidFill>
+                <a:latin typeface="Times New Roman" panose="02020603050405020304" pitchFamily="18" charset="0"/>
+                <a:cs typeface="Times New Roman" panose="02020603050405020304" pitchFamily="18" charset="0"/>
+              </a:rPr>
+              <a:t>O</a:t>
+            </a:r>
+            <a:r>
+              <a:rPr lang="uk-UA" sz="4800" b="1" dirty="0">
+                <a:solidFill>
+                  <a:srgbClr val="151F33"/>
+                </a:solidFill>
+                <a:latin typeface="Times New Roman" panose="02020603050405020304" pitchFamily="18" charset="0"/>
+                <a:cs typeface="Times New Roman" panose="02020603050405020304" pitchFamily="18" charset="0"/>
+              </a:rPr>
+              <a:t>П</a:t>
+            </a:r>
+            <a:endParaRPr lang="en-US" sz="4800" b="1" i="0" dirty="0">
+              <a:solidFill>
+                <a:srgbClr val="151F33"/>
+              </a:solidFill>
+              <a:effectLst/>
+              <a:latin typeface="Times New Roman" panose="02020603050405020304" pitchFamily="18" charset="0"/>
+              <a:cs typeface="Times New Roman" panose="02020603050405020304" pitchFamily="18" charset="0"/>
+            </a:endParaRPr>
           </a:p>
         </p:txBody>
       </p:sp>
@@ -19139,7 +19228,7 @@
           <a:graphicData uri="http://schemas.openxmlformats.org/presentationml/2006/ole">
             <mc:AlternateContent xmlns:mc="http://schemas.openxmlformats.org/markup-compatibility/2006">
               <mc:Choice xmlns:v="urn:schemas-microsoft-com:vml" Requires="v">
-                <p:oleObj spid="_x0000_s1096" name="Visio" r:id="rId3" imgW="3138091" imgH="3169785" progId="Visio.Drawing.11">
+                <p:oleObj spid="_x0000_s1102" name="Visio" r:id="rId3" imgW="3138091" imgH="3169785" progId="Visio.Drawing.11">
                   <p:embed/>
                 </p:oleObj>
               </mc:Choice>
@@ -19552,7 +19641,7 @@
         <p:spPr>
           <a:xfrm>
             <a:off x="452487" y="1492717"/>
-            <a:ext cx="11265032" cy="1754326"/>
+            <a:ext cx="11265032" cy="2031325"/>
           </a:xfrm>
           <a:prstGeom prst="rect">
             <a:avLst/>
@@ -19844,6 +19933,26 @@
                 <a:cs typeface="Courier New" panose="02070309020205020404" pitchFamily="49" charset="0"/>
               </a:rPr>
               <a:t>); </a:t>
+            </a:r>
+            <a:endParaRPr lang="uk-UA" b="0" i="0" dirty="0">
+              <a:solidFill>
+                <a:srgbClr val="000000"/>
+              </a:solidFill>
+              <a:effectLst/>
+              <a:latin typeface="Courier New" panose="02070309020205020404" pitchFamily="49" charset="0"/>
+              <a:cs typeface="Courier New" panose="02070309020205020404" pitchFamily="49" charset="0"/>
+            </a:endParaRPr>
+          </a:p>
+          <a:p>
+            <a:r>
+              <a:rPr lang="uk-UA" dirty="0">
+                <a:solidFill>
+                  <a:srgbClr val="000000"/>
+                </a:solidFill>
+                <a:latin typeface="Courier New" panose="02070309020205020404" pitchFamily="49" charset="0"/>
+                <a:cs typeface="Courier New" panose="02070309020205020404" pitchFamily="49" charset="0"/>
+              </a:rPr>
+              <a:t>		</a:t>
             </a:r>
             <a:r>
               <a:rPr lang="en-US" b="1" i="0" dirty="0">
@@ -19962,7 +20071,7 @@
         </p:nvSpPr>
         <p:spPr>
           <a:xfrm>
-            <a:off x="452487" y="3308598"/>
+            <a:off x="452484" y="3416320"/>
             <a:ext cx="11265032" cy="707886"/>
           </a:xfrm>
           <a:prstGeom prst="rect">
@@ -22934,8 +23043,8 @@
         </p:nvSpPr>
         <p:spPr>
           <a:xfrm>
-            <a:off x="266307" y="3785652"/>
-            <a:ext cx="8378072" cy="1754326"/>
+            <a:off x="266306" y="3785652"/>
+            <a:ext cx="9556423" cy="1477328"/>
           </a:xfrm>
           <a:prstGeom prst="rect">
             <a:avLst/>

--- a/Java Урок 6 Методи.pptx
+++ b/Java Урок 6 Методи.pptx
@@ -21,11 +21,11 @@
     <p:sldId id="749" r:id="rId12"/>
     <p:sldId id="740" r:id="rId13"/>
     <p:sldId id="742" r:id="rId14"/>
-    <p:sldId id="750" r:id="rId15"/>
-    <p:sldId id="751" r:id="rId16"/>
-    <p:sldId id="752" r:id="rId17"/>
-    <p:sldId id="734" r:id="rId18"/>
-    <p:sldId id="733" r:id="rId19"/>
+    <p:sldId id="733" r:id="rId15"/>
+    <p:sldId id="734" r:id="rId16"/>
+    <p:sldId id="750" r:id="rId17"/>
+    <p:sldId id="751" r:id="rId18"/>
+    <p:sldId id="752" r:id="rId19"/>
     <p:sldId id="744" r:id="rId20"/>
     <p:sldId id="745" r:id="rId21"/>
     <p:sldId id="746" r:id="rId22"/>
@@ -8853,12 +8853,6 @@
 <file path=ppt/slides/slide14.xml><?xml version="1.0" encoding="utf-8"?>
 <p:sld xmlns:a="http://schemas.openxmlformats.org/drawingml/2006/main" xmlns:r="http://schemas.openxmlformats.org/officeDocument/2006/relationships" xmlns:p="http://schemas.openxmlformats.org/presentationml/2006/main">
   <p:cSld>
-    <p:bg>
-      <p:bgPr>
-        <a:noFill/>
-        <a:effectLst/>
-      </p:bgPr>
-    </p:bg>
     <p:spTree>
       <p:nvGrpSpPr>
         <p:cNvPr id="1" name=""/>
@@ -8875,876 +8869,228 @@
       </p:grpSpPr>
       <p:sp>
         <p:nvSpPr>
-          <p:cNvPr id="4" name="TextBox 3">
-            <a:extLst>
-              <a:ext uri="{FF2B5EF4-FFF2-40B4-BE49-F238E27FC236}">
-                <a16:creationId xmlns:a16="http://schemas.microsoft.com/office/drawing/2014/main" id="{D55B1ECE-ED73-4F09-A5BE-6DDFD9DC730F}"/>
-              </a:ext>
-            </a:extLst>
-          </p:cNvPr>
-          <p:cNvSpPr txBox="1"/>
-          <p:nvPr/>
+          <p:cNvPr id="103426" name="Заголовок 1"/>
+          <p:cNvSpPr>
+            <a:spLocks noGrp="1"/>
+          </p:cNvSpPr>
+          <p:nvPr>
+            <p:ph type="title"/>
+          </p:nvPr>
         </p:nvSpPr>
         <p:spPr>
           <a:xfrm>
-            <a:off x="32725" y="0"/>
-            <a:ext cx="12191999" cy="830997"/>
+            <a:off x="0" y="1"/>
+            <a:ext cx="12192000" cy="593888"/>
           </a:xfrm>
-          <a:prstGeom prst="rect">
-            <a:avLst/>
-          </a:prstGeom>
-          <a:noFill/>
         </p:spPr>
         <p:txBody>
-          <a:bodyPr wrap="square" rtlCol="0">
-            <a:spAutoFit/>
+          <a:bodyPr>
+            <a:noAutofit/>
           </a:bodyPr>
           <a:lstStyle/>
           <a:p>
             <a:pPr algn="ctr"/>
             <a:r>
-              <a:rPr lang="uk-UA" sz="4800" dirty="0">
-                <a:latin typeface="Times New Roman" panose="02020603050405020304" pitchFamily="18" charset="0"/>
-                <a:cs typeface="Times New Roman" panose="02020603050405020304" pitchFamily="18" charset="0"/>
-              </a:rPr>
-              <a:t>Модифікатор </a:t>
-            </a:r>
-            <a:r>
-              <a:rPr lang="en-US" sz="4800" dirty="0">
-                <a:latin typeface="Times New Roman" panose="02020603050405020304" pitchFamily="18" charset="0"/>
-                <a:cs typeface="Times New Roman" panose="02020603050405020304" pitchFamily="18" charset="0"/>
-              </a:rPr>
-              <a:t>final</a:t>
-            </a:r>
-            <a:endParaRPr lang="uk-UA" sz="4800" dirty="0">
-              <a:latin typeface="Times New Roman" panose="02020603050405020304" pitchFamily="18" charset="0"/>
-              <a:cs typeface="Times New Roman" panose="02020603050405020304" pitchFamily="18" charset="0"/>
-            </a:endParaRPr>
+              <a:rPr lang="uk-UA" altLang="ru-RU" sz="4000" dirty="0">
+                <a:latin typeface="Times New Roman" panose="02020603050405020304" pitchFamily="18" charset="0"/>
+                <a:cs typeface="Times New Roman" panose="02020603050405020304" pitchFamily="18" charset="0"/>
+              </a:rPr>
+              <a:t>Методи зі змінним числом параметрів. Приклад</a:t>
+            </a:r>
           </a:p>
         </p:txBody>
       </p:sp>
+      <p:graphicFrame>
+        <p:nvGraphicFramePr>
+          <p:cNvPr id="103427" name="Объект 4"/>
+          <p:cNvGraphicFramePr>
+            <a:graphicFrameLocks noChangeAspect="1"/>
+          </p:cNvGraphicFramePr>
+          <p:nvPr>
+            <p:extLst>
+              <p:ext uri="{D42A27DB-BD31-4B8C-83A1-F6EECF244321}">
+                <p14:modId xmlns:p14="http://schemas.microsoft.com/office/powerpoint/2010/main" val="2094301653"/>
+              </p:ext>
+            </p:extLst>
+          </p:nvPr>
+        </p:nvGraphicFramePr>
+        <p:xfrm>
+          <a:off x="1414021" y="1076965"/>
+          <a:ext cx="7031479" cy="4942835"/>
+        </p:xfrm>
+        <a:graphic>
+          <a:graphicData uri="http://schemas.openxmlformats.org/presentationml/2006/ole">
+            <mc:AlternateContent xmlns:mc="http://schemas.openxmlformats.org/markup-compatibility/2006">
+              <mc:Choice xmlns:v="urn:schemas-microsoft-com:vml" Requires="v">
+                <p:oleObj spid="_x0000_s2212" name="Visio" r:id="rId3" imgW="4136574" imgH="2907994" progId="Visio.Drawing.11">
+                  <p:embed/>
+                </p:oleObj>
+              </mc:Choice>
+              <mc:Fallback>
+                <p:oleObj name="Visio" r:id="rId3" imgW="4136574" imgH="2907994" progId="Visio.Drawing.11">
+                  <p:embed/>
+                  <p:pic>
+                    <p:nvPicPr>
+                      <p:cNvPr id="103427" name="Объект 4"/>
+                      <p:cNvPicPr>
+                        <a:picLocks noChangeAspect="1" noChangeArrowheads="1"/>
+                      </p:cNvPicPr>
+                      <p:nvPr/>
+                    </p:nvPicPr>
+                    <p:blipFill>
+                      <a:blip r:embed="rId4">
+                        <a:extLst>
+                          <a:ext uri="{28A0092B-C50C-407E-A947-70E740481C1C}">
+                            <a14:useLocalDpi xmlns:a14="http://schemas.microsoft.com/office/drawing/2010/main" val="0"/>
+                          </a:ext>
+                        </a:extLst>
+                      </a:blip>
+                      <a:srcRect/>
+                      <a:stretch>
+                        <a:fillRect/>
+                      </a:stretch>
+                    </p:blipFill>
+                    <p:spPr bwMode="auto">
+                      <a:xfrm>
+                        <a:off x="1414021" y="1076965"/>
+                        <a:ext cx="7031479" cy="4942835"/>
+                      </a:xfrm>
+                      <a:prstGeom prst="rect">
+                        <a:avLst/>
+                      </a:prstGeom>
+                      <a:noFill/>
+                      <a:ln>
+                        <a:noFill/>
+                      </a:ln>
+                    </p:spPr>
+                  </p:pic>
+                </p:oleObj>
+              </mc:Fallback>
+            </mc:AlternateContent>
+          </a:graphicData>
+        </a:graphic>
+      </p:graphicFrame>
+      <p:graphicFrame>
+        <p:nvGraphicFramePr>
+          <p:cNvPr id="103428" name="Объект 5"/>
+          <p:cNvGraphicFramePr>
+            <a:graphicFrameLocks noChangeAspect="1"/>
+          </p:cNvGraphicFramePr>
+          <p:nvPr>
+            <p:extLst>
+              <p:ext uri="{D42A27DB-BD31-4B8C-83A1-F6EECF244321}">
+                <p14:modId xmlns:p14="http://schemas.microsoft.com/office/powerpoint/2010/main" val="747160224"/>
+              </p:ext>
+            </p:extLst>
+          </p:nvPr>
+        </p:nvGraphicFramePr>
+        <p:xfrm>
+          <a:off x="9184081" y="3021332"/>
+          <a:ext cx="698500" cy="1054100"/>
+        </p:xfrm>
+        <a:graphic>
+          <a:graphicData uri="http://schemas.openxmlformats.org/presentationml/2006/ole">
+            <mc:AlternateContent xmlns:mc="http://schemas.openxmlformats.org/markup-compatibility/2006">
+              <mc:Choice xmlns:v="urn:schemas-microsoft-com:vml" Requires="v">
+                <p:oleObj spid="_x0000_s2213" name="Visio" r:id="rId5" imgW="453771" imgH="685631" progId="Visio.Drawing.11">
+                  <p:embed/>
+                </p:oleObj>
+              </mc:Choice>
+              <mc:Fallback>
+                <p:oleObj name="Visio" r:id="rId5" imgW="453771" imgH="685631" progId="Visio.Drawing.11">
+                  <p:embed/>
+                  <p:pic>
+                    <p:nvPicPr>
+                      <p:cNvPr id="103428" name="Объект 5"/>
+                      <p:cNvPicPr>
+                        <a:picLocks noChangeAspect="1" noChangeArrowheads="1"/>
+                      </p:cNvPicPr>
+                      <p:nvPr/>
+                    </p:nvPicPr>
+                    <p:blipFill>
+                      <a:blip r:embed="rId6">
+                        <a:extLst>
+                          <a:ext uri="{28A0092B-C50C-407E-A947-70E740481C1C}">
+                            <a14:useLocalDpi xmlns:a14="http://schemas.microsoft.com/office/drawing/2010/main" val="0"/>
+                          </a:ext>
+                        </a:extLst>
+                      </a:blip>
+                      <a:srcRect/>
+                      <a:stretch>
+                        <a:fillRect/>
+                      </a:stretch>
+                    </p:blipFill>
+                    <p:spPr bwMode="auto">
+                      <a:xfrm>
+                        <a:off x="9184081" y="3021332"/>
+                        <a:ext cx="698500" cy="1054100"/>
+                      </a:xfrm>
+                      <a:prstGeom prst="rect">
+                        <a:avLst/>
+                      </a:prstGeom>
+                      <a:noFill/>
+                      <a:ln>
+                        <a:noFill/>
+                      </a:ln>
+                      <a:extLst>
+                        <a:ext uri="{909E8E84-426E-40DD-AFC4-6F175D3DCCD1}">
+                          <a14:hiddenFill xmlns:a14="http://schemas.microsoft.com/office/drawing/2010/main">
+                            <a:solidFill>
+                              <a:srgbClr val="FFFFFF"/>
+                            </a:solidFill>
+                          </a14:hiddenFill>
+                        </a:ext>
+                        <a:ext uri="{91240B29-F687-4F45-9708-019B960494DF}">
+                          <a14:hiddenLine xmlns:a14="http://schemas.microsoft.com/office/drawing/2010/main" w="9525">
+                            <a:solidFill>
+                              <a:srgbClr val="000000"/>
+                            </a:solidFill>
+                            <a:miter lim="800000"/>
+                            <a:headEnd/>
+                            <a:tailEnd/>
+                          </a14:hiddenLine>
+                        </a:ext>
+                      </a:extLst>
+                    </p:spPr>
+                  </p:pic>
+                </p:oleObj>
+              </mc:Fallback>
+            </mc:AlternateContent>
+          </a:graphicData>
+        </a:graphic>
+      </p:graphicFrame>
       <p:sp>
         <p:nvSpPr>
-          <p:cNvPr id="6" name="TextBox 5">
-            <a:extLst>
-              <a:ext uri="{FF2B5EF4-FFF2-40B4-BE49-F238E27FC236}">
-                <a16:creationId xmlns:a16="http://schemas.microsoft.com/office/drawing/2014/main" id="{2322442B-AA9A-4DF1-8A40-DF314468663B}"/>
-              </a:ext>
-            </a:extLst>
-          </p:cNvPr>
-          <p:cNvSpPr txBox="1"/>
-          <p:nvPr/>
-        </p:nvSpPr>
-        <p:spPr>
-          <a:xfrm>
-            <a:off x="443061" y="830997"/>
-            <a:ext cx="11359298" cy="1200329"/>
-          </a:xfrm>
-          <a:prstGeom prst="rect">
-            <a:avLst/>
-          </a:prstGeom>
-          <a:noFill/>
-        </p:spPr>
-        <p:txBody>
-          <a:bodyPr wrap="square">
-            <a:spAutoFit/>
-          </a:bodyPr>
-          <a:lstStyle/>
-          <a:p>
-            <a:r>
-              <a:rPr lang="uk-UA" sz="2400" b="0" i="0" dirty="0">
-                <a:effectLst/>
-                <a:latin typeface="Times New Roman" panose="02020603050405020304" pitchFamily="18" charset="0"/>
-                <a:cs typeface="Times New Roman" panose="02020603050405020304" pitchFamily="18" charset="0"/>
-              </a:rPr>
-              <a:t>Почнемо з </a:t>
-            </a:r>
-            <a:r>
-              <a:rPr lang="en-US" sz="2400" b="0" i="0" dirty="0">
-                <a:effectLst/>
-                <a:latin typeface="Times New Roman" panose="02020603050405020304" pitchFamily="18" charset="0"/>
-                <a:cs typeface="Times New Roman" panose="02020603050405020304" pitchFamily="18" charset="0"/>
-              </a:rPr>
-              <a:t>final-</a:t>
-            </a:r>
-            <a:r>
-              <a:rPr lang="uk-UA" sz="2400" b="0" i="0" dirty="0">
-                <a:effectLst/>
-                <a:latin typeface="Times New Roman" panose="02020603050405020304" pitchFamily="18" charset="0"/>
-                <a:cs typeface="Times New Roman" panose="02020603050405020304" pitchFamily="18" charset="0"/>
-              </a:rPr>
-              <a:t>змінних. Вони</a:t>
-            </a:r>
-            <a:r>
-              <a:rPr lang="ru-RU" sz="2400" b="0" i="0" dirty="0">
-                <a:effectLst/>
-                <a:latin typeface="Times New Roman" panose="02020603050405020304" pitchFamily="18" charset="0"/>
-                <a:cs typeface="Times New Roman" panose="02020603050405020304" pitchFamily="18" charset="0"/>
-              </a:rPr>
-              <a:t> </a:t>
-            </a:r>
-            <a:r>
-              <a:rPr lang="ru-RU" sz="2400" b="0" i="0" dirty="0" err="1">
-                <a:effectLst/>
-                <a:latin typeface="Times New Roman" panose="02020603050405020304" pitchFamily="18" charset="0"/>
-                <a:cs typeface="Times New Roman" panose="02020603050405020304" pitchFamily="18" charset="0"/>
-              </a:rPr>
-              <a:t>називаються</a:t>
-            </a:r>
-            <a:r>
-              <a:rPr lang="ru-RU" sz="2400" b="0" i="0" dirty="0">
-                <a:effectLst/>
-                <a:latin typeface="Times New Roman" panose="02020603050405020304" pitchFamily="18" charset="0"/>
-                <a:cs typeface="Times New Roman" panose="02020603050405020304" pitchFamily="18" charset="0"/>
-              </a:rPr>
-              <a:t> </a:t>
-            </a:r>
-            <a:r>
-              <a:rPr lang="ru-RU" sz="2400" b="1" i="0" dirty="0">
-                <a:effectLst/>
-                <a:latin typeface="Times New Roman" panose="02020603050405020304" pitchFamily="18" charset="0"/>
-                <a:cs typeface="Times New Roman" panose="02020603050405020304" pitchFamily="18" charset="0"/>
-              </a:rPr>
-              <a:t>константами</a:t>
-            </a:r>
-            <a:r>
-              <a:rPr lang="ru-RU" sz="2400" b="0" i="0" dirty="0">
-                <a:effectLst/>
-                <a:latin typeface="Times New Roman" panose="02020603050405020304" pitchFamily="18" charset="0"/>
-                <a:cs typeface="Times New Roman" panose="02020603050405020304" pitchFamily="18" charset="0"/>
-              </a:rPr>
-              <a:t>. </a:t>
-            </a:r>
-            <a:r>
-              <a:rPr lang="ru-RU" sz="2400" b="0" i="0" dirty="0" err="1">
-                <a:effectLst/>
-                <a:latin typeface="Times New Roman" panose="02020603050405020304" pitchFamily="18" charset="0"/>
-                <a:cs typeface="Times New Roman" panose="02020603050405020304" pitchFamily="18" charset="0"/>
-              </a:rPr>
-              <a:t>По-перше</a:t>
-            </a:r>
-            <a:r>
-              <a:rPr lang="ru-RU" sz="2400" b="0" i="0" dirty="0">
-                <a:effectLst/>
-                <a:latin typeface="Times New Roman" panose="02020603050405020304" pitchFamily="18" charset="0"/>
-                <a:cs typeface="Times New Roman" panose="02020603050405020304" pitchFamily="18" charset="0"/>
-              </a:rPr>
-              <a:t> (і </a:t>
-            </a:r>
-            <a:r>
-              <a:rPr lang="ru-RU" sz="2400" b="0" i="0" dirty="0" err="1">
-                <a:effectLst/>
-                <a:latin typeface="Times New Roman" panose="02020603050405020304" pitchFamily="18" charset="0"/>
-                <a:cs typeface="Times New Roman" panose="02020603050405020304" pitchFamily="18" charset="0"/>
-              </a:rPr>
-              <a:t>що</a:t>
-            </a:r>
-            <a:r>
-              <a:rPr lang="ru-RU" sz="2400" b="0" i="0" dirty="0">
-                <a:effectLst/>
-                <a:latin typeface="Times New Roman" panose="02020603050405020304" pitchFamily="18" charset="0"/>
-                <a:cs typeface="Times New Roman" panose="02020603050405020304" pitchFamily="18" charset="0"/>
-              </a:rPr>
-              <a:t> головне), перше </a:t>
-            </a:r>
-            <a:r>
-              <a:rPr lang="ru-RU" sz="2400" b="0" i="0" dirty="0" err="1">
-                <a:effectLst/>
-                <a:latin typeface="Times New Roman" panose="02020603050405020304" pitchFamily="18" charset="0"/>
-                <a:cs typeface="Times New Roman" panose="02020603050405020304" pitchFamily="18" charset="0"/>
-              </a:rPr>
-              <a:t>значення</a:t>
-            </a:r>
-            <a:r>
-              <a:rPr lang="ru-RU" sz="2400" b="0" i="0" dirty="0">
-                <a:effectLst/>
-                <a:latin typeface="Times New Roman" panose="02020603050405020304" pitchFamily="18" charset="0"/>
-                <a:cs typeface="Times New Roman" panose="02020603050405020304" pitchFamily="18" charset="0"/>
-              </a:rPr>
-              <a:t>, </a:t>
-            </a:r>
-            <a:r>
-              <a:rPr lang="ru-RU" sz="2400" b="0" i="0" dirty="0" err="1">
-                <a:effectLst/>
-                <a:latin typeface="Times New Roman" panose="02020603050405020304" pitchFamily="18" charset="0"/>
-                <a:cs typeface="Times New Roman" panose="02020603050405020304" pitchFamily="18" charset="0"/>
-              </a:rPr>
-              <a:t>присвоєне</a:t>
-            </a:r>
-            <a:r>
-              <a:rPr lang="ru-RU" sz="2400" b="0" i="0" dirty="0">
-                <a:effectLst/>
-                <a:latin typeface="Times New Roman" panose="02020603050405020304" pitchFamily="18" charset="0"/>
-                <a:cs typeface="Times New Roman" panose="02020603050405020304" pitchFamily="18" charset="0"/>
-              </a:rPr>
-              <a:t> </a:t>
-            </a:r>
-            <a:r>
-              <a:rPr lang="ru-RU" sz="2400" b="0" i="0" dirty="0" err="1">
-                <a:effectLst/>
-                <a:latin typeface="Times New Roman" panose="02020603050405020304" pitchFamily="18" charset="0"/>
-                <a:cs typeface="Times New Roman" panose="02020603050405020304" pitchFamily="18" charset="0"/>
-              </a:rPr>
-              <a:t>константі</a:t>
-            </a:r>
-            <a:r>
-              <a:rPr lang="ru-RU" sz="2400" b="0" i="0" dirty="0">
-                <a:effectLst/>
-                <a:latin typeface="Times New Roman" panose="02020603050405020304" pitchFamily="18" charset="0"/>
-                <a:cs typeface="Times New Roman" panose="02020603050405020304" pitchFamily="18" charset="0"/>
-              </a:rPr>
-              <a:t>, не </a:t>
-            </a:r>
-            <a:r>
-              <a:rPr lang="ru-RU" sz="2400" b="0" i="0" dirty="0" err="1">
-                <a:effectLst/>
-                <a:latin typeface="Times New Roman" panose="02020603050405020304" pitchFamily="18" charset="0"/>
-                <a:cs typeface="Times New Roman" panose="02020603050405020304" pitchFamily="18" charset="0"/>
-              </a:rPr>
-              <a:t>можна</a:t>
-            </a:r>
-            <a:r>
-              <a:rPr lang="ru-RU" sz="2400" b="0" i="0" dirty="0">
-                <a:effectLst/>
-                <a:latin typeface="Times New Roman" panose="02020603050405020304" pitchFamily="18" charset="0"/>
-                <a:cs typeface="Times New Roman" panose="02020603050405020304" pitchFamily="18" charset="0"/>
-              </a:rPr>
-              <a:t> </a:t>
-            </a:r>
-            <a:r>
-              <a:rPr lang="ru-RU" sz="2400" b="0" i="0" dirty="0" err="1">
-                <a:effectLst/>
-                <a:latin typeface="Times New Roman" panose="02020603050405020304" pitchFamily="18" charset="0"/>
-                <a:cs typeface="Times New Roman" panose="02020603050405020304" pitchFamily="18" charset="0"/>
-              </a:rPr>
-              <a:t>змінити</a:t>
-            </a:r>
-            <a:r>
-              <a:rPr lang="ru-RU" sz="2400" b="0" i="0" dirty="0">
-                <a:effectLst/>
-                <a:latin typeface="Times New Roman" panose="02020603050405020304" pitchFamily="18" charset="0"/>
-                <a:cs typeface="Times New Roman" panose="02020603050405020304" pitchFamily="18" charset="0"/>
-              </a:rPr>
-              <a:t>. </a:t>
-            </a:r>
-            <a:r>
-              <a:rPr lang="ru-RU" sz="2400" b="0" i="0" dirty="0" err="1">
-                <a:effectLst/>
-                <a:latin typeface="Times New Roman" panose="02020603050405020304" pitchFamily="18" charset="0"/>
-                <a:cs typeface="Times New Roman" panose="02020603050405020304" pitchFamily="18" charset="0"/>
-              </a:rPr>
-              <a:t>Воно</a:t>
-            </a:r>
-            <a:r>
-              <a:rPr lang="ru-RU" sz="2400" b="0" i="0" dirty="0">
-                <a:effectLst/>
-                <a:latin typeface="Times New Roman" panose="02020603050405020304" pitchFamily="18" charset="0"/>
-                <a:cs typeface="Times New Roman" panose="02020603050405020304" pitchFamily="18" charset="0"/>
-              </a:rPr>
-              <a:t> </a:t>
-            </a:r>
-            <a:r>
-              <a:rPr lang="ru-RU" sz="2400" b="0" i="0" dirty="0" err="1">
-                <a:effectLst/>
-                <a:latin typeface="Times New Roman" panose="02020603050405020304" pitchFamily="18" charset="0"/>
-                <a:cs typeface="Times New Roman" panose="02020603050405020304" pitchFamily="18" charset="0"/>
-              </a:rPr>
-              <a:t>присвоюється</a:t>
-            </a:r>
-            <a:r>
-              <a:rPr lang="ru-RU" sz="2400" b="0" i="0" dirty="0">
-                <a:effectLst/>
-                <a:latin typeface="Times New Roman" panose="02020603050405020304" pitchFamily="18" charset="0"/>
-                <a:cs typeface="Times New Roman" panose="02020603050405020304" pitchFamily="18" charset="0"/>
-              </a:rPr>
-              <a:t> один раз і </a:t>
-            </a:r>
-            <a:r>
-              <a:rPr lang="ru-RU" sz="2400" b="0" i="0" dirty="0" err="1">
-                <a:effectLst/>
-                <a:latin typeface="Times New Roman" panose="02020603050405020304" pitchFamily="18" charset="0"/>
-                <a:cs typeface="Times New Roman" panose="02020603050405020304" pitchFamily="18" charset="0"/>
-              </a:rPr>
-              <a:t>назавжди</a:t>
-            </a:r>
-            <a:r>
-              <a:rPr lang="ru-RU" sz="2400" b="0" i="0" dirty="0">
-                <a:effectLst/>
-                <a:latin typeface="Times New Roman" panose="02020603050405020304" pitchFamily="18" charset="0"/>
-                <a:cs typeface="Times New Roman" panose="02020603050405020304" pitchFamily="18" charset="0"/>
-              </a:rPr>
-              <a:t>. </a:t>
-            </a:r>
-            <a:endParaRPr lang="uk-UA" sz="2400" dirty="0">
-              <a:latin typeface="Times New Roman" panose="02020603050405020304" pitchFamily="18" charset="0"/>
-              <a:cs typeface="Times New Roman" panose="02020603050405020304" pitchFamily="18" charset="0"/>
-            </a:endParaRPr>
-          </a:p>
-        </p:txBody>
-      </p:sp>
-      <p:sp>
-        <p:nvSpPr>
-          <p:cNvPr id="8" name="TextBox 7">
-            <a:extLst>
-              <a:ext uri="{FF2B5EF4-FFF2-40B4-BE49-F238E27FC236}">
-                <a16:creationId xmlns:a16="http://schemas.microsoft.com/office/drawing/2014/main" id="{196060DC-8476-4459-90FA-D8BC03FE9475}"/>
-              </a:ext>
-            </a:extLst>
-          </p:cNvPr>
-          <p:cNvSpPr txBox="1"/>
-          <p:nvPr/>
-        </p:nvSpPr>
-        <p:spPr>
-          <a:xfrm>
-            <a:off x="443060" y="4371681"/>
-            <a:ext cx="11236749" cy="707886"/>
-          </a:xfrm>
-          <a:prstGeom prst="rect">
-            <a:avLst/>
-          </a:prstGeom>
-          <a:noFill/>
-        </p:spPr>
-        <p:txBody>
-          <a:bodyPr wrap="square">
-            <a:spAutoFit/>
-          </a:bodyPr>
-          <a:lstStyle/>
-          <a:p>
-            <a:r>
-              <a:rPr lang="ru-RU" sz="2000" b="0" i="0" dirty="0">
-                <a:effectLst/>
-                <a:latin typeface="Times New Roman" panose="02020603050405020304" pitchFamily="18" charset="0"/>
-                <a:cs typeface="Times New Roman" panose="02020603050405020304" pitchFamily="18" charset="0"/>
-              </a:rPr>
-              <a:t>Константу </a:t>
-            </a:r>
-            <a:r>
-              <a:rPr lang="ru-RU" sz="2000" b="0" i="0" dirty="0" err="1">
-                <a:effectLst/>
-                <a:latin typeface="Times New Roman" panose="02020603050405020304" pitchFamily="18" charset="0"/>
-                <a:cs typeface="Times New Roman" panose="02020603050405020304" pitchFamily="18" charset="0"/>
-              </a:rPr>
-              <a:t>необов'язково</a:t>
-            </a:r>
-            <a:r>
-              <a:rPr lang="ru-RU" sz="2000" b="0" i="0" dirty="0">
-                <a:effectLst/>
-                <a:latin typeface="Times New Roman" panose="02020603050405020304" pitchFamily="18" charset="0"/>
-                <a:cs typeface="Times New Roman" panose="02020603050405020304" pitchFamily="18" charset="0"/>
-              </a:rPr>
-              <a:t> </a:t>
-            </a:r>
-            <a:r>
-              <a:rPr lang="ru-RU" sz="2000" b="0" i="0" dirty="0" err="1">
-                <a:effectLst/>
-                <a:latin typeface="Times New Roman" panose="02020603050405020304" pitchFamily="18" charset="0"/>
-                <a:cs typeface="Times New Roman" panose="02020603050405020304" pitchFamily="18" charset="0"/>
-              </a:rPr>
-              <a:t>ініціалізувати</a:t>
-            </a:r>
-            <a:r>
-              <a:rPr lang="ru-RU" sz="2000" b="0" i="0" dirty="0">
-                <a:effectLst/>
-                <a:latin typeface="Times New Roman" panose="02020603050405020304" pitchFamily="18" charset="0"/>
-                <a:cs typeface="Times New Roman" panose="02020603050405020304" pitchFamily="18" charset="0"/>
-              </a:rPr>
-              <a:t> </a:t>
-            </a:r>
-            <a:r>
-              <a:rPr lang="ru-RU" sz="2000" b="0" i="0" dirty="0" err="1">
-                <a:effectLst/>
-                <a:latin typeface="Times New Roman" panose="02020603050405020304" pitchFamily="18" charset="0"/>
-                <a:cs typeface="Times New Roman" panose="02020603050405020304" pitchFamily="18" charset="0"/>
-              </a:rPr>
-              <a:t>відразу</a:t>
-            </a:r>
-            <a:r>
-              <a:rPr lang="ru-RU" sz="2000" b="0" i="0" dirty="0">
-                <a:effectLst/>
-                <a:latin typeface="Times New Roman" panose="02020603050405020304" pitchFamily="18" charset="0"/>
-                <a:cs typeface="Times New Roman" panose="02020603050405020304" pitchFamily="18" charset="0"/>
-              </a:rPr>
-              <a:t> ж. </a:t>
-            </a:r>
-            <a:r>
-              <a:rPr lang="ru-RU" sz="2000" b="0" i="0" dirty="0" err="1">
-                <a:effectLst/>
-                <a:latin typeface="Times New Roman" panose="02020603050405020304" pitchFamily="18" charset="0"/>
-                <a:cs typeface="Times New Roman" panose="02020603050405020304" pitchFamily="18" charset="0"/>
-              </a:rPr>
-              <a:t>Це</a:t>
-            </a:r>
-            <a:r>
-              <a:rPr lang="ru-RU" sz="2000" b="0" i="0" dirty="0">
-                <a:effectLst/>
-                <a:latin typeface="Times New Roman" panose="02020603050405020304" pitchFamily="18" charset="0"/>
-                <a:cs typeface="Times New Roman" panose="02020603050405020304" pitchFamily="18" charset="0"/>
-              </a:rPr>
-              <a:t> </a:t>
-            </a:r>
-            <a:r>
-              <a:rPr lang="ru-RU" sz="2000" b="0" i="0" dirty="0" err="1">
-                <a:effectLst/>
-                <a:latin typeface="Times New Roman" panose="02020603050405020304" pitchFamily="18" charset="0"/>
-                <a:cs typeface="Times New Roman" panose="02020603050405020304" pitchFamily="18" charset="0"/>
-              </a:rPr>
-              <a:t>можна</a:t>
-            </a:r>
-            <a:r>
-              <a:rPr lang="ru-RU" sz="2000" b="0" i="0" dirty="0">
-                <a:effectLst/>
-                <a:latin typeface="Times New Roman" panose="02020603050405020304" pitchFamily="18" charset="0"/>
-                <a:cs typeface="Times New Roman" panose="02020603050405020304" pitchFamily="18" charset="0"/>
-              </a:rPr>
-              <a:t> </a:t>
-            </a:r>
-            <a:r>
-              <a:rPr lang="ru-RU" sz="2000" b="0" i="0" dirty="0" err="1">
-                <a:effectLst/>
-                <a:latin typeface="Times New Roman" panose="02020603050405020304" pitchFamily="18" charset="0"/>
-                <a:cs typeface="Times New Roman" panose="02020603050405020304" pitchFamily="18" charset="0"/>
-              </a:rPr>
-              <a:t>зробити</a:t>
-            </a:r>
-            <a:r>
-              <a:rPr lang="ru-RU" sz="2000" b="0" i="0" dirty="0">
-                <a:effectLst/>
-                <a:latin typeface="Times New Roman" panose="02020603050405020304" pitchFamily="18" charset="0"/>
-                <a:cs typeface="Times New Roman" panose="02020603050405020304" pitchFamily="18" charset="0"/>
-              </a:rPr>
-              <a:t> і </a:t>
-            </a:r>
-            <a:r>
-              <a:rPr lang="ru-RU" sz="2000" b="0" i="0" dirty="0" err="1">
-                <a:effectLst/>
-                <a:latin typeface="Times New Roman" panose="02020603050405020304" pitchFamily="18" charset="0"/>
-                <a:cs typeface="Times New Roman" panose="02020603050405020304" pitchFamily="18" charset="0"/>
-              </a:rPr>
-              <a:t>пізніше</a:t>
-            </a:r>
-            <a:r>
-              <a:rPr lang="ru-RU" sz="2000" b="0" i="0" dirty="0">
-                <a:effectLst/>
-                <a:latin typeface="Times New Roman" panose="02020603050405020304" pitchFamily="18" charset="0"/>
-                <a:cs typeface="Times New Roman" panose="02020603050405020304" pitchFamily="18" charset="0"/>
-              </a:rPr>
-              <a:t>. Але </a:t>
-            </a:r>
-            <a:r>
-              <a:rPr lang="ru-RU" sz="2000" b="0" i="0" dirty="0" err="1">
-                <a:effectLst/>
-                <a:latin typeface="Times New Roman" panose="02020603050405020304" pitchFamily="18" charset="0"/>
-                <a:cs typeface="Times New Roman" panose="02020603050405020304" pitchFamily="18" charset="0"/>
-              </a:rPr>
-              <a:t>значення</a:t>
-            </a:r>
-            <a:r>
-              <a:rPr lang="ru-RU" sz="2000" b="0" i="0" dirty="0">
-                <a:effectLst/>
-                <a:latin typeface="Times New Roman" panose="02020603050405020304" pitchFamily="18" charset="0"/>
-                <a:cs typeface="Times New Roman" panose="02020603050405020304" pitchFamily="18" charset="0"/>
-              </a:rPr>
-              <a:t>, </a:t>
-            </a:r>
-            <a:r>
-              <a:rPr lang="ru-RU" sz="2000" b="0" i="0" dirty="0" err="1">
-                <a:effectLst/>
-                <a:latin typeface="Times New Roman" panose="02020603050405020304" pitchFamily="18" charset="0"/>
-                <a:cs typeface="Times New Roman" panose="02020603050405020304" pitchFamily="18" charset="0"/>
-              </a:rPr>
-              <a:t>присвоєне</a:t>
-            </a:r>
-            <a:r>
-              <a:rPr lang="ru-RU" sz="2000" b="0" i="0" dirty="0">
-                <a:effectLst/>
-                <a:latin typeface="Times New Roman" panose="02020603050405020304" pitchFamily="18" charset="0"/>
-                <a:cs typeface="Times New Roman" panose="02020603050405020304" pitchFamily="18" charset="0"/>
-              </a:rPr>
-              <a:t> першим, так і </a:t>
-            </a:r>
-            <a:r>
-              <a:rPr lang="ru-RU" sz="2000" b="0" i="0" dirty="0" err="1">
-                <a:effectLst/>
-                <a:latin typeface="Times New Roman" panose="02020603050405020304" pitchFamily="18" charset="0"/>
-                <a:cs typeface="Times New Roman" panose="02020603050405020304" pitchFamily="18" charset="0"/>
-              </a:rPr>
-              <a:t>залишиться</a:t>
-            </a:r>
-            <a:r>
-              <a:rPr lang="ru-RU" sz="2000" b="0" i="0" dirty="0">
-                <a:effectLst/>
-                <a:latin typeface="Times New Roman" panose="02020603050405020304" pitchFamily="18" charset="0"/>
-                <a:cs typeface="Times New Roman" panose="02020603050405020304" pitchFamily="18" charset="0"/>
-              </a:rPr>
-              <a:t> </a:t>
-            </a:r>
-            <a:r>
-              <a:rPr lang="ru-RU" sz="2000" b="0" i="0" dirty="0" err="1">
-                <a:effectLst/>
-                <a:latin typeface="Times New Roman" panose="02020603050405020304" pitchFamily="18" charset="0"/>
-                <a:cs typeface="Times New Roman" panose="02020603050405020304" pitchFamily="18" charset="0"/>
-              </a:rPr>
-              <a:t>назавжди</a:t>
-            </a:r>
-            <a:r>
-              <a:rPr lang="ru-RU" sz="2000" b="0" i="0" dirty="0">
-                <a:effectLst/>
-                <a:latin typeface="Times New Roman" panose="02020603050405020304" pitchFamily="18" charset="0"/>
-                <a:cs typeface="Times New Roman" panose="02020603050405020304" pitchFamily="18" charset="0"/>
-              </a:rPr>
-              <a:t>.</a:t>
-            </a:r>
-            <a:endParaRPr lang="uk-UA" sz="2000" dirty="0">
-              <a:latin typeface="Times New Roman" panose="02020603050405020304" pitchFamily="18" charset="0"/>
-              <a:cs typeface="Times New Roman" panose="02020603050405020304" pitchFamily="18" charset="0"/>
-            </a:endParaRPr>
-          </a:p>
-        </p:txBody>
-      </p:sp>
-      <p:sp>
-        <p:nvSpPr>
-          <p:cNvPr id="10" name="TextBox 9">
-            <a:extLst>
-              <a:ext uri="{FF2B5EF4-FFF2-40B4-BE49-F238E27FC236}">
-                <a16:creationId xmlns:a16="http://schemas.microsoft.com/office/drawing/2014/main" id="{7614AA0F-571C-4918-9C8D-0BA0639ABA94}"/>
-              </a:ext>
-            </a:extLst>
-          </p:cNvPr>
-          <p:cNvSpPr txBox="1"/>
-          <p:nvPr/>
-        </p:nvSpPr>
-        <p:spPr>
-          <a:xfrm>
-            <a:off x="443059" y="5110345"/>
-            <a:ext cx="8031637" cy="1200329"/>
-          </a:xfrm>
-          <a:prstGeom prst="rect">
-            <a:avLst/>
-          </a:prstGeom>
-          <a:noFill/>
-        </p:spPr>
-        <p:txBody>
-          <a:bodyPr wrap="square">
-            <a:spAutoFit/>
-          </a:bodyPr>
-          <a:lstStyle/>
-          <a:p>
-            <a:r>
-              <a:rPr lang="en-US" b="1" i="0" dirty="0">
-                <a:solidFill>
-                  <a:srgbClr val="000080"/>
-                </a:solidFill>
-                <a:effectLst/>
-                <a:latin typeface="Courier New" panose="02070309020205020404" pitchFamily="49" charset="0"/>
-                <a:cs typeface="Courier New" panose="02070309020205020404" pitchFamily="49" charset="0"/>
-              </a:rPr>
-              <a:t>public</a:t>
-            </a:r>
-            <a:r>
-              <a:rPr lang="en-US" b="0" i="0" dirty="0">
-                <a:solidFill>
-                  <a:srgbClr val="000000"/>
-                </a:solidFill>
-                <a:effectLst/>
-                <a:latin typeface="Courier New" panose="02070309020205020404" pitchFamily="49" charset="0"/>
-                <a:cs typeface="Courier New" panose="02070309020205020404" pitchFamily="49" charset="0"/>
-              </a:rPr>
-              <a:t> </a:t>
-            </a:r>
-            <a:r>
-              <a:rPr lang="en-US" b="1" i="0" dirty="0">
-                <a:solidFill>
-                  <a:srgbClr val="000080"/>
-                </a:solidFill>
-                <a:effectLst/>
-                <a:latin typeface="Courier New" panose="02070309020205020404" pitchFamily="49" charset="0"/>
-                <a:cs typeface="Courier New" panose="02070309020205020404" pitchFamily="49" charset="0"/>
-              </a:rPr>
-              <a:t>static</a:t>
-            </a:r>
-            <a:r>
-              <a:rPr lang="en-US" b="0" i="0" dirty="0">
-                <a:solidFill>
-                  <a:srgbClr val="000000"/>
-                </a:solidFill>
-                <a:effectLst/>
-                <a:latin typeface="Courier New" panose="02070309020205020404" pitchFamily="49" charset="0"/>
-                <a:cs typeface="Courier New" panose="02070309020205020404" pitchFamily="49" charset="0"/>
-              </a:rPr>
-              <a:t> </a:t>
-            </a:r>
-            <a:r>
-              <a:rPr lang="en-US" b="1" i="0" dirty="0">
-                <a:solidFill>
-                  <a:srgbClr val="000080"/>
-                </a:solidFill>
-                <a:effectLst/>
-                <a:latin typeface="Courier New" panose="02070309020205020404" pitchFamily="49" charset="0"/>
-                <a:cs typeface="Courier New" panose="02070309020205020404" pitchFamily="49" charset="0"/>
-              </a:rPr>
-              <a:t>void</a:t>
-            </a:r>
-            <a:r>
-              <a:rPr lang="en-US" b="0" i="0" dirty="0">
-                <a:solidFill>
-                  <a:srgbClr val="000000"/>
-                </a:solidFill>
-                <a:effectLst/>
-                <a:latin typeface="Courier New" panose="02070309020205020404" pitchFamily="49" charset="0"/>
-                <a:cs typeface="Courier New" panose="02070309020205020404" pitchFamily="49" charset="0"/>
-              </a:rPr>
-              <a:t> </a:t>
-            </a:r>
-            <a:r>
-              <a:rPr lang="en-US" b="0" i="0" dirty="0">
-                <a:solidFill>
-                  <a:srgbClr val="900606"/>
-                </a:solidFill>
-                <a:effectLst/>
-                <a:latin typeface="Courier New" panose="02070309020205020404" pitchFamily="49" charset="0"/>
-                <a:cs typeface="Courier New" panose="02070309020205020404" pitchFamily="49" charset="0"/>
-              </a:rPr>
-              <a:t>main</a:t>
-            </a:r>
-            <a:r>
-              <a:rPr lang="en-US" b="0" i="0" dirty="0">
-                <a:solidFill>
-                  <a:srgbClr val="000000"/>
-                </a:solidFill>
-                <a:effectLst/>
-                <a:latin typeface="Courier New" panose="02070309020205020404" pitchFamily="49" charset="0"/>
-                <a:cs typeface="Courier New" panose="02070309020205020404" pitchFamily="49" charset="0"/>
-              </a:rPr>
-              <a:t>(String[] </a:t>
-            </a:r>
-            <a:r>
-              <a:rPr lang="en-US" b="0" i="0" dirty="0" err="1">
-                <a:solidFill>
-                  <a:srgbClr val="000000"/>
-                </a:solidFill>
-                <a:effectLst/>
-                <a:latin typeface="Courier New" panose="02070309020205020404" pitchFamily="49" charset="0"/>
-                <a:cs typeface="Courier New" panose="02070309020205020404" pitchFamily="49" charset="0"/>
-              </a:rPr>
-              <a:t>args</a:t>
-            </a:r>
-            <a:r>
-              <a:rPr lang="en-US" b="0" i="0" dirty="0">
-                <a:solidFill>
-                  <a:srgbClr val="000000"/>
-                </a:solidFill>
-                <a:effectLst/>
-                <a:latin typeface="Courier New" panose="02070309020205020404" pitchFamily="49" charset="0"/>
-                <a:cs typeface="Courier New" panose="02070309020205020404" pitchFamily="49" charset="0"/>
-              </a:rPr>
-              <a:t>) { </a:t>
-            </a:r>
-            <a:endParaRPr lang="uk-UA" b="0" i="0" dirty="0">
-              <a:solidFill>
-                <a:srgbClr val="000000"/>
-              </a:solidFill>
-              <a:effectLst/>
-              <a:latin typeface="Courier New" panose="02070309020205020404" pitchFamily="49" charset="0"/>
-              <a:cs typeface="Courier New" panose="02070309020205020404" pitchFamily="49" charset="0"/>
-            </a:endParaRPr>
-          </a:p>
-          <a:p>
-            <a:r>
-              <a:rPr lang="uk-UA" b="1" i="0" dirty="0">
-                <a:solidFill>
-                  <a:srgbClr val="000080"/>
-                </a:solidFill>
-                <a:effectLst/>
-                <a:latin typeface="Courier New" panose="02070309020205020404" pitchFamily="49" charset="0"/>
-                <a:cs typeface="Courier New" panose="02070309020205020404" pitchFamily="49" charset="0"/>
-              </a:rPr>
-              <a:t>	</a:t>
-            </a:r>
-            <a:r>
-              <a:rPr lang="en-US" b="1" i="0" dirty="0">
-                <a:solidFill>
-                  <a:srgbClr val="000080"/>
-                </a:solidFill>
-                <a:effectLst/>
-                <a:latin typeface="Courier New" panose="02070309020205020404" pitchFamily="49" charset="0"/>
-                <a:cs typeface="Courier New" panose="02070309020205020404" pitchFamily="49" charset="0"/>
-              </a:rPr>
-              <a:t>final</a:t>
-            </a:r>
-            <a:r>
-              <a:rPr lang="en-US" b="0" i="0" dirty="0">
-                <a:solidFill>
-                  <a:srgbClr val="000000"/>
-                </a:solidFill>
-                <a:effectLst/>
-                <a:latin typeface="Courier New" panose="02070309020205020404" pitchFamily="49" charset="0"/>
-                <a:cs typeface="Courier New" panose="02070309020205020404" pitchFamily="49" charset="0"/>
-              </a:rPr>
-              <a:t> </a:t>
-            </a:r>
-            <a:r>
-              <a:rPr lang="en-US" b="1" i="0" dirty="0">
-                <a:solidFill>
-                  <a:srgbClr val="000080"/>
-                </a:solidFill>
-                <a:effectLst/>
-                <a:latin typeface="Courier New" panose="02070309020205020404" pitchFamily="49" charset="0"/>
-                <a:cs typeface="Courier New" panose="02070309020205020404" pitchFamily="49" charset="0"/>
-              </a:rPr>
-              <a:t>int</a:t>
-            </a:r>
-            <a:r>
-              <a:rPr lang="en-US" b="0" i="0" dirty="0">
-                <a:solidFill>
-                  <a:srgbClr val="000000"/>
-                </a:solidFill>
-                <a:effectLst/>
-                <a:latin typeface="Courier New" panose="02070309020205020404" pitchFamily="49" charset="0"/>
-                <a:cs typeface="Courier New" panose="02070309020205020404" pitchFamily="49" charset="0"/>
-              </a:rPr>
-              <a:t> CONSTANT_EXAMPLE; </a:t>
-            </a:r>
-            <a:endParaRPr lang="uk-UA" b="0" i="0" dirty="0">
-              <a:solidFill>
-                <a:srgbClr val="000000"/>
-              </a:solidFill>
-              <a:effectLst/>
-              <a:latin typeface="Courier New" panose="02070309020205020404" pitchFamily="49" charset="0"/>
-              <a:cs typeface="Courier New" panose="02070309020205020404" pitchFamily="49" charset="0"/>
-            </a:endParaRPr>
-          </a:p>
-          <a:p>
-            <a:r>
-              <a:rPr lang="uk-UA" b="0" i="0" dirty="0">
-                <a:solidFill>
-                  <a:srgbClr val="000000"/>
-                </a:solidFill>
-                <a:effectLst/>
-                <a:latin typeface="Courier New" panose="02070309020205020404" pitchFamily="49" charset="0"/>
-                <a:cs typeface="Courier New" panose="02070309020205020404" pitchFamily="49" charset="0"/>
-              </a:rPr>
-              <a:t>	</a:t>
-            </a:r>
-            <a:r>
-              <a:rPr lang="en-US" b="0" i="0" dirty="0">
-                <a:solidFill>
-                  <a:srgbClr val="000000"/>
-                </a:solidFill>
-                <a:effectLst/>
-                <a:latin typeface="Courier New" panose="02070309020205020404" pitchFamily="49" charset="0"/>
-                <a:cs typeface="Courier New" panose="02070309020205020404" pitchFamily="49" charset="0"/>
-              </a:rPr>
-              <a:t>CONSTANT_EXAMPLE = </a:t>
-            </a:r>
-            <a:r>
-              <a:rPr lang="en-US" b="0" i="0" dirty="0">
-                <a:solidFill>
-                  <a:srgbClr val="082C8B"/>
-                </a:solidFill>
-                <a:effectLst/>
-                <a:latin typeface="Courier New" panose="02070309020205020404" pitchFamily="49" charset="0"/>
-                <a:cs typeface="Courier New" panose="02070309020205020404" pitchFamily="49" charset="0"/>
-              </a:rPr>
-              <a:t>999</a:t>
-            </a:r>
-            <a:r>
-              <a:rPr lang="en-US" b="0" i="0" dirty="0">
-                <a:solidFill>
-                  <a:srgbClr val="000000"/>
-                </a:solidFill>
-                <a:effectLst/>
-                <a:latin typeface="Courier New" panose="02070309020205020404" pitchFamily="49" charset="0"/>
-                <a:cs typeface="Courier New" panose="02070309020205020404" pitchFamily="49" charset="0"/>
-              </a:rPr>
-              <a:t>;</a:t>
-            </a:r>
-            <a:r>
-              <a:rPr lang="en-US" b="0" i="0" dirty="0">
-                <a:effectLst/>
-                <a:latin typeface="Courier New" panose="02070309020205020404" pitchFamily="49" charset="0"/>
-                <a:cs typeface="Courier New" panose="02070309020205020404" pitchFamily="49" charset="0"/>
-              </a:rPr>
-              <a:t>//</a:t>
-            </a:r>
-            <a:r>
-              <a:rPr lang="uk-UA" b="0" i="0" dirty="0">
-                <a:effectLst/>
-                <a:latin typeface="Courier New" panose="02070309020205020404" pitchFamily="49" charset="0"/>
-                <a:cs typeface="Courier New" panose="02070309020205020404" pitchFamily="49" charset="0"/>
-              </a:rPr>
-              <a:t>так робити можна</a:t>
-            </a:r>
-            <a:r>
-              <a:rPr lang="uk-UA" b="0" i="0" dirty="0">
-                <a:solidFill>
-                  <a:srgbClr val="000000"/>
-                </a:solidFill>
-                <a:effectLst/>
-                <a:latin typeface="Courier New" panose="02070309020205020404" pitchFamily="49" charset="0"/>
-                <a:cs typeface="Courier New" panose="02070309020205020404" pitchFamily="49" charset="0"/>
-              </a:rPr>
-              <a:t> </a:t>
-            </a:r>
-          </a:p>
-          <a:p>
-            <a:r>
-              <a:rPr lang="uk-UA" b="0" i="0" dirty="0">
-                <a:solidFill>
-                  <a:srgbClr val="000000"/>
-                </a:solidFill>
-                <a:effectLst/>
-                <a:latin typeface="Courier New" panose="02070309020205020404" pitchFamily="49" charset="0"/>
-                <a:cs typeface="Courier New" panose="02070309020205020404" pitchFamily="49" charset="0"/>
-              </a:rPr>
-              <a:t>}</a:t>
-            </a:r>
-            <a:endParaRPr lang="uk-UA" dirty="0">
-              <a:latin typeface="Courier New" panose="02070309020205020404" pitchFamily="49" charset="0"/>
-              <a:cs typeface="Courier New" panose="02070309020205020404" pitchFamily="49" charset="0"/>
-            </a:endParaRPr>
-          </a:p>
-        </p:txBody>
-      </p:sp>
-      <p:sp>
-        <p:nvSpPr>
-          <p:cNvPr id="11" name="Rectangle 2">
-            <a:extLst>
-              <a:ext uri="{FF2B5EF4-FFF2-40B4-BE49-F238E27FC236}">
-                <a16:creationId xmlns:a16="http://schemas.microsoft.com/office/drawing/2014/main" id="{0EFB21B8-4930-428B-B765-AE5AAB8A33E2}"/>
-              </a:ext>
-            </a:extLst>
-          </p:cNvPr>
+          <p:cNvPr id="103429" name="AutoShape 6"/>
           <p:cNvSpPr>
             <a:spLocks noChangeArrowheads="1"/>
           </p:cNvSpPr>
           <p:nvPr/>
         </p:nvSpPr>
         <p:spPr bwMode="auto">
-          <a:xfrm>
-            <a:off x="443059" y="2124912"/>
-            <a:ext cx="11359298" cy="2215991"/>
+          <a:xfrm rot="19442806">
+            <a:off x="8085139" y="4117975"/>
+            <a:ext cx="935037" cy="323850"/>
           </a:xfrm>
-          <a:prstGeom prst="rect">
-            <a:avLst/>
+          <a:prstGeom prst="rightArrow">
+            <a:avLst>
+              <a:gd name="adj1" fmla="val 50000"/>
+              <a:gd name="adj2" fmla="val 60298"/>
+            </a:avLst>
           </a:prstGeom>
           <a:solidFill>
-            <a:srgbClr val="FFFFFF"/>
+            <a:schemeClr val="accent1"/>
           </a:solidFill>
-          <a:ln>
-            <a:noFill/>
+          <a:ln w="9525">
+            <a:solidFill>
+              <a:schemeClr val="tx1"/>
+            </a:solidFill>
+            <a:miter lim="800000"/>
+            <a:headEnd/>
+            <a:tailEnd/>
           </a:ln>
           <a:effectLst/>
           <a:extLst>
-            <a:ext uri="{91240B29-F687-4F45-9708-019B960494DF}">
-              <a14:hiddenLine xmlns:a14="http://schemas.microsoft.com/office/drawing/2010/main" w="9525">
-                <a:solidFill>
-                  <a:schemeClr val="tx1"/>
-                </a:solidFill>
-                <a:miter lim="800000"/>
-                <a:headEnd/>
-                <a:tailEnd/>
-              </a14:hiddenLine>
-            </a:ext>
             <a:ext uri="{AF507438-7753-43E0-B8FC-AC1667EBCBE1}">
               <a14:hiddenEffects xmlns:a14="http://schemas.microsoft.com/office/drawing/2010/main">
                 <a:effectLst>
@@ -9757,770 +9103,165 @@
           </a:extLst>
         </p:spPr>
         <p:txBody>
-          <a:bodyPr vert="horz" wrap="square" lIns="91440" tIns="0" rIns="91440" bIns="0" numCol="1" anchor="ctr" anchorCtr="0" compatLnSpc="1">
-            <a:prstTxWarp prst="textNoShape">
-              <a:avLst/>
-            </a:prstTxWarp>
-            <a:spAutoFit/>
-          </a:bodyPr>
+          <a:bodyPr wrap="none" anchor="ctr"/>
           <a:lstStyle>
-            <a:lvl1pPr eaLnBrk="0" fontAlgn="base" hangingPunct="0">
+            <a:lvl1pPr eaLnBrk="0" hangingPunct="0">
+              <a:spcAft>
+                <a:spcPct val="40000"/>
+              </a:spcAft>
+              <a:buClr>
+                <a:srgbClr val="004587"/>
+              </a:buClr>
+              <a:buFont typeface="Wingdings" panose="05000000000000000000" pitchFamily="2" charset="2"/>
+              <a:buChar char="§"/>
+              <a:defRPr sz="2000">
+                <a:solidFill>
+                  <a:schemeClr val="tx1"/>
+                </a:solidFill>
+                <a:latin typeface="Arial" panose="020B0604020202020204" pitchFamily="34" charset="0"/>
+                <a:cs typeface="Arial" panose="020B0604020202020204" pitchFamily="34" charset="0"/>
+              </a:defRPr>
+            </a:lvl1pPr>
+            <a:lvl2pPr marL="742950" indent="-285750" eaLnBrk="0" hangingPunct="0">
+              <a:spcAft>
+                <a:spcPct val="40000"/>
+              </a:spcAft>
+              <a:buClr>
+                <a:srgbClr val="004587"/>
+              </a:buClr>
+              <a:buChar char="–"/>
+              <a:defRPr>
+                <a:solidFill>
+                  <a:schemeClr val="tx1"/>
+                </a:solidFill>
+                <a:latin typeface="Arial" panose="020B0604020202020204" pitchFamily="34" charset="0"/>
+                <a:cs typeface="Arial" panose="020B0604020202020204" pitchFamily="34" charset="0"/>
+              </a:defRPr>
+            </a:lvl2pPr>
+            <a:lvl3pPr marL="1143000" indent="-228600" eaLnBrk="0" hangingPunct="0">
+              <a:spcAft>
+                <a:spcPct val="40000"/>
+              </a:spcAft>
+              <a:buClr>
+                <a:srgbClr val="004587"/>
+              </a:buClr>
+              <a:buChar char="•"/>
+              <a:defRPr sz="1600">
+                <a:solidFill>
+                  <a:schemeClr val="tx1"/>
+                </a:solidFill>
+                <a:latin typeface="Arial" panose="020B0604020202020204" pitchFamily="34" charset="0"/>
+                <a:cs typeface="Arial" panose="020B0604020202020204" pitchFamily="34" charset="0"/>
+              </a:defRPr>
+            </a:lvl3pPr>
+            <a:lvl4pPr marL="1600200" indent="-228600" eaLnBrk="0" hangingPunct="0">
+              <a:spcAft>
+                <a:spcPct val="40000"/>
+              </a:spcAft>
+              <a:buChar char="–"/>
+              <a:defRPr sz="2000">
+                <a:solidFill>
+                  <a:schemeClr val="tx1"/>
+                </a:solidFill>
+                <a:latin typeface="Arial" panose="020B0604020202020204" pitchFamily="34" charset="0"/>
+                <a:cs typeface="Arial" panose="020B0604020202020204" pitchFamily="34" charset="0"/>
+              </a:defRPr>
+            </a:lvl4pPr>
+            <a:lvl5pPr marL="2057400" indent="-228600" eaLnBrk="0" hangingPunct="0">
+              <a:spcAft>
+                <a:spcPct val="40000"/>
+              </a:spcAft>
+              <a:buChar char="»"/>
+              <a:defRPr sz="2000">
+                <a:solidFill>
+                  <a:schemeClr val="tx1"/>
+                </a:solidFill>
+                <a:latin typeface="Arial" panose="020B0604020202020204" pitchFamily="34" charset="0"/>
+                <a:cs typeface="Arial" panose="020B0604020202020204" pitchFamily="34" charset="0"/>
+              </a:defRPr>
+            </a:lvl5pPr>
+            <a:lvl6pPr marL="2514600" indent="-228600" eaLnBrk="0" fontAlgn="base" hangingPunct="0">
               <a:spcBef>
                 <a:spcPct val="0"/>
               </a:spcBef>
               <a:spcAft>
-                <a:spcPct val="0"/>
+                <a:spcPct val="40000"/>
               </a:spcAft>
-              <a:defRPr>
+              <a:buChar char="»"/>
+              <a:defRPr sz="2000">
                 <a:solidFill>
                   <a:schemeClr val="tx1"/>
                 </a:solidFill>
                 <a:latin typeface="Arial" panose="020B0604020202020204" pitchFamily="34" charset="0"/>
+                <a:cs typeface="Arial" panose="020B0604020202020204" pitchFamily="34" charset="0"/>
               </a:defRPr>
-            </a:lvl1pPr>
-            <a:lvl2pPr eaLnBrk="0" fontAlgn="base" hangingPunct="0">
+            </a:lvl6pPr>
+            <a:lvl7pPr marL="2971800" indent="-228600" eaLnBrk="0" fontAlgn="base" hangingPunct="0">
               <a:spcBef>
                 <a:spcPct val="0"/>
               </a:spcBef>
               <a:spcAft>
-                <a:spcPct val="0"/>
+                <a:spcPct val="40000"/>
               </a:spcAft>
-              <a:defRPr>
+              <a:buChar char="»"/>
+              <a:defRPr sz="2000">
                 <a:solidFill>
                   <a:schemeClr val="tx1"/>
                 </a:solidFill>
                 <a:latin typeface="Arial" panose="020B0604020202020204" pitchFamily="34" charset="0"/>
+                <a:cs typeface="Arial" panose="020B0604020202020204" pitchFamily="34" charset="0"/>
               </a:defRPr>
-            </a:lvl2pPr>
-            <a:lvl3pPr eaLnBrk="0" fontAlgn="base" hangingPunct="0">
+            </a:lvl7pPr>
+            <a:lvl8pPr marL="3429000" indent="-228600" eaLnBrk="0" fontAlgn="base" hangingPunct="0">
               <a:spcBef>
                 <a:spcPct val="0"/>
               </a:spcBef>
               <a:spcAft>
-                <a:spcPct val="0"/>
+                <a:spcPct val="40000"/>
               </a:spcAft>
-              <a:defRPr>
+              <a:buChar char="»"/>
+              <a:defRPr sz="2000">
                 <a:solidFill>
                   <a:schemeClr val="tx1"/>
                 </a:solidFill>
                 <a:latin typeface="Arial" panose="020B0604020202020204" pitchFamily="34" charset="0"/>
+                <a:cs typeface="Arial" panose="020B0604020202020204" pitchFamily="34" charset="0"/>
               </a:defRPr>
-            </a:lvl3pPr>
-            <a:lvl4pPr eaLnBrk="0" fontAlgn="base" hangingPunct="0">
+            </a:lvl8pPr>
+            <a:lvl9pPr marL="3886200" indent="-228600" eaLnBrk="0" fontAlgn="base" hangingPunct="0">
               <a:spcBef>
                 <a:spcPct val="0"/>
               </a:spcBef>
               <a:spcAft>
-                <a:spcPct val="0"/>
+                <a:spcPct val="40000"/>
               </a:spcAft>
-              <a:defRPr>
+              <a:buChar char="»"/>
+              <a:defRPr sz="2000">
                 <a:solidFill>
                   <a:schemeClr val="tx1"/>
                 </a:solidFill>
                 <a:latin typeface="Arial" panose="020B0604020202020204" pitchFamily="34" charset="0"/>
-              </a:defRPr>
-            </a:lvl4pPr>
-            <a:lvl5pPr eaLnBrk="0" fontAlgn="base" hangingPunct="0">
-              <a:spcBef>
-                <a:spcPct val="0"/>
-              </a:spcBef>
-              <a:spcAft>
-                <a:spcPct val="0"/>
-              </a:spcAft>
-              <a:defRPr>
-                <a:solidFill>
-                  <a:schemeClr val="tx1"/>
-                </a:solidFill>
-                <a:latin typeface="Arial" panose="020B0604020202020204" pitchFamily="34" charset="0"/>
-              </a:defRPr>
-            </a:lvl5pPr>
-            <a:lvl6pPr eaLnBrk="0" fontAlgn="base" hangingPunct="0">
-              <a:spcBef>
-                <a:spcPct val="0"/>
-              </a:spcBef>
-              <a:spcAft>
-                <a:spcPct val="0"/>
-              </a:spcAft>
-              <a:defRPr>
-                <a:solidFill>
-                  <a:schemeClr val="tx1"/>
-                </a:solidFill>
-                <a:latin typeface="Arial" panose="020B0604020202020204" pitchFamily="34" charset="0"/>
-              </a:defRPr>
-            </a:lvl6pPr>
-            <a:lvl7pPr eaLnBrk="0" fontAlgn="base" hangingPunct="0">
-              <a:spcBef>
-                <a:spcPct val="0"/>
-              </a:spcBef>
-              <a:spcAft>
-                <a:spcPct val="0"/>
-              </a:spcAft>
-              <a:defRPr>
-                <a:solidFill>
-                  <a:schemeClr val="tx1"/>
-                </a:solidFill>
-                <a:latin typeface="Arial" panose="020B0604020202020204" pitchFamily="34" charset="0"/>
-              </a:defRPr>
-            </a:lvl7pPr>
-            <a:lvl8pPr eaLnBrk="0" fontAlgn="base" hangingPunct="0">
-              <a:spcBef>
-                <a:spcPct val="0"/>
-              </a:spcBef>
-              <a:spcAft>
-                <a:spcPct val="0"/>
-              </a:spcAft>
-              <a:defRPr>
-                <a:solidFill>
-                  <a:schemeClr val="tx1"/>
-                </a:solidFill>
-                <a:latin typeface="Arial" panose="020B0604020202020204" pitchFamily="34" charset="0"/>
-              </a:defRPr>
-            </a:lvl8pPr>
-            <a:lvl9pPr eaLnBrk="0" fontAlgn="base" hangingPunct="0">
-              <a:spcBef>
-                <a:spcPct val="0"/>
-              </a:spcBef>
-              <a:spcAft>
-                <a:spcPct val="0"/>
-              </a:spcAft>
-              <a:defRPr>
-                <a:solidFill>
-                  <a:schemeClr val="tx1"/>
-                </a:solidFill>
-                <a:latin typeface="Arial" panose="020B0604020202020204" pitchFamily="34" charset="0"/>
+                <a:cs typeface="Arial" panose="020B0604020202020204" pitchFamily="34" charset="0"/>
               </a:defRPr>
             </a:lvl9pPr>
           </a:lstStyle>
           <a:p>
-            <a:pPr marL="0" marR="0" lvl="0" indent="0" algn="l" defTabSz="914400" rtl="0" eaLnBrk="0" fontAlgn="base" latinLnBrk="0" hangingPunct="0">
-              <a:lnSpc>
-                <a:spcPct val="100000"/>
-              </a:lnSpc>
-              <a:spcBef>
-                <a:spcPct val="0"/>
-              </a:spcBef>
+            <a:pPr eaLnBrk="1" hangingPunct="1">
               <a:spcAft>
                 <a:spcPct val="0"/>
               </a:spcAft>
               <a:buClrTx/>
-              <a:buSzTx/>
               <a:buFontTx/>
               <a:buNone/>
-              <a:tabLst/>
             </a:pPr>
-            <a:r>
-              <a:rPr kumimoji="0" lang="uk-UA" altLang="uk-UA" b="1" i="0" u="none" strike="noStrike" cap="none" normalizeH="0" baseline="0" dirty="0" err="1">
-                <a:ln>
-                  <a:noFill/>
-                </a:ln>
-                <a:solidFill>
-                  <a:srgbClr val="000080"/>
-                </a:solidFill>
-                <a:effectLst/>
-                <a:latin typeface="Courier New" panose="02070309020205020404" pitchFamily="49" charset="0"/>
-                <a:cs typeface="Courier New" panose="02070309020205020404" pitchFamily="49" charset="0"/>
-              </a:rPr>
-              <a:t>public</a:t>
-            </a:r>
-            <a:r>
-              <a:rPr kumimoji="0" lang="uk-UA" altLang="uk-UA" b="0" i="0" u="none" strike="noStrike" cap="none" normalizeH="0" baseline="0" dirty="0">
-                <a:ln>
-                  <a:noFill/>
-                </a:ln>
-                <a:solidFill>
-                  <a:srgbClr val="000000"/>
-                </a:solidFill>
-                <a:effectLst/>
-                <a:latin typeface="Courier New" panose="02070309020205020404" pitchFamily="49" charset="0"/>
-                <a:cs typeface="Courier New" panose="02070309020205020404" pitchFamily="49" charset="0"/>
-              </a:rPr>
-              <a:t> </a:t>
-            </a:r>
-            <a:r>
-              <a:rPr kumimoji="0" lang="uk-UA" altLang="uk-UA" b="1" i="0" u="none" strike="noStrike" cap="none" normalizeH="0" baseline="0" dirty="0" err="1">
-                <a:ln>
-                  <a:noFill/>
-                </a:ln>
-                <a:solidFill>
-                  <a:srgbClr val="000080"/>
-                </a:solidFill>
-                <a:effectLst/>
-                <a:latin typeface="Courier New" panose="02070309020205020404" pitchFamily="49" charset="0"/>
-                <a:cs typeface="Courier New" panose="02070309020205020404" pitchFamily="49" charset="0"/>
-              </a:rPr>
-              <a:t>class</a:t>
-            </a:r>
-            <a:r>
-              <a:rPr kumimoji="0" lang="uk-UA" altLang="uk-UA" b="0" i="0" u="none" strike="noStrike" cap="none" normalizeH="0" baseline="0" dirty="0">
-                <a:ln>
-                  <a:noFill/>
-                </a:ln>
-                <a:solidFill>
-                  <a:srgbClr val="000000"/>
-                </a:solidFill>
-                <a:effectLst/>
-                <a:latin typeface="Courier New" panose="02070309020205020404" pitchFamily="49" charset="0"/>
-                <a:cs typeface="Courier New" panose="02070309020205020404" pitchFamily="49" charset="0"/>
-              </a:rPr>
-              <a:t> </a:t>
-            </a:r>
-            <a:r>
-              <a:rPr kumimoji="0" lang="uk-UA" altLang="uk-UA" b="0" i="0" u="none" strike="noStrike" cap="none" normalizeH="0" baseline="0" dirty="0" err="1">
-                <a:ln>
-                  <a:noFill/>
-                </a:ln>
-                <a:solidFill>
-                  <a:srgbClr val="000000"/>
-                </a:solidFill>
-                <a:effectLst/>
-                <a:latin typeface="Courier New" panose="02070309020205020404" pitchFamily="49" charset="0"/>
-                <a:cs typeface="Courier New" panose="02070309020205020404" pitchFamily="49" charset="0"/>
-              </a:rPr>
-              <a:t>Main</a:t>
-            </a:r>
-            <a:r>
-              <a:rPr kumimoji="0" lang="uk-UA" altLang="uk-UA" b="0" i="0" u="none" strike="noStrike" cap="none" normalizeH="0" baseline="0" dirty="0">
-                <a:ln>
-                  <a:noFill/>
-                </a:ln>
-                <a:solidFill>
-                  <a:srgbClr val="000000"/>
-                </a:solidFill>
-                <a:effectLst/>
-                <a:latin typeface="Courier New" panose="02070309020205020404" pitchFamily="49" charset="0"/>
-                <a:cs typeface="Courier New" panose="02070309020205020404" pitchFamily="49" charset="0"/>
-              </a:rPr>
-              <a:t> { </a:t>
-            </a:r>
-          </a:p>
-          <a:p>
-            <a:pPr marL="0" marR="0" lvl="0" indent="0" algn="l" defTabSz="914400" rtl="0" eaLnBrk="0" fontAlgn="base" latinLnBrk="0" hangingPunct="0">
-              <a:lnSpc>
-                <a:spcPct val="100000"/>
-              </a:lnSpc>
-              <a:spcBef>
-                <a:spcPct val="0"/>
-              </a:spcBef>
-              <a:spcAft>
-                <a:spcPct val="0"/>
-              </a:spcAft>
-              <a:buClrTx/>
-              <a:buSzTx/>
-              <a:buFontTx/>
-              <a:buNone/>
-              <a:tabLst/>
-            </a:pPr>
-            <a:r>
-              <a:rPr lang="uk-UA" altLang="uk-UA" dirty="0">
-                <a:solidFill>
-                  <a:srgbClr val="000000"/>
-                </a:solidFill>
-                <a:latin typeface="Courier New" panose="02070309020205020404" pitchFamily="49" charset="0"/>
-                <a:cs typeface="Courier New" panose="02070309020205020404" pitchFamily="49" charset="0"/>
-              </a:rPr>
-              <a:t>	</a:t>
-            </a:r>
-            <a:r>
-              <a:rPr kumimoji="0" lang="uk-UA" altLang="uk-UA" b="1" i="0" u="none" strike="noStrike" cap="none" normalizeH="0" baseline="0" dirty="0" err="1">
-                <a:ln>
-                  <a:noFill/>
-                </a:ln>
-                <a:solidFill>
-                  <a:srgbClr val="000080"/>
-                </a:solidFill>
-                <a:effectLst/>
-                <a:latin typeface="Courier New" panose="02070309020205020404" pitchFamily="49" charset="0"/>
-                <a:cs typeface="Courier New" panose="02070309020205020404" pitchFamily="49" charset="0"/>
-              </a:rPr>
-              <a:t>private</a:t>
-            </a:r>
-            <a:r>
-              <a:rPr kumimoji="0" lang="uk-UA" altLang="uk-UA" b="0" i="0" u="none" strike="noStrike" cap="none" normalizeH="0" baseline="0" dirty="0">
-                <a:ln>
-                  <a:noFill/>
-                </a:ln>
-                <a:solidFill>
-                  <a:srgbClr val="000000"/>
-                </a:solidFill>
-                <a:effectLst/>
-                <a:latin typeface="Courier New" panose="02070309020205020404" pitchFamily="49" charset="0"/>
-                <a:cs typeface="Courier New" panose="02070309020205020404" pitchFamily="49" charset="0"/>
-              </a:rPr>
-              <a:t> </a:t>
-            </a:r>
-            <a:r>
-              <a:rPr kumimoji="0" lang="uk-UA" altLang="uk-UA" b="1" i="0" u="none" strike="noStrike" cap="none" normalizeH="0" baseline="0" dirty="0" err="1">
-                <a:ln>
-                  <a:noFill/>
-                </a:ln>
-                <a:solidFill>
-                  <a:srgbClr val="000080"/>
-                </a:solidFill>
-                <a:effectLst/>
-                <a:latin typeface="Courier New" panose="02070309020205020404" pitchFamily="49" charset="0"/>
-                <a:cs typeface="Courier New" panose="02070309020205020404" pitchFamily="49" charset="0"/>
-              </a:rPr>
-              <a:t>static</a:t>
-            </a:r>
-            <a:r>
-              <a:rPr kumimoji="0" lang="uk-UA" altLang="uk-UA" b="0" i="0" u="none" strike="noStrike" cap="none" normalizeH="0" baseline="0" dirty="0">
-                <a:ln>
-                  <a:noFill/>
-                </a:ln>
-                <a:solidFill>
-                  <a:srgbClr val="000000"/>
-                </a:solidFill>
-                <a:effectLst/>
-                <a:latin typeface="Courier New" panose="02070309020205020404" pitchFamily="49" charset="0"/>
-                <a:cs typeface="Courier New" panose="02070309020205020404" pitchFamily="49" charset="0"/>
-              </a:rPr>
-              <a:t> </a:t>
-            </a:r>
-            <a:r>
-              <a:rPr kumimoji="0" lang="uk-UA" altLang="uk-UA" b="1" i="0" u="none" strike="noStrike" cap="none" normalizeH="0" baseline="0" dirty="0">
-                <a:ln>
-                  <a:noFill/>
-                </a:ln>
-                <a:solidFill>
-                  <a:srgbClr val="000080"/>
-                </a:solidFill>
-                <a:effectLst/>
-                <a:latin typeface="Courier New" panose="02070309020205020404" pitchFamily="49" charset="0"/>
-                <a:cs typeface="Courier New" panose="02070309020205020404" pitchFamily="49" charset="0"/>
-              </a:rPr>
-              <a:t>final</a:t>
-            </a:r>
-            <a:r>
-              <a:rPr kumimoji="0" lang="uk-UA" altLang="uk-UA" b="0" i="0" u="none" strike="noStrike" cap="none" normalizeH="0" baseline="0" dirty="0">
-                <a:ln>
-                  <a:noFill/>
-                </a:ln>
-                <a:solidFill>
-                  <a:srgbClr val="000000"/>
-                </a:solidFill>
-                <a:effectLst/>
-                <a:latin typeface="Courier New" panose="02070309020205020404" pitchFamily="49" charset="0"/>
-                <a:cs typeface="Courier New" panose="02070309020205020404" pitchFamily="49" charset="0"/>
-              </a:rPr>
-              <a:t> </a:t>
-            </a:r>
-            <a:r>
-              <a:rPr kumimoji="0" lang="uk-UA" altLang="uk-UA" b="1" i="0" u="none" strike="noStrike" cap="none" normalizeH="0" baseline="0" dirty="0" err="1">
-                <a:ln>
-                  <a:noFill/>
-                </a:ln>
-                <a:solidFill>
-                  <a:srgbClr val="000080"/>
-                </a:solidFill>
-                <a:effectLst/>
-                <a:latin typeface="Courier New" panose="02070309020205020404" pitchFamily="49" charset="0"/>
-                <a:cs typeface="Courier New" panose="02070309020205020404" pitchFamily="49" charset="0"/>
-              </a:rPr>
-              <a:t>int</a:t>
-            </a:r>
-            <a:r>
-              <a:rPr kumimoji="0" lang="uk-UA" altLang="uk-UA" b="0" i="0" u="none" strike="noStrike" cap="none" normalizeH="0" baseline="0" dirty="0">
-                <a:ln>
-                  <a:noFill/>
-                </a:ln>
-                <a:solidFill>
-                  <a:srgbClr val="000000"/>
-                </a:solidFill>
-                <a:effectLst/>
-                <a:latin typeface="Courier New" panose="02070309020205020404" pitchFamily="49" charset="0"/>
-                <a:cs typeface="Courier New" panose="02070309020205020404" pitchFamily="49" charset="0"/>
-              </a:rPr>
-              <a:t> CONSTANT_EXAMPLE = </a:t>
-            </a:r>
-            <a:r>
-              <a:rPr kumimoji="0" lang="uk-UA" altLang="uk-UA" b="0" i="0" u="none" strike="noStrike" cap="none" normalizeH="0" baseline="0" dirty="0">
-                <a:ln>
-                  <a:noFill/>
-                </a:ln>
-                <a:solidFill>
-                  <a:srgbClr val="082C8B"/>
-                </a:solidFill>
-                <a:effectLst/>
-                <a:latin typeface="Courier New" panose="02070309020205020404" pitchFamily="49" charset="0"/>
-                <a:cs typeface="Courier New" panose="02070309020205020404" pitchFamily="49" charset="0"/>
-              </a:rPr>
-              <a:t>333</a:t>
-            </a:r>
-            <a:r>
-              <a:rPr kumimoji="0" lang="uk-UA" altLang="uk-UA" b="0" i="0" u="none" strike="noStrike" cap="none" normalizeH="0" baseline="0" dirty="0">
-                <a:ln>
-                  <a:noFill/>
-                </a:ln>
-                <a:solidFill>
-                  <a:srgbClr val="000000"/>
-                </a:solidFill>
-                <a:effectLst/>
-                <a:latin typeface="Courier New" panose="02070309020205020404" pitchFamily="49" charset="0"/>
-                <a:cs typeface="Courier New" panose="02070309020205020404" pitchFamily="49" charset="0"/>
-              </a:rPr>
-              <a:t>; </a:t>
-            </a:r>
-          </a:p>
-          <a:p>
-            <a:pPr marL="0" marR="0" lvl="0" indent="0" algn="l" defTabSz="914400" rtl="0" eaLnBrk="0" fontAlgn="base" latinLnBrk="0" hangingPunct="0">
-              <a:lnSpc>
-                <a:spcPct val="100000"/>
-              </a:lnSpc>
-              <a:spcBef>
-                <a:spcPct val="0"/>
-              </a:spcBef>
-              <a:spcAft>
-                <a:spcPct val="0"/>
-              </a:spcAft>
-              <a:buClrTx/>
-              <a:buSzTx/>
-              <a:buFontTx/>
-              <a:buNone/>
-              <a:tabLst/>
-            </a:pPr>
-            <a:r>
-              <a:rPr lang="uk-UA" altLang="uk-UA" dirty="0">
-                <a:solidFill>
-                  <a:srgbClr val="000000"/>
-                </a:solidFill>
-                <a:latin typeface="Courier New" panose="02070309020205020404" pitchFamily="49" charset="0"/>
-                <a:cs typeface="Courier New" panose="02070309020205020404" pitchFamily="49" charset="0"/>
-              </a:rPr>
-              <a:t>	</a:t>
-            </a:r>
-            <a:r>
-              <a:rPr kumimoji="0" lang="uk-UA" altLang="uk-UA" b="1" i="0" u="none" strike="noStrike" cap="none" normalizeH="0" baseline="0" dirty="0" err="1">
-                <a:ln>
-                  <a:noFill/>
-                </a:ln>
-                <a:solidFill>
-                  <a:srgbClr val="000080"/>
-                </a:solidFill>
-                <a:effectLst/>
-                <a:latin typeface="Courier New" panose="02070309020205020404" pitchFamily="49" charset="0"/>
-                <a:cs typeface="Courier New" panose="02070309020205020404" pitchFamily="49" charset="0"/>
-              </a:rPr>
-              <a:t>public</a:t>
-            </a:r>
-            <a:r>
-              <a:rPr kumimoji="0" lang="uk-UA" altLang="uk-UA" b="0" i="0" u="none" strike="noStrike" cap="none" normalizeH="0" baseline="0" dirty="0">
-                <a:ln>
-                  <a:noFill/>
-                </a:ln>
-                <a:solidFill>
-                  <a:srgbClr val="000000"/>
-                </a:solidFill>
-                <a:effectLst/>
-                <a:latin typeface="Courier New" panose="02070309020205020404" pitchFamily="49" charset="0"/>
-                <a:cs typeface="Courier New" panose="02070309020205020404" pitchFamily="49" charset="0"/>
-              </a:rPr>
-              <a:t> </a:t>
-            </a:r>
-            <a:r>
-              <a:rPr kumimoji="0" lang="uk-UA" altLang="uk-UA" b="1" i="0" u="none" strike="noStrike" cap="none" normalizeH="0" baseline="0" dirty="0" err="1">
-                <a:ln>
-                  <a:noFill/>
-                </a:ln>
-                <a:solidFill>
-                  <a:srgbClr val="000080"/>
-                </a:solidFill>
-                <a:effectLst/>
-                <a:latin typeface="Courier New" panose="02070309020205020404" pitchFamily="49" charset="0"/>
-                <a:cs typeface="Courier New" panose="02070309020205020404" pitchFamily="49" charset="0"/>
-              </a:rPr>
-              <a:t>static</a:t>
-            </a:r>
-            <a:r>
-              <a:rPr kumimoji="0" lang="uk-UA" altLang="uk-UA" b="0" i="0" u="none" strike="noStrike" cap="none" normalizeH="0" baseline="0" dirty="0">
-                <a:ln>
-                  <a:noFill/>
-                </a:ln>
-                <a:solidFill>
-                  <a:srgbClr val="000000"/>
-                </a:solidFill>
-                <a:effectLst/>
-                <a:latin typeface="Courier New" panose="02070309020205020404" pitchFamily="49" charset="0"/>
-                <a:cs typeface="Courier New" panose="02070309020205020404" pitchFamily="49" charset="0"/>
-              </a:rPr>
-              <a:t> </a:t>
-            </a:r>
-            <a:r>
-              <a:rPr kumimoji="0" lang="uk-UA" altLang="uk-UA" b="1" i="0" u="none" strike="noStrike" cap="none" normalizeH="0" baseline="0" dirty="0" err="1">
-                <a:ln>
-                  <a:noFill/>
-                </a:ln>
-                <a:solidFill>
-                  <a:srgbClr val="000080"/>
-                </a:solidFill>
-                <a:effectLst/>
-                <a:latin typeface="Courier New" panose="02070309020205020404" pitchFamily="49" charset="0"/>
-                <a:cs typeface="Courier New" panose="02070309020205020404" pitchFamily="49" charset="0"/>
-              </a:rPr>
-              <a:t>void</a:t>
-            </a:r>
-            <a:r>
-              <a:rPr kumimoji="0" lang="uk-UA" altLang="uk-UA" b="0" i="0" u="none" strike="noStrike" cap="none" normalizeH="0" baseline="0" dirty="0">
-                <a:ln>
-                  <a:noFill/>
-                </a:ln>
-                <a:solidFill>
-                  <a:srgbClr val="000000"/>
-                </a:solidFill>
-                <a:effectLst/>
-                <a:latin typeface="Courier New" panose="02070309020205020404" pitchFamily="49" charset="0"/>
-                <a:cs typeface="Courier New" panose="02070309020205020404" pitchFamily="49" charset="0"/>
-              </a:rPr>
-              <a:t> </a:t>
-            </a:r>
-            <a:r>
-              <a:rPr kumimoji="0" lang="uk-UA" altLang="uk-UA" b="0" i="0" u="none" strike="noStrike" cap="none" normalizeH="0" baseline="0" dirty="0" err="1">
-                <a:ln>
-                  <a:noFill/>
-                </a:ln>
-                <a:solidFill>
-                  <a:srgbClr val="900606"/>
-                </a:solidFill>
-                <a:effectLst/>
-                <a:latin typeface="Courier New" panose="02070309020205020404" pitchFamily="49" charset="0"/>
-                <a:cs typeface="Courier New" panose="02070309020205020404" pitchFamily="49" charset="0"/>
-              </a:rPr>
-              <a:t>main</a:t>
-            </a:r>
-            <a:r>
-              <a:rPr kumimoji="0" lang="uk-UA" altLang="uk-UA" b="0" i="0" u="none" strike="noStrike" cap="none" normalizeH="0" baseline="0" dirty="0">
-                <a:ln>
-                  <a:noFill/>
-                </a:ln>
-                <a:solidFill>
-                  <a:srgbClr val="000000"/>
-                </a:solidFill>
-                <a:effectLst/>
-                <a:latin typeface="Courier New" panose="02070309020205020404" pitchFamily="49" charset="0"/>
-                <a:cs typeface="Courier New" panose="02070309020205020404" pitchFamily="49" charset="0"/>
-              </a:rPr>
-              <a:t>(</a:t>
-            </a:r>
-            <a:r>
-              <a:rPr kumimoji="0" lang="uk-UA" altLang="uk-UA" b="0" i="0" u="none" strike="noStrike" cap="none" normalizeH="0" baseline="0" dirty="0" err="1">
-                <a:ln>
-                  <a:noFill/>
-                </a:ln>
-                <a:solidFill>
-                  <a:srgbClr val="000000"/>
-                </a:solidFill>
-                <a:effectLst/>
-                <a:latin typeface="Courier New" panose="02070309020205020404" pitchFamily="49" charset="0"/>
-                <a:cs typeface="Courier New" panose="02070309020205020404" pitchFamily="49" charset="0"/>
-              </a:rPr>
-              <a:t>String</a:t>
-            </a:r>
-            <a:r>
-              <a:rPr kumimoji="0" lang="uk-UA" altLang="uk-UA" b="0" i="0" u="none" strike="noStrike" cap="none" normalizeH="0" baseline="0" dirty="0">
-                <a:ln>
-                  <a:noFill/>
-                </a:ln>
-                <a:solidFill>
-                  <a:srgbClr val="000000"/>
-                </a:solidFill>
-                <a:effectLst/>
-                <a:latin typeface="Courier New" panose="02070309020205020404" pitchFamily="49" charset="0"/>
-                <a:cs typeface="Courier New" panose="02070309020205020404" pitchFamily="49" charset="0"/>
-              </a:rPr>
-              <a:t>[] </a:t>
-            </a:r>
-            <a:r>
-              <a:rPr kumimoji="0" lang="uk-UA" altLang="uk-UA" b="0" i="0" u="none" strike="noStrike" cap="none" normalizeH="0" baseline="0" dirty="0" err="1">
-                <a:ln>
-                  <a:noFill/>
-                </a:ln>
-                <a:solidFill>
-                  <a:srgbClr val="000000"/>
-                </a:solidFill>
-                <a:effectLst/>
-                <a:latin typeface="Courier New" panose="02070309020205020404" pitchFamily="49" charset="0"/>
-                <a:cs typeface="Courier New" panose="02070309020205020404" pitchFamily="49" charset="0"/>
-              </a:rPr>
-              <a:t>args</a:t>
-            </a:r>
-            <a:r>
-              <a:rPr kumimoji="0" lang="uk-UA" altLang="uk-UA" b="0" i="0" u="none" strike="noStrike" cap="none" normalizeH="0" baseline="0" dirty="0">
-                <a:ln>
-                  <a:noFill/>
-                </a:ln>
-                <a:solidFill>
-                  <a:srgbClr val="000000"/>
-                </a:solidFill>
-                <a:effectLst/>
-                <a:latin typeface="Courier New" panose="02070309020205020404" pitchFamily="49" charset="0"/>
-                <a:cs typeface="Courier New" panose="02070309020205020404" pitchFamily="49" charset="0"/>
-              </a:rPr>
-              <a:t>) { </a:t>
-            </a:r>
-          </a:p>
-          <a:p>
-            <a:pPr marL="0" marR="0" lvl="0" indent="0" algn="l" defTabSz="914400" rtl="0" eaLnBrk="0" fontAlgn="base" latinLnBrk="0" hangingPunct="0">
-              <a:lnSpc>
-                <a:spcPct val="100000"/>
-              </a:lnSpc>
-              <a:spcBef>
-                <a:spcPct val="0"/>
-              </a:spcBef>
-              <a:spcAft>
-                <a:spcPct val="0"/>
-              </a:spcAft>
-              <a:buClrTx/>
-              <a:buSzTx/>
-              <a:buFontTx/>
-              <a:buNone/>
-              <a:tabLst/>
-            </a:pPr>
-            <a:r>
-              <a:rPr lang="uk-UA" altLang="uk-UA" dirty="0">
-                <a:solidFill>
-                  <a:srgbClr val="000000"/>
-                </a:solidFill>
-                <a:latin typeface="Courier New" panose="02070309020205020404" pitchFamily="49" charset="0"/>
-                <a:cs typeface="Courier New" panose="02070309020205020404" pitchFamily="49" charset="0"/>
-              </a:rPr>
-              <a:t>		</a:t>
-            </a:r>
-            <a:r>
-              <a:rPr kumimoji="0" lang="uk-UA" altLang="uk-UA" b="0" i="0" u="none" strike="noStrike" cap="none" normalizeH="0" baseline="0" dirty="0">
-                <a:ln>
-                  <a:noFill/>
-                </a:ln>
-                <a:solidFill>
-                  <a:srgbClr val="000000"/>
-                </a:solidFill>
-                <a:effectLst/>
-                <a:latin typeface="Courier New" panose="02070309020205020404" pitchFamily="49" charset="0"/>
-                <a:cs typeface="Courier New" panose="02070309020205020404" pitchFamily="49" charset="0"/>
-              </a:rPr>
-              <a:t>CONSTANT_EXAMPLE = </a:t>
-            </a:r>
-            <a:r>
-              <a:rPr kumimoji="0" lang="uk-UA" altLang="uk-UA" b="0" i="0" u="none" strike="noStrike" cap="none" normalizeH="0" baseline="0" dirty="0">
-                <a:ln>
-                  <a:noFill/>
-                </a:ln>
-                <a:solidFill>
-                  <a:srgbClr val="082C8B"/>
-                </a:solidFill>
-                <a:effectLst/>
-                <a:latin typeface="Courier New" panose="02070309020205020404" pitchFamily="49" charset="0"/>
-                <a:cs typeface="Courier New" panose="02070309020205020404" pitchFamily="49" charset="0"/>
-              </a:rPr>
-              <a:t>999</a:t>
-            </a:r>
-            <a:r>
-              <a:rPr kumimoji="0" lang="uk-UA" altLang="uk-UA" b="0" i="0" u="none" strike="noStrike" cap="none" normalizeH="0" baseline="0" dirty="0">
-                <a:ln>
-                  <a:noFill/>
-                </a:ln>
-                <a:solidFill>
-                  <a:srgbClr val="000000"/>
-                </a:solidFill>
-                <a:effectLst/>
-                <a:latin typeface="Courier New" panose="02070309020205020404" pitchFamily="49" charset="0"/>
-                <a:cs typeface="Courier New" panose="02070309020205020404" pitchFamily="49" charset="0"/>
-              </a:rPr>
-              <a:t>;//помилка! Не можна присвоїти нове значення final-змінній! </a:t>
-            </a:r>
-          </a:p>
-          <a:p>
-            <a:pPr marL="0" marR="0" lvl="0" indent="0" algn="l" defTabSz="914400" rtl="0" eaLnBrk="0" fontAlgn="base" latinLnBrk="0" hangingPunct="0">
-              <a:lnSpc>
-                <a:spcPct val="100000"/>
-              </a:lnSpc>
-              <a:spcBef>
-                <a:spcPct val="0"/>
-              </a:spcBef>
-              <a:spcAft>
-                <a:spcPct val="0"/>
-              </a:spcAft>
-              <a:buClrTx/>
-              <a:buSzTx/>
-              <a:buFontTx/>
-              <a:buNone/>
-              <a:tabLst/>
-            </a:pPr>
-            <a:r>
-              <a:rPr kumimoji="0" lang="uk-UA" altLang="uk-UA" b="0" i="0" u="none" strike="noStrike" cap="none" normalizeH="0" baseline="0" dirty="0">
-                <a:ln>
-                  <a:noFill/>
-                </a:ln>
-                <a:solidFill>
-                  <a:srgbClr val="000000"/>
-                </a:solidFill>
-                <a:effectLst/>
-                <a:latin typeface="Courier New" panose="02070309020205020404" pitchFamily="49" charset="0"/>
-                <a:cs typeface="Courier New" panose="02070309020205020404" pitchFamily="49" charset="0"/>
-              </a:rPr>
-              <a:t>	} </a:t>
-            </a:r>
-          </a:p>
-          <a:p>
-            <a:pPr marL="0" marR="0" lvl="0" indent="0" algn="l" defTabSz="914400" rtl="0" eaLnBrk="0" fontAlgn="base" latinLnBrk="0" hangingPunct="0">
-              <a:lnSpc>
-                <a:spcPct val="100000"/>
-              </a:lnSpc>
-              <a:spcBef>
-                <a:spcPct val="0"/>
-              </a:spcBef>
-              <a:spcAft>
-                <a:spcPct val="0"/>
-              </a:spcAft>
-              <a:buClrTx/>
-              <a:buSzTx/>
-              <a:buFontTx/>
-              <a:buNone/>
-              <a:tabLst/>
-            </a:pPr>
-            <a:r>
-              <a:rPr kumimoji="0" lang="uk-UA" altLang="uk-UA" b="0" i="0" u="none" strike="noStrike" cap="none" normalizeH="0" baseline="0" dirty="0">
-                <a:ln>
-                  <a:noFill/>
-                </a:ln>
-                <a:solidFill>
-                  <a:srgbClr val="000000"/>
-                </a:solidFill>
-                <a:effectLst/>
-                <a:latin typeface="Courier New" panose="02070309020205020404" pitchFamily="49" charset="0"/>
-                <a:cs typeface="Courier New" panose="02070309020205020404" pitchFamily="49" charset="0"/>
-              </a:rPr>
-              <a:t>}</a:t>
-            </a:r>
-            <a:br>
-              <a:rPr kumimoji="0" lang="uk-UA" altLang="uk-UA" b="0" i="0" u="none" strike="noStrike" cap="none" normalizeH="0" baseline="0" dirty="0">
-                <a:ln>
-                  <a:noFill/>
-                </a:ln>
-                <a:solidFill>
-                  <a:schemeClr val="tx1"/>
-                </a:solidFill>
-                <a:effectLst/>
-                <a:latin typeface="Courier New" panose="02070309020205020404" pitchFamily="49" charset="0"/>
-                <a:cs typeface="Courier New" panose="02070309020205020404" pitchFamily="49" charset="0"/>
-              </a:rPr>
-            </a:br>
-            <a:endParaRPr kumimoji="0" lang="uk-UA" altLang="uk-UA" b="0" i="0" u="none" strike="noStrike" cap="none" normalizeH="0" baseline="0" dirty="0">
-              <a:ln>
-                <a:noFill/>
-              </a:ln>
-              <a:solidFill>
-                <a:schemeClr val="tx1"/>
-              </a:solidFill>
-              <a:effectLst/>
-              <a:latin typeface="Courier New" panose="02070309020205020404" pitchFamily="49" charset="0"/>
-              <a:cs typeface="Courier New" panose="02070309020205020404" pitchFamily="49" charset="0"/>
-            </a:endParaRPr>
+            <a:endParaRPr lang="ru-RU" altLang="ru-RU"/>
           </a:p>
         </p:txBody>
       </p:sp>
     </p:spTree>
     <p:extLst>
       <p:ext uri="{BB962C8B-B14F-4D97-AF65-F5344CB8AC3E}">
-        <p14:creationId xmlns:p14="http://schemas.microsoft.com/office/powerpoint/2010/main" val="758753095"/>
+        <p14:creationId xmlns:p14="http://schemas.microsoft.com/office/powerpoint/2010/main" val="4085348349"/>
       </p:ext>
     </p:extLst>
   </p:cSld>
@@ -10531,2248 +9272,6 @@
 </file>
 
 <file path=ppt/slides/slide15.xml><?xml version="1.0" encoding="utf-8"?>
-<p:sld xmlns:a="http://schemas.openxmlformats.org/drawingml/2006/main" xmlns:r="http://schemas.openxmlformats.org/officeDocument/2006/relationships" xmlns:p="http://schemas.openxmlformats.org/presentationml/2006/main">
-  <p:cSld>
-    <p:spTree>
-      <p:nvGrpSpPr>
-        <p:cNvPr id="1" name=""/>
-        <p:cNvGrpSpPr/>
-        <p:nvPr/>
-      </p:nvGrpSpPr>
-      <p:grpSpPr>
-        <a:xfrm>
-          <a:off x="0" y="0"/>
-          <a:ext cx="0" cy="0"/>
-          <a:chOff x="0" y="0"/>
-          <a:chExt cx="0" cy="0"/>
-        </a:xfrm>
-      </p:grpSpPr>
-      <p:sp>
-        <p:nvSpPr>
-          <p:cNvPr id="5" name="TextBox 4">
-            <a:extLst>
-              <a:ext uri="{FF2B5EF4-FFF2-40B4-BE49-F238E27FC236}">
-                <a16:creationId xmlns:a16="http://schemas.microsoft.com/office/drawing/2014/main" id="{D220EA4F-51B1-451D-AF39-8DC048380323}"/>
-              </a:ext>
-            </a:extLst>
-          </p:cNvPr>
-          <p:cNvSpPr txBox="1"/>
-          <p:nvPr/>
-        </p:nvSpPr>
-        <p:spPr>
-          <a:xfrm>
-            <a:off x="483123" y="926259"/>
-            <a:ext cx="11177833" cy="1938992"/>
-          </a:xfrm>
-          <a:prstGeom prst="rect">
-            <a:avLst/>
-          </a:prstGeom>
-          <a:noFill/>
-        </p:spPr>
-        <p:txBody>
-          <a:bodyPr wrap="square">
-            <a:spAutoFit/>
-          </a:bodyPr>
-          <a:lstStyle/>
-          <a:p>
-            <a:r>
-              <a:rPr lang="uk-UA" sz="2400" b="0" i="0" dirty="0">
-                <a:effectLst/>
-                <a:latin typeface="Times New Roman" panose="02020603050405020304" pitchFamily="18" charset="0"/>
-                <a:cs typeface="Times New Roman" panose="02020603050405020304" pitchFamily="18" charset="0"/>
-              </a:rPr>
-              <a:t>По-друге, зверни увагу на назву нашої змінної. Для констант у </a:t>
-            </a:r>
-            <a:r>
-              <a:rPr lang="en-US" sz="2400" b="0" i="0" dirty="0">
-                <a:effectLst/>
-                <a:latin typeface="Times New Roman" panose="02020603050405020304" pitchFamily="18" charset="0"/>
-                <a:cs typeface="Times New Roman" panose="02020603050405020304" pitchFamily="18" charset="0"/>
-              </a:rPr>
-              <a:t>Java </a:t>
-            </a:r>
-            <a:r>
-              <a:rPr lang="uk-UA" sz="2400" b="0" i="0" dirty="0">
-                <a:effectLst/>
-                <a:latin typeface="Times New Roman" panose="02020603050405020304" pitchFamily="18" charset="0"/>
-                <a:cs typeface="Times New Roman" panose="02020603050405020304" pitchFamily="18" charset="0"/>
-              </a:rPr>
-              <a:t>прийнята інша угода про іменування. Це не звичний нам </a:t>
-            </a:r>
-            <a:r>
-              <a:rPr lang="en-US" sz="2400" b="0" i="0" dirty="0">
-                <a:effectLst/>
-                <a:latin typeface="Times New Roman" panose="02020603050405020304" pitchFamily="18" charset="0"/>
-                <a:cs typeface="Times New Roman" panose="02020603050405020304" pitchFamily="18" charset="0"/>
-              </a:rPr>
-              <a:t>camelCase. </a:t>
-            </a:r>
-            <a:r>
-              <a:rPr lang="uk-UA" sz="2400" b="0" i="0" dirty="0">
-                <a:effectLst/>
-                <a:latin typeface="Times New Roman" panose="02020603050405020304" pitchFamily="18" charset="0"/>
-                <a:cs typeface="Times New Roman" panose="02020603050405020304" pitchFamily="18" charset="0"/>
-              </a:rPr>
-              <a:t>У випадку зі звичайною змінною ми б назвали її </a:t>
-            </a:r>
-            <a:r>
-              <a:rPr lang="en-US" sz="2400" b="0" i="0" dirty="0" err="1">
-                <a:effectLst/>
-                <a:latin typeface="Times New Roman" panose="02020603050405020304" pitchFamily="18" charset="0"/>
-                <a:cs typeface="Times New Roman" panose="02020603050405020304" pitchFamily="18" charset="0"/>
-              </a:rPr>
-              <a:t>constantExample</a:t>
-            </a:r>
-            <a:r>
-              <a:rPr lang="en-US" sz="2400" b="0" i="0" dirty="0">
-                <a:effectLst/>
-                <a:latin typeface="Times New Roman" panose="02020603050405020304" pitchFamily="18" charset="0"/>
-                <a:cs typeface="Times New Roman" panose="02020603050405020304" pitchFamily="18" charset="0"/>
-              </a:rPr>
-              <a:t>, </a:t>
-            </a:r>
-            <a:r>
-              <a:rPr lang="uk-UA" sz="2400" b="0" i="0" dirty="0">
-                <a:effectLst/>
-                <a:latin typeface="Times New Roman" panose="02020603050405020304" pitchFamily="18" charset="0"/>
-                <a:cs typeface="Times New Roman" panose="02020603050405020304" pitchFamily="18" charset="0"/>
-              </a:rPr>
-              <a:t>але назви констант пишуться </a:t>
-            </a:r>
-            <a:r>
-              <a:rPr lang="uk-UA" sz="2400" b="0" i="0" dirty="0" err="1">
-                <a:effectLst/>
-                <a:latin typeface="Times New Roman" panose="02020603050405020304" pitchFamily="18" charset="0"/>
-                <a:cs typeface="Times New Roman" panose="02020603050405020304" pitchFamily="18" charset="0"/>
-              </a:rPr>
-              <a:t>капсом</a:t>
-            </a:r>
-            <a:r>
-              <a:rPr lang="uk-UA" sz="2400" b="0" i="0" dirty="0">
-                <a:effectLst/>
-                <a:latin typeface="Times New Roman" panose="02020603050405020304" pitchFamily="18" charset="0"/>
-                <a:cs typeface="Times New Roman" panose="02020603050405020304" pitchFamily="18" charset="0"/>
-              </a:rPr>
-              <a:t>, а між словами (якщо їх кілька) ставиться нижнє підкреслення – "</a:t>
-            </a:r>
-            <a:r>
-              <a:rPr lang="en-US" sz="2400" b="0" i="0" dirty="0">
-                <a:effectLst/>
-                <a:latin typeface="Times New Roman" panose="02020603050405020304" pitchFamily="18" charset="0"/>
-                <a:cs typeface="Times New Roman" panose="02020603050405020304" pitchFamily="18" charset="0"/>
-              </a:rPr>
-              <a:t>CONSTANT_EXAMPLE". </a:t>
-            </a:r>
-            <a:endParaRPr lang="uk-UA" sz="2400" dirty="0">
-              <a:latin typeface="Times New Roman" panose="02020603050405020304" pitchFamily="18" charset="0"/>
-              <a:cs typeface="Times New Roman" panose="02020603050405020304" pitchFamily="18" charset="0"/>
-            </a:endParaRPr>
-          </a:p>
-        </p:txBody>
-      </p:sp>
-      <p:sp>
-        <p:nvSpPr>
-          <p:cNvPr id="6" name="TextBox 5">
-            <a:extLst>
-              <a:ext uri="{FF2B5EF4-FFF2-40B4-BE49-F238E27FC236}">
-                <a16:creationId xmlns:a16="http://schemas.microsoft.com/office/drawing/2014/main" id="{A7DA6FCB-9674-41C3-8C7A-1887A085984E}"/>
-              </a:ext>
-            </a:extLst>
-          </p:cNvPr>
-          <p:cNvSpPr txBox="1"/>
-          <p:nvPr/>
-        </p:nvSpPr>
-        <p:spPr>
-          <a:xfrm>
-            <a:off x="32725" y="0"/>
-            <a:ext cx="12191999" cy="830997"/>
-          </a:xfrm>
-          <a:prstGeom prst="rect">
-            <a:avLst/>
-          </a:prstGeom>
-          <a:noFill/>
-        </p:spPr>
-        <p:txBody>
-          <a:bodyPr wrap="square" rtlCol="0">
-            <a:spAutoFit/>
-          </a:bodyPr>
-          <a:lstStyle/>
-          <a:p>
-            <a:pPr algn="ctr"/>
-            <a:r>
-              <a:rPr lang="uk-UA" sz="4800" dirty="0">
-                <a:latin typeface="Times New Roman" panose="02020603050405020304" pitchFamily="18" charset="0"/>
-                <a:cs typeface="Times New Roman" panose="02020603050405020304" pitchFamily="18" charset="0"/>
-              </a:rPr>
-              <a:t>Модифікатор </a:t>
-            </a:r>
-            <a:r>
-              <a:rPr lang="en-US" sz="4800" dirty="0">
-                <a:latin typeface="Times New Roman" panose="02020603050405020304" pitchFamily="18" charset="0"/>
-                <a:cs typeface="Times New Roman" panose="02020603050405020304" pitchFamily="18" charset="0"/>
-              </a:rPr>
-              <a:t>final</a:t>
-            </a:r>
-            <a:endParaRPr lang="uk-UA" sz="4800" dirty="0">
-              <a:latin typeface="Times New Roman" panose="02020603050405020304" pitchFamily="18" charset="0"/>
-              <a:cs typeface="Times New Roman" panose="02020603050405020304" pitchFamily="18" charset="0"/>
-            </a:endParaRPr>
-          </a:p>
-        </p:txBody>
-      </p:sp>
-      <p:sp>
-        <p:nvSpPr>
-          <p:cNvPr id="8" name="TextBox 7">
-            <a:extLst>
-              <a:ext uri="{FF2B5EF4-FFF2-40B4-BE49-F238E27FC236}">
-                <a16:creationId xmlns:a16="http://schemas.microsoft.com/office/drawing/2014/main" id="{8485588F-2097-4B35-9A3B-CBC9C14E15B9}"/>
-              </a:ext>
-            </a:extLst>
-          </p:cNvPr>
-          <p:cNvSpPr txBox="1"/>
-          <p:nvPr/>
-        </p:nvSpPr>
-        <p:spPr>
-          <a:xfrm>
-            <a:off x="483123" y="2865251"/>
-            <a:ext cx="10969657" cy="3046988"/>
-          </a:xfrm>
-          <a:prstGeom prst="rect">
-            <a:avLst/>
-          </a:prstGeom>
-          <a:noFill/>
-        </p:spPr>
-        <p:txBody>
-          <a:bodyPr wrap="square">
-            <a:spAutoFit/>
-          </a:bodyPr>
-          <a:lstStyle/>
-          <a:p>
-            <a:r>
-              <a:rPr lang="ru-RU" sz="2400" b="0" i="0" dirty="0" err="1">
-                <a:effectLst/>
-                <a:latin typeface="Times New Roman" panose="02020603050405020304" pitchFamily="18" charset="0"/>
-                <a:cs typeface="Times New Roman" panose="02020603050405020304" pitchFamily="18" charset="0"/>
-              </a:rPr>
-              <a:t>Наприклад</a:t>
-            </a:r>
-            <a:r>
-              <a:rPr lang="ru-RU" sz="2400" b="0" i="0" dirty="0">
-                <a:effectLst/>
-                <a:latin typeface="Times New Roman" panose="02020603050405020304" pitchFamily="18" charset="0"/>
-                <a:cs typeface="Times New Roman" panose="02020603050405020304" pitchFamily="18" charset="0"/>
-              </a:rPr>
-              <a:t>, вони </a:t>
-            </a:r>
-            <a:r>
-              <a:rPr lang="ru-RU" sz="2400" b="0" i="0" dirty="0" err="1">
-                <a:effectLst/>
-                <a:latin typeface="Times New Roman" panose="02020603050405020304" pitchFamily="18" charset="0"/>
-                <a:cs typeface="Times New Roman" panose="02020603050405020304" pitchFamily="18" charset="0"/>
-              </a:rPr>
-              <a:t>стануть</a:t>
-            </a:r>
-            <a:r>
-              <a:rPr lang="ru-RU" sz="2400" b="0" i="0" dirty="0">
-                <a:effectLst/>
-                <a:latin typeface="Times New Roman" panose="02020603050405020304" pitchFamily="18" charset="0"/>
-                <a:cs typeface="Times New Roman" panose="02020603050405020304" pitchFamily="18" charset="0"/>
-              </a:rPr>
-              <a:t> у </a:t>
-            </a:r>
-            <a:r>
-              <a:rPr lang="ru-RU" sz="2400" b="0" i="0" dirty="0" err="1">
-                <a:effectLst/>
-                <a:latin typeface="Times New Roman" panose="02020603050405020304" pitchFamily="18" charset="0"/>
-                <a:cs typeface="Times New Roman" panose="02020603050405020304" pitchFamily="18" charset="0"/>
-              </a:rPr>
-              <a:t>пригоді</a:t>
-            </a:r>
-            <a:r>
-              <a:rPr lang="ru-RU" sz="2400" b="0" i="0" dirty="0">
-                <a:effectLst/>
-                <a:latin typeface="Times New Roman" panose="02020603050405020304" pitchFamily="18" charset="0"/>
-                <a:cs typeface="Times New Roman" panose="02020603050405020304" pitchFamily="18" charset="0"/>
-              </a:rPr>
-              <a:t>, </a:t>
-            </a:r>
-            <a:r>
-              <a:rPr lang="ru-RU" sz="2400" b="0" i="0" dirty="0" err="1">
-                <a:effectLst/>
-                <a:latin typeface="Times New Roman" panose="02020603050405020304" pitchFamily="18" charset="0"/>
-                <a:cs typeface="Times New Roman" panose="02020603050405020304" pitchFamily="18" charset="0"/>
-              </a:rPr>
-              <a:t>якщо</a:t>
-            </a:r>
-            <a:r>
-              <a:rPr lang="ru-RU" sz="2400" b="0" i="0" dirty="0">
-                <a:effectLst/>
-                <a:latin typeface="Times New Roman" panose="02020603050405020304" pitchFamily="18" charset="0"/>
-                <a:cs typeface="Times New Roman" panose="02020603050405020304" pitchFamily="18" charset="0"/>
-              </a:rPr>
-              <a:t> </a:t>
-            </a:r>
-            <a:r>
-              <a:rPr lang="ru-RU" sz="2400" b="0" i="0" dirty="0" err="1">
-                <a:effectLst/>
-                <a:latin typeface="Times New Roman" panose="02020603050405020304" pitchFamily="18" charset="0"/>
-                <a:cs typeface="Times New Roman" panose="02020603050405020304" pitchFamily="18" charset="0"/>
-              </a:rPr>
-              <a:t>ти</a:t>
-            </a:r>
-            <a:r>
-              <a:rPr lang="ru-RU" sz="2400" b="0" i="0" dirty="0">
-                <a:effectLst/>
-                <a:latin typeface="Times New Roman" panose="02020603050405020304" pitchFamily="18" charset="0"/>
-                <a:cs typeface="Times New Roman" panose="02020603050405020304" pitchFamily="18" charset="0"/>
-              </a:rPr>
-              <a:t> </a:t>
-            </a:r>
-            <a:r>
-              <a:rPr lang="ru-RU" sz="2400" b="0" i="0" dirty="0" err="1">
-                <a:effectLst/>
-                <a:latin typeface="Times New Roman" panose="02020603050405020304" pitchFamily="18" charset="0"/>
-                <a:cs typeface="Times New Roman" panose="02020603050405020304" pitchFamily="18" charset="0"/>
-              </a:rPr>
-              <a:t>постійно</a:t>
-            </a:r>
-            <a:r>
-              <a:rPr lang="ru-RU" sz="2400" b="0" i="0" dirty="0">
-                <a:effectLst/>
-                <a:latin typeface="Times New Roman" panose="02020603050405020304" pitchFamily="18" charset="0"/>
-                <a:cs typeface="Times New Roman" panose="02020603050405020304" pitchFamily="18" charset="0"/>
-              </a:rPr>
-              <a:t> </a:t>
-            </a:r>
-            <a:r>
-              <a:rPr lang="ru-RU" sz="2400" b="0" i="0" dirty="0" err="1">
-                <a:effectLst/>
-                <a:latin typeface="Times New Roman" panose="02020603050405020304" pitchFamily="18" charset="0"/>
-                <a:cs typeface="Times New Roman" panose="02020603050405020304" pitchFamily="18" charset="0"/>
-              </a:rPr>
-              <a:t>використовуєш</a:t>
-            </a:r>
-            <a:r>
-              <a:rPr lang="ru-RU" sz="2400" b="0" i="0" dirty="0">
-                <a:effectLst/>
-                <a:latin typeface="Times New Roman" panose="02020603050405020304" pitchFamily="18" charset="0"/>
-                <a:cs typeface="Times New Roman" panose="02020603050405020304" pitchFamily="18" charset="0"/>
-              </a:rPr>
-              <a:t> </a:t>
-            </a:r>
-            <a:r>
-              <a:rPr lang="ru-RU" sz="2400" b="0" i="0" dirty="0" err="1">
-                <a:effectLst/>
-                <a:latin typeface="Times New Roman" panose="02020603050405020304" pitchFamily="18" charset="0"/>
-                <a:cs typeface="Times New Roman" panose="02020603050405020304" pitchFamily="18" charset="0"/>
-              </a:rPr>
-              <a:t>якесь</a:t>
-            </a:r>
-            <a:r>
-              <a:rPr lang="ru-RU" sz="2400" b="0" i="0" dirty="0">
-                <a:effectLst/>
-                <a:latin typeface="Times New Roman" panose="02020603050405020304" pitchFamily="18" charset="0"/>
-                <a:cs typeface="Times New Roman" panose="02020603050405020304" pitchFamily="18" charset="0"/>
-              </a:rPr>
-              <a:t> </a:t>
-            </a:r>
-            <a:r>
-              <a:rPr lang="ru-RU" sz="2400" b="0" i="0" dirty="0" err="1">
-                <a:effectLst/>
-                <a:latin typeface="Times New Roman" panose="02020603050405020304" pitchFamily="18" charset="0"/>
-                <a:cs typeface="Times New Roman" panose="02020603050405020304" pitchFamily="18" charset="0"/>
-              </a:rPr>
-              <a:t>незмінне</a:t>
-            </a:r>
-            <a:r>
-              <a:rPr lang="ru-RU" sz="2400" b="0" i="0" dirty="0">
-                <a:effectLst/>
-                <a:latin typeface="Times New Roman" panose="02020603050405020304" pitchFamily="18" charset="0"/>
-                <a:cs typeface="Times New Roman" panose="02020603050405020304" pitchFamily="18" charset="0"/>
-              </a:rPr>
-              <a:t> </a:t>
-            </a:r>
-            <a:r>
-              <a:rPr lang="ru-RU" sz="2400" b="0" i="0" dirty="0" err="1">
-                <a:effectLst/>
-                <a:latin typeface="Times New Roman" panose="02020603050405020304" pitchFamily="18" charset="0"/>
-                <a:cs typeface="Times New Roman" panose="02020603050405020304" pitchFamily="18" charset="0"/>
-              </a:rPr>
-              <a:t>значення</a:t>
-            </a:r>
-            <a:r>
-              <a:rPr lang="ru-RU" sz="2400" b="0" i="0" dirty="0">
-                <a:effectLst/>
-                <a:latin typeface="Times New Roman" panose="02020603050405020304" pitchFamily="18" charset="0"/>
-                <a:cs typeface="Times New Roman" panose="02020603050405020304" pitchFamily="18" charset="0"/>
-              </a:rPr>
-              <a:t> в </a:t>
-            </a:r>
-            <a:r>
-              <a:rPr lang="ru-RU" sz="2400" b="0" i="0" dirty="0" err="1">
-                <a:effectLst/>
-                <a:latin typeface="Times New Roman" panose="02020603050405020304" pitchFamily="18" charset="0"/>
-                <a:cs typeface="Times New Roman" panose="02020603050405020304" pitchFamily="18" charset="0"/>
-              </a:rPr>
-              <a:t>програмі</a:t>
-            </a:r>
-            <a:r>
-              <a:rPr lang="ru-RU" sz="2400" b="0" i="0" dirty="0">
-                <a:effectLst/>
-                <a:latin typeface="Times New Roman" panose="02020603050405020304" pitchFamily="18" charset="0"/>
-                <a:cs typeface="Times New Roman" panose="02020603050405020304" pitchFamily="18" charset="0"/>
-              </a:rPr>
-              <a:t>. </a:t>
-            </a:r>
-            <a:r>
-              <a:rPr lang="ru-RU" sz="2400" b="0" i="0" dirty="0" err="1">
-                <a:effectLst/>
-                <a:latin typeface="Times New Roman" panose="02020603050405020304" pitchFamily="18" charset="0"/>
-                <a:cs typeface="Times New Roman" panose="02020603050405020304" pitchFamily="18" charset="0"/>
-              </a:rPr>
-              <a:t>Скажімо</a:t>
-            </a:r>
-            <a:r>
-              <a:rPr lang="ru-RU" sz="2400" b="0" i="0" dirty="0">
-                <a:effectLst/>
-                <a:latin typeface="Times New Roman" panose="02020603050405020304" pitchFamily="18" charset="0"/>
-                <a:cs typeface="Times New Roman" panose="02020603050405020304" pitchFamily="18" charset="0"/>
-              </a:rPr>
-              <a:t>, </a:t>
-            </a:r>
-            <a:r>
-              <a:rPr lang="ru-RU" sz="2400" b="0" i="0" dirty="0" err="1">
-                <a:effectLst/>
-                <a:latin typeface="Times New Roman" panose="02020603050405020304" pitchFamily="18" charset="0"/>
-                <a:cs typeface="Times New Roman" panose="02020603050405020304" pitchFamily="18" charset="0"/>
-              </a:rPr>
-              <a:t>ти</a:t>
-            </a:r>
-            <a:r>
-              <a:rPr lang="ru-RU" sz="2400" b="0" i="0" dirty="0">
-                <a:effectLst/>
-                <a:latin typeface="Times New Roman" panose="02020603050405020304" pitchFamily="18" charset="0"/>
-                <a:cs typeface="Times New Roman" panose="02020603050405020304" pitchFamily="18" charset="0"/>
-              </a:rPr>
-              <a:t> </a:t>
-            </a:r>
-            <a:r>
-              <a:rPr lang="ru-RU" sz="2400" b="0" i="0" dirty="0" err="1">
-                <a:effectLst/>
-                <a:latin typeface="Times New Roman" panose="02020603050405020304" pitchFamily="18" charset="0"/>
-                <a:cs typeface="Times New Roman" panose="02020603050405020304" pitchFamily="18" charset="0"/>
-              </a:rPr>
-              <a:t>вирішив</a:t>
-            </a:r>
-            <a:r>
-              <a:rPr lang="ru-RU" sz="2400" b="0" i="0" dirty="0">
-                <a:effectLst/>
-                <a:latin typeface="Times New Roman" panose="02020603050405020304" pitchFamily="18" charset="0"/>
-                <a:cs typeface="Times New Roman" panose="02020603050405020304" pitchFamily="18" charset="0"/>
-              </a:rPr>
-              <a:t> </a:t>
-            </a:r>
-            <a:r>
-              <a:rPr lang="ru-RU" sz="2400" b="0" i="0" dirty="0" err="1">
-                <a:effectLst/>
-                <a:latin typeface="Times New Roman" panose="02020603050405020304" pitchFamily="18" charset="0"/>
-                <a:cs typeface="Times New Roman" panose="02020603050405020304" pitchFamily="18" charset="0"/>
-              </a:rPr>
-              <a:t>увійти</a:t>
-            </a:r>
-            <a:r>
-              <a:rPr lang="ru-RU" sz="2400" b="0" i="0" dirty="0">
-                <a:effectLst/>
-                <a:latin typeface="Times New Roman" panose="02020603050405020304" pitchFamily="18" charset="0"/>
-                <a:cs typeface="Times New Roman" panose="02020603050405020304" pitchFamily="18" charset="0"/>
-              </a:rPr>
-              <a:t> в </a:t>
-            </a:r>
-            <a:r>
-              <a:rPr lang="ru-RU" sz="2400" b="0" i="0" dirty="0" err="1">
-                <a:effectLst/>
-                <a:latin typeface="Times New Roman" panose="02020603050405020304" pitchFamily="18" charset="0"/>
-                <a:cs typeface="Times New Roman" panose="02020603050405020304" pitchFamily="18" charset="0"/>
-              </a:rPr>
-              <a:t>історію</a:t>
-            </a:r>
-            <a:r>
-              <a:rPr lang="ru-RU" sz="2400" b="0" i="0" dirty="0">
-                <a:effectLst/>
-                <a:latin typeface="Times New Roman" panose="02020603050405020304" pitchFamily="18" charset="0"/>
-                <a:cs typeface="Times New Roman" panose="02020603050405020304" pitchFamily="18" charset="0"/>
-              </a:rPr>
-              <a:t> і </a:t>
-            </a:r>
-            <a:r>
-              <a:rPr lang="ru-RU" sz="2400" b="0" i="0" dirty="0" err="1">
-                <a:effectLst/>
-                <a:latin typeface="Times New Roman" panose="02020603050405020304" pitchFamily="18" charset="0"/>
-                <a:cs typeface="Times New Roman" panose="02020603050405020304" pitchFamily="18" charset="0"/>
-              </a:rPr>
-              <a:t>самотужки</a:t>
-            </a:r>
-            <a:r>
-              <a:rPr lang="ru-RU" sz="2400" b="0" i="0" dirty="0">
-                <a:effectLst/>
-                <a:latin typeface="Times New Roman" panose="02020603050405020304" pitchFamily="18" charset="0"/>
-                <a:cs typeface="Times New Roman" panose="02020603050405020304" pitchFamily="18" charset="0"/>
-              </a:rPr>
-              <a:t> </a:t>
-            </a:r>
-            <a:r>
-              <a:rPr lang="ru-RU" sz="2400" b="0" i="0" dirty="0" err="1">
-                <a:effectLst/>
-                <a:latin typeface="Times New Roman" panose="02020603050405020304" pitchFamily="18" charset="0"/>
-                <a:cs typeface="Times New Roman" panose="02020603050405020304" pitchFamily="18" charset="0"/>
-              </a:rPr>
-              <a:t>написати</a:t>
-            </a:r>
-            <a:r>
-              <a:rPr lang="ru-RU" sz="2400" b="0" i="0" dirty="0">
-                <a:effectLst/>
-                <a:latin typeface="Times New Roman" panose="02020603050405020304" pitchFamily="18" charset="0"/>
-                <a:cs typeface="Times New Roman" panose="02020603050405020304" pitchFamily="18" charset="0"/>
-              </a:rPr>
-              <a:t> </a:t>
-            </a:r>
-            <a:r>
-              <a:rPr lang="ru-RU" sz="2400" b="0" i="0" dirty="0" err="1">
-                <a:effectLst/>
-                <a:latin typeface="Times New Roman" panose="02020603050405020304" pitchFamily="18" charset="0"/>
-                <a:cs typeface="Times New Roman" panose="02020603050405020304" pitchFamily="18" charset="0"/>
-              </a:rPr>
-              <a:t>гру</a:t>
-            </a:r>
-            <a:r>
-              <a:rPr lang="ru-RU" sz="2400" b="0" i="0" dirty="0">
-                <a:effectLst/>
-                <a:latin typeface="Times New Roman" panose="02020603050405020304" pitchFamily="18" charset="0"/>
-                <a:cs typeface="Times New Roman" panose="02020603050405020304" pitchFamily="18" charset="0"/>
-              </a:rPr>
-              <a:t> "</a:t>
-            </a:r>
-            <a:r>
-              <a:rPr lang="ru-RU" sz="2400" b="0" i="0" dirty="0" err="1">
-                <a:effectLst/>
-                <a:latin typeface="Times New Roman" panose="02020603050405020304" pitchFamily="18" charset="0"/>
-                <a:cs typeface="Times New Roman" panose="02020603050405020304" pitchFamily="18" charset="0"/>
-              </a:rPr>
-              <a:t>Відьмак</a:t>
-            </a:r>
-            <a:r>
-              <a:rPr lang="ru-RU" sz="2400" b="0" i="0" dirty="0">
-                <a:effectLst/>
-                <a:latin typeface="Times New Roman" panose="02020603050405020304" pitchFamily="18" charset="0"/>
-                <a:cs typeface="Times New Roman" panose="02020603050405020304" pitchFamily="18" charset="0"/>
-              </a:rPr>
-              <a:t> 4". </a:t>
-            </a:r>
-          </a:p>
-          <a:p>
-            <a:r>
-              <a:rPr lang="ru-RU" sz="2400" b="0" i="0" dirty="0">
-                <a:effectLst/>
-                <a:latin typeface="Times New Roman" panose="02020603050405020304" pitchFamily="18" charset="0"/>
-                <a:cs typeface="Times New Roman" panose="02020603050405020304" pitchFamily="18" charset="0"/>
-              </a:rPr>
-              <a:t>У </a:t>
-            </a:r>
-            <a:r>
-              <a:rPr lang="ru-RU" sz="2400" b="0" i="0" dirty="0" err="1">
-                <a:effectLst/>
-                <a:latin typeface="Times New Roman" panose="02020603050405020304" pitchFamily="18" charset="0"/>
-                <a:cs typeface="Times New Roman" panose="02020603050405020304" pitchFamily="18" charset="0"/>
-              </a:rPr>
-              <a:t>грі</a:t>
-            </a:r>
-            <a:r>
-              <a:rPr lang="ru-RU" sz="2400" b="0" i="0" dirty="0">
-                <a:effectLst/>
-                <a:latin typeface="Times New Roman" panose="02020603050405020304" pitchFamily="18" charset="0"/>
-                <a:cs typeface="Times New Roman" panose="02020603050405020304" pitchFamily="18" charset="0"/>
-              </a:rPr>
-              <a:t> </a:t>
-            </a:r>
-            <a:r>
-              <a:rPr lang="ru-RU" sz="2400" b="0" i="0" dirty="0" err="1">
-                <a:effectLst/>
-                <a:latin typeface="Times New Roman" panose="02020603050405020304" pitchFamily="18" charset="0"/>
-                <a:cs typeface="Times New Roman" panose="02020603050405020304" pitchFamily="18" charset="0"/>
-              </a:rPr>
-              <a:t>вочевидь</a:t>
-            </a:r>
-            <a:r>
-              <a:rPr lang="ru-RU" sz="2400" b="0" i="0" dirty="0">
-                <a:effectLst/>
-                <a:latin typeface="Times New Roman" panose="02020603050405020304" pitchFamily="18" charset="0"/>
-                <a:cs typeface="Times New Roman" panose="02020603050405020304" pitchFamily="18" charset="0"/>
-              </a:rPr>
-              <a:t> буде </a:t>
-            </a:r>
-            <a:r>
-              <a:rPr lang="ru-RU" sz="2400" b="0" i="0" dirty="0" err="1">
-                <a:effectLst/>
-                <a:latin typeface="Times New Roman" panose="02020603050405020304" pitchFamily="18" charset="0"/>
-                <a:cs typeface="Times New Roman" panose="02020603050405020304" pitchFamily="18" charset="0"/>
-              </a:rPr>
-              <a:t>постійно</a:t>
-            </a:r>
-            <a:r>
-              <a:rPr lang="ru-RU" sz="2400" b="0" i="0" dirty="0">
-                <a:effectLst/>
-                <a:latin typeface="Times New Roman" panose="02020603050405020304" pitchFamily="18" charset="0"/>
-                <a:cs typeface="Times New Roman" panose="02020603050405020304" pitchFamily="18" charset="0"/>
-              </a:rPr>
-              <a:t> </a:t>
-            </a:r>
-            <a:r>
-              <a:rPr lang="ru-RU" sz="2400" b="0" i="0" dirty="0" err="1">
-                <a:effectLst/>
-                <a:latin typeface="Times New Roman" panose="02020603050405020304" pitchFamily="18" charset="0"/>
-                <a:cs typeface="Times New Roman" panose="02020603050405020304" pitchFamily="18" charset="0"/>
-              </a:rPr>
-              <a:t>використовуватися</a:t>
-            </a:r>
-            <a:r>
-              <a:rPr lang="ru-RU" sz="2400" b="0" i="0" dirty="0">
-                <a:effectLst/>
-                <a:latin typeface="Times New Roman" panose="02020603050405020304" pitchFamily="18" charset="0"/>
-                <a:cs typeface="Times New Roman" panose="02020603050405020304" pitchFamily="18" charset="0"/>
-              </a:rPr>
-              <a:t> </a:t>
-            </a:r>
-            <a:r>
-              <a:rPr lang="ru-RU" sz="2400" b="0" i="0" dirty="0" err="1">
-                <a:effectLst/>
-                <a:latin typeface="Times New Roman" panose="02020603050405020304" pitchFamily="18" charset="0"/>
-                <a:cs typeface="Times New Roman" panose="02020603050405020304" pitchFamily="18" charset="0"/>
-              </a:rPr>
-              <a:t>ім'я</a:t>
-            </a:r>
-            <a:r>
-              <a:rPr lang="ru-RU" sz="2400" b="0" i="0" dirty="0">
-                <a:effectLst/>
-                <a:latin typeface="Times New Roman" panose="02020603050405020304" pitchFamily="18" charset="0"/>
-                <a:cs typeface="Times New Roman" panose="02020603050405020304" pitchFamily="18" charset="0"/>
-              </a:rPr>
-              <a:t> головного героя – "</a:t>
-            </a:r>
-            <a:r>
-              <a:rPr lang="ru-RU" sz="2400" b="0" i="0" dirty="0" err="1">
-                <a:effectLst/>
-                <a:latin typeface="Times New Roman" panose="02020603050405020304" pitchFamily="18" charset="0"/>
-                <a:cs typeface="Times New Roman" panose="02020603050405020304" pitchFamily="18" charset="0"/>
-              </a:rPr>
-              <a:t>Ґеральт</a:t>
-            </a:r>
-            <a:r>
-              <a:rPr lang="ru-RU" sz="2400" b="0" i="0" dirty="0">
-                <a:effectLst/>
-                <a:latin typeface="Times New Roman" panose="02020603050405020304" pitchFamily="18" charset="0"/>
-                <a:cs typeface="Times New Roman" panose="02020603050405020304" pitchFamily="18" charset="0"/>
-              </a:rPr>
-              <a:t> з </a:t>
-            </a:r>
-            <a:r>
-              <a:rPr lang="ru-RU" sz="2400" b="0" i="0" dirty="0" err="1">
-                <a:effectLst/>
-                <a:latin typeface="Times New Roman" panose="02020603050405020304" pitchFamily="18" charset="0"/>
-                <a:cs typeface="Times New Roman" panose="02020603050405020304" pitchFamily="18" charset="0"/>
-              </a:rPr>
-              <a:t>Рівії</a:t>
-            </a:r>
-            <a:r>
-              <a:rPr lang="ru-RU" sz="2400" b="0" i="0" dirty="0">
-                <a:effectLst/>
-                <a:latin typeface="Times New Roman" panose="02020603050405020304" pitchFamily="18" charset="0"/>
-                <a:cs typeface="Times New Roman" panose="02020603050405020304" pitchFamily="18" charset="0"/>
-              </a:rPr>
-              <a:t>". </a:t>
-            </a:r>
-          </a:p>
-          <a:p>
-            <a:r>
-              <a:rPr lang="ru-RU" sz="2400" b="0" i="0" dirty="0" err="1">
-                <a:effectLst/>
-                <a:latin typeface="Times New Roman" panose="02020603050405020304" pitchFamily="18" charset="0"/>
-                <a:cs typeface="Times New Roman" panose="02020603050405020304" pitchFamily="18" charset="0"/>
-              </a:rPr>
-              <a:t>Цей</a:t>
-            </a:r>
-            <a:r>
-              <a:rPr lang="ru-RU" sz="2400" b="0" i="0" dirty="0">
-                <a:effectLst/>
-                <a:latin typeface="Times New Roman" panose="02020603050405020304" pitchFamily="18" charset="0"/>
-                <a:cs typeface="Times New Roman" panose="02020603050405020304" pitchFamily="18" charset="0"/>
-              </a:rPr>
-              <a:t> рядок та </a:t>
-            </a:r>
-            <a:r>
-              <a:rPr lang="ru-RU" sz="2400" b="0" i="0" dirty="0" err="1">
-                <a:effectLst/>
-                <a:latin typeface="Times New Roman" panose="02020603050405020304" pitchFamily="18" charset="0"/>
-                <a:cs typeface="Times New Roman" panose="02020603050405020304" pitchFamily="18" charset="0"/>
-              </a:rPr>
-              <a:t>імена</a:t>
-            </a:r>
-            <a:r>
-              <a:rPr lang="ru-RU" sz="2400" b="0" i="0" dirty="0">
-                <a:effectLst/>
-                <a:latin typeface="Times New Roman" panose="02020603050405020304" pitchFamily="18" charset="0"/>
-                <a:cs typeface="Times New Roman" panose="02020603050405020304" pitchFamily="18" charset="0"/>
-              </a:rPr>
-              <a:t> </a:t>
-            </a:r>
-            <a:r>
-              <a:rPr lang="ru-RU" sz="2400" b="0" i="0" dirty="0" err="1">
-                <a:effectLst/>
-                <a:latin typeface="Times New Roman" panose="02020603050405020304" pitchFamily="18" charset="0"/>
-                <a:cs typeface="Times New Roman" panose="02020603050405020304" pitchFamily="18" charset="0"/>
-              </a:rPr>
-              <a:t>інших</a:t>
-            </a:r>
-            <a:r>
-              <a:rPr lang="ru-RU" sz="2400" b="0" i="0" dirty="0">
-                <a:effectLst/>
-                <a:latin typeface="Times New Roman" panose="02020603050405020304" pitchFamily="18" charset="0"/>
-                <a:cs typeface="Times New Roman" panose="02020603050405020304" pitchFamily="18" charset="0"/>
-              </a:rPr>
-              <a:t> </a:t>
-            </a:r>
-            <a:r>
-              <a:rPr lang="ru-RU" sz="2400" b="0" i="0" dirty="0" err="1">
-                <a:effectLst/>
-                <a:latin typeface="Times New Roman" panose="02020603050405020304" pitchFamily="18" charset="0"/>
-                <a:cs typeface="Times New Roman" panose="02020603050405020304" pitchFamily="18" charset="0"/>
-              </a:rPr>
-              <a:t>героїв</a:t>
-            </a:r>
-            <a:r>
-              <a:rPr lang="ru-RU" sz="2400" b="0" i="0" dirty="0">
-                <a:effectLst/>
-                <a:latin typeface="Times New Roman" panose="02020603050405020304" pitchFamily="18" charset="0"/>
-                <a:cs typeface="Times New Roman" panose="02020603050405020304" pitchFamily="18" charset="0"/>
-              </a:rPr>
-              <a:t> </a:t>
-            </a:r>
-            <a:r>
-              <a:rPr lang="ru-RU" sz="2400" b="0" i="0" dirty="0" err="1">
-                <a:effectLst/>
-                <a:latin typeface="Times New Roman" panose="02020603050405020304" pitchFamily="18" charset="0"/>
-                <a:cs typeface="Times New Roman" panose="02020603050405020304" pitchFamily="18" charset="0"/>
-              </a:rPr>
-              <a:t>краще</a:t>
-            </a:r>
-            <a:r>
-              <a:rPr lang="ru-RU" sz="2400" b="0" i="0" dirty="0">
-                <a:effectLst/>
-                <a:latin typeface="Times New Roman" panose="02020603050405020304" pitchFamily="18" charset="0"/>
-                <a:cs typeface="Times New Roman" panose="02020603050405020304" pitchFamily="18" charset="0"/>
-              </a:rPr>
-              <a:t> </a:t>
-            </a:r>
-            <a:r>
-              <a:rPr lang="ru-RU" sz="2400" b="0" i="0" dirty="0" err="1">
-                <a:effectLst/>
-                <a:latin typeface="Times New Roman" panose="02020603050405020304" pitchFamily="18" charset="0"/>
-                <a:cs typeface="Times New Roman" panose="02020603050405020304" pitchFamily="18" charset="0"/>
-              </a:rPr>
-              <a:t>виділити</a:t>
-            </a:r>
-            <a:r>
-              <a:rPr lang="ru-RU" sz="2400" b="0" i="0" dirty="0">
-                <a:effectLst/>
-                <a:latin typeface="Times New Roman" panose="02020603050405020304" pitchFamily="18" charset="0"/>
-                <a:cs typeface="Times New Roman" panose="02020603050405020304" pitchFamily="18" charset="0"/>
-              </a:rPr>
-              <a:t> в константу: </a:t>
-            </a:r>
-            <a:r>
-              <a:rPr lang="ru-RU" sz="2400" b="0" i="0" dirty="0" err="1">
-                <a:effectLst/>
-                <a:latin typeface="Times New Roman" panose="02020603050405020304" pitchFamily="18" charset="0"/>
-                <a:cs typeface="Times New Roman" panose="02020603050405020304" pitchFamily="18" charset="0"/>
-              </a:rPr>
-              <a:t>потрібне</a:t>
-            </a:r>
-            <a:r>
-              <a:rPr lang="ru-RU" sz="2400" b="0" i="0" dirty="0">
-                <a:effectLst/>
-                <a:latin typeface="Times New Roman" panose="02020603050405020304" pitchFamily="18" charset="0"/>
-                <a:cs typeface="Times New Roman" panose="02020603050405020304" pitchFamily="18" charset="0"/>
-              </a:rPr>
-              <a:t> </a:t>
-            </a:r>
-            <a:r>
-              <a:rPr lang="ru-RU" sz="2400" b="0" i="0" dirty="0" err="1">
-                <a:effectLst/>
-                <a:latin typeface="Times New Roman" panose="02020603050405020304" pitchFamily="18" charset="0"/>
-                <a:cs typeface="Times New Roman" panose="02020603050405020304" pitchFamily="18" charset="0"/>
-              </a:rPr>
-              <a:t>тобі</a:t>
-            </a:r>
-            <a:r>
-              <a:rPr lang="ru-RU" sz="2400" b="0" i="0" dirty="0">
-                <a:effectLst/>
-                <a:latin typeface="Times New Roman" panose="02020603050405020304" pitchFamily="18" charset="0"/>
-                <a:cs typeface="Times New Roman" panose="02020603050405020304" pitchFamily="18" charset="0"/>
-              </a:rPr>
-              <a:t> </a:t>
-            </a:r>
-            <a:r>
-              <a:rPr lang="ru-RU" sz="2400" b="0" i="0" dirty="0" err="1">
-                <a:effectLst/>
-                <a:latin typeface="Times New Roman" panose="02020603050405020304" pitchFamily="18" charset="0"/>
-                <a:cs typeface="Times New Roman" panose="02020603050405020304" pitchFamily="18" charset="0"/>
-              </a:rPr>
-              <a:t>значення</a:t>
-            </a:r>
-            <a:r>
-              <a:rPr lang="ru-RU" sz="2400" b="0" i="0" dirty="0">
-                <a:effectLst/>
-                <a:latin typeface="Times New Roman" panose="02020603050405020304" pitchFamily="18" charset="0"/>
-                <a:cs typeface="Times New Roman" panose="02020603050405020304" pitchFamily="18" charset="0"/>
-              </a:rPr>
-              <a:t> </a:t>
-            </a:r>
-            <a:r>
-              <a:rPr lang="ru-RU" sz="2400" b="0" i="0" dirty="0" err="1">
-                <a:effectLst/>
-                <a:latin typeface="Times New Roman" panose="02020603050405020304" pitchFamily="18" charset="0"/>
-                <a:cs typeface="Times New Roman" panose="02020603050405020304" pitchFamily="18" charset="0"/>
-              </a:rPr>
-              <a:t>зберігатиметься</a:t>
-            </a:r>
-            <a:r>
-              <a:rPr lang="ru-RU" sz="2400" b="0" i="0" dirty="0">
-                <a:effectLst/>
-                <a:latin typeface="Times New Roman" panose="02020603050405020304" pitchFamily="18" charset="0"/>
-                <a:cs typeface="Times New Roman" panose="02020603050405020304" pitchFamily="18" charset="0"/>
-              </a:rPr>
-              <a:t> в одному </a:t>
-            </a:r>
-            <a:r>
-              <a:rPr lang="ru-RU" sz="2400" b="0" i="0" dirty="0" err="1">
-                <a:effectLst/>
-                <a:latin typeface="Times New Roman" panose="02020603050405020304" pitchFamily="18" charset="0"/>
-                <a:cs typeface="Times New Roman" panose="02020603050405020304" pitchFamily="18" charset="0"/>
-              </a:rPr>
-              <a:t>місці</a:t>
-            </a:r>
-            <a:r>
-              <a:rPr lang="ru-RU" sz="2400" b="0" i="0" dirty="0">
-                <a:effectLst/>
-                <a:latin typeface="Times New Roman" panose="02020603050405020304" pitchFamily="18" charset="0"/>
-                <a:cs typeface="Times New Roman" panose="02020603050405020304" pitchFamily="18" charset="0"/>
-              </a:rPr>
-              <a:t>, і </a:t>
-            </a:r>
-            <a:r>
-              <a:rPr lang="ru-RU" sz="2400" b="0" i="0" dirty="0" err="1">
-                <a:effectLst/>
-                <a:latin typeface="Times New Roman" panose="02020603050405020304" pitchFamily="18" charset="0"/>
-                <a:cs typeface="Times New Roman" panose="02020603050405020304" pitchFamily="18" charset="0"/>
-              </a:rPr>
-              <a:t>ти</a:t>
-            </a:r>
-            <a:r>
-              <a:rPr lang="ru-RU" sz="2400" b="0" i="0" dirty="0">
-                <a:effectLst/>
-                <a:latin typeface="Times New Roman" panose="02020603050405020304" pitchFamily="18" charset="0"/>
-                <a:cs typeface="Times New Roman" panose="02020603050405020304" pitchFamily="18" charset="0"/>
-              </a:rPr>
-              <a:t> точно не </a:t>
-            </a:r>
-            <a:r>
-              <a:rPr lang="ru-RU" sz="2400" b="0" i="0" dirty="0" err="1">
-                <a:effectLst/>
-                <a:latin typeface="Times New Roman" panose="02020603050405020304" pitchFamily="18" charset="0"/>
-                <a:cs typeface="Times New Roman" panose="02020603050405020304" pitchFamily="18" charset="0"/>
-              </a:rPr>
-              <a:t>помилишся</a:t>
-            </a:r>
-            <a:r>
-              <a:rPr lang="ru-RU" sz="2400" b="0" i="0" dirty="0">
-                <a:effectLst/>
-                <a:latin typeface="Times New Roman" panose="02020603050405020304" pitchFamily="18" charset="0"/>
-                <a:cs typeface="Times New Roman" panose="02020603050405020304" pitchFamily="18" charset="0"/>
-              </a:rPr>
-              <a:t>, </a:t>
-            </a:r>
-            <a:r>
-              <a:rPr lang="ru-RU" sz="2400" b="0" i="0" dirty="0" err="1">
-                <a:effectLst/>
-                <a:latin typeface="Times New Roman" panose="02020603050405020304" pitchFamily="18" charset="0"/>
-                <a:cs typeface="Times New Roman" panose="02020603050405020304" pitchFamily="18" charset="0"/>
-              </a:rPr>
-              <a:t>друкуючи</a:t>
-            </a:r>
-            <a:r>
-              <a:rPr lang="ru-RU" sz="2400" b="0" i="0" dirty="0">
-                <a:effectLst/>
-                <a:latin typeface="Times New Roman" panose="02020603050405020304" pitchFamily="18" charset="0"/>
-                <a:cs typeface="Times New Roman" panose="02020603050405020304" pitchFamily="18" charset="0"/>
-              </a:rPr>
-              <a:t> </a:t>
-            </a:r>
-            <a:r>
-              <a:rPr lang="ru-RU" sz="2400" b="0" i="0" dirty="0" err="1">
-                <a:effectLst/>
-                <a:latin typeface="Times New Roman" panose="02020603050405020304" pitchFamily="18" charset="0"/>
-                <a:cs typeface="Times New Roman" panose="02020603050405020304" pitchFamily="18" charset="0"/>
-              </a:rPr>
-              <a:t>його</a:t>
-            </a:r>
-            <a:r>
-              <a:rPr lang="ru-RU" sz="2400" b="0" i="0" dirty="0">
-                <a:effectLst/>
-                <a:latin typeface="Times New Roman" panose="02020603050405020304" pitchFamily="18" charset="0"/>
-                <a:cs typeface="Times New Roman" panose="02020603050405020304" pitchFamily="18" charset="0"/>
-              </a:rPr>
-              <a:t> в </a:t>
-            </a:r>
-            <a:r>
-              <a:rPr lang="ru-RU" sz="2400" b="0" i="0" dirty="0" err="1">
-                <a:effectLst/>
-                <a:latin typeface="Times New Roman" panose="02020603050405020304" pitchFamily="18" charset="0"/>
-                <a:cs typeface="Times New Roman" panose="02020603050405020304" pitchFamily="18" charset="0"/>
-              </a:rPr>
-              <a:t>мільйонний</a:t>
-            </a:r>
-            <a:r>
-              <a:rPr lang="ru-RU" sz="2400" b="0" i="0" dirty="0">
-                <a:effectLst/>
-                <a:latin typeface="Times New Roman" panose="02020603050405020304" pitchFamily="18" charset="0"/>
-                <a:cs typeface="Times New Roman" panose="02020603050405020304" pitchFamily="18" charset="0"/>
-              </a:rPr>
-              <a:t> раз.</a:t>
-            </a:r>
-            <a:endParaRPr lang="uk-UA" sz="2400" dirty="0">
-              <a:latin typeface="Times New Roman" panose="02020603050405020304" pitchFamily="18" charset="0"/>
-              <a:cs typeface="Times New Roman" panose="02020603050405020304" pitchFamily="18" charset="0"/>
-            </a:endParaRPr>
-          </a:p>
-        </p:txBody>
-      </p:sp>
-    </p:spTree>
-    <p:extLst>
-      <p:ext uri="{BB962C8B-B14F-4D97-AF65-F5344CB8AC3E}">
-        <p14:creationId xmlns:p14="http://schemas.microsoft.com/office/powerpoint/2010/main" val="2690774504"/>
-      </p:ext>
-    </p:extLst>
-  </p:cSld>
-  <p:clrMapOvr>
-    <a:masterClrMapping/>
-  </p:clrMapOvr>
-</p:sld>
-</file>
-
-<file path=ppt/slides/slide16.xml><?xml version="1.0" encoding="utf-8"?>
-<p:sld xmlns:a="http://schemas.openxmlformats.org/drawingml/2006/main" xmlns:r="http://schemas.openxmlformats.org/officeDocument/2006/relationships" xmlns:p="http://schemas.openxmlformats.org/presentationml/2006/main">
-  <p:cSld>
-    <p:spTree>
-      <p:nvGrpSpPr>
-        <p:cNvPr id="1" name=""/>
-        <p:cNvGrpSpPr/>
-        <p:nvPr/>
-      </p:nvGrpSpPr>
-      <p:grpSpPr>
-        <a:xfrm>
-          <a:off x="0" y="0"/>
-          <a:ext cx="0" cy="0"/>
-          <a:chOff x="0" y="0"/>
-          <a:chExt cx="0" cy="0"/>
-        </a:xfrm>
-      </p:grpSpPr>
-      <p:sp>
-        <p:nvSpPr>
-          <p:cNvPr id="5" name="TextBox 4">
-            <a:extLst>
-              <a:ext uri="{FF2B5EF4-FFF2-40B4-BE49-F238E27FC236}">
-                <a16:creationId xmlns:a16="http://schemas.microsoft.com/office/drawing/2014/main" id="{5FA723CC-103D-4C6D-BD97-2747ADFF646D}"/>
-              </a:ext>
-            </a:extLst>
-          </p:cNvPr>
-          <p:cNvSpPr txBox="1"/>
-          <p:nvPr/>
-        </p:nvSpPr>
-        <p:spPr>
-          <a:xfrm>
-            <a:off x="386498" y="1582340"/>
-            <a:ext cx="11566690" cy="4524315"/>
-          </a:xfrm>
-          <a:prstGeom prst="rect">
-            <a:avLst/>
-          </a:prstGeom>
-          <a:noFill/>
-        </p:spPr>
-        <p:txBody>
-          <a:bodyPr wrap="square">
-            <a:spAutoFit/>
-          </a:bodyPr>
-          <a:lstStyle/>
-          <a:p>
-            <a:r>
-              <a:rPr lang="en-US" b="1" i="0" dirty="0">
-                <a:solidFill>
-                  <a:srgbClr val="000080"/>
-                </a:solidFill>
-                <a:effectLst/>
-                <a:latin typeface="Courier New" panose="02070309020205020404" pitchFamily="49" charset="0"/>
-                <a:cs typeface="Courier New" panose="02070309020205020404" pitchFamily="49" charset="0"/>
-              </a:rPr>
-              <a:t>public</a:t>
-            </a:r>
-            <a:r>
-              <a:rPr lang="en-US" b="0" i="0" dirty="0">
-                <a:solidFill>
-                  <a:srgbClr val="000000"/>
-                </a:solidFill>
-                <a:effectLst/>
-                <a:latin typeface="Courier New" panose="02070309020205020404" pitchFamily="49" charset="0"/>
-                <a:cs typeface="Courier New" panose="02070309020205020404" pitchFamily="49" charset="0"/>
-              </a:rPr>
-              <a:t> </a:t>
-            </a:r>
-            <a:r>
-              <a:rPr lang="en-US" b="1" i="0" dirty="0">
-                <a:solidFill>
-                  <a:srgbClr val="000080"/>
-                </a:solidFill>
-                <a:effectLst/>
-                <a:latin typeface="Courier New" panose="02070309020205020404" pitchFamily="49" charset="0"/>
-                <a:cs typeface="Courier New" panose="02070309020205020404" pitchFamily="49" charset="0"/>
-              </a:rPr>
-              <a:t>class</a:t>
-            </a:r>
-            <a:r>
-              <a:rPr lang="en-US" b="0" i="0" dirty="0">
-                <a:solidFill>
-                  <a:srgbClr val="000000"/>
-                </a:solidFill>
-                <a:effectLst/>
-                <a:latin typeface="Courier New" panose="02070309020205020404" pitchFamily="49" charset="0"/>
-                <a:cs typeface="Courier New" panose="02070309020205020404" pitchFamily="49" charset="0"/>
-              </a:rPr>
-              <a:t> TheWitcher4 { </a:t>
-            </a:r>
-            <a:endParaRPr lang="uk-UA" b="0" i="0" dirty="0">
-              <a:solidFill>
-                <a:srgbClr val="000000"/>
-              </a:solidFill>
-              <a:effectLst/>
-              <a:latin typeface="Courier New" panose="02070309020205020404" pitchFamily="49" charset="0"/>
-              <a:cs typeface="Courier New" panose="02070309020205020404" pitchFamily="49" charset="0"/>
-            </a:endParaRPr>
-          </a:p>
-          <a:p>
-            <a:r>
-              <a:rPr lang="uk-UA" dirty="0">
-                <a:solidFill>
-                  <a:srgbClr val="000000"/>
-                </a:solidFill>
-                <a:latin typeface="Courier New" panose="02070309020205020404" pitchFamily="49" charset="0"/>
-                <a:cs typeface="Courier New" panose="02070309020205020404" pitchFamily="49" charset="0"/>
-              </a:rPr>
-              <a:t>	</a:t>
-            </a:r>
-            <a:r>
-              <a:rPr lang="en-US" b="1" i="0" dirty="0">
-                <a:solidFill>
-                  <a:srgbClr val="000080"/>
-                </a:solidFill>
-                <a:effectLst/>
-                <a:latin typeface="Courier New" panose="02070309020205020404" pitchFamily="49" charset="0"/>
-                <a:cs typeface="Courier New" panose="02070309020205020404" pitchFamily="49" charset="0"/>
-              </a:rPr>
-              <a:t>private</a:t>
-            </a:r>
-            <a:r>
-              <a:rPr lang="en-US" b="0" i="0" dirty="0">
-                <a:solidFill>
-                  <a:srgbClr val="000000"/>
-                </a:solidFill>
-                <a:effectLst/>
-                <a:latin typeface="Courier New" panose="02070309020205020404" pitchFamily="49" charset="0"/>
-                <a:cs typeface="Courier New" panose="02070309020205020404" pitchFamily="49" charset="0"/>
-              </a:rPr>
-              <a:t> </a:t>
-            </a:r>
-            <a:r>
-              <a:rPr lang="en-US" b="1" i="0" dirty="0">
-                <a:solidFill>
-                  <a:srgbClr val="000080"/>
-                </a:solidFill>
-                <a:effectLst/>
-                <a:latin typeface="Courier New" panose="02070309020205020404" pitchFamily="49" charset="0"/>
-                <a:cs typeface="Courier New" panose="02070309020205020404" pitchFamily="49" charset="0"/>
-              </a:rPr>
-              <a:t>static</a:t>
-            </a:r>
-            <a:r>
-              <a:rPr lang="en-US" b="0" i="0" dirty="0">
-                <a:solidFill>
-                  <a:srgbClr val="000000"/>
-                </a:solidFill>
-                <a:effectLst/>
-                <a:latin typeface="Courier New" panose="02070309020205020404" pitchFamily="49" charset="0"/>
-                <a:cs typeface="Courier New" panose="02070309020205020404" pitchFamily="49" charset="0"/>
-              </a:rPr>
-              <a:t> </a:t>
-            </a:r>
-            <a:r>
-              <a:rPr lang="en-US" b="1" i="0" dirty="0">
-                <a:solidFill>
-                  <a:srgbClr val="000080"/>
-                </a:solidFill>
-                <a:effectLst/>
-                <a:latin typeface="Courier New" panose="02070309020205020404" pitchFamily="49" charset="0"/>
-                <a:cs typeface="Courier New" panose="02070309020205020404" pitchFamily="49" charset="0"/>
-              </a:rPr>
-              <a:t>final</a:t>
-            </a:r>
-            <a:r>
-              <a:rPr lang="en-US" b="0" i="0" dirty="0">
-                <a:solidFill>
-                  <a:srgbClr val="000000"/>
-                </a:solidFill>
-                <a:effectLst/>
-                <a:latin typeface="Courier New" panose="02070309020205020404" pitchFamily="49" charset="0"/>
-                <a:cs typeface="Courier New" panose="02070309020205020404" pitchFamily="49" charset="0"/>
-              </a:rPr>
-              <a:t> String GERALT_NAME = </a:t>
-            </a:r>
-            <a:r>
-              <a:rPr lang="en-US" b="0" i="0" dirty="0">
-                <a:solidFill>
-                  <a:srgbClr val="008000"/>
-                </a:solidFill>
-                <a:effectLst/>
-                <a:latin typeface="Courier New" panose="02070309020205020404" pitchFamily="49" charset="0"/>
-                <a:cs typeface="Courier New" panose="02070309020205020404" pitchFamily="49" charset="0"/>
-              </a:rPr>
-              <a:t>"</a:t>
-            </a:r>
-            <a:r>
-              <a:rPr lang="uk-UA" b="0" i="0" dirty="0" err="1">
-                <a:solidFill>
-                  <a:srgbClr val="008000"/>
-                </a:solidFill>
-                <a:effectLst/>
-                <a:latin typeface="Courier New" panose="02070309020205020404" pitchFamily="49" charset="0"/>
-                <a:cs typeface="Courier New" panose="02070309020205020404" pitchFamily="49" charset="0"/>
-              </a:rPr>
-              <a:t>Ґеральт</a:t>
-            </a:r>
-            <a:r>
-              <a:rPr lang="uk-UA" b="0" i="0" dirty="0">
-                <a:solidFill>
-                  <a:srgbClr val="008000"/>
-                </a:solidFill>
-                <a:effectLst/>
-                <a:latin typeface="Courier New" panose="02070309020205020404" pitchFamily="49" charset="0"/>
-                <a:cs typeface="Courier New" panose="02070309020205020404" pitchFamily="49" charset="0"/>
-              </a:rPr>
-              <a:t> з </a:t>
-            </a:r>
-            <a:r>
-              <a:rPr lang="uk-UA" b="0" i="0" dirty="0" err="1">
-                <a:solidFill>
-                  <a:srgbClr val="008000"/>
-                </a:solidFill>
-                <a:effectLst/>
-                <a:latin typeface="Courier New" panose="02070309020205020404" pitchFamily="49" charset="0"/>
-                <a:cs typeface="Courier New" panose="02070309020205020404" pitchFamily="49" charset="0"/>
-              </a:rPr>
-              <a:t>Рівії</a:t>
-            </a:r>
-            <a:r>
-              <a:rPr lang="uk-UA" b="0" i="0" dirty="0">
-                <a:solidFill>
-                  <a:srgbClr val="008000"/>
-                </a:solidFill>
-                <a:effectLst/>
-                <a:latin typeface="Courier New" panose="02070309020205020404" pitchFamily="49" charset="0"/>
-                <a:cs typeface="Courier New" panose="02070309020205020404" pitchFamily="49" charset="0"/>
-              </a:rPr>
-              <a:t>"</a:t>
-            </a:r>
-            <a:r>
-              <a:rPr lang="uk-UA" b="0" i="0" dirty="0">
-                <a:solidFill>
-                  <a:srgbClr val="000000"/>
-                </a:solidFill>
-                <a:effectLst/>
-                <a:latin typeface="Courier New" panose="02070309020205020404" pitchFamily="49" charset="0"/>
-                <a:cs typeface="Courier New" panose="02070309020205020404" pitchFamily="49" charset="0"/>
-              </a:rPr>
-              <a:t>; </a:t>
-            </a:r>
-          </a:p>
-          <a:p>
-            <a:r>
-              <a:rPr lang="uk-UA" b="1" i="0" dirty="0">
-                <a:solidFill>
-                  <a:srgbClr val="000080"/>
-                </a:solidFill>
-                <a:effectLst/>
-                <a:latin typeface="Courier New" panose="02070309020205020404" pitchFamily="49" charset="0"/>
-                <a:cs typeface="Courier New" panose="02070309020205020404" pitchFamily="49" charset="0"/>
-              </a:rPr>
-              <a:t>	</a:t>
-            </a:r>
-            <a:r>
-              <a:rPr lang="en-US" b="1" i="0" dirty="0">
-                <a:solidFill>
-                  <a:srgbClr val="000080"/>
-                </a:solidFill>
-                <a:effectLst/>
-                <a:latin typeface="Courier New" panose="02070309020205020404" pitchFamily="49" charset="0"/>
-                <a:cs typeface="Courier New" panose="02070309020205020404" pitchFamily="49" charset="0"/>
-              </a:rPr>
-              <a:t>private</a:t>
-            </a:r>
-            <a:r>
-              <a:rPr lang="en-US" b="0" i="0" dirty="0">
-                <a:solidFill>
-                  <a:srgbClr val="000000"/>
-                </a:solidFill>
-                <a:effectLst/>
-                <a:latin typeface="Courier New" panose="02070309020205020404" pitchFamily="49" charset="0"/>
-                <a:cs typeface="Courier New" panose="02070309020205020404" pitchFamily="49" charset="0"/>
-              </a:rPr>
-              <a:t> </a:t>
-            </a:r>
-            <a:r>
-              <a:rPr lang="en-US" b="1" i="0" dirty="0">
-                <a:solidFill>
-                  <a:srgbClr val="000080"/>
-                </a:solidFill>
-                <a:effectLst/>
-                <a:latin typeface="Courier New" panose="02070309020205020404" pitchFamily="49" charset="0"/>
-                <a:cs typeface="Courier New" panose="02070309020205020404" pitchFamily="49" charset="0"/>
-              </a:rPr>
-              <a:t>static</a:t>
-            </a:r>
-            <a:r>
-              <a:rPr lang="en-US" b="0" i="0" dirty="0">
-                <a:solidFill>
-                  <a:srgbClr val="000000"/>
-                </a:solidFill>
-                <a:effectLst/>
-                <a:latin typeface="Courier New" panose="02070309020205020404" pitchFamily="49" charset="0"/>
-                <a:cs typeface="Courier New" panose="02070309020205020404" pitchFamily="49" charset="0"/>
-              </a:rPr>
-              <a:t> </a:t>
-            </a:r>
-            <a:r>
-              <a:rPr lang="en-US" b="1" i="0" dirty="0">
-                <a:solidFill>
-                  <a:srgbClr val="000080"/>
-                </a:solidFill>
-                <a:effectLst/>
-                <a:latin typeface="Courier New" panose="02070309020205020404" pitchFamily="49" charset="0"/>
-                <a:cs typeface="Courier New" panose="02070309020205020404" pitchFamily="49" charset="0"/>
-              </a:rPr>
-              <a:t>final</a:t>
-            </a:r>
-            <a:r>
-              <a:rPr lang="en-US" b="0" i="0" dirty="0">
-                <a:solidFill>
-                  <a:srgbClr val="000000"/>
-                </a:solidFill>
-                <a:effectLst/>
-                <a:latin typeface="Courier New" panose="02070309020205020404" pitchFamily="49" charset="0"/>
-                <a:cs typeface="Courier New" panose="02070309020205020404" pitchFamily="49" charset="0"/>
-              </a:rPr>
-              <a:t> String YENNEFER_NAME = </a:t>
-            </a:r>
-            <a:r>
-              <a:rPr lang="en-US" b="0" i="0" dirty="0">
-                <a:solidFill>
-                  <a:srgbClr val="008000"/>
-                </a:solidFill>
-                <a:effectLst/>
-                <a:latin typeface="Courier New" panose="02070309020205020404" pitchFamily="49" charset="0"/>
-                <a:cs typeface="Courier New" panose="02070309020205020404" pitchFamily="49" charset="0"/>
-              </a:rPr>
-              <a:t>"</a:t>
-            </a:r>
-            <a:r>
-              <a:rPr lang="uk-UA" b="0" i="0" dirty="0" err="1">
-                <a:solidFill>
-                  <a:srgbClr val="008000"/>
-                </a:solidFill>
-                <a:effectLst/>
-                <a:latin typeface="Courier New" panose="02070309020205020404" pitchFamily="49" charset="0"/>
-                <a:cs typeface="Courier New" panose="02070309020205020404" pitchFamily="49" charset="0"/>
-              </a:rPr>
-              <a:t>Йеннефер</a:t>
-            </a:r>
-            <a:r>
-              <a:rPr lang="uk-UA" b="0" i="0" dirty="0">
-                <a:solidFill>
-                  <a:srgbClr val="008000"/>
-                </a:solidFill>
-                <a:effectLst/>
-                <a:latin typeface="Courier New" panose="02070309020205020404" pitchFamily="49" charset="0"/>
-                <a:cs typeface="Courier New" panose="02070309020205020404" pitchFamily="49" charset="0"/>
-              </a:rPr>
-              <a:t> з </a:t>
-            </a:r>
-            <a:r>
-              <a:rPr lang="uk-UA" b="0" i="0" dirty="0" err="1">
-                <a:solidFill>
-                  <a:srgbClr val="008000"/>
-                </a:solidFill>
-                <a:effectLst/>
-                <a:latin typeface="Courier New" panose="02070309020205020404" pitchFamily="49" charset="0"/>
-                <a:cs typeface="Courier New" panose="02070309020205020404" pitchFamily="49" charset="0"/>
-              </a:rPr>
-              <a:t>Венґерберґу</a:t>
-            </a:r>
-            <a:r>
-              <a:rPr lang="uk-UA" b="0" i="0" dirty="0">
-                <a:solidFill>
-                  <a:srgbClr val="008000"/>
-                </a:solidFill>
-                <a:effectLst/>
-                <a:latin typeface="Courier New" panose="02070309020205020404" pitchFamily="49" charset="0"/>
-                <a:cs typeface="Courier New" panose="02070309020205020404" pitchFamily="49" charset="0"/>
-              </a:rPr>
-              <a:t>"</a:t>
-            </a:r>
-            <a:r>
-              <a:rPr lang="uk-UA" b="0" i="0" dirty="0">
-                <a:solidFill>
-                  <a:srgbClr val="000000"/>
-                </a:solidFill>
-                <a:effectLst/>
-                <a:latin typeface="Courier New" panose="02070309020205020404" pitchFamily="49" charset="0"/>
-                <a:cs typeface="Courier New" panose="02070309020205020404" pitchFamily="49" charset="0"/>
-              </a:rPr>
-              <a:t>; </a:t>
-            </a:r>
-          </a:p>
-          <a:p>
-            <a:r>
-              <a:rPr lang="uk-UA" dirty="0">
-                <a:solidFill>
-                  <a:srgbClr val="000000"/>
-                </a:solidFill>
-                <a:latin typeface="Courier New" panose="02070309020205020404" pitchFamily="49" charset="0"/>
-                <a:cs typeface="Courier New" panose="02070309020205020404" pitchFamily="49" charset="0"/>
-              </a:rPr>
-              <a:t>	</a:t>
-            </a:r>
-            <a:r>
-              <a:rPr lang="en-US" b="1" i="0" dirty="0">
-                <a:solidFill>
-                  <a:srgbClr val="000080"/>
-                </a:solidFill>
-                <a:effectLst/>
-                <a:latin typeface="Courier New" panose="02070309020205020404" pitchFamily="49" charset="0"/>
-                <a:cs typeface="Courier New" panose="02070309020205020404" pitchFamily="49" charset="0"/>
-              </a:rPr>
-              <a:t>private</a:t>
-            </a:r>
-            <a:r>
-              <a:rPr lang="en-US" b="0" i="0" dirty="0">
-                <a:solidFill>
-                  <a:srgbClr val="000000"/>
-                </a:solidFill>
-                <a:effectLst/>
-                <a:latin typeface="Courier New" panose="02070309020205020404" pitchFamily="49" charset="0"/>
-                <a:cs typeface="Courier New" panose="02070309020205020404" pitchFamily="49" charset="0"/>
-              </a:rPr>
-              <a:t> </a:t>
-            </a:r>
-            <a:r>
-              <a:rPr lang="en-US" b="1" i="0" dirty="0">
-                <a:solidFill>
-                  <a:srgbClr val="000080"/>
-                </a:solidFill>
-                <a:effectLst/>
-                <a:latin typeface="Courier New" panose="02070309020205020404" pitchFamily="49" charset="0"/>
-                <a:cs typeface="Courier New" panose="02070309020205020404" pitchFamily="49" charset="0"/>
-              </a:rPr>
-              <a:t>static</a:t>
-            </a:r>
-            <a:r>
-              <a:rPr lang="en-US" b="0" i="0" dirty="0">
-                <a:solidFill>
-                  <a:srgbClr val="000000"/>
-                </a:solidFill>
-                <a:effectLst/>
-                <a:latin typeface="Courier New" panose="02070309020205020404" pitchFamily="49" charset="0"/>
-                <a:cs typeface="Courier New" panose="02070309020205020404" pitchFamily="49" charset="0"/>
-              </a:rPr>
-              <a:t> </a:t>
-            </a:r>
-            <a:r>
-              <a:rPr lang="en-US" b="1" i="0" dirty="0">
-                <a:solidFill>
-                  <a:srgbClr val="000080"/>
-                </a:solidFill>
-                <a:effectLst/>
-                <a:latin typeface="Courier New" panose="02070309020205020404" pitchFamily="49" charset="0"/>
-                <a:cs typeface="Courier New" panose="02070309020205020404" pitchFamily="49" charset="0"/>
-              </a:rPr>
-              <a:t>final</a:t>
-            </a:r>
-            <a:r>
-              <a:rPr lang="en-US" b="0" i="0" dirty="0">
-                <a:solidFill>
-                  <a:srgbClr val="000000"/>
-                </a:solidFill>
-                <a:effectLst/>
-                <a:latin typeface="Courier New" panose="02070309020205020404" pitchFamily="49" charset="0"/>
-                <a:cs typeface="Courier New" panose="02070309020205020404" pitchFamily="49" charset="0"/>
-              </a:rPr>
-              <a:t> String TRISS_NAME = </a:t>
-            </a:r>
-            <a:r>
-              <a:rPr lang="en-US" b="0" i="0" dirty="0">
-                <a:solidFill>
-                  <a:srgbClr val="008000"/>
-                </a:solidFill>
-                <a:effectLst/>
-                <a:latin typeface="Courier New" panose="02070309020205020404" pitchFamily="49" charset="0"/>
-                <a:cs typeface="Courier New" panose="02070309020205020404" pitchFamily="49" charset="0"/>
-              </a:rPr>
-              <a:t>"</a:t>
-            </a:r>
-            <a:r>
-              <a:rPr lang="uk-UA" b="0" i="0" dirty="0" err="1">
-                <a:solidFill>
-                  <a:srgbClr val="008000"/>
-                </a:solidFill>
-                <a:effectLst/>
-                <a:latin typeface="Courier New" panose="02070309020205020404" pitchFamily="49" charset="0"/>
-                <a:cs typeface="Courier New" panose="02070309020205020404" pitchFamily="49" charset="0"/>
-              </a:rPr>
-              <a:t>Трісс</a:t>
-            </a:r>
-            <a:r>
-              <a:rPr lang="uk-UA" b="0" i="0" dirty="0">
-                <a:solidFill>
-                  <a:srgbClr val="008000"/>
-                </a:solidFill>
-                <a:effectLst/>
-                <a:latin typeface="Courier New" panose="02070309020205020404" pitchFamily="49" charset="0"/>
-                <a:cs typeface="Courier New" panose="02070309020205020404" pitchFamily="49" charset="0"/>
-              </a:rPr>
-              <a:t> </a:t>
-            </a:r>
-            <a:r>
-              <a:rPr lang="uk-UA" b="0" i="0" dirty="0" err="1">
-                <a:solidFill>
-                  <a:srgbClr val="008000"/>
-                </a:solidFill>
-                <a:effectLst/>
-                <a:latin typeface="Courier New" panose="02070309020205020404" pitchFamily="49" charset="0"/>
-                <a:cs typeface="Courier New" panose="02070309020205020404" pitchFamily="49" charset="0"/>
-              </a:rPr>
-              <a:t>Мерігольд</a:t>
-            </a:r>
-            <a:r>
-              <a:rPr lang="uk-UA" b="0" i="0" dirty="0">
-                <a:solidFill>
-                  <a:srgbClr val="008000"/>
-                </a:solidFill>
-                <a:effectLst/>
-                <a:latin typeface="Courier New" panose="02070309020205020404" pitchFamily="49" charset="0"/>
-                <a:cs typeface="Courier New" panose="02070309020205020404" pitchFamily="49" charset="0"/>
-              </a:rPr>
-              <a:t>"</a:t>
-            </a:r>
-            <a:r>
-              <a:rPr lang="uk-UA" b="0" i="0" dirty="0">
-                <a:solidFill>
-                  <a:srgbClr val="000000"/>
-                </a:solidFill>
-                <a:effectLst/>
-                <a:latin typeface="Courier New" panose="02070309020205020404" pitchFamily="49" charset="0"/>
-                <a:cs typeface="Courier New" panose="02070309020205020404" pitchFamily="49" charset="0"/>
-              </a:rPr>
-              <a:t>; </a:t>
-            </a:r>
-          </a:p>
-          <a:p>
-            <a:r>
-              <a:rPr lang="uk-UA" dirty="0">
-                <a:solidFill>
-                  <a:srgbClr val="000000"/>
-                </a:solidFill>
-                <a:latin typeface="Courier New" panose="02070309020205020404" pitchFamily="49" charset="0"/>
-                <a:cs typeface="Courier New" panose="02070309020205020404" pitchFamily="49" charset="0"/>
-              </a:rPr>
-              <a:t>	</a:t>
-            </a:r>
-            <a:r>
-              <a:rPr lang="en-US" b="1" i="0" dirty="0">
-                <a:solidFill>
-                  <a:srgbClr val="000080"/>
-                </a:solidFill>
-                <a:effectLst/>
-                <a:latin typeface="Courier New" panose="02070309020205020404" pitchFamily="49" charset="0"/>
-                <a:cs typeface="Courier New" panose="02070309020205020404" pitchFamily="49" charset="0"/>
-              </a:rPr>
-              <a:t>public</a:t>
-            </a:r>
-            <a:r>
-              <a:rPr lang="en-US" b="0" i="0" dirty="0">
-                <a:solidFill>
-                  <a:srgbClr val="000000"/>
-                </a:solidFill>
-                <a:effectLst/>
-                <a:latin typeface="Courier New" panose="02070309020205020404" pitchFamily="49" charset="0"/>
-                <a:cs typeface="Courier New" panose="02070309020205020404" pitchFamily="49" charset="0"/>
-              </a:rPr>
-              <a:t> </a:t>
-            </a:r>
-            <a:r>
-              <a:rPr lang="en-US" b="1" i="0" dirty="0">
-                <a:solidFill>
-                  <a:srgbClr val="000080"/>
-                </a:solidFill>
-                <a:effectLst/>
-                <a:latin typeface="Courier New" panose="02070309020205020404" pitchFamily="49" charset="0"/>
-                <a:cs typeface="Courier New" panose="02070309020205020404" pitchFamily="49" charset="0"/>
-              </a:rPr>
-              <a:t>static</a:t>
-            </a:r>
-            <a:r>
-              <a:rPr lang="en-US" b="0" i="0" dirty="0">
-                <a:solidFill>
-                  <a:srgbClr val="000000"/>
-                </a:solidFill>
-                <a:effectLst/>
-                <a:latin typeface="Courier New" panose="02070309020205020404" pitchFamily="49" charset="0"/>
-                <a:cs typeface="Courier New" panose="02070309020205020404" pitchFamily="49" charset="0"/>
-              </a:rPr>
-              <a:t> </a:t>
-            </a:r>
-            <a:r>
-              <a:rPr lang="en-US" b="1" i="0" dirty="0">
-                <a:solidFill>
-                  <a:srgbClr val="000080"/>
-                </a:solidFill>
-                <a:effectLst/>
-                <a:latin typeface="Courier New" panose="02070309020205020404" pitchFamily="49" charset="0"/>
-                <a:cs typeface="Courier New" panose="02070309020205020404" pitchFamily="49" charset="0"/>
-              </a:rPr>
-              <a:t>void</a:t>
-            </a:r>
-            <a:r>
-              <a:rPr lang="en-US" b="0" i="0" dirty="0">
-                <a:solidFill>
-                  <a:srgbClr val="000000"/>
-                </a:solidFill>
-                <a:effectLst/>
-                <a:latin typeface="Courier New" panose="02070309020205020404" pitchFamily="49" charset="0"/>
-                <a:cs typeface="Courier New" panose="02070309020205020404" pitchFamily="49" charset="0"/>
-              </a:rPr>
-              <a:t> </a:t>
-            </a:r>
-            <a:r>
-              <a:rPr lang="en-US" b="0" i="0" dirty="0">
-                <a:solidFill>
-                  <a:srgbClr val="900606"/>
-                </a:solidFill>
-                <a:effectLst/>
-                <a:latin typeface="Courier New" panose="02070309020205020404" pitchFamily="49" charset="0"/>
-                <a:cs typeface="Courier New" panose="02070309020205020404" pitchFamily="49" charset="0"/>
-              </a:rPr>
-              <a:t>main</a:t>
-            </a:r>
-            <a:r>
-              <a:rPr lang="en-US" b="0" i="0" dirty="0">
-                <a:solidFill>
-                  <a:srgbClr val="000000"/>
-                </a:solidFill>
-                <a:effectLst/>
-                <a:latin typeface="Courier New" panose="02070309020205020404" pitchFamily="49" charset="0"/>
-                <a:cs typeface="Courier New" panose="02070309020205020404" pitchFamily="49" charset="0"/>
-              </a:rPr>
-              <a:t>(String[] </a:t>
-            </a:r>
-            <a:r>
-              <a:rPr lang="en-US" b="0" i="0" dirty="0" err="1">
-                <a:solidFill>
-                  <a:srgbClr val="000000"/>
-                </a:solidFill>
-                <a:effectLst/>
-                <a:latin typeface="Courier New" panose="02070309020205020404" pitchFamily="49" charset="0"/>
-                <a:cs typeface="Courier New" panose="02070309020205020404" pitchFamily="49" charset="0"/>
-              </a:rPr>
-              <a:t>args</a:t>
-            </a:r>
-            <a:r>
-              <a:rPr lang="en-US" b="0" i="0" dirty="0">
-                <a:solidFill>
-                  <a:srgbClr val="000000"/>
-                </a:solidFill>
-                <a:effectLst/>
-                <a:latin typeface="Courier New" panose="02070309020205020404" pitchFamily="49" charset="0"/>
-                <a:cs typeface="Courier New" panose="02070309020205020404" pitchFamily="49" charset="0"/>
-              </a:rPr>
-              <a:t>) { </a:t>
-            </a:r>
-            <a:endParaRPr lang="uk-UA" b="0" i="0" dirty="0">
-              <a:solidFill>
-                <a:srgbClr val="000000"/>
-              </a:solidFill>
-              <a:effectLst/>
-              <a:latin typeface="Courier New" panose="02070309020205020404" pitchFamily="49" charset="0"/>
-              <a:cs typeface="Courier New" panose="02070309020205020404" pitchFamily="49" charset="0"/>
-            </a:endParaRPr>
-          </a:p>
-          <a:p>
-            <a:r>
-              <a:rPr lang="uk-UA" dirty="0">
-                <a:solidFill>
-                  <a:srgbClr val="000000"/>
-                </a:solidFill>
-                <a:latin typeface="Courier New" panose="02070309020205020404" pitchFamily="49" charset="0"/>
-                <a:cs typeface="Courier New" panose="02070309020205020404" pitchFamily="49" charset="0"/>
-              </a:rPr>
-              <a:t>		</a:t>
-            </a:r>
-            <a:r>
-              <a:rPr lang="en-US" b="0" i="0" dirty="0" err="1">
-                <a:solidFill>
-                  <a:srgbClr val="000000"/>
-                </a:solidFill>
-                <a:effectLst/>
-                <a:latin typeface="Courier New" panose="02070309020205020404" pitchFamily="49" charset="0"/>
-                <a:cs typeface="Courier New" panose="02070309020205020404" pitchFamily="49" charset="0"/>
-              </a:rPr>
-              <a:t>System.out.</a:t>
-            </a:r>
-            <a:r>
-              <a:rPr lang="en-US" b="0" i="0" dirty="0" err="1">
-                <a:solidFill>
-                  <a:srgbClr val="900606"/>
-                </a:solidFill>
-                <a:effectLst/>
-                <a:latin typeface="Courier New" panose="02070309020205020404" pitchFamily="49" charset="0"/>
-                <a:cs typeface="Courier New" panose="02070309020205020404" pitchFamily="49" charset="0"/>
-              </a:rPr>
-              <a:t>println</a:t>
-            </a:r>
-            <a:r>
-              <a:rPr lang="en-US" b="0" i="0" dirty="0">
-                <a:solidFill>
-                  <a:srgbClr val="000000"/>
-                </a:solidFill>
-                <a:effectLst/>
-                <a:latin typeface="Courier New" panose="02070309020205020404" pitchFamily="49" charset="0"/>
-                <a:cs typeface="Courier New" panose="02070309020205020404" pitchFamily="49" charset="0"/>
-              </a:rPr>
-              <a:t>(</a:t>
-            </a:r>
-            <a:r>
-              <a:rPr lang="en-US" b="0" i="0" dirty="0">
-                <a:solidFill>
-                  <a:srgbClr val="008000"/>
-                </a:solidFill>
-                <a:effectLst/>
-                <a:latin typeface="Courier New" panose="02070309020205020404" pitchFamily="49" charset="0"/>
-                <a:cs typeface="Courier New" panose="02070309020205020404" pitchFamily="49" charset="0"/>
-              </a:rPr>
-              <a:t>"</a:t>
-            </a:r>
-            <a:r>
-              <a:rPr lang="uk-UA" b="0" i="0" dirty="0">
-                <a:solidFill>
-                  <a:srgbClr val="008000"/>
-                </a:solidFill>
-                <a:effectLst/>
-                <a:latin typeface="Courier New" panose="02070309020205020404" pitchFamily="49" charset="0"/>
-                <a:cs typeface="Courier New" panose="02070309020205020404" pitchFamily="49" charset="0"/>
-              </a:rPr>
-              <a:t>Відьмак 4"</a:t>
-            </a:r>
-            <a:r>
-              <a:rPr lang="uk-UA" b="0" i="0" dirty="0">
-                <a:solidFill>
-                  <a:srgbClr val="000000"/>
-                </a:solidFill>
-                <a:effectLst/>
-                <a:latin typeface="Courier New" panose="02070309020205020404" pitchFamily="49" charset="0"/>
-                <a:cs typeface="Courier New" panose="02070309020205020404" pitchFamily="49" charset="0"/>
-              </a:rPr>
-              <a:t>); </a:t>
-            </a:r>
-          </a:p>
-          <a:p>
-            <a:r>
-              <a:rPr lang="uk-UA" dirty="0">
-                <a:solidFill>
-                  <a:srgbClr val="000000"/>
-                </a:solidFill>
-                <a:latin typeface="Courier New" panose="02070309020205020404" pitchFamily="49" charset="0"/>
-                <a:cs typeface="Courier New" panose="02070309020205020404" pitchFamily="49" charset="0"/>
-              </a:rPr>
-              <a:t>		</a:t>
-            </a:r>
-            <a:r>
-              <a:rPr lang="en-US" b="0" i="0" dirty="0" err="1">
-                <a:solidFill>
-                  <a:srgbClr val="000000"/>
-                </a:solidFill>
-                <a:effectLst/>
-                <a:latin typeface="Courier New" panose="02070309020205020404" pitchFamily="49" charset="0"/>
-                <a:cs typeface="Courier New" panose="02070309020205020404" pitchFamily="49" charset="0"/>
-              </a:rPr>
-              <a:t>System.out.</a:t>
-            </a:r>
-            <a:r>
-              <a:rPr lang="en-US" b="0" i="0" dirty="0" err="1">
-                <a:solidFill>
-                  <a:srgbClr val="900606"/>
-                </a:solidFill>
-                <a:effectLst/>
-                <a:latin typeface="Courier New" panose="02070309020205020404" pitchFamily="49" charset="0"/>
-                <a:cs typeface="Courier New" panose="02070309020205020404" pitchFamily="49" charset="0"/>
-              </a:rPr>
-              <a:t>println</a:t>
-            </a:r>
-            <a:r>
-              <a:rPr lang="en-US" b="0" i="0" dirty="0">
-                <a:solidFill>
-                  <a:srgbClr val="000000"/>
-                </a:solidFill>
-                <a:effectLst/>
-                <a:latin typeface="Courier New" panose="02070309020205020404" pitchFamily="49" charset="0"/>
-                <a:cs typeface="Courier New" panose="02070309020205020404" pitchFamily="49" charset="0"/>
-              </a:rPr>
-              <a:t>(</a:t>
-            </a:r>
-            <a:r>
-              <a:rPr lang="en-US" b="0" i="0" dirty="0">
-                <a:solidFill>
-                  <a:srgbClr val="008000"/>
-                </a:solidFill>
-                <a:effectLst/>
-                <a:latin typeface="Courier New" panose="02070309020205020404" pitchFamily="49" charset="0"/>
-                <a:cs typeface="Courier New" panose="02070309020205020404" pitchFamily="49" charset="0"/>
-              </a:rPr>
-              <a:t>"</a:t>
-            </a:r>
-            <a:r>
-              <a:rPr lang="uk-UA" b="0" i="0" dirty="0">
-                <a:solidFill>
-                  <a:srgbClr val="008000"/>
-                </a:solidFill>
-                <a:effectLst/>
-                <a:latin typeface="Courier New" panose="02070309020205020404" pitchFamily="49" charset="0"/>
-                <a:cs typeface="Courier New" panose="02070309020205020404" pitchFamily="49" charset="0"/>
-              </a:rPr>
-              <a:t>Це вже четверта частина Відьмака, а "</a:t>
-            </a:r>
-            <a:r>
-              <a:rPr lang="uk-UA" b="0" i="0" dirty="0">
-                <a:solidFill>
-                  <a:srgbClr val="000000"/>
-                </a:solidFill>
-                <a:effectLst/>
-                <a:latin typeface="Courier New" panose="02070309020205020404" pitchFamily="49" charset="0"/>
-                <a:cs typeface="Courier New" panose="02070309020205020404" pitchFamily="49" charset="0"/>
-              </a:rPr>
-              <a:t> + </a:t>
-            </a:r>
-            <a:r>
-              <a:rPr lang="en-US" b="0" i="0" dirty="0">
-                <a:solidFill>
-                  <a:srgbClr val="000000"/>
-                </a:solidFill>
-                <a:effectLst/>
-                <a:latin typeface="Courier New" panose="02070309020205020404" pitchFamily="49" charset="0"/>
-                <a:cs typeface="Courier New" panose="02070309020205020404" pitchFamily="49" charset="0"/>
-              </a:rPr>
-              <a:t>GERALT_NAME + </a:t>
-            </a:r>
-            <a:r>
-              <a:rPr lang="en-US" b="0" i="0" dirty="0">
-                <a:solidFill>
-                  <a:srgbClr val="008000"/>
-                </a:solidFill>
-                <a:effectLst/>
-                <a:latin typeface="Courier New" panose="02070309020205020404" pitchFamily="49" charset="0"/>
-                <a:cs typeface="Courier New" panose="02070309020205020404" pitchFamily="49" charset="0"/>
-              </a:rPr>
-              <a:t>" </a:t>
-            </a:r>
-            <a:r>
-              <a:rPr lang="uk-UA" b="0" i="0" dirty="0">
-                <a:solidFill>
-                  <a:srgbClr val="008000"/>
-                </a:solidFill>
-                <a:effectLst/>
-                <a:latin typeface="Courier New" panose="02070309020205020404" pitchFamily="49" charset="0"/>
-                <a:cs typeface="Courier New" panose="02070309020205020404" pitchFamily="49" charset="0"/>
-              </a:rPr>
-              <a:t>ніяк не визначиться хто йому"</a:t>
-            </a:r>
-            <a:r>
-              <a:rPr lang="uk-UA" b="0" i="0" dirty="0">
-                <a:solidFill>
-                  <a:srgbClr val="000000"/>
-                </a:solidFill>
-                <a:effectLst/>
-                <a:latin typeface="Courier New" panose="02070309020205020404" pitchFamily="49" charset="0"/>
-                <a:cs typeface="Courier New" panose="02070309020205020404" pitchFamily="49" charset="0"/>
-              </a:rPr>
-              <a:t> + </a:t>
-            </a:r>
-            <a:r>
-              <a:rPr lang="uk-UA" b="0" i="0" dirty="0">
-                <a:solidFill>
-                  <a:srgbClr val="008000"/>
-                </a:solidFill>
-                <a:effectLst/>
-                <a:latin typeface="Courier New" panose="02070309020205020404" pitchFamily="49" charset="0"/>
-                <a:cs typeface="Courier New" panose="02070309020205020404" pitchFamily="49" charset="0"/>
-              </a:rPr>
-              <a:t>" подобається більше: "</a:t>
-            </a:r>
-            <a:r>
-              <a:rPr lang="uk-UA" b="0" i="0" dirty="0">
-                <a:solidFill>
-                  <a:srgbClr val="000000"/>
-                </a:solidFill>
-                <a:effectLst/>
-                <a:latin typeface="Courier New" panose="02070309020205020404" pitchFamily="49" charset="0"/>
-                <a:cs typeface="Courier New" panose="02070309020205020404" pitchFamily="49" charset="0"/>
-              </a:rPr>
-              <a:t> + </a:t>
-            </a:r>
-            <a:r>
-              <a:rPr lang="en-US" b="0" i="0" dirty="0">
-                <a:solidFill>
-                  <a:srgbClr val="000000"/>
-                </a:solidFill>
-                <a:effectLst/>
-                <a:latin typeface="Courier New" panose="02070309020205020404" pitchFamily="49" charset="0"/>
-                <a:cs typeface="Courier New" panose="02070309020205020404" pitchFamily="49" charset="0"/>
-              </a:rPr>
-              <a:t>YENNEFER_NAME + </a:t>
-            </a:r>
-            <a:r>
-              <a:rPr lang="en-US" b="0" i="0" dirty="0">
-                <a:solidFill>
-                  <a:srgbClr val="008000"/>
-                </a:solidFill>
-                <a:effectLst/>
-                <a:latin typeface="Courier New" panose="02070309020205020404" pitchFamily="49" charset="0"/>
-                <a:cs typeface="Courier New" panose="02070309020205020404" pitchFamily="49" charset="0"/>
-              </a:rPr>
-              <a:t>" </a:t>
-            </a:r>
-            <a:r>
-              <a:rPr lang="uk-UA" b="0" i="0" dirty="0">
-                <a:solidFill>
-                  <a:srgbClr val="008000"/>
-                </a:solidFill>
-                <a:effectLst/>
-                <a:latin typeface="Courier New" panose="02070309020205020404" pitchFamily="49" charset="0"/>
-                <a:cs typeface="Courier New" panose="02070309020205020404" pitchFamily="49" charset="0"/>
-              </a:rPr>
-              <a:t>або "</a:t>
-            </a:r>
-            <a:r>
-              <a:rPr lang="uk-UA" b="0" i="0" dirty="0">
-                <a:solidFill>
-                  <a:srgbClr val="000000"/>
-                </a:solidFill>
-                <a:effectLst/>
-                <a:latin typeface="Courier New" panose="02070309020205020404" pitchFamily="49" charset="0"/>
-                <a:cs typeface="Courier New" panose="02070309020205020404" pitchFamily="49" charset="0"/>
-              </a:rPr>
-              <a:t> + </a:t>
-            </a:r>
-            <a:r>
-              <a:rPr lang="en-US" b="0" i="0" dirty="0">
-                <a:solidFill>
-                  <a:srgbClr val="000000"/>
-                </a:solidFill>
-                <a:effectLst/>
-                <a:latin typeface="Courier New" panose="02070309020205020404" pitchFamily="49" charset="0"/>
-                <a:cs typeface="Courier New" panose="02070309020205020404" pitchFamily="49" charset="0"/>
-              </a:rPr>
-              <a:t>TRISS_NAME); </a:t>
-            </a:r>
-            <a:endParaRPr lang="uk-UA" b="0" i="0" dirty="0">
-              <a:solidFill>
-                <a:srgbClr val="000000"/>
-              </a:solidFill>
-              <a:effectLst/>
-              <a:latin typeface="Courier New" panose="02070309020205020404" pitchFamily="49" charset="0"/>
-              <a:cs typeface="Courier New" panose="02070309020205020404" pitchFamily="49" charset="0"/>
-            </a:endParaRPr>
-          </a:p>
-          <a:p>
-            <a:r>
-              <a:rPr lang="uk-UA" dirty="0">
-                <a:solidFill>
-                  <a:srgbClr val="000000"/>
-                </a:solidFill>
-                <a:latin typeface="Courier New" panose="02070309020205020404" pitchFamily="49" charset="0"/>
-                <a:cs typeface="Courier New" panose="02070309020205020404" pitchFamily="49" charset="0"/>
-              </a:rPr>
-              <a:t>		</a:t>
-            </a:r>
-            <a:r>
-              <a:rPr lang="en-US" b="0" i="0" dirty="0" err="1">
-                <a:solidFill>
-                  <a:srgbClr val="000000"/>
-                </a:solidFill>
-                <a:effectLst/>
-                <a:latin typeface="Courier New" panose="02070309020205020404" pitchFamily="49" charset="0"/>
-                <a:cs typeface="Courier New" panose="02070309020205020404" pitchFamily="49" charset="0"/>
-              </a:rPr>
-              <a:t>System.out.</a:t>
-            </a:r>
-            <a:r>
-              <a:rPr lang="en-US" b="0" i="0" dirty="0" err="1">
-                <a:solidFill>
-                  <a:srgbClr val="900606"/>
-                </a:solidFill>
-                <a:effectLst/>
-                <a:latin typeface="Courier New" panose="02070309020205020404" pitchFamily="49" charset="0"/>
-                <a:cs typeface="Courier New" panose="02070309020205020404" pitchFamily="49" charset="0"/>
-              </a:rPr>
-              <a:t>println</a:t>
-            </a:r>
-            <a:r>
-              <a:rPr lang="en-US" b="0" i="0" dirty="0">
-                <a:solidFill>
-                  <a:srgbClr val="000000"/>
-                </a:solidFill>
-                <a:effectLst/>
-                <a:latin typeface="Courier New" panose="02070309020205020404" pitchFamily="49" charset="0"/>
-                <a:cs typeface="Courier New" panose="02070309020205020404" pitchFamily="49" charset="0"/>
-              </a:rPr>
-              <a:t>(</a:t>
-            </a:r>
-            <a:r>
-              <a:rPr lang="en-US" b="0" i="0" dirty="0">
-                <a:solidFill>
-                  <a:srgbClr val="008000"/>
-                </a:solidFill>
-                <a:effectLst/>
-                <a:latin typeface="Courier New" panose="02070309020205020404" pitchFamily="49" charset="0"/>
-                <a:cs typeface="Courier New" panose="02070309020205020404" pitchFamily="49" charset="0"/>
-              </a:rPr>
-              <a:t>"</a:t>
-            </a:r>
-            <a:r>
-              <a:rPr lang="uk-UA" b="0" i="0" dirty="0">
-                <a:solidFill>
-                  <a:srgbClr val="008000"/>
-                </a:solidFill>
-                <a:effectLst/>
-                <a:latin typeface="Courier New" panose="02070309020205020404" pitchFamily="49" charset="0"/>
-                <a:cs typeface="Courier New" panose="02070309020205020404" pitchFamily="49" charset="0"/>
-              </a:rPr>
-              <a:t>Але якщо ви ніколи не грали у Відьмака – почнемо спочатку."</a:t>
-            </a:r>
-            <a:r>
-              <a:rPr lang="uk-UA" b="0" i="0" dirty="0">
-                <a:solidFill>
-                  <a:srgbClr val="000000"/>
-                </a:solidFill>
-                <a:effectLst/>
-                <a:latin typeface="Courier New" panose="02070309020205020404" pitchFamily="49" charset="0"/>
-                <a:cs typeface="Courier New" panose="02070309020205020404" pitchFamily="49" charset="0"/>
-              </a:rPr>
-              <a:t>); </a:t>
-            </a:r>
-          </a:p>
-          <a:p>
-            <a:r>
-              <a:rPr lang="uk-UA" dirty="0">
-                <a:solidFill>
-                  <a:srgbClr val="000000"/>
-                </a:solidFill>
-                <a:latin typeface="Courier New" panose="02070309020205020404" pitchFamily="49" charset="0"/>
-                <a:cs typeface="Courier New" panose="02070309020205020404" pitchFamily="49" charset="0"/>
-              </a:rPr>
-              <a:t>		</a:t>
-            </a:r>
-            <a:r>
-              <a:rPr lang="en-US" b="0" i="0" dirty="0" err="1">
-                <a:solidFill>
-                  <a:srgbClr val="000000"/>
-                </a:solidFill>
-                <a:effectLst/>
-                <a:latin typeface="Courier New" panose="02070309020205020404" pitchFamily="49" charset="0"/>
-                <a:cs typeface="Courier New" panose="02070309020205020404" pitchFamily="49" charset="0"/>
-              </a:rPr>
-              <a:t>System.out.</a:t>
-            </a:r>
-            <a:r>
-              <a:rPr lang="en-US" b="0" i="0" dirty="0" err="1">
-                <a:solidFill>
-                  <a:srgbClr val="900606"/>
-                </a:solidFill>
-                <a:effectLst/>
-                <a:latin typeface="Courier New" panose="02070309020205020404" pitchFamily="49" charset="0"/>
-                <a:cs typeface="Courier New" panose="02070309020205020404" pitchFamily="49" charset="0"/>
-              </a:rPr>
-              <a:t>println</a:t>
-            </a:r>
-            <a:r>
-              <a:rPr lang="en-US" b="0" i="0" dirty="0">
-                <a:solidFill>
-                  <a:srgbClr val="000000"/>
-                </a:solidFill>
-                <a:effectLst/>
-                <a:latin typeface="Courier New" panose="02070309020205020404" pitchFamily="49" charset="0"/>
-                <a:cs typeface="Courier New" panose="02070309020205020404" pitchFamily="49" charset="0"/>
-              </a:rPr>
-              <a:t>(</a:t>
-            </a:r>
-            <a:r>
-              <a:rPr lang="en-US" b="0" i="0" dirty="0">
-                <a:solidFill>
-                  <a:srgbClr val="008000"/>
-                </a:solidFill>
-                <a:effectLst/>
-                <a:latin typeface="Courier New" panose="02070309020205020404" pitchFamily="49" charset="0"/>
-                <a:cs typeface="Courier New" panose="02070309020205020404" pitchFamily="49" charset="0"/>
-              </a:rPr>
-              <a:t>"</a:t>
-            </a:r>
-            <a:r>
-              <a:rPr lang="uk-UA" b="0" i="0" dirty="0">
-                <a:solidFill>
-                  <a:srgbClr val="008000"/>
-                </a:solidFill>
-                <a:effectLst/>
-                <a:latin typeface="Courier New" panose="02070309020205020404" pitchFamily="49" charset="0"/>
-                <a:cs typeface="Courier New" panose="02070309020205020404" pitchFamily="49" charset="0"/>
-              </a:rPr>
-              <a:t>Головного героя звуть "</a:t>
-            </a:r>
-            <a:r>
-              <a:rPr lang="uk-UA" b="0" i="0" dirty="0">
-                <a:solidFill>
-                  <a:srgbClr val="000000"/>
-                </a:solidFill>
-                <a:effectLst/>
-                <a:latin typeface="Courier New" panose="02070309020205020404" pitchFamily="49" charset="0"/>
-                <a:cs typeface="Courier New" panose="02070309020205020404" pitchFamily="49" charset="0"/>
-              </a:rPr>
-              <a:t> + </a:t>
-            </a:r>
-            <a:r>
-              <a:rPr lang="en-US" b="0" i="0" dirty="0">
-                <a:solidFill>
-                  <a:srgbClr val="000000"/>
-                </a:solidFill>
-                <a:effectLst/>
-                <a:latin typeface="Courier New" panose="02070309020205020404" pitchFamily="49" charset="0"/>
-                <a:cs typeface="Courier New" panose="02070309020205020404" pitchFamily="49" charset="0"/>
-              </a:rPr>
-              <a:t>GERALT_NAME); </a:t>
-            </a:r>
-            <a:endParaRPr lang="uk-UA" b="0" i="0" dirty="0">
-              <a:solidFill>
-                <a:srgbClr val="000000"/>
-              </a:solidFill>
-              <a:effectLst/>
-              <a:latin typeface="Courier New" panose="02070309020205020404" pitchFamily="49" charset="0"/>
-              <a:cs typeface="Courier New" panose="02070309020205020404" pitchFamily="49" charset="0"/>
-            </a:endParaRPr>
-          </a:p>
-          <a:p>
-            <a:r>
-              <a:rPr lang="uk-UA" dirty="0">
-                <a:solidFill>
-                  <a:srgbClr val="000000"/>
-                </a:solidFill>
-                <a:latin typeface="Courier New" panose="02070309020205020404" pitchFamily="49" charset="0"/>
-                <a:cs typeface="Courier New" panose="02070309020205020404" pitchFamily="49" charset="0"/>
-              </a:rPr>
-              <a:t>		</a:t>
-            </a:r>
-            <a:r>
-              <a:rPr lang="en-US" b="0" i="0" dirty="0" err="1">
-                <a:solidFill>
-                  <a:srgbClr val="000000"/>
-                </a:solidFill>
-                <a:effectLst/>
-                <a:latin typeface="Courier New" panose="02070309020205020404" pitchFamily="49" charset="0"/>
-                <a:cs typeface="Courier New" panose="02070309020205020404" pitchFamily="49" charset="0"/>
-              </a:rPr>
-              <a:t>System.out.</a:t>
-            </a:r>
-            <a:r>
-              <a:rPr lang="en-US" b="0" i="0" dirty="0" err="1">
-                <a:solidFill>
-                  <a:srgbClr val="900606"/>
-                </a:solidFill>
-                <a:effectLst/>
-                <a:latin typeface="Courier New" panose="02070309020205020404" pitchFamily="49" charset="0"/>
-                <a:cs typeface="Courier New" panose="02070309020205020404" pitchFamily="49" charset="0"/>
-              </a:rPr>
-              <a:t>println</a:t>
-            </a:r>
-            <a:r>
-              <a:rPr lang="en-US" b="0" i="0" dirty="0">
-                <a:solidFill>
-                  <a:srgbClr val="000000"/>
-                </a:solidFill>
-                <a:effectLst/>
-                <a:latin typeface="Courier New" panose="02070309020205020404" pitchFamily="49" charset="0"/>
-                <a:cs typeface="Courier New" panose="02070309020205020404" pitchFamily="49" charset="0"/>
-              </a:rPr>
-              <a:t>(GERALT_NAME + </a:t>
-            </a:r>
-            <a:r>
-              <a:rPr lang="en-US" b="0" i="0" dirty="0">
-                <a:solidFill>
-                  <a:srgbClr val="008000"/>
-                </a:solidFill>
-                <a:effectLst/>
-                <a:latin typeface="Courier New" panose="02070309020205020404" pitchFamily="49" charset="0"/>
-                <a:cs typeface="Courier New" panose="02070309020205020404" pitchFamily="49" charset="0"/>
-              </a:rPr>
-              <a:t>" - </a:t>
-            </a:r>
-            <a:r>
-              <a:rPr lang="uk-UA" b="0" i="0" dirty="0">
-                <a:solidFill>
-                  <a:srgbClr val="008000"/>
-                </a:solidFill>
-                <a:effectLst/>
-                <a:latin typeface="Courier New" panose="02070309020205020404" pitchFamily="49" charset="0"/>
-                <a:cs typeface="Courier New" panose="02070309020205020404" pitchFamily="49" charset="0"/>
-              </a:rPr>
-              <a:t>відьмак, мисливець на чудовиськ"</a:t>
-            </a:r>
-            <a:r>
-              <a:rPr lang="uk-UA" b="0" i="0" dirty="0">
-                <a:solidFill>
-                  <a:srgbClr val="000000"/>
-                </a:solidFill>
-                <a:effectLst/>
-                <a:latin typeface="Courier New" panose="02070309020205020404" pitchFamily="49" charset="0"/>
-                <a:cs typeface="Courier New" panose="02070309020205020404" pitchFamily="49" charset="0"/>
-              </a:rPr>
-              <a:t>); </a:t>
-            </a:r>
-          </a:p>
-          <a:p>
-            <a:r>
-              <a:rPr lang="uk-UA" dirty="0">
-                <a:solidFill>
-                  <a:srgbClr val="000000"/>
-                </a:solidFill>
-                <a:latin typeface="Courier New" panose="02070309020205020404" pitchFamily="49" charset="0"/>
-                <a:cs typeface="Courier New" panose="02070309020205020404" pitchFamily="49" charset="0"/>
-              </a:rPr>
-              <a:t>	</a:t>
-            </a:r>
-            <a:r>
-              <a:rPr lang="uk-UA" b="0" i="0" dirty="0">
-                <a:solidFill>
-                  <a:srgbClr val="000000"/>
-                </a:solidFill>
-                <a:effectLst/>
-                <a:latin typeface="Courier New" panose="02070309020205020404" pitchFamily="49" charset="0"/>
-                <a:cs typeface="Courier New" panose="02070309020205020404" pitchFamily="49" charset="0"/>
-              </a:rPr>
-              <a:t>} </a:t>
-            </a:r>
-          </a:p>
-          <a:p>
-            <a:r>
-              <a:rPr lang="uk-UA" b="0" i="0" dirty="0">
-                <a:solidFill>
-                  <a:srgbClr val="000000"/>
-                </a:solidFill>
-                <a:effectLst/>
-                <a:latin typeface="Courier New" panose="02070309020205020404" pitchFamily="49" charset="0"/>
-                <a:cs typeface="Courier New" panose="02070309020205020404" pitchFamily="49" charset="0"/>
-              </a:rPr>
-              <a:t>}</a:t>
-            </a:r>
-            <a:endParaRPr lang="uk-UA" dirty="0">
-              <a:latin typeface="Courier New" panose="02070309020205020404" pitchFamily="49" charset="0"/>
-              <a:cs typeface="Courier New" panose="02070309020205020404" pitchFamily="49" charset="0"/>
-            </a:endParaRPr>
-          </a:p>
-        </p:txBody>
-      </p:sp>
-      <p:sp>
-        <p:nvSpPr>
-          <p:cNvPr id="6" name="TextBox 5">
-            <a:extLst>
-              <a:ext uri="{FF2B5EF4-FFF2-40B4-BE49-F238E27FC236}">
-                <a16:creationId xmlns:a16="http://schemas.microsoft.com/office/drawing/2014/main" id="{FEB75F3F-C915-4FFF-ABE1-BA5B67136AC0}"/>
-              </a:ext>
-            </a:extLst>
-          </p:cNvPr>
-          <p:cNvSpPr txBox="1"/>
-          <p:nvPr/>
-        </p:nvSpPr>
-        <p:spPr>
-          <a:xfrm>
-            <a:off x="32725" y="0"/>
-            <a:ext cx="12191999" cy="830997"/>
-          </a:xfrm>
-          <a:prstGeom prst="rect">
-            <a:avLst/>
-          </a:prstGeom>
-          <a:noFill/>
-        </p:spPr>
-        <p:txBody>
-          <a:bodyPr wrap="square" rtlCol="0">
-            <a:spAutoFit/>
-          </a:bodyPr>
-          <a:lstStyle/>
-          <a:p>
-            <a:pPr algn="ctr"/>
-            <a:r>
-              <a:rPr lang="uk-UA" sz="4800" dirty="0">
-                <a:latin typeface="Times New Roman" panose="02020603050405020304" pitchFamily="18" charset="0"/>
-                <a:cs typeface="Times New Roman" panose="02020603050405020304" pitchFamily="18" charset="0"/>
-              </a:rPr>
-              <a:t>Модифікатор </a:t>
-            </a:r>
-            <a:r>
-              <a:rPr lang="en-US" sz="4800" dirty="0">
-                <a:latin typeface="Times New Roman" panose="02020603050405020304" pitchFamily="18" charset="0"/>
-                <a:cs typeface="Times New Roman" panose="02020603050405020304" pitchFamily="18" charset="0"/>
-              </a:rPr>
-              <a:t>final</a:t>
-            </a:r>
-            <a:endParaRPr lang="uk-UA" sz="4800" dirty="0">
-              <a:latin typeface="Times New Roman" panose="02020603050405020304" pitchFamily="18" charset="0"/>
-              <a:cs typeface="Times New Roman" panose="02020603050405020304" pitchFamily="18" charset="0"/>
-            </a:endParaRPr>
-          </a:p>
-        </p:txBody>
-      </p:sp>
-    </p:spTree>
-    <p:extLst>
-      <p:ext uri="{BB962C8B-B14F-4D97-AF65-F5344CB8AC3E}">
-        <p14:creationId xmlns:p14="http://schemas.microsoft.com/office/powerpoint/2010/main" val="1735003452"/>
-      </p:ext>
-    </p:extLst>
-  </p:cSld>
-  <p:clrMapOvr>
-    <a:masterClrMapping/>
-  </p:clrMapOvr>
-</p:sld>
-</file>
-
-<file path=ppt/slides/slide17.xml><?xml version="1.0" encoding="utf-8"?>
 <p:sld xmlns:a="http://schemas.openxmlformats.org/drawingml/2006/main" xmlns:r="http://schemas.openxmlformats.org/officeDocument/2006/relationships" xmlns:p="http://schemas.openxmlformats.org/presentationml/2006/main">
   <p:cSld>
     <p:spTree>
@@ -12949,7 +9448,7 @@
           <a:graphicData uri="http://schemas.openxmlformats.org/presentationml/2006/ole">
             <mc:AlternateContent xmlns:mc="http://schemas.openxmlformats.org/markup-compatibility/2006">
               <mc:Choice xmlns:v="urn:schemas-microsoft-com:vml" Requires="v">
-                <p:oleObj spid="_x0000_s3302" name="Visio" r:id="rId3" imgW="4052761" imgH="1697289" progId="Visio.Drawing.11">
+                <p:oleObj spid="_x0000_s3317" name="Visio" r:id="rId3" imgW="4052761" imgH="1697289" progId="Visio.Drawing.11">
                   <p:embed/>
                 </p:oleObj>
               </mc:Choice>
@@ -13042,7 +9541,7 @@
           <a:graphicData uri="http://schemas.openxmlformats.org/presentationml/2006/ole">
             <mc:AlternateContent xmlns:mc="http://schemas.openxmlformats.org/markup-compatibility/2006">
               <mc:Choice xmlns:v="urn:schemas-microsoft-com:vml" Requires="v">
-                <p:oleObj spid="_x0000_s3303" name="Visio" r:id="rId5" imgW="4144201" imgH="3179241" progId="Visio.Drawing.11">
+                <p:oleObj spid="_x0000_s3318" name="Visio" r:id="rId5" imgW="4144201" imgH="3179241" progId="Visio.Drawing.11">
                   <p:embed/>
                 </p:oleObj>
               </mc:Choice>
@@ -13135,7 +9634,7 @@
           <a:graphicData uri="http://schemas.openxmlformats.org/presentationml/2006/ole">
             <mc:AlternateContent xmlns:mc="http://schemas.openxmlformats.org/markup-compatibility/2006">
               <mc:Choice xmlns:v="urn:schemas-microsoft-com:vml" Requires="v">
-                <p:oleObj spid="_x0000_s3304" name="Visio" r:id="rId7" imgW="4327081" imgH="3352699" progId="Visio.Drawing.11">
+                <p:oleObj spid="_x0000_s3319" name="Visio" r:id="rId7" imgW="4327081" imgH="3352699" progId="Visio.Drawing.11">
                   <p:embed/>
                 </p:oleObj>
               </mc:Choice>
@@ -13327,6 +9826,2624 @@
 </p:sld>
 </file>
 
+<file path=ppt/slides/slide16.xml><?xml version="1.0" encoding="utf-8"?>
+<p:sld xmlns:a="http://schemas.openxmlformats.org/drawingml/2006/main" xmlns:r="http://schemas.openxmlformats.org/officeDocument/2006/relationships" xmlns:p="http://schemas.openxmlformats.org/presentationml/2006/main">
+  <p:cSld>
+    <p:bg>
+      <p:bgPr>
+        <a:noFill/>
+        <a:effectLst/>
+      </p:bgPr>
+    </p:bg>
+    <p:spTree>
+      <p:nvGrpSpPr>
+        <p:cNvPr id="1" name=""/>
+        <p:cNvGrpSpPr/>
+        <p:nvPr/>
+      </p:nvGrpSpPr>
+      <p:grpSpPr>
+        <a:xfrm>
+          <a:off x="0" y="0"/>
+          <a:ext cx="0" cy="0"/>
+          <a:chOff x="0" y="0"/>
+          <a:chExt cx="0" cy="0"/>
+        </a:xfrm>
+      </p:grpSpPr>
+      <p:sp>
+        <p:nvSpPr>
+          <p:cNvPr id="4" name="TextBox 3">
+            <a:extLst>
+              <a:ext uri="{FF2B5EF4-FFF2-40B4-BE49-F238E27FC236}">
+                <a16:creationId xmlns:a16="http://schemas.microsoft.com/office/drawing/2014/main" id="{D55B1ECE-ED73-4F09-A5BE-6DDFD9DC730F}"/>
+              </a:ext>
+            </a:extLst>
+          </p:cNvPr>
+          <p:cNvSpPr txBox="1"/>
+          <p:nvPr/>
+        </p:nvSpPr>
+        <p:spPr>
+          <a:xfrm>
+            <a:off x="32725" y="0"/>
+            <a:ext cx="12191999" cy="830997"/>
+          </a:xfrm>
+          <a:prstGeom prst="rect">
+            <a:avLst/>
+          </a:prstGeom>
+          <a:noFill/>
+        </p:spPr>
+        <p:txBody>
+          <a:bodyPr wrap="square" rtlCol="0">
+            <a:spAutoFit/>
+          </a:bodyPr>
+          <a:lstStyle/>
+          <a:p>
+            <a:pPr algn="ctr"/>
+            <a:r>
+              <a:rPr lang="uk-UA" sz="4800" dirty="0">
+                <a:latin typeface="Times New Roman" panose="02020603050405020304" pitchFamily="18" charset="0"/>
+                <a:cs typeface="Times New Roman" panose="02020603050405020304" pitchFamily="18" charset="0"/>
+              </a:rPr>
+              <a:t>Модифікатор </a:t>
+            </a:r>
+            <a:r>
+              <a:rPr lang="en-US" sz="4800" dirty="0">
+                <a:latin typeface="Times New Roman" panose="02020603050405020304" pitchFamily="18" charset="0"/>
+                <a:cs typeface="Times New Roman" panose="02020603050405020304" pitchFamily="18" charset="0"/>
+              </a:rPr>
+              <a:t>final</a:t>
+            </a:r>
+            <a:endParaRPr lang="uk-UA" sz="4800" dirty="0">
+              <a:latin typeface="Times New Roman" panose="02020603050405020304" pitchFamily="18" charset="0"/>
+              <a:cs typeface="Times New Roman" panose="02020603050405020304" pitchFamily="18" charset="0"/>
+            </a:endParaRPr>
+          </a:p>
+        </p:txBody>
+      </p:sp>
+      <p:sp>
+        <p:nvSpPr>
+          <p:cNvPr id="6" name="TextBox 5">
+            <a:extLst>
+              <a:ext uri="{FF2B5EF4-FFF2-40B4-BE49-F238E27FC236}">
+                <a16:creationId xmlns:a16="http://schemas.microsoft.com/office/drawing/2014/main" id="{2322442B-AA9A-4DF1-8A40-DF314468663B}"/>
+              </a:ext>
+            </a:extLst>
+          </p:cNvPr>
+          <p:cNvSpPr txBox="1"/>
+          <p:nvPr/>
+        </p:nvSpPr>
+        <p:spPr>
+          <a:xfrm>
+            <a:off x="443061" y="830997"/>
+            <a:ext cx="11359298" cy="1200329"/>
+          </a:xfrm>
+          <a:prstGeom prst="rect">
+            <a:avLst/>
+          </a:prstGeom>
+          <a:noFill/>
+        </p:spPr>
+        <p:txBody>
+          <a:bodyPr wrap="square">
+            <a:spAutoFit/>
+          </a:bodyPr>
+          <a:lstStyle/>
+          <a:p>
+            <a:r>
+              <a:rPr lang="uk-UA" sz="2400" b="0" i="0" dirty="0">
+                <a:effectLst/>
+                <a:latin typeface="Times New Roman" panose="02020603050405020304" pitchFamily="18" charset="0"/>
+                <a:cs typeface="Times New Roman" panose="02020603050405020304" pitchFamily="18" charset="0"/>
+              </a:rPr>
+              <a:t>Почнемо з </a:t>
+            </a:r>
+            <a:r>
+              <a:rPr lang="en-US" sz="2400" b="0" i="0" dirty="0">
+                <a:effectLst/>
+                <a:latin typeface="Times New Roman" panose="02020603050405020304" pitchFamily="18" charset="0"/>
+                <a:cs typeface="Times New Roman" panose="02020603050405020304" pitchFamily="18" charset="0"/>
+              </a:rPr>
+              <a:t>final-</a:t>
+            </a:r>
+            <a:r>
+              <a:rPr lang="uk-UA" sz="2400" b="0" i="0" dirty="0">
+                <a:effectLst/>
+                <a:latin typeface="Times New Roman" panose="02020603050405020304" pitchFamily="18" charset="0"/>
+                <a:cs typeface="Times New Roman" panose="02020603050405020304" pitchFamily="18" charset="0"/>
+              </a:rPr>
+              <a:t>змінних. Вони</a:t>
+            </a:r>
+            <a:r>
+              <a:rPr lang="ru-RU" sz="2400" b="0" i="0" dirty="0">
+                <a:effectLst/>
+                <a:latin typeface="Times New Roman" panose="02020603050405020304" pitchFamily="18" charset="0"/>
+                <a:cs typeface="Times New Roman" panose="02020603050405020304" pitchFamily="18" charset="0"/>
+              </a:rPr>
+              <a:t> </a:t>
+            </a:r>
+            <a:r>
+              <a:rPr lang="ru-RU" sz="2400" b="0" i="0" dirty="0" err="1">
+                <a:effectLst/>
+                <a:latin typeface="Times New Roman" panose="02020603050405020304" pitchFamily="18" charset="0"/>
+                <a:cs typeface="Times New Roman" panose="02020603050405020304" pitchFamily="18" charset="0"/>
+              </a:rPr>
+              <a:t>називаються</a:t>
+            </a:r>
+            <a:r>
+              <a:rPr lang="ru-RU" sz="2400" b="0" i="0" dirty="0">
+                <a:effectLst/>
+                <a:latin typeface="Times New Roman" panose="02020603050405020304" pitchFamily="18" charset="0"/>
+                <a:cs typeface="Times New Roman" panose="02020603050405020304" pitchFamily="18" charset="0"/>
+              </a:rPr>
+              <a:t> </a:t>
+            </a:r>
+            <a:r>
+              <a:rPr lang="ru-RU" sz="2400" b="1" i="0" dirty="0">
+                <a:effectLst/>
+                <a:latin typeface="Times New Roman" panose="02020603050405020304" pitchFamily="18" charset="0"/>
+                <a:cs typeface="Times New Roman" panose="02020603050405020304" pitchFamily="18" charset="0"/>
+              </a:rPr>
+              <a:t>константами</a:t>
+            </a:r>
+            <a:r>
+              <a:rPr lang="ru-RU" sz="2400" b="0" i="0" dirty="0">
+                <a:effectLst/>
+                <a:latin typeface="Times New Roman" panose="02020603050405020304" pitchFamily="18" charset="0"/>
+                <a:cs typeface="Times New Roman" panose="02020603050405020304" pitchFamily="18" charset="0"/>
+              </a:rPr>
+              <a:t>. </a:t>
+            </a:r>
+            <a:r>
+              <a:rPr lang="ru-RU" sz="2400" b="0" i="0" dirty="0" err="1">
+                <a:effectLst/>
+                <a:latin typeface="Times New Roman" panose="02020603050405020304" pitchFamily="18" charset="0"/>
+                <a:cs typeface="Times New Roman" panose="02020603050405020304" pitchFamily="18" charset="0"/>
+              </a:rPr>
+              <a:t>По-перше</a:t>
+            </a:r>
+            <a:r>
+              <a:rPr lang="ru-RU" sz="2400" b="0" i="0" dirty="0">
+                <a:effectLst/>
+                <a:latin typeface="Times New Roman" panose="02020603050405020304" pitchFamily="18" charset="0"/>
+                <a:cs typeface="Times New Roman" panose="02020603050405020304" pitchFamily="18" charset="0"/>
+              </a:rPr>
+              <a:t> (і </a:t>
+            </a:r>
+            <a:r>
+              <a:rPr lang="ru-RU" sz="2400" b="0" i="0" dirty="0" err="1">
+                <a:effectLst/>
+                <a:latin typeface="Times New Roman" panose="02020603050405020304" pitchFamily="18" charset="0"/>
+                <a:cs typeface="Times New Roman" panose="02020603050405020304" pitchFamily="18" charset="0"/>
+              </a:rPr>
+              <a:t>що</a:t>
+            </a:r>
+            <a:r>
+              <a:rPr lang="ru-RU" sz="2400" b="0" i="0" dirty="0">
+                <a:effectLst/>
+                <a:latin typeface="Times New Roman" panose="02020603050405020304" pitchFamily="18" charset="0"/>
+                <a:cs typeface="Times New Roman" panose="02020603050405020304" pitchFamily="18" charset="0"/>
+              </a:rPr>
+              <a:t> головне), перше </a:t>
+            </a:r>
+            <a:r>
+              <a:rPr lang="ru-RU" sz="2400" b="0" i="0" dirty="0" err="1">
+                <a:effectLst/>
+                <a:latin typeface="Times New Roman" panose="02020603050405020304" pitchFamily="18" charset="0"/>
+                <a:cs typeface="Times New Roman" panose="02020603050405020304" pitchFamily="18" charset="0"/>
+              </a:rPr>
+              <a:t>значення</a:t>
+            </a:r>
+            <a:r>
+              <a:rPr lang="ru-RU" sz="2400" b="0" i="0" dirty="0">
+                <a:effectLst/>
+                <a:latin typeface="Times New Roman" panose="02020603050405020304" pitchFamily="18" charset="0"/>
+                <a:cs typeface="Times New Roman" panose="02020603050405020304" pitchFamily="18" charset="0"/>
+              </a:rPr>
+              <a:t>, </a:t>
+            </a:r>
+            <a:r>
+              <a:rPr lang="ru-RU" sz="2400" b="0" i="0" dirty="0" err="1">
+                <a:effectLst/>
+                <a:latin typeface="Times New Roman" panose="02020603050405020304" pitchFamily="18" charset="0"/>
+                <a:cs typeface="Times New Roman" panose="02020603050405020304" pitchFamily="18" charset="0"/>
+              </a:rPr>
+              <a:t>присвоєне</a:t>
+            </a:r>
+            <a:r>
+              <a:rPr lang="ru-RU" sz="2400" b="0" i="0" dirty="0">
+                <a:effectLst/>
+                <a:latin typeface="Times New Roman" panose="02020603050405020304" pitchFamily="18" charset="0"/>
+                <a:cs typeface="Times New Roman" panose="02020603050405020304" pitchFamily="18" charset="0"/>
+              </a:rPr>
+              <a:t> </a:t>
+            </a:r>
+            <a:r>
+              <a:rPr lang="ru-RU" sz="2400" b="0" i="0" dirty="0" err="1">
+                <a:effectLst/>
+                <a:latin typeface="Times New Roman" panose="02020603050405020304" pitchFamily="18" charset="0"/>
+                <a:cs typeface="Times New Roman" panose="02020603050405020304" pitchFamily="18" charset="0"/>
+              </a:rPr>
+              <a:t>константі</a:t>
+            </a:r>
+            <a:r>
+              <a:rPr lang="ru-RU" sz="2400" b="0" i="0" dirty="0">
+                <a:effectLst/>
+                <a:latin typeface="Times New Roman" panose="02020603050405020304" pitchFamily="18" charset="0"/>
+                <a:cs typeface="Times New Roman" panose="02020603050405020304" pitchFamily="18" charset="0"/>
+              </a:rPr>
+              <a:t>, не </a:t>
+            </a:r>
+            <a:r>
+              <a:rPr lang="ru-RU" sz="2400" b="0" i="0" dirty="0" err="1">
+                <a:effectLst/>
+                <a:latin typeface="Times New Roman" panose="02020603050405020304" pitchFamily="18" charset="0"/>
+                <a:cs typeface="Times New Roman" panose="02020603050405020304" pitchFamily="18" charset="0"/>
+              </a:rPr>
+              <a:t>можна</a:t>
+            </a:r>
+            <a:r>
+              <a:rPr lang="ru-RU" sz="2400" b="0" i="0" dirty="0">
+                <a:effectLst/>
+                <a:latin typeface="Times New Roman" panose="02020603050405020304" pitchFamily="18" charset="0"/>
+                <a:cs typeface="Times New Roman" panose="02020603050405020304" pitchFamily="18" charset="0"/>
+              </a:rPr>
+              <a:t> </a:t>
+            </a:r>
+            <a:r>
+              <a:rPr lang="ru-RU" sz="2400" b="0" i="0" dirty="0" err="1">
+                <a:effectLst/>
+                <a:latin typeface="Times New Roman" panose="02020603050405020304" pitchFamily="18" charset="0"/>
+                <a:cs typeface="Times New Roman" panose="02020603050405020304" pitchFamily="18" charset="0"/>
+              </a:rPr>
+              <a:t>змінити</a:t>
+            </a:r>
+            <a:r>
+              <a:rPr lang="ru-RU" sz="2400" b="0" i="0" dirty="0">
+                <a:effectLst/>
+                <a:latin typeface="Times New Roman" panose="02020603050405020304" pitchFamily="18" charset="0"/>
+                <a:cs typeface="Times New Roman" panose="02020603050405020304" pitchFamily="18" charset="0"/>
+              </a:rPr>
+              <a:t>. </a:t>
+            </a:r>
+            <a:r>
+              <a:rPr lang="ru-RU" sz="2400" b="0" i="0" dirty="0" err="1">
+                <a:effectLst/>
+                <a:latin typeface="Times New Roman" panose="02020603050405020304" pitchFamily="18" charset="0"/>
+                <a:cs typeface="Times New Roman" panose="02020603050405020304" pitchFamily="18" charset="0"/>
+              </a:rPr>
+              <a:t>Воно</a:t>
+            </a:r>
+            <a:r>
+              <a:rPr lang="ru-RU" sz="2400" b="0" i="0" dirty="0">
+                <a:effectLst/>
+                <a:latin typeface="Times New Roman" panose="02020603050405020304" pitchFamily="18" charset="0"/>
+                <a:cs typeface="Times New Roman" panose="02020603050405020304" pitchFamily="18" charset="0"/>
+              </a:rPr>
+              <a:t> </a:t>
+            </a:r>
+            <a:r>
+              <a:rPr lang="ru-RU" sz="2400" b="0" i="0" dirty="0" err="1">
+                <a:effectLst/>
+                <a:latin typeface="Times New Roman" panose="02020603050405020304" pitchFamily="18" charset="0"/>
+                <a:cs typeface="Times New Roman" panose="02020603050405020304" pitchFamily="18" charset="0"/>
+              </a:rPr>
+              <a:t>присвоюється</a:t>
+            </a:r>
+            <a:r>
+              <a:rPr lang="ru-RU" sz="2400" b="0" i="0" dirty="0">
+                <a:effectLst/>
+                <a:latin typeface="Times New Roman" panose="02020603050405020304" pitchFamily="18" charset="0"/>
+                <a:cs typeface="Times New Roman" panose="02020603050405020304" pitchFamily="18" charset="0"/>
+              </a:rPr>
+              <a:t> один раз і </a:t>
+            </a:r>
+            <a:r>
+              <a:rPr lang="ru-RU" sz="2400" b="0" i="0" dirty="0" err="1">
+                <a:effectLst/>
+                <a:latin typeface="Times New Roman" panose="02020603050405020304" pitchFamily="18" charset="0"/>
+                <a:cs typeface="Times New Roman" panose="02020603050405020304" pitchFamily="18" charset="0"/>
+              </a:rPr>
+              <a:t>назавжди</a:t>
+            </a:r>
+            <a:r>
+              <a:rPr lang="ru-RU" sz="2400" b="0" i="0" dirty="0">
+                <a:effectLst/>
+                <a:latin typeface="Times New Roman" panose="02020603050405020304" pitchFamily="18" charset="0"/>
+                <a:cs typeface="Times New Roman" panose="02020603050405020304" pitchFamily="18" charset="0"/>
+              </a:rPr>
+              <a:t>. </a:t>
+            </a:r>
+            <a:endParaRPr lang="uk-UA" sz="2400" dirty="0">
+              <a:latin typeface="Times New Roman" panose="02020603050405020304" pitchFamily="18" charset="0"/>
+              <a:cs typeface="Times New Roman" panose="02020603050405020304" pitchFamily="18" charset="0"/>
+            </a:endParaRPr>
+          </a:p>
+        </p:txBody>
+      </p:sp>
+      <p:sp>
+        <p:nvSpPr>
+          <p:cNvPr id="8" name="TextBox 7">
+            <a:extLst>
+              <a:ext uri="{FF2B5EF4-FFF2-40B4-BE49-F238E27FC236}">
+                <a16:creationId xmlns:a16="http://schemas.microsoft.com/office/drawing/2014/main" id="{196060DC-8476-4459-90FA-D8BC03FE9475}"/>
+              </a:ext>
+            </a:extLst>
+          </p:cNvPr>
+          <p:cNvSpPr txBox="1"/>
+          <p:nvPr/>
+        </p:nvSpPr>
+        <p:spPr>
+          <a:xfrm>
+            <a:off x="443060" y="4371681"/>
+            <a:ext cx="11236749" cy="707886"/>
+          </a:xfrm>
+          <a:prstGeom prst="rect">
+            <a:avLst/>
+          </a:prstGeom>
+          <a:noFill/>
+        </p:spPr>
+        <p:txBody>
+          <a:bodyPr wrap="square">
+            <a:spAutoFit/>
+          </a:bodyPr>
+          <a:lstStyle/>
+          <a:p>
+            <a:r>
+              <a:rPr lang="ru-RU" sz="2000" b="0" i="0" dirty="0">
+                <a:effectLst/>
+                <a:latin typeface="Times New Roman" panose="02020603050405020304" pitchFamily="18" charset="0"/>
+                <a:cs typeface="Times New Roman" panose="02020603050405020304" pitchFamily="18" charset="0"/>
+              </a:rPr>
+              <a:t>Константу </a:t>
+            </a:r>
+            <a:r>
+              <a:rPr lang="ru-RU" sz="2000" b="0" i="0" dirty="0" err="1">
+                <a:effectLst/>
+                <a:latin typeface="Times New Roman" panose="02020603050405020304" pitchFamily="18" charset="0"/>
+                <a:cs typeface="Times New Roman" panose="02020603050405020304" pitchFamily="18" charset="0"/>
+              </a:rPr>
+              <a:t>необов'язково</a:t>
+            </a:r>
+            <a:r>
+              <a:rPr lang="ru-RU" sz="2000" b="0" i="0" dirty="0">
+                <a:effectLst/>
+                <a:latin typeface="Times New Roman" panose="02020603050405020304" pitchFamily="18" charset="0"/>
+                <a:cs typeface="Times New Roman" panose="02020603050405020304" pitchFamily="18" charset="0"/>
+              </a:rPr>
+              <a:t> </a:t>
+            </a:r>
+            <a:r>
+              <a:rPr lang="ru-RU" sz="2000" b="0" i="0" dirty="0" err="1">
+                <a:effectLst/>
+                <a:latin typeface="Times New Roman" panose="02020603050405020304" pitchFamily="18" charset="0"/>
+                <a:cs typeface="Times New Roman" panose="02020603050405020304" pitchFamily="18" charset="0"/>
+              </a:rPr>
+              <a:t>ініціалізувати</a:t>
+            </a:r>
+            <a:r>
+              <a:rPr lang="ru-RU" sz="2000" b="0" i="0" dirty="0">
+                <a:effectLst/>
+                <a:latin typeface="Times New Roman" panose="02020603050405020304" pitchFamily="18" charset="0"/>
+                <a:cs typeface="Times New Roman" panose="02020603050405020304" pitchFamily="18" charset="0"/>
+              </a:rPr>
+              <a:t> </a:t>
+            </a:r>
+            <a:r>
+              <a:rPr lang="ru-RU" sz="2000" b="0" i="0" dirty="0" err="1">
+                <a:effectLst/>
+                <a:latin typeface="Times New Roman" panose="02020603050405020304" pitchFamily="18" charset="0"/>
+                <a:cs typeface="Times New Roman" panose="02020603050405020304" pitchFamily="18" charset="0"/>
+              </a:rPr>
+              <a:t>відразу</a:t>
+            </a:r>
+            <a:r>
+              <a:rPr lang="ru-RU" sz="2000" b="0" i="0" dirty="0">
+                <a:effectLst/>
+                <a:latin typeface="Times New Roman" panose="02020603050405020304" pitchFamily="18" charset="0"/>
+                <a:cs typeface="Times New Roman" panose="02020603050405020304" pitchFamily="18" charset="0"/>
+              </a:rPr>
+              <a:t> ж. </a:t>
+            </a:r>
+            <a:r>
+              <a:rPr lang="ru-RU" sz="2000" b="0" i="0" dirty="0" err="1">
+                <a:effectLst/>
+                <a:latin typeface="Times New Roman" panose="02020603050405020304" pitchFamily="18" charset="0"/>
+                <a:cs typeface="Times New Roman" panose="02020603050405020304" pitchFamily="18" charset="0"/>
+              </a:rPr>
+              <a:t>Це</a:t>
+            </a:r>
+            <a:r>
+              <a:rPr lang="ru-RU" sz="2000" b="0" i="0" dirty="0">
+                <a:effectLst/>
+                <a:latin typeface="Times New Roman" panose="02020603050405020304" pitchFamily="18" charset="0"/>
+                <a:cs typeface="Times New Roman" panose="02020603050405020304" pitchFamily="18" charset="0"/>
+              </a:rPr>
+              <a:t> </a:t>
+            </a:r>
+            <a:r>
+              <a:rPr lang="ru-RU" sz="2000" b="0" i="0" dirty="0" err="1">
+                <a:effectLst/>
+                <a:latin typeface="Times New Roman" panose="02020603050405020304" pitchFamily="18" charset="0"/>
+                <a:cs typeface="Times New Roman" panose="02020603050405020304" pitchFamily="18" charset="0"/>
+              </a:rPr>
+              <a:t>можна</a:t>
+            </a:r>
+            <a:r>
+              <a:rPr lang="ru-RU" sz="2000" b="0" i="0" dirty="0">
+                <a:effectLst/>
+                <a:latin typeface="Times New Roman" panose="02020603050405020304" pitchFamily="18" charset="0"/>
+                <a:cs typeface="Times New Roman" panose="02020603050405020304" pitchFamily="18" charset="0"/>
+              </a:rPr>
+              <a:t> </a:t>
+            </a:r>
+            <a:r>
+              <a:rPr lang="ru-RU" sz="2000" b="0" i="0" dirty="0" err="1">
+                <a:effectLst/>
+                <a:latin typeface="Times New Roman" panose="02020603050405020304" pitchFamily="18" charset="0"/>
+                <a:cs typeface="Times New Roman" panose="02020603050405020304" pitchFamily="18" charset="0"/>
+              </a:rPr>
+              <a:t>зробити</a:t>
+            </a:r>
+            <a:r>
+              <a:rPr lang="ru-RU" sz="2000" b="0" i="0" dirty="0">
+                <a:effectLst/>
+                <a:latin typeface="Times New Roman" panose="02020603050405020304" pitchFamily="18" charset="0"/>
+                <a:cs typeface="Times New Roman" panose="02020603050405020304" pitchFamily="18" charset="0"/>
+              </a:rPr>
+              <a:t> і </a:t>
+            </a:r>
+            <a:r>
+              <a:rPr lang="ru-RU" sz="2000" b="0" i="0" dirty="0" err="1">
+                <a:effectLst/>
+                <a:latin typeface="Times New Roman" panose="02020603050405020304" pitchFamily="18" charset="0"/>
+                <a:cs typeface="Times New Roman" panose="02020603050405020304" pitchFamily="18" charset="0"/>
+              </a:rPr>
+              <a:t>пізніше</a:t>
+            </a:r>
+            <a:r>
+              <a:rPr lang="ru-RU" sz="2000" b="0" i="0" dirty="0">
+                <a:effectLst/>
+                <a:latin typeface="Times New Roman" panose="02020603050405020304" pitchFamily="18" charset="0"/>
+                <a:cs typeface="Times New Roman" panose="02020603050405020304" pitchFamily="18" charset="0"/>
+              </a:rPr>
+              <a:t>. Але </a:t>
+            </a:r>
+            <a:r>
+              <a:rPr lang="ru-RU" sz="2000" b="0" i="0" dirty="0" err="1">
+                <a:effectLst/>
+                <a:latin typeface="Times New Roman" panose="02020603050405020304" pitchFamily="18" charset="0"/>
+                <a:cs typeface="Times New Roman" panose="02020603050405020304" pitchFamily="18" charset="0"/>
+              </a:rPr>
+              <a:t>значення</a:t>
+            </a:r>
+            <a:r>
+              <a:rPr lang="ru-RU" sz="2000" b="0" i="0" dirty="0">
+                <a:effectLst/>
+                <a:latin typeface="Times New Roman" panose="02020603050405020304" pitchFamily="18" charset="0"/>
+                <a:cs typeface="Times New Roman" panose="02020603050405020304" pitchFamily="18" charset="0"/>
+              </a:rPr>
+              <a:t>, </a:t>
+            </a:r>
+            <a:r>
+              <a:rPr lang="ru-RU" sz="2000" b="0" i="0" dirty="0" err="1">
+                <a:effectLst/>
+                <a:latin typeface="Times New Roman" panose="02020603050405020304" pitchFamily="18" charset="0"/>
+                <a:cs typeface="Times New Roman" panose="02020603050405020304" pitchFamily="18" charset="0"/>
+              </a:rPr>
+              <a:t>присвоєне</a:t>
+            </a:r>
+            <a:r>
+              <a:rPr lang="ru-RU" sz="2000" b="0" i="0" dirty="0">
+                <a:effectLst/>
+                <a:latin typeface="Times New Roman" panose="02020603050405020304" pitchFamily="18" charset="0"/>
+                <a:cs typeface="Times New Roman" panose="02020603050405020304" pitchFamily="18" charset="0"/>
+              </a:rPr>
+              <a:t> першим, так і </a:t>
+            </a:r>
+            <a:r>
+              <a:rPr lang="ru-RU" sz="2000" b="0" i="0" dirty="0" err="1">
+                <a:effectLst/>
+                <a:latin typeface="Times New Roman" panose="02020603050405020304" pitchFamily="18" charset="0"/>
+                <a:cs typeface="Times New Roman" panose="02020603050405020304" pitchFamily="18" charset="0"/>
+              </a:rPr>
+              <a:t>залишиться</a:t>
+            </a:r>
+            <a:r>
+              <a:rPr lang="ru-RU" sz="2000" b="0" i="0" dirty="0">
+                <a:effectLst/>
+                <a:latin typeface="Times New Roman" panose="02020603050405020304" pitchFamily="18" charset="0"/>
+                <a:cs typeface="Times New Roman" panose="02020603050405020304" pitchFamily="18" charset="0"/>
+              </a:rPr>
+              <a:t> </a:t>
+            </a:r>
+            <a:r>
+              <a:rPr lang="ru-RU" sz="2000" b="0" i="0" dirty="0" err="1">
+                <a:effectLst/>
+                <a:latin typeface="Times New Roman" panose="02020603050405020304" pitchFamily="18" charset="0"/>
+                <a:cs typeface="Times New Roman" panose="02020603050405020304" pitchFamily="18" charset="0"/>
+              </a:rPr>
+              <a:t>назавжди</a:t>
+            </a:r>
+            <a:r>
+              <a:rPr lang="ru-RU" sz="2000" b="0" i="0" dirty="0">
+                <a:effectLst/>
+                <a:latin typeface="Times New Roman" panose="02020603050405020304" pitchFamily="18" charset="0"/>
+                <a:cs typeface="Times New Roman" panose="02020603050405020304" pitchFamily="18" charset="0"/>
+              </a:rPr>
+              <a:t>.</a:t>
+            </a:r>
+            <a:endParaRPr lang="uk-UA" sz="2000" dirty="0">
+              <a:latin typeface="Times New Roman" panose="02020603050405020304" pitchFamily="18" charset="0"/>
+              <a:cs typeface="Times New Roman" panose="02020603050405020304" pitchFamily="18" charset="0"/>
+            </a:endParaRPr>
+          </a:p>
+        </p:txBody>
+      </p:sp>
+      <p:sp>
+        <p:nvSpPr>
+          <p:cNvPr id="10" name="TextBox 9">
+            <a:extLst>
+              <a:ext uri="{FF2B5EF4-FFF2-40B4-BE49-F238E27FC236}">
+                <a16:creationId xmlns:a16="http://schemas.microsoft.com/office/drawing/2014/main" id="{7614AA0F-571C-4918-9C8D-0BA0639ABA94}"/>
+              </a:ext>
+            </a:extLst>
+          </p:cNvPr>
+          <p:cNvSpPr txBox="1"/>
+          <p:nvPr/>
+        </p:nvSpPr>
+        <p:spPr>
+          <a:xfrm>
+            <a:off x="443059" y="5110345"/>
+            <a:ext cx="8031637" cy="1200329"/>
+          </a:xfrm>
+          <a:prstGeom prst="rect">
+            <a:avLst/>
+          </a:prstGeom>
+          <a:noFill/>
+        </p:spPr>
+        <p:txBody>
+          <a:bodyPr wrap="square">
+            <a:spAutoFit/>
+          </a:bodyPr>
+          <a:lstStyle/>
+          <a:p>
+            <a:r>
+              <a:rPr lang="en-US" b="1" i="0" dirty="0">
+                <a:solidFill>
+                  <a:srgbClr val="000080"/>
+                </a:solidFill>
+                <a:effectLst/>
+                <a:latin typeface="Courier New" panose="02070309020205020404" pitchFamily="49" charset="0"/>
+                <a:cs typeface="Courier New" panose="02070309020205020404" pitchFamily="49" charset="0"/>
+              </a:rPr>
+              <a:t>public</a:t>
+            </a:r>
+            <a:r>
+              <a:rPr lang="en-US" b="0" i="0" dirty="0">
+                <a:solidFill>
+                  <a:srgbClr val="000000"/>
+                </a:solidFill>
+                <a:effectLst/>
+                <a:latin typeface="Courier New" panose="02070309020205020404" pitchFamily="49" charset="0"/>
+                <a:cs typeface="Courier New" panose="02070309020205020404" pitchFamily="49" charset="0"/>
+              </a:rPr>
+              <a:t> </a:t>
+            </a:r>
+            <a:r>
+              <a:rPr lang="en-US" b="1" i="0" dirty="0">
+                <a:solidFill>
+                  <a:srgbClr val="000080"/>
+                </a:solidFill>
+                <a:effectLst/>
+                <a:latin typeface="Courier New" panose="02070309020205020404" pitchFamily="49" charset="0"/>
+                <a:cs typeface="Courier New" panose="02070309020205020404" pitchFamily="49" charset="0"/>
+              </a:rPr>
+              <a:t>static</a:t>
+            </a:r>
+            <a:r>
+              <a:rPr lang="en-US" b="0" i="0" dirty="0">
+                <a:solidFill>
+                  <a:srgbClr val="000000"/>
+                </a:solidFill>
+                <a:effectLst/>
+                <a:latin typeface="Courier New" panose="02070309020205020404" pitchFamily="49" charset="0"/>
+                <a:cs typeface="Courier New" panose="02070309020205020404" pitchFamily="49" charset="0"/>
+              </a:rPr>
+              <a:t> </a:t>
+            </a:r>
+            <a:r>
+              <a:rPr lang="en-US" b="1" i="0" dirty="0">
+                <a:solidFill>
+                  <a:srgbClr val="000080"/>
+                </a:solidFill>
+                <a:effectLst/>
+                <a:latin typeface="Courier New" panose="02070309020205020404" pitchFamily="49" charset="0"/>
+                <a:cs typeface="Courier New" panose="02070309020205020404" pitchFamily="49" charset="0"/>
+              </a:rPr>
+              <a:t>void</a:t>
+            </a:r>
+            <a:r>
+              <a:rPr lang="en-US" b="0" i="0" dirty="0">
+                <a:solidFill>
+                  <a:srgbClr val="000000"/>
+                </a:solidFill>
+                <a:effectLst/>
+                <a:latin typeface="Courier New" panose="02070309020205020404" pitchFamily="49" charset="0"/>
+                <a:cs typeface="Courier New" panose="02070309020205020404" pitchFamily="49" charset="0"/>
+              </a:rPr>
+              <a:t> </a:t>
+            </a:r>
+            <a:r>
+              <a:rPr lang="en-US" b="0" i="0" dirty="0">
+                <a:solidFill>
+                  <a:srgbClr val="900606"/>
+                </a:solidFill>
+                <a:effectLst/>
+                <a:latin typeface="Courier New" panose="02070309020205020404" pitchFamily="49" charset="0"/>
+                <a:cs typeface="Courier New" panose="02070309020205020404" pitchFamily="49" charset="0"/>
+              </a:rPr>
+              <a:t>main</a:t>
+            </a:r>
+            <a:r>
+              <a:rPr lang="en-US" b="0" i="0" dirty="0">
+                <a:solidFill>
+                  <a:srgbClr val="000000"/>
+                </a:solidFill>
+                <a:effectLst/>
+                <a:latin typeface="Courier New" panose="02070309020205020404" pitchFamily="49" charset="0"/>
+                <a:cs typeface="Courier New" panose="02070309020205020404" pitchFamily="49" charset="0"/>
+              </a:rPr>
+              <a:t>(String[] </a:t>
+            </a:r>
+            <a:r>
+              <a:rPr lang="en-US" b="0" i="0" dirty="0" err="1">
+                <a:solidFill>
+                  <a:srgbClr val="000000"/>
+                </a:solidFill>
+                <a:effectLst/>
+                <a:latin typeface="Courier New" panose="02070309020205020404" pitchFamily="49" charset="0"/>
+                <a:cs typeface="Courier New" panose="02070309020205020404" pitchFamily="49" charset="0"/>
+              </a:rPr>
+              <a:t>args</a:t>
+            </a:r>
+            <a:r>
+              <a:rPr lang="en-US" b="0" i="0" dirty="0">
+                <a:solidFill>
+                  <a:srgbClr val="000000"/>
+                </a:solidFill>
+                <a:effectLst/>
+                <a:latin typeface="Courier New" panose="02070309020205020404" pitchFamily="49" charset="0"/>
+                <a:cs typeface="Courier New" panose="02070309020205020404" pitchFamily="49" charset="0"/>
+              </a:rPr>
+              <a:t>) { </a:t>
+            </a:r>
+            <a:endParaRPr lang="uk-UA" b="0" i="0" dirty="0">
+              <a:solidFill>
+                <a:srgbClr val="000000"/>
+              </a:solidFill>
+              <a:effectLst/>
+              <a:latin typeface="Courier New" panose="02070309020205020404" pitchFamily="49" charset="0"/>
+              <a:cs typeface="Courier New" panose="02070309020205020404" pitchFamily="49" charset="0"/>
+            </a:endParaRPr>
+          </a:p>
+          <a:p>
+            <a:r>
+              <a:rPr lang="uk-UA" b="1" i="0" dirty="0">
+                <a:solidFill>
+                  <a:srgbClr val="000080"/>
+                </a:solidFill>
+                <a:effectLst/>
+                <a:latin typeface="Courier New" panose="02070309020205020404" pitchFamily="49" charset="0"/>
+                <a:cs typeface="Courier New" panose="02070309020205020404" pitchFamily="49" charset="0"/>
+              </a:rPr>
+              <a:t>	</a:t>
+            </a:r>
+            <a:r>
+              <a:rPr lang="en-US" b="1" i="0" dirty="0">
+                <a:solidFill>
+                  <a:srgbClr val="000080"/>
+                </a:solidFill>
+                <a:effectLst/>
+                <a:latin typeface="Courier New" panose="02070309020205020404" pitchFamily="49" charset="0"/>
+                <a:cs typeface="Courier New" panose="02070309020205020404" pitchFamily="49" charset="0"/>
+              </a:rPr>
+              <a:t>final</a:t>
+            </a:r>
+            <a:r>
+              <a:rPr lang="en-US" b="0" i="0" dirty="0">
+                <a:solidFill>
+                  <a:srgbClr val="000000"/>
+                </a:solidFill>
+                <a:effectLst/>
+                <a:latin typeface="Courier New" panose="02070309020205020404" pitchFamily="49" charset="0"/>
+                <a:cs typeface="Courier New" panose="02070309020205020404" pitchFamily="49" charset="0"/>
+              </a:rPr>
+              <a:t> </a:t>
+            </a:r>
+            <a:r>
+              <a:rPr lang="en-US" b="1" i="0" dirty="0">
+                <a:solidFill>
+                  <a:srgbClr val="000080"/>
+                </a:solidFill>
+                <a:effectLst/>
+                <a:latin typeface="Courier New" panose="02070309020205020404" pitchFamily="49" charset="0"/>
+                <a:cs typeface="Courier New" panose="02070309020205020404" pitchFamily="49" charset="0"/>
+              </a:rPr>
+              <a:t>int</a:t>
+            </a:r>
+            <a:r>
+              <a:rPr lang="en-US" b="0" i="0" dirty="0">
+                <a:solidFill>
+                  <a:srgbClr val="000000"/>
+                </a:solidFill>
+                <a:effectLst/>
+                <a:latin typeface="Courier New" panose="02070309020205020404" pitchFamily="49" charset="0"/>
+                <a:cs typeface="Courier New" panose="02070309020205020404" pitchFamily="49" charset="0"/>
+              </a:rPr>
+              <a:t> CONSTANT_EXAMPLE; </a:t>
+            </a:r>
+            <a:endParaRPr lang="uk-UA" b="0" i="0" dirty="0">
+              <a:solidFill>
+                <a:srgbClr val="000000"/>
+              </a:solidFill>
+              <a:effectLst/>
+              <a:latin typeface="Courier New" panose="02070309020205020404" pitchFamily="49" charset="0"/>
+              <a:cs typeface="Courier New" panose="02070309020205020404" pitchFamily="49" charset="0"/>
+            </a:endParaRPr>
+          </a:p>
+          <a:p>
+            <a:r>
+              <a:rPr lang="uk-UA" b="0" i="0" dirty="0">
+                <a:solidFill>
+                  <a:srgbClr val="000000"/>
+                </a:solidFill>
+                <a:effectLst/>
+                <a:latin typeface="Courier New" panose="02070309020205020404" pitchFamily="49" charset="0"/>
+                <a:cs typeface="Courier New" panose="02070309020205020404" pitchFamily="49" charset="0"/>
+              </a:rPr>
+              <a:t>	</a:t>
+            </a:r>
+            <a:r>
+              <a:rPr lang="en-US" b="0" i="0" dirty="0">
+                <a:solidFill>
+                  <a:srgbClr val="000000"/>
+                </a:solidFill>
+                <a:effectLst/>
+                <a:latin typeface="Courier New" panose="02070309020205020404" pitchFamily="49" charset="0"/>
+                <a:cs typeface="Courier New" panose="02070309020205020404" pitchFamily="49" charset="0"/>
+              </a:rPr>
+              <a:t>CONSTANT_EXAMPLE = </a:t>
+            </a:r>
+            <a:r>
+              <a:rPr lang="en-US" b="0" i="0" dirty="0">
+                <a:solidFill>
+                  <a:srgbClr val="082C8B"/>
+                </a:solidFill>
+                <a:effectLst/>
+                <a:latin typeface="Courier New" panose="02070309020205020404" pitchFamily="49" charset="0"/>
+                <a:cs typeface="Courier New" panose="02070309020205020404" pitchFamily="49" charset="0"/>
+              </a:rPr>
+              <a:t>999</a:t>
+            </a:r>
+            <a:r>
+              <a:rPr lang="en-US" b="0" i="0" dirty="0">
+                <a:solidFill>
+                  <a:srgbClr val="000000"/>
+                </a:solidFill>
+                <a:effectLst/>
+                <a:latin typeface="Courier New" panose="02070309020205020404" pitchFamily="49" charset="0"/>
+                <a:cs typeface="Courier New" panose="02070309020205020404" pitchFamily="49" charset="0"/>
+              </a:rPr>
+              <a:t>;</a:t>
+            </a:r>
+            <a:r>
+              <a:rPr lang="en-US" b="0" i="0" dirty="0">
+                <a:effectLst/>
+                <a:latin typeface="Courier New" panose="02070309020205020404" pitchFamily="49" charset="0"/>
+                <a:cs typeface="Courier New" panose="02070309020205020404" pitchFamily="49" charset="0"/>
+              </a:rPr>
+              <a:t>//</a:t>
+            </a:r>
+            <a:r>
+              <a:rPr lang="uk-UA" b="0" i="0" dirty="0">
+                <a:effectLst/>
+                <a:latin typeface="Courier New" panose="02070309020205020404" pitchFamily="49" charset="0"/>
+                <a:cs typeface="Courier New" panose="02070309020205020404" pitchFamily="49" charset="0"/>
+              </a:rPr>
+              <a:t>так робити можна</a:t>
+            </a:r>
+            <a:r>
+              <a:rPr lang="uk-UA" b="0" i="0" dirty="0">
+                <a:solidFill>
+                  <a:srgbClr val="000000"/>
+                </a:solidFill>
+                <a:effectLst/>
+                <a:latin typeface="Courier New" panose="02070309020205020404" pitchFamily="49" charset="0"/>
+                <a:cs typeface="Courier New" panose="02070309020205020404" pitchFamily="49" charset="0"/>
+              </a:rPr>
+              <a:t> </a:t>
+            </a:r>
+          </a:p>
+          <a:p>
+            <a:r>
+              <a:rPr lang="uk-UA" b="0" i="0" dirty="0">
+                <a:solidFill>
+                  <a:srgbClr val="000000"/>
+                </a:solidFill>
+                <a:effectLst/>
+                <a:latin typeface="Courier New" panose="02070309020205020404" pitchFamily="49" charset="0"/>
+                <a:cs typeface="Courier New" panose="02070309020205020404" pitchFamily="49" charset="0"/>
+              </a:rPr>
+              <a:t>}</a:t>
+            </a:r>
+            <a:endParaRPr lang="uk-UA" dirty="0">
+              <a:latin typeface="Courier New" panose="02070309020205020404" pitchFamily="49" charset="0"/>
+              <a:cs typeface="Courier New" panose="02070309020205020404" pitchFamily="49" charset="0"/>
+            </a:endParaRPr>
+          </a:p>
+        </p:txBody>
+      </p:sp>
+      <p:sp>
+        <p:nvSpPr>
+          <p:cNvPr id="11" name="Rectangle 2">
+            <a:extLst>
+              <a:ext uri="{FF2B5EF4-FFF2-40B4-BE49-F238E27FC236}">
+                <a16:creationId xmlns:a16="http://schemas.microsoft.com/office/drawing/2014/main" id="{0EFB21B8-4930-428B-B765-AE5AAB8A33E2}"/>
+              </a:ext>
+            </a:extLst>
+          </p:cNvPr>
+          <p:cNvSpPr>
+            <a:spLocks noChangeArrowheads="1"/>
+          </p:cNvSpPr>
+          <p:nvPr/>
+        </p:nvSpPr>
+        <p:spPr bwMode="auto">
+          <a:xfrm>
+            <a:off x="443059" y="2124912"/>
+            <a:ext cx="11359298" cy="2215991"/>
+          </a:xfrm>
+          <a:prstGeom prst="rect">
+            <a:avLst/>
+          </a:prstGeom>
+          <a:solidFill>
+            <a:srgbClr val="FFFFFF"/>
+          </a:solidFill>
+          <a:ln>
+            <a:noFill/>
+          </a:ln>
+          <a:effectLst/>
+          <a:extLst>
+            <a:ext uri="{91240B29-F687-4F45-9708-019B960494DF}">
+              <a14:hiddenLine xmlns:a14="http://schemas.microsoft.com/office/drawing/2010/main" w="9525">
+                <a:solidFill>
+                  <a:schemeClr val="tx1"/>
+                </a:solidFill>
+                <a:miter lim="800000"/>
+                <a:headEnd/>
+                <a:tailEnd/>
+              </a14:hiddenLine>
+            </a:ext>
+            <a:ext uri="{AF507438-7753-43E0-B8FC-AC1667EBCBE1}">
+              <a14:hiddenEffects xmlns:a14="http://schemas.microsoft.com/office/drawing/2010/main">
+                <a:effectLst>
+                  <a:outerShdw dist="35921" dir="2700000" algn="ctr" rotWithShape="0">
+                    <a:schemeClr val="bg2"/>
+                  </a:outerShdw>
+                </a:effectLst>
+              </a14:hiddenEffects>
+            </a:ext>
+          </a:extLst>
+        </p:spPr>
+        <p:txBody>
+          <a:bodyPr vert="horz" wrap="square" lIns="91440" tIns="0" rIns="91440" bIns="0" numCol="1" anchor="ctr" anchorCtr="0" compatLnSpc="1">
+            <a:prstTxWarp prst="textNoShape">
+              <a:avLst/>
+            </a:prstTxWarp>
+            <a:spAutoFit/>
+          </a:bodyPr>
+          <a:lstStyle>
+            <a:lvl1pPr eaLnBrk="0" fontAlgn="base" hangingPunct="0">
+              <a:spcBef>
+                <a:spcPct val="0"/>
+              </a:spcBef>
+              <a:spcAft>
+                <a:spcPct val="0"/>
+              </a:spcAft>
+              <a:defRPr>
+                <a:solidFill>
+                  <a:schemeClr val="tx1"/>
+                </a:solidFill>
+                <a:latin typeface="Arial" panose="020B0604020202020204" pitchFamily="34" charset="0"/>
+              </a:defRPr>
+            </a:lvl1pPr>
+            <a:lvl2pPr eaLnBrk="0" fontAlgn="base" hangingPunct="0">
+              <a:spcBef>
+                <a:spcPct val="0"/>
+              </a:spcBef>
+              <a:spcAft>
+                <a:spcPct val="0"/>
+              </a:spcAft>
+              <a:defRPr>
+                <a:solidFill>
+                  <a:schemeClr val="tx1"/>
+                </a:solidFill>
+                <a:latin typeface="Arial" panose="020B0604020202020204" pitchFamily="34" charset="0"/>
+              </a:defRPr>
+            </a:lvl2pPr>
+            <a:lvl3pPr eaLnBrk="0" fontAlgn="base" hangingPunct="0">
+              <a:spcBef>
+                <a:spcPct val="0"/>
+              </a:spcBef>
+              <a:spcAft>
+                <a:spcPct val="0"/>
+              </a:spcAft>
+              <a:defRPr>
+                <a:solidFill>
+                  <a:schemeClr val="tx1"/>
+                </a:solidFill>
+                <a:latin typeface="Arial" panose="020B0604020202020204" pitchFamily="34" charset="0"/>
+              </a:defRPr>
+            </a:lvl3pPr>
+            <a:lvl4pPr eaLnBrk="0" fontAlgn="base" hangingPunct="0">
+              <a:spcBef>
+                <a:spcPct val="0"/>
+              </a:spcBef>
+              <a:spcAft>
+                <a:spcPct val="0"/>
+              </a:spcAft>
+              <a:defRPr>
+                <a:solidFill>
+                  <a:schemeClr val="tx1"/>
+                </a:solidFill>
+                <a:latin typeface="Arial" panose="020B0604020202020204" pitchFamily="34" charset="0"/>
+              </a:defRPr>
+            </a:lvl4pPr>
+            <a:lvl5pPr eaLnBrk="0" fontAlgn="base" hangingPunct="0">
+              <a:spcBef>
+                <a:spcPct val="0"/>
+              </a:spcBef>
+              <a:spcAft>
+                <a:spcPct val="0"/>
+              </a:spcAft>
+              <a:defRPr>
+                <a:solidFill>
+                  <a:schemeClr val="tx1"/>
+                </a:solidFill>
+                <a:latin typeface="Arial" panose="020B0604020202020204" pitchFamily="34" charset="0"/>
+              </a:defRPr>
+            </a:lvl5pPr>
+            <a:lvl6pPr eaLnBrk="0" fontAlgn="base" hangingPunct="0">
+              <a:spcBef>
+                <a:spcPct val="0"/>
+              </a:spcBef>
+              <a:spcAft>
+                <a:spcPct val="0"/>
+              </a:spcAft>
+              <a:defRPr>
+                <a:solidFill>
+                  <a:schemeClr val="tx1"/>
+                </a:solidFill>
+                <a:latin typeface="Arial" panose="020B0604020202020204" pitchFamily="34" charset="0"/>
+              </a:defRPr>
+            </a:lvl6pPr>
+            <a:lvl7pPr eaLnBrk="0" fontAlgn="base" hangingPunct="0">
+              <a:spcBef>
+                <a:spcPct val="0"/>
+              </a:spcBef>
+              <a:spcAft>
+                <a:spcPct val="0"/>
+              </a:spcAft>
+              <a:defRPr>
+                <a:solidFill>
+                  <a:schemeClr val="tx1"/>
+                </a:solidFill>
+                <a:latin typeface="Arial" panose="020B0604020202020204" pitchFamily="34" charset="0"/>
+              </a:defRPr>
+            </a:lvl7pPr>
+            <a:lvl8pPr eaLnBrk="0" fontAlgn="base" hangingPunct="0">
+              <a:spcBef>
+                <a:spcPct val="0"/>
+              </a:spcBef>
+              <a:spcAft>
+                <a:spcPct val="0"/>
+              </a:spcAft>
+              <a:defRPr>
+                <a:solidFill>
+                  <a:schemeClr val="tx1"/>
+                </a:solidFill>
+                <a:latin typeface="Arial" panose="020B0604020202020204" pitchFamily="34" charset="0"/>
+              </a:defRPr>
+            </a:lvl8pPr>
+            <a:lvl9pPr eaLnBrk="0" fontAlgn="base" hangingPunct="0">
+              <a:spcBef>
+                <a:spcPct val="0"/>
+              </a:spcBef>
+              <a:spcAft>
+                <a:spcPct val="0"/>
+              </a:spcAft>
+              <a:defRPr>
+                <a:solidFill>
+                  <a:schemeClr val="tx1"/>
+                </a:solidFill>
+                <a:latin typeface="Arial" panose="020B0604020202020204" pitchFamily="34" charset="0"/>
+              </a:defRPr>
+            </a:lvl9pPr>
+          </a:lstStyle>
+          <a:p>
+            <a:pPr marL="0" marR="0" lvl="0" indent="0" algn="l" defTabSz="914400" rtl="0" eaLnBrk="0" fontAlgn="base" latinLnBrk="0" hangingPunct="0">
+              <a:lnSpc>
+                <a:spcPct val="100000"/>
+              </a:lnSpc>
+              <a:spcBef>
+                <a:spcPct val="0"/>
+              </a:spcBef>
+              <a:spcAft>
+                <a:spcPct val="0"/>
+              </a:spcAft>
+              <a:buClrTx/>
+              <a:buSzTx/>
+              <a:buFontTx/>
+              <a:buNone/>
+              <a:tabLst/>
+            </a:pPr>
+            <a:r>
+              <a:rPr kumimoji="0" lang="uk-UA" altLang="uk-UA" b="1" i="0" u="none" strike="noStrike" cap="none" normalizeH="0" baseline="0" dirty="0" err="1">
+                <a:ln>
+                  <a:noFill/>
+                </a:ln>
+                <a:solidFill>
+                  <a:srgbClr val="000080"/>
+                </a:solidFill>
+                <a:effectLst/>
+                <a:latin typeface="Courier New" panose="02070309020205020404" pitchFamily="49" charset="0"/>
+                <a:cs typeface="Courier New" panose="02070309020205020404" pitchFamily="49" charset="0"/>
+              </a:rPr>
+              <a:t>public</a:t>
+            </a:r>
+            <a:r>
+              <a:rPr kumimoji="0" lang="uk-UA" altLang="uk-UA" b="0" i="0" u="none" strike="noStrike" cap="none" normalizeH="0" baseline="0" dirty="0">
+                <a:ln>
+                  <a:noFill/>
+                </a:ln>
+                <a:solidFill>
+                  <a:srgbClr val="000000"/>
+                </a:solidFill>
+                <a:effectLst/>
+                <a:latin typeface="Courier New" panose="02070309020205020404" pitchFamily="49" charset="0"/>
+                <a:cs typeface="Courier New" panose="02070309020205020404" pitchFamily="49" charset="0"/>
+              </a:rPr>
+              <a:t> </a:t>
+            </a:r>
+            <a:r>
+              <a:rPr kumimoji="0" lang="uk-UA" altLang="uk-UA" b="1" i="0" u="none" strike="noStrike" cap="none" normalizeH="0" baseline="0" dirty="0" err="1">
+                <a:ln>
+                  <a:noFill/>
+                </a:ln>
+                <a:solidFill>
+                  <a:srgbClr val="000080"/>
+                </a:solidFill>
+                <a:effectLst/>
+                <a:latin typeface="Courier New" panose="02070309020205020404" pitchFamily="49" charset="0"/>
+                <a:cs typeface="Courier New" panose="02070309020205020404" pitchFamily="49" charset="0"/>
+              </a:rPr>
+              <a:t>class</a:t>
+            </a:r>
+            <a:r>
+              <a:rPr kumimoji="0" lang="uk-UA" altLang="uk-UA" b="0" i="0" u="none" strike="noStrike" cap="none" normalizeH="0" baseline="0" dirty="0">
+                <a:ln>
+                  <a:noFill/>
+                </a:ln>
+                <a:solidFill>
+                  <a:srgbClr val="000000"/>
+                </a:solidFill>
+                <a:effectLst/>
+                <a:latin typeface="Courier New" panose="02070309020205020404" pitchFamily="49" charset="0"/>
+                <a:cs typeface="Courier New" panose="02070309020205020404" pitchFamily="49" charset="0"/>
+              </a:rPr>
+              <a:t> </a:t>
+            </a:r>
+            <a:r>
+              <a:rPr kumimoji="0" lang="uk-UA" altLang="uk-UA" b="0" i="0" u="none" strike="noStrike" cap="none" normalizeH="0" baseline="0" dirty="0" err="1">
+                <a:ln>
+                  <a:noFill/>
+                </a:ln>
+                <a:solidFill>
+                  <a:srgbClr val="000000"/>
+                </a:solidFill>
+                <a:effectLst/>
+                <a:latin typeface="Courier New" panose="02070309020205020404" pitchFamily="49" charset="0"/>
+                <a:cs typeface="Courier New" panose="02070309020205020404" pitchFamily="49" charset="0"/>
+              </a:rPr>
+              <a:t>Main</a:t>
+            </a:r>
+            <a:r>
+              <a:rPr kumimoji="0" lang="uk-UA" altLang="uk-UA" b="0" i="0" u="none" strike="noStrike" cap="none" normalizeH="0" baseline="0" dirty="0">
+                <a:ln>
+                  <a:noFill/>
+                </a:ln>
+                <a:solidFill>
+                  <a:srgbClr val="000000"/>
+                </a:solidFill>
+                <a:effectLst/>
+                <a:latin typeface="Courier New" panose="02070309020205020404" pitchFamily="49" charset="0"/>
+                <a:cs typeface="Courier New" panose="02070309020205020404" pitchFamily="49" charset="0"/>
+              </a:rPr>
+              <a:t> { </a:t>
+            </a:r>
+          </a:p>
+          <a:p>
+            <a:pPr marL="0" marR="0" lvl="0" indent="0" algn="l" defTabSz="914400" rtl="0" eaLnBrk="0" fontAlgn="base" latinLnBrk="0" hangingPunct="0">
+              <a:lnSpc>
+                <a:spcPct val="100000"/>
+              </a:lnSpc>
+              <a:spcBef>
+                <a:spcPct val="0"/>
+              </a:spcBef>
+              <a:spcAft>
+                <a:spcPct val="0"/>
+              </a:spcAft>
+              <a:buClrTx/>
+              <a:buSzTx/>
+              <a:buFontTx/>
+              <a:buNone/>
+              <a:tabLst/>
+            </a:pPr>
+            <a:r>
+              <a:rPr lang="uk-UA" altLang="uk-UA" dirty="0">
+                <a:solidFill>
+                  <a:srgbClr val="000000"/>
+                </a:solidFill>
+                <a:latin typeface="Courier New" panose="02070309020205020404" pitchFamily="49" charset="0"/>
+                <a:cs typeface="Courier New" panose="02070309020205020404" pitchFamily="49" charset="0"/>
+              </a:rPr>
+              <a:t>	</a:t>
+            </a:r>
+            <a:r>
+              <a:rPr kumimoji="0" lang="uk-UA" altLang="uk-UA" b="1" i="0" u="none" strike="noStrike" cap="none" normalizeH="0" baseline="0" dirty="0" err="1">
+                <a:ln>
+                  <a:noFill/>
+                </a:ln>
+                <a:solidFill>
+                  <a:srgbClr val="000080"/>
+                </a:solidFill>
+                <a:effectLst/>
+                <a:latin typeface="Courier New" panose="02070309020205020404" pitchFamily="49" charset="0"/>
+                <a:cs typeface="Courier New" panose="02070309020205020404" pitchFamily="49" charset="0"/>
+              </a:rPr>
+              <a:t>private</a:t>
+            </a:r>
+            <a:r>
+              <a:rPr kumimoji="0" lang="uk-UA" altLang="uk-UA" b="0" i="0" u="none" strike="noStrike" cap="none" normalizeH="0" baseline="0" dirty="0">
+                <a:ln>
+                  <a:noFill/>
+                </a:ln>
+                <a:solidFill>
+                  <a:srgbClr val="000000"/>
+                </a:solidFill>
+                <a:effectLst/>
+                <a:latin typeface="Courier New" panose="02070309020205020404" pitchFamily="49" charset="0"/>
+                <a:cs typeface="Courier New" panose="02070309020205020404" pitchFamily="49" charset="0"/>
+              </a:rPr>
+              <a:t> </a:t>
+            </a:r>
+            <a:r>
+              <a:rPr kumimoji="0" lang="uk-UA" altLang="uk-UA" b="1" i="0" u="none" strike="noStrike" cap="none" normalizeH="0" baseline="0" dirty="0" err="1">
+                <a:ln>
+                  <a:noFill/>
+                </a:ln>
+                <a:solidFill>
+                  <a:srgbClr val="000080"/>
+                </a:solidFill>
+                <a:effectLst/>
+                <a:latin typeface="Courier New" panose="02070309020205020404" pitchFamily="49" charset="0"/>
+                <a:cs typeface="Courier New" panose="02070309020205020404" pitchFamily="49" charset="0"/>
+              </a:rPr>
+              <a:t>static</a:t>
+            </a:r>
+            <a:r>
+              <a:rPr kumimoji="0" lang="uk-UA" altLang="uk-UA" b="0" i="0" u="none" strike="noStrike" cap="none" normalizeH="0" baseline="0" dirty="0">
+                <a:ln>
+                  <a:noFill/>
+                </a:ln>
+                <a:solidFill>
+                  <a:srgbClr val="000000"/>
+                </a:solidFill>
+                <a:effectLst/>
+                <a:latin typeface="Courier New" panose="02070309020205020404" pitchFamily="49" charset="0"/>
+                <a:cs typeface="Courier New" panose="02070309020205020404" pitchFamily="49" charset="0"/>
+              </a:rPr>
+              <a:t> </a:t>
+            </a:r>
+            <a:r>
+              <a:rPr kumimoji="0" lang="uk-UA" altLang="uk-UA" b="1" i="0" u="none" strike="noStrike" cap="none" normalizeH="0" baseline="0" dirty="0">
+                <a:ln>
+                  <a:noFill/>
+                </a:ln>
+                <a:solidFill>
+                  <a:srgbClr val="000080"/>
+                </a:solidFill>
+                <a:effectLst/>
+                <a:latin typeface="Courier New" panose="02070309020205020404" pitchFamily="49" charset="0"/>
+                <a:cs typeface="Courier New" panose="02070309020205020404" pitchFamily="49" charset="0"/>
+              </a:rPr>
+              <a:t>final</a:t>
+            </a:r>
+            <a:r>
+              <a:rPr kumimoji="0" lang="uk-UA" altLang="uk-UA" b="0" i="0" u="none" strike="noStrike" cap="none" normalizeH="0" baseline="0" dirty="0">
+                <a:ln>
+                  <a:noFill/>
+                </a:ln>
+                <a:solidFill>
+                  <a:srgbClr val="000000"/>
+                </a:solidFill>
+                <a:effectLst/>
+                <a:latin typeface="Courier New" panose="02070309020205020404" pitchFamily="49" charset="0"/>
+                <a:cs typeface="Courier New" panose="02070309020205020404" pitchFamily="49" charset="0"/>
+              </a:rPr>
+              <a:t> </a:t>
+            </a:r>
+            <a:r>
+              <a:rPr kumimoji="0" lang="uk-UA" altLang="uk-UA" b="1" i="0" u="none" strike="noStrike" cap="none" normalizeH="0" baseline="0" dirty="0" err="1">
+                <a:ln>
+                  <a:noFill/>
+                </a:ln>
+                <a:solidFill>
+                  <a:srgbClr val="000080"/>
+                </a:solidFill>
+                <a:effectLst/>
+                <a:latin typeface="Courier New" panose="02070309020205020404" pitchFamily="49" charset="0"/>
+                <a:cs typeface="Courier New" panose="02070309020205020404" pitchFamily="49" charset="0"/>
+              </a:rPr>
+              <a:t>int</a:t>
+            </a:r>
+            <a:r>
+              <a:rPr kumimoji="0" lang="uk-UA" altLang="uk-UA" b="0" i="0" u="none" strike="noStrike" cap="none" normalizeH="0" baseline="0" dirty="0">
+                <a:ln>
+                  <a:noFill/>
+                </a:ln>
+                <a:solidFill>
+                  <a:srgbClr val="000000"/>
+                </a:solidFill>
+                <a:effectLst/>
+                <a:latin typeface="Courier New" panose="02070309020205020404" pitchFamily="49" charset="0"/>
+                <a:cs typeface="Courier New" panose="02070309020205020404" pitchFamily="49" charset="0"/>
+              </a:rPr>
+              <a:t> CONSTANT_EXAMPLE = </a:t>
+            </a:r>
+            <a:r>
+              <a:rPr kumimoji="0" lang="uk-UA" altLang="uk-UA" b="0" i="0" u="none" strike="noStrike" cap="none" normalizeH="0" baseline="0" dirty="0">
+                <a:ln>
+                  <a:noFill/>
+                </a:ln>
+                <a:solidFill>
+                  <a:srgbClr val="082C8B"/>
+                </a:solidFill>
+                <a:effectLst/>
+                <a:latin typeface="Courier New" panose="02070309020205020404" pitchFamily="49" charset="0"/>
+                <a:cs typeface="Courier New" panose="02070309020205020404" pitchFamily="49" charset="0"/>
+              </a:rPr>
+              <a:t>333</a:t>
+            </a:r>
+            <a:r>
+              <a:rPr kumimoji="0" lang="uk-UA" altLang="uk-UA" b="0" i="0" u="none" strike="noStrike" cap="none" normalizeH="0" baseline="0" dirty="0">
+                <a:ln>
+                  <a:noFill/>
+                </a:ln>
+                <a:solidFill>
+                  <a:srgbClr val="000000"/>
+                </a:solidFill>
+                <a:effectLst/>
+                <a:latin typeface="Courier New" panose="02070309020205020404" pitchFamily="49" charset="0"/>
+                <a:cs typeface="Courier New" panose="02070309020205020404" pitchFamily="49" charset="0"/>
+              </a:rPr>
+              <a:t>; </a:t>
+            </a:r>
+          </a:p>
+          <a:p>
+            <a:pPr marL="0" marR="0" lvl="0" indent="0" algn="l" defTabSz="914400" rtl="0" eaLnBrk="0" fontAlgn="base" latinLnBrk="0" hangingPunct="0">
+              <a:lnSpc>
+                <a:spcPct val="100000"/>
+              </a:lnSpc>
+              <a:spcBef>
+                <a:spcPct val="0"/>
+              </a:spcBef>
+              <a:spcAft>
+                <a:spcPct val="0"/>
+              </a:spcAft>
+              <a:buClrTx/>
+              <a:buSzTx/>
+              <a:buFontTx/>
+              <a:buNone/>
+              <a:tabLst/>
+            </a:pPr>
+            <a:r>
+              <a:rPr lang="uk-UA" altLang="uk-UA" dirty="0">
+                <a:solidFill>
+                  <a:srgbClr val="000000"/>
+                </a:solidFill>
+                <a:latin typeface="Courier New" panose="02070309020205020404" pitchFamily="49" charset="0"/>
+                <a:cs typeface="Courier New" panose="02070309020205020404" pitchFamily="49" charset="0"/>
+              </a:rPr>
+              <a:t>	</a:t>
+            </a:r>
+            <a:r>
+              <a:rPr kumimoji="0" lang="uk-UA" altLang="uk-UA" b="1" i="0" u="none" strike="noStrike" cap="none" normalizeH="0" baseline="0" dirty="0" err="1">
+                <a:ln>
+                  <a:noFill/>
+                </a:ln>
+                <a:solidFill>
+                  <a:srgbClr val="000080"/>
+                </a:solidFill>
+                <a:effectLst/>
+                <a:latin typeface="Courier New" panose="02070309020205020404" pitchFamily="49" charset="0"/>
+                <a:cs typeface="Courier New" panose="02070309020205020404" pitchFamily="49" charset="0"/>
+              </a:rPr>
+              <a:t>public</a:t>
+            </a:r>
+            <a:r>
+              <a:rPr kumimoji="0" lang="uk-UA" altLang="uk-UA" b="0" i="0" u="none" strike="noStrike" cap="none" normalizeH="0" baseline="0" dirty="0">
+                <a:ln>
+                  <a:noFill/>
+                </a:ln>
+                <a:solidFill>
+                  <a:srgbClr val="000000"/>
+                </a:solidFill>
+                <a:effectLst/>
+                <a:latin typeface="Courier New" panose="02070309020205020404" pitchFamily="49" charset="0"/>
+                <a:cs typeface="Courier New" panose="02070309020205020404" pitchFamily="49" charset="0"/>
+              </a:rPr>
+              <a:t> </a:t>
+            </a:r>
+            <a:r>
+              <a:rPr kumimoji="0" lang="uk-UA" altLang="uk-UA" b="1" i="0" u="none" strike="noStrike" cap="none" normalizeH="0" baseline="0" dirty="0" err="1">
+                <a:ln>
+                  <a:noFill/>
+                </a:ln>
+                <a:solidFill>
+                  <a:srgbClr val="000080"/>
+                </a:solidFill>
+                <a:effectLst/>
+                <a:latin typeface="Courier New" panose="02070309020205020404" pitchFamily="49" charset="0"/>
+                <a:cs typeface="Courier New" panose="02070309020205020404" pitchFamily="49" charset="0"/>
+              </a:rPr>
+              <a:t>static</a:t>
+            </a:r>
+            <a:r>
+              <a:rPr kumimoji="0" lang="uk-UA" altLang="uk-UA" b="0" i="0" u="none" strike="noStrike" cap="none" normalizeH="0" baseline="0" dirty="0">
+                <a:ln>
+                  <a:noFill/>
+                </a:ln>
+                <a:solidFill>
+                  <a:srgbClr val="000000"/>
+                </a:solidFill>
+                <a:effectLst/>
+                <a:latin typeface="Courier New" panose="02070309020205020404" pitchFamily="49" charset="0"/>
+                <a:cs typeface="Courier New" panose="02070309020205020404" pitchFamily="49" charset="0"/>
+              </a:rPr>
+              <a:t> </a:t>
+            </a:r>
+            <a:r>
+              <a:rPr kumimoji="0" lang="uk-UA" altLang="uk-UA" b="1" i="0" u="none" strike="noStrike" cap="none" normalizeH="0" baseline="0" dirty="0" err="1">
+                <a:ln>
+                  <a:noFill/>
+                </a:ln>
+                <a:solidFill>
+                  <a:srgbClr val="000080"/>
+                </a:solidFill>
+                <a:effectLst/>
+                <a:latin typeface="Courier New" panose="02070309020205020404" pitchFamily="49" charset="0"/>
+                <a:cs typeface="Courier New" panose="02070309020205020404" pitchFamily="49" charset="0"/>
+              </a:rPr>
+              <a:t>void</a:t>
+            </a:r>
+            <a:r>
+              <a:rPr kumimoji="0" lang="uk-UA" altLang="uk-UA" b="0" i="0" u="none" strike="noStrike" cap="none" normalizeH="0" baseline="0" dirty="0">
+                <a:ln>
+                  <a:noFill/>
+                </a:ln>
+                <a:solidFill>
+                  <a:srgbClr val="000000"/>
+                </a:solidFill>
+                <a:effectLst/>
+                <a:latin typeface="Courier New" panose="02070309020205020404" pitchFamily="49" charset="0"/>
+                <a:cs typeface="Courier New" panose="02070309020205020404" pitchFamily="49" charset="0"/>
+              </a:rPr>
+              <a:t> </a:t>
+            </a:r>
+            <a:r>
+              <a:rPr kumimoji="0" lang="uk-UA" altLang="uk-UA" b="0" i="0" u="none" strike="noStrike" cap="none" normalizeH="0" baseline="0" dirty="0" err="1">
+                <a:ln>
+                  <a:noFill/>
+                </a:ln>
+                <a:solidFill>
+                  <a:srgbClr val="900606"/>
+                </a:solidFill>
+                <a:effectLst/>
+                <a:latin typeface="Courier New" panose="02070309020205020404" pitchFamily="49" charset="0"/>
+                <a:cs typeface="Courier New" panose="02070309020205020404" pitchFamily="49" charset="0"/>
+              </a:rPr>
+              <a:t>main</a:t>
+            </a:r>
+            <a:r>
+              <a:rPr kumimoji="0" lang="uk-UA" altLang="uk-UA" b="0" i="0" u="none" strike="noStrike" cap="none" normalizeH="0" baseline="0" dirty="0">
+                <a:ln>
+                  <a:noFill/>
+                </a:ln>
+                <a:solidFill>
+                  <a:srgbClr val="000000"/>
+                </a:solidFill>
+                <a:effectLst/>
+                <a:latin typeface="Courier New" panose="02070309020205020404" pitchFamily="49" charset="0"/>
+                <a:cs typeface="Courier New" panose="02070309020205020404" pitchFamily="49" charset="0"/>
+              </a:rPr>
+              <a:t>(</a:t>
+            </a:r>
+            <a:r>
+              <a:rPr kumimoji="0" lang="uk-UA" altLang="uk-UA" b="0" i="0" u="none" strike="noStrike" cap="none" normalizeH="0" baseline="0" dirty="0" err="1">
+                <a:ln>
+                  <a:noFill/>
+                </a:ln>
+                <a:solidFill>
+                  <a:srgbClr val="000000"/>
+                </a:solidFill>
+                <a:effectLst/>
+                <a:latin typeface="Courier New" panose="02070309020205020404" pitchFamily="49" charset="0"/>
+                <a:cs typeface="Courier New" panose="02070309020205020404" pitchFamily="49" charset="0"/>
+              </a:rPr>
+              <a:t>String</a:t>
+            </a:r>
+            <a:r>
+              <a:rPr kumimoji="0" lang="uk-UA" altLang="uk-UA" b="0" i="0" u="none" strike="noStrike" cap="none" normalizeH="0" baseline="0" dirty="0">
+                <a:ln>
+                  <a:noFill/>
+                </a:ln>
+                <a:solidFill>
+                  <a:srgbClr val="000000"/>
+                </a:solidFill>
+                <a:effectLst/>
+                <a:latin typeface="Courier New" panose="02070309020205020404" pitchFamily="49" charset="0"/>
+                <a:cs typeface="Courier New" panose="02070309020205020404" pitchFamily="49" charset="0"/>
+              </a:rPr>
+              <a:t>[] </a:t>
+            </a:r>
+            <a:r>
+              <a:rPr kumimoji="0" lang="uk-UA" altLang="uk-UA" b="0" i="0" u="none" strike="noStrike" cap="none" normalizeH="0" baseline="0" dirty="0" err="1">
+                <a:ln>
+                  <a:noFill/>
+                </a:ln>
+                <a:solidFill>
+                  <a:srgbClr val="000000"/>
+                </a:solidFill>
+                <a:effectLst/>
+                <a:latin typeface="Courier New" panose="02070309020205020404" pitchFamily="49" charset="0"/>
+                <a:cs typeface="Courier New" panose="02070309020205020404" pitchFamily="49" charset="0"/>
+              </a:rPr>
+              <a:t>args</a:t>
+            </a:r>
+            <a:r>
+              <a:rPr kumimoji="0" lang="uk-UA" altLang="uk-UA" b="0" i="0" u="none" strike="noStrike" cap="none" normalizeH="0" baseline="0" dirty="0">
+                <a:ln>
+                  <a:noFill/>
+                </a:ln>
+                <a:solidFill>
+                  <a:srgbClr val="000000"/>
+                </a:solidFill>
+                <a:effectLst/>
+                <a:latin typeface="Courier New" panose="02070309020205020404" pitchFamily="49" charset="0"/>
+                <a:cs typeface="Courier New" panose="02070309020205020404" pitchFamily="49" charset="0"/>
+              </a:rPr>
+              <a:t>) { </a:t>
+            </a:r>
+          </a:p>
+          <a:p>
+            <a:pPr marL="0" marR="0" lvl="0" indent="0" algn="l" defTabSz="914400" rtl="0" eaLnBrk="0" fontAlgn="base" latinLnBrk="0" hangingPunct="0">
+              <a:lnSpc>
+                <a:spcPct val="100000"/>
+              </a:lnSpc>
+              <a:spcBef>
+                <a:spcPct val="0"/>
+              </a:spcBef>
+              <a:spcAft>
+                <a:spcPct val="0"/>
+              </a:spcAft>
+              <a:buClrTx/>
+              <a:buSzTx/>
+              <a:buFontTx/>
+              <a:buNone/>
+              <a:tabLst/>
+            </a:pPr>
+            <a:r>
+              <a:rPr lang="uk-UA" altLang="uk-UA" dirty="0">
+                <a:solidFill>
+                  <a:srgbClr val="000000"/>
+                </a:solidFill>
+                <a:latin typeface="Courier New" panose="02070309020205020404" pitchFamily="49" charset="0"/>
+                <a:cs typeface="Courier New" panose="02070309020205020404" pitchFamily="49" charset="0"/>
+              </a:rPr>
+              <a:t>		</a:t>
+            </a:r>
+            <a:r>
+              <a:rPr kumimoji="0" lang="uk-UA" altLang="uk-UA" b="0" i="0" u="none" strike="noStrike" cap="none" normalizeH="0" baseline="0" dirty="0">
+                <a:ln>
+                  <a:noFill/>
+                </a:ln>
+                <a:solidFill>
+                  <a:srgbClr val="000000"/>
+                </a:solidFill>
+                <a:effectLst/>
+                <a:latin typeface="Courier New" panose="02070309020205020404" pitchFamily="49" charset="0"/>
+                <a:cs typeface="Courier New" panose="02070309020205020404" pitchFamily="49" charset="0"/>
+              </a:rPr>
+              <a:t>CONSTANT_EXAMPLE = </a:t>
+            </a:r>
+            <a:r>
+              <a:rPr kumimoji="0" lang="uk-UA" altLang="uk-UA" b="0" i="0" u="none" strike="noStrike" cap="none" normalizeH="0" baseline="0" dirty="0">
+                <a:ln>
+                  <a:noFill/>
+                </a:ln>
+                <a:solidFill>
+                  <a:srgbClr val="082C8B"/>
+                </a:solidFill>
+                <a:effectLst/>
+                <a:latin typeface="Courier New" panose="02070309020205020404" pitchFamily="49" charset="0"/>
+                <a:cs typeface="Courier New" panose="02070309020205020404" pitchFamily="49" charset="0"/>
+              </a:rPr>
+              <a:t>999</a:t>
+            </a:r>
+            <a:r>
+              <a:rPr kumimoji="0" lang="uk-UA" altLang="uk-UA" b="0" i="0" u="none" strike="noStrike" cap="none" normalizeH="0" baseline="0" dirty="0">
+                <a:ln>
+                  <a:noFill/>
+                </a:ln>
+                <a:solidFill>
+                  <a:srgbClr val="000000"/>
+                </a:solidFill>
+                <a:effectLst/>
+                <a:latin typeface="Courier New" panose="02070309020205020404" pitchFamily="49" charset="0"/>
+                <a:cs typeface="Courier New" panose="02070309020205020404" pitchFamily="49" charset="0"/>
+              </a:rPr>
+              <a:t>;//помилка! Не можна присвоїти нове значення final-змінній! </a:t>
+            </a:r>
+          </a:p>
+          <a:p>
+            <a:pPr marL="0" marR="0" lvl="0" indent="0" algn="l" defTabSz="914400" rtl="0" eaLnBrk="0" fontAlgn="base" latinLnBrk="0" hangingPunct="0">
+              <a:lnSpc>
+                <a:spcPct val="100000"/>
+              </a:lnSpc>
+              <a:spcBef>
+                <a:spcPct val="0"/>
+              </a:spcBef>
+              <a:spcAft>
+                <a:spcPct val="0"/>
+              </a:spcAft>
+              <a:buClrTx/>
+              <a:buSzTx/>
+              <a:buFontTx/>
+              <a:buNone/>
+              <a:tabLst/>
+            </a:pPr>
+            <a:r>
+              <a:rPr kumimoji="0" lang="uk-UA" altLang="uk-UA" b="0" i="0" u="none" strike="noStrike" cap="none" normalizeH="0" baseline="0" dirty="0">
+                <a:ln>
+                  <a:noFill/>
+                </a:ln>
+                <a:solidFill>
+                  <a:srgbClr val="000000"/>
+                </a:solidFill>
+                <a:effectLst/>
+                <a:latin typeface="Courier New" panose="02070309020205020404" pitchFamily="49" charset="0"/>
+                <a:cs typeface="Courier New" panose="02070309020205020404" pitchFamily="49" charset="0"/>
+              </a:rPr>
+              <a:t>	} </a:t>
+            </a:r>
+          </a:p>
+          <a:p>
+            <a:pPr marL="0" marR="0" lvl="0" indent="0" algn="l" defTabSz="914400" rtl="0" eaLnBrk="0" fontAlgn="base" latinLnBrk="0" hangingPunct="0">
+              <a:lnSpc>
+                <a:spcPct val="100000"/>
+              </a:lnSpc>
+              <a:spcBef>
+                <a:spcPct val="0"/>
+              </a:spcBef>
+              <a:spcAft>
+                <a:spcPct val="0"/>
+              </a:spcAft>
+              <a:buClrTx/>
+              <a:buSzTx/>
+              <a:buFontTx/>
+              <a:buNone/>
+              <a:tabLst/>
+            </a:pPr>
+            <a:r>
+              <a:rPr kumimoji="0" lang="uk-UA" altLang="uk-UA" b="0" i="0" u="none" strike="noStrike" cap="none" normalizeH="0" baseline="0" dirty="0">
+                <a:ln>
+                  <a:noFill/>
+                </a:ln>
+                <a:solidFill>
+                  <a:srgbClr val="000000"/>
+                </a:solidFill>
+                <a:effectLst/>
+                <a:latin typeface="Courier New" panose="02070309020205020404" pitchFamily="49" charset="0"/>
+                <a:cs typeface="Courier New" panose="02070309020205020404" pitchFamily="49" charset="0"/>
+              </a:rPr>
+              <a:t>}</a:t>
+            </a:r>
+            <a:br>
+              <a:rPr kumimoji="0" lang="uk-UA" altLang="uk-UA" b="0" i="0" u="none" strike="noStrike" cap="none" normalizeH="0" baseline="0" dirty="0">
+                <a:ln>
+                  <a:noFill/>
+                </a:ln>
+                <a:solidFill>
+                  <a:schemeClr val="tx1"/>
+                </a:solidFill>
+                <a:effectLst/>
+                <a:latin typeface="Courier New" panose="02070309020205020404" pitchFamily="49" charset="0"/>
+                <a:cs typeface="Courier New" panose="02070309020205020404" pitchFamily="49" charset="0"/>
+              </a:rPr>
+            </a:br>
+            <a:endParaRPr kumimoji="0" lang="uk-UA" altLang="uk-UA" b="0" i="0" u="none" strike="noStrike" cap="none" normalizeH="0" baseline="0" dirty="0">
+              <a:ln>
+                <a:noFill/>
+              </a:ln>
+              <a:solidFill>
+                <a:schemeClr val="tx1"/>
+              </a:solidFill>
+              <a:effectLst/>
+              <a:latin typeface="Courier New" panose="02070309020205020404" pitchFamily="49" charset="0"/>
+              <a:cs typeface="Courier New" panose="02070309020205020404" pitchFamily="49" charset="0"/>
+            </a:endParaRPr>
+          </a:p>
+        </p:txBody>
+      </p:sp>
+    </p:spTree>
+    <p:extLst>
+      <p:ext uri="{BB962C8B-B14F-4D97-AF65-F5344CB8AC3E}">
+        <p14:creationId xmlns:p14="http://schemas.microsoft.com/office/powerpoint/2010/main" val="758753095"/>
+      </p:ext>
+    </p:extLst>
+  </p:cSld>
+  <p:clrMapOvr>
+    <a:masterClrMapping/>
+  </p:clrMapOvr>
+</p:sld>
+</file>
+
+<file path=ppt/slides/slide17.xml><?xml version="1.0" encoding="utf-8"?>
+<p:sld xmlns:a="http://schemas.openxmlformats.org/drawingml/2006/main" xmlns:r="http://schemas.openxmlformats.org/officeDocument/2006/relationships" xmlns:p="http://schemas.openxmlformats.org/presentationml/2006/main">
+  <p:cSld>
+    <p:spTree>
+      <p:nvGrpSpPr>
+        <p:cNvPr id="1" name=""/>
+        <p:cNvGrpSpPr/>
+        <p:nvPr/>
+      </p:nvGrpSpPr>
+      <p:grpSpPr>
+        <a:xfrm>
+          <a:off x="0" y="0"/>
+          <a:ext cx="0" cy="0"/>
+          <a:chOff x="0" y="0"/>
+          <a:chExt cx="0" cy="0"/>
+        </a:xfrm>
+      </p:grpSpPr>
+      <p:sp>
+        <p:nvSpPr>
+          <p:cNvPr id="5" name="TextBox 4">
+            <a:extLst>
+              <a:ext uri="{FF2B5EF4-FFF2-40B4-BE49-F238E27FC236}">
+                <a16:creationId xmlns:a16="http://schemas.microsoft.com/office/drawing/2014/main" id="{D220EA4F-51B1-451D-AF39-8DC048380323}"/>
+              </a:ext>
+            </a:extLst>
+          </p:cNvPr>
+          <p:cNvSpPr txBox="1"/>
+          <p:nvPr/>
+        </p:nvSpPr>
+        <p:spPr>
+          <a:xfrm>
+            <a:off x="483123" y="926259"/>
+            <a:ext cx="11177833" cy="1938992"/>
+          </a:xfrm>
+          <a:prstGeom prst="rect">
+            <a:avLst/>
+          </a:prstGeom>
+          <a:noFill/>
+        </p:spPr>
+        <p:txBody>
+          <a:bodyPr wrap="square">
+            <a:spAutoFit/>
+          </a:bodyPr>
+          <a:lstStyle/>
+          <a:p>
+            <a:r>
+              <a:rPr lang="uk-UA" sz="2400" b="0" i="0" dirty="0">
+                <a:effectLst/>
+                <a:latin typeface="Times New Roman" panose="02020603050405020304" pitchFamily="18" charset="0"/>
+                <a:cs typeface="Times New Roman" panose="02020603050405020304" pitchFamily="18" charset="0"/>
+              </a:rPr>
+              <a:t>По-друге, зверни увагу на назву нашої змінної. Для констант у </a:t>
+            </a:r>
+            <a:r>
+              <a:rPr lang="en-US" sz="2400" b="0" i="0" dirty="0">
+                <a:effectLst/>
+                <a:latin typeface="Times New Roman" panose="02020603050405020304" pitchFamily="18" charset="0"/>
+                <a:cs typeface="Times New Roman" panose="02020603050405020304" pitchFamily="18" charset="0"/>
+              </a:rPr>
+              <a:t>Java </a:t>
+            </a:r>
+            <a:r>
+              <a:rPr lang="uk-UA" sz="2400" b="0" i="0" dirty="0">
+                <a:effectLst/>
+                <a:latin typeface="Times New Roman" panose="02020603050405020304" pitchFamily="18" charset="0"/>
+                <a:cs typeface="Times New Roman" panose="02020603050405020304" pitchFamily="18" charset="0"/>
+              </a:rPr>
+              <a:t>прийнята інша угода про іменування. Це не звичний нам </a:t>
+            </a:r>
+            <a:r>
+              <a:rPr lang="en-US" sz="2400" b="0" i="0" dirty="0">
+                <a:effectLst/>
+                <a:latin typeface="Times New Roman" panose="02020603050405020304" pitchFamily="18" charset="0"/>
+                <a:cs typeface="Times New Roman" panose="02020603050405020304" pitchFamily="18" charset="0"/>
+              </a:rPr>
+              <a:t>camelCase. </a:t>
+            </a:r>
+            <a:r>
+              <a:rPr lang="uk-UA" sz="2400" b="0" i="0" dirty="0">
+                <a:effectLst/>
+                <a:latin typeface="Times New Roman" panose="02020603050405020304" pitchFamily="18" charset="0"/>
+                <a:cs typeface="Times New Roman" panose="02020603050405020304" pitchFamily="18" charset="0"/>
+              </a:rPr>
+              <a:t>У випадку зі звичайною змінною ми б назвали її </a:t>
+            </a:r>
+            <a:r>
+              <a:rPr lang="en-US" sz="2400" b="0" i="0" dirty="0" err="1">
+                <a:effectLst/>
+                <a:latin typeface="Times New Roman" panose="02020603050405020304" pitchFamily="18" charset="0"/>
+                <a:cs typeface="Times New Roman" panose="02020603050405020304" pitchFamily="18" charset="0"/>
+              </a:rPr>
+              <a:t>constantExample</a:t>
+            </a:r>
+            <a:r>
+              <a:rPr lang="en-US" sz="2400" b="0" i="0" dirty="0">
+                <a:effectLst/>
+                <a:latin typeface="Times New Roman" panose="02020603050405020304" pitchFamily="18" charset="0"/>
+                <a:cs typeface="Times New Roman" panose="02020603050405020304" pitchFamily="18" charset="0"/>
+              </a:rPr>
+              <a:t>, </a:t>
+            </a:r>
+            <a:r>
+              <a:rPr lang="uk-UA" sz="2400" b="0" i="0" dirty="0">
+                <a:effectLst/>
+                <a:latin typeface="Times New Roman" panose="02020603050405020304" pitchFamily="18" charset="0"/>
+                <a:cs typeface="Times New Roman" panose="02020603050405020304" pitchFamily="18" charset="0"/>
+              </a:rPr>
+              <a:t>але назви констант пишуться </a:t>
+            </a:r>
+            <a:r>
+              <a:rPr lang="uk-UA" sz="2400" b="0" i="0" dirty="0" err="1">
+                <a:effectLst/>
+                <a:latin typeface="Times New Roman" panose="02020603050405020304" pitchFamily="18" charset="0"/>
+                <a:cs typeface="Times New Roman" panose="02020603050405020304" pitchFamily="18" charset="0"/>
+              </a:rPr>
+              <a:t>капсом</a:t>
+            </a:r>
+            <a:r>
+              <a:rPr lang="uk-UA" sz="2400" b="0" i="0" dirty="0">
+                <a:effectLst/>
+                <a:latin typeface="Times New Roman" panose="02020603050405020304" pitchFamily="18" charset="0"/>
+                <a:cs typeface="Times New Roman" panose="02020603050405020304" pitchFamily="18" charset="0"/>
+              </a:rPr>
+              <a:t>, а між словами (якщо їх кілька) ставиться нижнє підкреслення – "</a:t>
+            </a:r>
+            <a:r>
+              <a:rPr lang="en-US" sz="2400" b="0" i="0" dirty="0">
+                <a:effectLst/>
+                <a:latin typeface="Times New Roman" panose="02020603050405020304" pitchFamily="18" charset="0"/>
+                <a:cs typeface="Times New Roman" panose="02020603050405020304" pitchFamily="18" charset="0"/>
+              </a:rPr>
+              <a:t>CONSTANT_EXAMPLE". </a:t>
+            </a:r>
+            <a:endParaRPr lang="uk-UA" sz="2400" dirty="0">
+              <a:latin typeface="Times New Roman" panose="02020603050405020304" pitchFamily="18" charset="0"/>
+              <a:cs typeface="Times New Roman" panose="02020603050405020304" pitchFamily="18" charset="0"/>
+            </a:endParaRPr>
+          </a:p>
+        </p:txBody>
+      </p:sp>
+      <p:sp>
+        <p:nvSpPr>
+          <p:cNvPr id="6" name="TextBox 5">
+            <a:extLst>
+              <a:ext uri="{FF2B5EF4-FFF2-40B4-BE49-F238E27FC236}">
+                <a16:creationId xmlns:a16="http://schemas.microsoft.com/office/drawing/2014/main" id="{A7DA6FCB-9674-41C3-8C7A-1887A085984E}"/>
+              </a:ext>
+            </a:extLst>
+          </p:cNvPr>
+          <p:cNvSpPr txBox="1"/>
+          <p:nvPr/>
+        </p:nvSpPr>
+        <p:spPr>
+          <a:xfrm>
+            <a:off x="32725" y="0"/>
+            <a:ext cx="12191999" cy="830997"/>
+          </a:xfrm>
+          <a:prstGeom prst="rect">
+            <a:avLst/>
+          </a:prstGeom>
+          <a:noFill/>
+        </p:spPr>
+        <p:txBody>
+          <a:bodyPr wrap="square" rtlCol="0">
+            <a:spAutoFit/>
+          </a:bodyPr>
+          <a:lstStyle/>
+          <a:p>
+            <a:pPr algn="ctr"/>
+            <a:r>
+              <a:rPr lang="uk-UA" sz="4800" dirty="0">
+                <a:latin typeface="Times New Roman" panose="02020603050405020304" pitchFamily="18" charset="0"/>
+                <a:cs typeface="Times New Roman" panose="02020603050405020304" pitchFamily="18" charset="0"/>
+              </a:rPr>
+              <a:t>Модифікатор </a:t>
+            </a:r>
+            <a:r>
+              <a:rPr lang="en-US" sz="4800" dirty="0">
+                <a:latin typeface="Times New Roman" panose="02020603050405020304" pitchFamily="18" charset="0"/>
+                <a:cs typeface="Times New Roman" panose="02020603050405020304" pitchFamily="18" charset="0"/>
+              </a:rPr>
+              <a:t>final</a:t>
+            </a:r>
+            <a:endParaRPr lang="uk-UA" sz="4800" dirty="0">
+              <a:latin typeface="Times New Roman" panose="02020603050405020304" pitchFamily="18" charset="0"/>
+              <a:cs typeface="Times New Roman" panose="02020603050405020304" pitchFamily="18" charset="0"/>
+            </a:endParaRPr>
+          </a:p>
+        </p:txBody>
+      </p:sp>
+      <p:sp>
+        <p:nvSpPr>
+          <p:cNvPr id="8" name="TextBox 7">
+            <a:extLst>
+              <a:ext uri="{FF2B5EF4-FFF2-40B4-BE49-F238E27FC236}">
+                <a16:creationId xmlns:a16="http://schemas.microsoft.com/office/drawing/2014/main" id="{8485588F-2097-4B35-9A3B-CBC9C14E15B9}"/>
+              </a:ext>
+            </a:extLst>
+          </p:cNvPr>
+          <p:cNvSpPr txBox="1"/>
+          <p:nvPr/>
+        </p:nvSpPr>
+        <p:spPr>
+          <a:xfrm>
+            <a:off x="483123" y="2865251"/>
+            <a:ext cx="10969657" cy="3046988"/>
+          </a:xfrm>
+          <a:prstGeom prst="rect">
+            <a:avLst/>
+          </a:prstGeom>
+          <a:noFill/>
+        </p:spPr>
+        <p:txBody>
+          <a:bodyPr wrap="square">
+            <a:spAutoFit/>
+          </a:bodyPr>
+          <a:lstStyle/>
+          <a:p>
+            <a:r>
+              <a:rPr lang="ru-RU" sz="2400" b="0" i="0" dirty="0" err="1">
+                <a:effectLst/>
+                <a:latin typeface="Times New Roman" panose="02020603050405020304" pitchFamily="18" charset="0"/>
+                <a:cs typeface="Times New Roman" panose="02020603050405020304" pitchFamily="18" charset="0"/>
+              </a:rPr>
+              <a:t>Наприклад</a:t>
+            </a:r>
+            <a:r>
+              <a:rPr lang="ru-RU" sz="2400" b="0" i="0" dirty="0">
+                <a:effectLst/>
+                <a:latin typeface="Times New Roman" panose="02020603050405020304" pitchFamily="18" charset="0"/>
+                <a:cs typeface="Times New Roman" panose="02020603050405020304" pitchFamily="18" charset="0"/>
+              </a:rPr>
+              <a:t>, вони </a:t>
+            </a:r>
+            <a:r>
+              <a:rPr lang="ru-RU" sz="2400" b="0" i="0" dirty="0" err="1">
+                <a:effectLst/>
+                <a:latin typeface="Times New Roman" panose="02020603050405020304" pitchFamily="18" charset="0"/>
+                <a:cs typeface="Times New Roman" panose="02020603050405020304" pitchFamily="18" charset="0"/>
+              </a:rPr>
+              <a:t>стануть</a:t>
+            </a:r>
+            <a:r>
+              <a:rPr lang="ru-RU" sz="2400" b="0" i="0" dirty="0">
+                <a:effectLst/>
+                <a:latin typeface="Times New Roman" panose="02020603050405020304" pitchFamily="18" charset="0"/>
+                <a:cs typeface="Times New Roman" panose="02020603050405020304" pitchFamily="18" charset="0"/>
+              </a:rPr>
+              <a:t> у </a:t>
+            </a:r>
+            <a:r>
+              <a:rPr lang="ru-RU" sz="2400" b="0" i="0" dirty="0" err="1">
+                <a:effectLst/>
+                <a:latin typeface="Times New Roman" panose="02020603050405020304" pitchFamily="18" charset="0"/>
+                <a:cs typeface="Times New Roman" panose="02020603050405020304" pitchFamily="18" charset="0"/>
+              </a:rPr>
+              <a:t>пригоді</a:t>
+            </a:r>
+            <a:r>
+              <a:rPr lang="ru-RU" sz="2400" b="0" i="0" dirty="0">
+                <a:effectLst/>
+                <a:latin typeface="Times New Roman" panose="02020603050405020304" pitchFamily="18" charset="0"/>
+                <a:cs typeface="Times New Roman" panose="02020603050405020304" pitchFamily="18" charset="0"/>
+              </a:rPr>
+              <a:t>, </a:t>
+            </a:r>
+            <a:r>
+              <a:rPr lang="ru-RU" sz="2400" b="0" i="0" dirty="0" err="1">
+                <a:effectLst/>
+                <a:latin typeface="Times New Roman" panose="02020603050405020304" pitchFamily="18" charset="0"/>
+                <a:cs typeface="Times New Roman" panose="02020603050405020304" pitchFamily="18" charset="0"/>
+              </a:rPr>
+              <a:t>якщо</a:t>
+            </a:r>
+            <a:r>
+              <a:rPr lang="ru-RU" sz="2400" b="0" i="0" dirty="0">
+                <a:effectLst/>
+                <a:latin typeface="Times New Roman" panose="02020603050405020304" pitchFamily="18" charset="0"/>
+                <a:cs typeface="Times New Roman" panose="02020603050405020304" pitchFamily="18" charset="0"/>
+              </a:rPr>
+              <a:t> </a:t>
+            </a:r>
+            <a:r>
+              <a:rPr lang="ru-RU" sz="2400" b="0" i="0" dirty="0" err="1">
+                <a:effectLst/>
+                <a:latin typeface="Times New Roman" panose="02020603050405020304" pitchFamily="18" charset="0"/>
+                <a:cs typeface="Times New Roman" panose="02020603050405020304" pitchFamily="18" charset="0"/>
+              </a:rPr>
+              <a:t>ти</a:t>
+            </a:r>
+            <a:r>
+              <a:rPr lang="ru-RU" sz="2400" b="0" i="0" dirty="0">
+                <a:effectLst/>
+                <a:latin typeface="Times New Roman" panose="02020603050405020304" pitchFamily="18" charset="0"/>
+                <a:cs typeface="Times New Roman" panose="02020603050405020304" pitchFamily="18" charset="0"/>
+              </a:rPr>
+              <a:t> </a:t>
+            </a:r>
+            <a:r>
+              <a:rPr lang="ru-RU" sz="2400" b="0" i="0" dirty="0" err="1">
+                <a:effectLst/>
+                <a:latin typeface="Times New Roman" panose="02020603050405020304" pitchFamily="18" charset="0"/>
+                <a:cs typeface="Times New Roman" panose="02020603050405020304" pitchFamily="18" charset="0"/>
+              </a:rPr>
+              <a:t>постійно</a:t>
+            </a:r>
+            <a:r>
+              <a:rPr lang="ru-RU" sz="2400" b="0" i="0" dirty="0">
+                <a:effectLst/>
+                <a:latin typeface="Times New Roman" panose="02020603050405020304" pitchFamily="18" charset="0"/>
+                <a:cs typeface="Times New Roman" panose="02020603050405020304" pitchFamily="18" charset="0"/>
+              </a:rPr>
+              <a:t> </a:t>
+            </a:r>
+            <a:r>
+              <a:rPr lang="ru-RU" sz="2400" b="0" i="0" dirty="0" err="1">
+                <a:effectLst/>
+                <a:latin typeface="Times New Roman" panose="02020603050405020304" pitchFamily="18" charset="0"/>
+                <a:cs typeface="Times New Roman" panose="02020603050405020304" pitchFamily="18" charset="0"/>
+              </a:rPr>
+              <a:t>використовуєш</a:t>
+            </a:r>
+            <a:r>
+              <a:rPr lang="ru-RU" sz="2400" b="0" i="0" dirty="0">
+                <a:effectLst/>
+                <a:latin typeface="Times New Roman" panose="02020603050405020304" pitchFamily="18" charset="0"/>
+                <a:cs typeface="Times New Roman" panose="02020603050405020304" pitchFamily="18" charset="0"/>
+              </a:rPr>
+              <a:t> </a:t>
+            </a:r>
+            <a:r>
+              <a:rPr lang="ru-RU" sz="2400" b="0" i="0" dirty="0" err="1">
+                <a:effectLst/>
+                <a:latin typeface="Times New Roman" panose="02020603050405020304" pitchFamily="18" charset="0"/>
+                <a:cs typeface="Times New Roman" panose="02020603050405020304" pitchFamily="18" charset="0"/>
+              </a:rPr>
+              <a:t>якесь</a:t>
+            </a:r>
+            <a:r>
+              <a:rPr lang="ru-RU" sz="2400" b="0" i="0" dirty="0">
+                <a:effectLst/>
+                <a:latin typeface="Times New Roman" panose="02020603050405020304" pitchFamily="18" charset="0"/>
+                <a:cs typeface="Times New Roman" panose="02020603050405020304" pitchFamily="18" charset="0"/>
+              </a:rPr>
+              <a:t> </a:t>
+            </a:r>
+            <a:r>
+              <a:rPr lang="ru-RU" sz="2400" b="0" i="0" dirty="0" err="1">
+                <a:effectLst/>
+                <a:latin typeface="Times New Roman" panose="02020603050405020304" pitchFamily="18" charset="0"/>
+                <a:cs typeface="Times New Roman" panose="02020603050405020304" pitchFamily="18" charset="0"/>
+              </a:rPr>
+              <a:t>незмінне</a:t>
+            </a:r>
+            <a:r>
+              <a:rPr lang="ru-RU" sz="2400" b="0" i="0" dirty="0">
+                <a:effectLst/>
+                <a:latin typeface="Times New Roman" panose="02020603050405020304" pitchFamily="18" charset="0"/>
+                <a:cs typeface="Times New Roman" panose="02020603050405020304" pitchFamily="18" charset="0"/>
+              </a:rPr>
+              <a:t> </a:t>
+            </a:r>
+            <a:r>
+              <a:rPr lang="ru-RU" sz="2400" b="0" i="0" dirty="0" err="1">
+                <a:effectLst/>
+                <a:latin typeface="Times New Roman" panose="02020603050405020304" pitchFamily="18" charset="0"/>
+                <a:cs typeface="Times New Roman" panose="02020603050405020304" pitchFamily="18" charset="0"/>
+              </a:rPr>
+              <a:t>значення</a:t>
+            </a:r>
+            <a:r>
+              <a:rPr lang="ru-RU" sz="2400" b="0" i="0" dirty="0">
+                <a:effectLst/>
+                <a:latin typeface="Times New Roman" panose="02020603050405020304" pitchFamily="18" charset="0"/>
+                <a:cs typeface="Times New Roman" panose="02020603050405020304" pitchFamily="18" charset="0"/>
+              </a:rPr>
+              <a:t> в </a:t>
+            </a:r>
+            <a:r>
+              <a:rPr lang="ru-RU" sz="2400" b="0" i="0" dirty="0" err="1">
+                <a:effectLst/>
+                <a:latin typeface="Times New Roman" panose="02020603050405020304" pitchFamily="18" charset="0"/>
+                <a:cs typeface="Times New Roman" panose="02020603050405020304" pitchFamily="18" charset="0"/>
+              </a:rPr>
+              <a:t>програмі</a:t>
+            </a:r>
+            <a:r>
+              <a:rPr lang="ru-RU" sz="2400" b="0" i="0" dirty="0">
+                <a:effectLst/>
+                <a:latin typeface="Times New Roman" panose="02020603050405020304" pitchFamily="18" charset="0"/>
+                <a:cs typeface="Times New Roman" panose="02020603050405020304" pitchFamily="18" charset="0"/>
+              </a:rPr>
+              <a:t>. </a:t>
+            </a:r>
+            <a:r>
+              <a:rPr lang="ru-RU" sz="2400" b="0" i="0" dirty="0" err="1">
+                <a:effectLst/>
+                <a:latin typeface="Times New Roman" panose="02020603050405020304" pitchFamily="18" charset="0"/>
+                <a:cs typeface="Times New Roman" panose="02020603050405020304" pitchFamily="18" charset="0"/>
+              </a:rPr>
+              <a:t>Скажімо</a:t>
+            </a:r>
+            <a:r>
+              <a:rPr lang="ru-RU" sz="2400" b="0" i="0" dirty="0">
+                <a:effectLst/>
+                <a:latin typeface="Times New Roman" panose="02020603050405020304" pitchFamily="18" charset="0"/>
+                <a:cs typeface="Times New Roman" panose="02020603050405020304" pitchFamily="18" charset="0"/>
+              </a:rPr>
+              <a:t>, </a:t>
+            </a:r>
+            <a:r>
+              <a:rPr lang="ru-RU" sz="2400" b="0" i="0" dirty="0" err="1">
+                <a:effectLst/>
+                <a:latin typeface="Times New Roman" panose="02020603050405020304" pitchFamily="18" charset="0"/>
+                <a:cs typeface="Times New Roman" panose="02020603050405020304" pitchFamily="18" charset="0"/>
+              </a:rPr>
+              <a:t>ти</a:t>
+            </a:r>
+            <a:r>
+              <a:rPr lang="ru-RU" sz="2400" b="0" i="0" dirty="0">
+                <a:effectLst/>
+                <a:latin typeface="Times New Roman" panose="02020603050405020304" pitchFamily="18" charset="0"/>
+                <a:cs typeface="Times New Roman" panose="02020603050405020304" pitchFamily="18" charset="0"/>
+              </a:rPr>
+              <a:t> </a:t>
+            </a:r>
+            <a:r>
+              <a:rPr lang="ru-RU" sz="2400" b="0" i="0" dirty="0" err="1">
+                <a:effectLst/>
+                <a:latin typeface="Times New Roman" panose="02020603050405020304" pitchFamily="18" charset="0"/>
+                <a:cs typeface="Times New Roman" panose="02020603050405020304" pitchFamily="18" charset="0"/>
+              </a:rPr>
+              <a:t>вирішив</a:t>
+            </a:r>
+            <a:r>
+              <a:rPr lang="ru-RU" sz="2400" b="0" i="0" dirty="0">
+                <a:effectLst/>
+                <a:latin typeface="Times New Roman" panose="02020603050405020304" pitchFamily="18" charset="0"/>
+                <a:cs typeface="Times New Roman" panose="02020603050405020304" pitchFamily="18" charset="0"/>
+              </a:rPr>
+              <a:t> </a:t>
+            </a:r>
+            <a:r>
+              <a:rPr lang="ru-RU" sz="2400" b="0" i="0" dirty="0" err="1">
+                <a:effectLst/>
+                <a:latin typeface="Times New Roman" panose="02020603050405020304" pitchFamily="18" charset="0"/>
+                <a:cs typeface="Times New Roman" panose="02020603050405020304" pitchFamily="18" charset="0"/>
+              </a:rPr>
+              <a:t>увійти</a:t>
+            </a:r>
+            <a:r>
+              <a:rPr lang="ru-RU" sz="2400" b="0" i="0" dirty="0">
+                <a:effectLst/>
+                <a:latin typeface="Times New Roman" panose="02020603050405020304" pitchFamily="18" charset="0"/>
+                <a:cs typeface="Times New Roman" panose="02020603050405020304" pitchFamily="18" charset="0"/>
+              </a:rPr>
+              <a:t> в </a:t>
+            </a:r>
+            <a:r>
+              <a:rPr lang="ru-RU" sz="2400" b="0" i="0" dirty="0" err="1">
+                <a:effectLst/>
+                <a:latin typeface="Times New Roman" panose="02020603050405020304" pitchFamily="18" charset="0"/>
+                <a:cs typeface="Times New Roman" panose="02020603050405020304" pitchFamily="18" charset="0"/>
+              </a:rPr>
+              <a:t>історію</a:t>
+            </a:r>
+            <a:r>
+              <a:rPr lang="ru-RU" sz="2400" b="0" i="0" dirty="0">
+                <a:effectLst/>
+                <a:latin typeface="Times New Roman" panose="02020603050405020304" pitchFamily="18" charset="0"/>
+                <a:cs typeface="Times New Roman" panose="02020603050405020304" pitchFamily="18" charset="0"/>
+              </a:rPr>
+              <a:t> і </a:t>
+            </a:r>
+            <a:r>
+              <a:rPr lang="ru-RU" sz="2400" b="0" i="0" dirty="0" err="1">
+                <a:effectLst/>
+                <a:latin typeface="Times New Roman" panose="02020603050405020304" pitchFamily="18" charset="0"/>
+                <a:cs typeface="Times New Roman" panose="02020603050405020304" pitchFamily="18" charset="0"/>
+              </a:rPr>
+              <a:t>самотужки</a:t>
+            </a:r>
+            <a:r>
+              <a:rPr lang="ru-RU" sz="2400" b="0" i="0" dirty="0">
+                <a:effectLst/>
+                <a:latin typeface="Times New Roman" panose="02020603050405020304" pitchFamily="18" charset="0"/>
+                <a:cs typeface="Times New Roman" panose="02020603050405020304" pitchFamily="18" charset="0"/>
+              </a:rPr>
+              <a:t> </a:t>
+            </a:r>
+            <a:r>
+              <a:rPr lang="ru-RU" sz="2400" b="0" i="0" dirty="0" err="1">
+                <a:effectLst/>
+                <a:latin typeface="Times New Roman" panose="02020603050405020304" pitchFamily="18" charset="0"/>
+                <a:cs typeface="Times New Roman" panose="02020603050405020304" pitchFamily="18" charset="0"/>
+              </a:rPr>
+              <a:t>написати</a:t>
+            </a:r>
+            <a:r>
+              <a:rPr lang="ru-RU" sz="2400" b="0" i="0" dirty="0">
+                <a:effectLst/>
+                <a:latin typeface="Times New Roman" panose="02020603050405020304" pitchFamily="18" charset="0"/>
+                <a:cs typeface="Times New Roman" panose="02020603050405020304" pitchFamily="18" charset="0"/>
+              </a:rPr>
+              <a:t> </a:t>
+            </a:r>
+            <a:r>
+              <a:rPr lang="ru-RU" sz="2400" b="0" i="0" dirty="0" err="1">
+                <a:effectLst/>
+                <a:latin typeface="Times New Roman" panose="02020603050405020304" pitchFamily="18" charset="0"/>
+                <a:cs typeface="Times New Roman" panose="02020603050405020304" pitchFamily="18" charset="0"/>
+              </a:rPr>
+              <a:t>гру</a:t>
+            </a:r>
+            <a:r>
+              <a:rPr lang="ru-RU" sz="2400" b="0" i="0" dirty="0">
+                <a:effectLst/>
+                <a:latin typeface="Times New Roman" panose="02020603050405020304" pitchFamily="18" charset="0"/>
+                <a:cs typeface="Times New Roman" panose="02020603050405020304" pitchFamily="18" charset="0"/>
+              </a:rPr>
+              <a:t> "</a:t>
+            </a:r>
+            <a:r>
+              <a:rPr lang="ru-RU" sz="2400" b="0" i="0" dirty="0" err="1">
+                <a:effectLst/>
+                <a:latin typeface="Times New Roman" panose="02020603050405020304" pitchFamily="18" charset="0"/>
+                <a:cs typeface="Times New Roman" panose="02020603050405020304" pitchFamily="18" charset="0"/>
+              </a:rPr>
+              <a:t>Відьмак</a:t>
+            </a:r>
+            <a:r>
+              <a:rPr lang="ru-RU" sz="2400" b="0" i="0" dirty="0">
+                <a:effectLst/>
+                <a:latin typeface="Times New Roman" panose="02020603050405020304" pitchFamily="18" charset="0"/>
+                <a:cs typeface="Times New Roman" panose="02020603050405020304" pitchFamily="18" charset="0"/>
+              </a:rPr>
+              <a:t> 4". </a:t>
+            </a:r>
+          </a:p>
+          <a:p>
+            <a:r>
+              <a:rPr lang="ru-RU" sz="2400" b="0" i="0" dirty="0">
+                <a:effectLst/>
+                <a:latin typeface="Times New Roman" panose="02020603050405020304" pitchFamily="18" charset="0"/>
+                <a:cs typeface="Times New Roman" panose="02020603050405020304" pitchFamily="18" charset="0"/>
+              </a:rPr>
+              <a:t>У </a:t>
+            </a:r>
+            <a:r>
+              <a:rPr lang="ru-RU" sz="2400" b="0" i="0" dirty="0" err="1">
+                <a:effectLst/>
+                <a:latin typeface="Times New Roman" panose="02020603050405020304" pitchFamily="18" charset="0"/>
+                <a:cs typeface="Times New Roman" panose="02020603050405020304" pitchFamily="18" charset="0"/>
+              </a:rPr>
+              <a:t>грі</a:t>
+            </a:r>
+            <a:r>
+              <a:rPr lang="ru-RU" sz="2400" b="0" i="0" dirty="0">
+                <a:effectLst/>
+                <a:latin typeface="Times New Roman" panose="02020603050405020304" pitchFamily="18" charset="0"/>
+                <a:cs typeface="Times New Roman" panose="02020603050405020304" pitchFamily="18" charset="0"/>
+              </a:rPr>
+              <a:t> </a:t>
+            </a:r>
+            <a:r>
+              <a:rPr lang="ru-RU" sz="2400" b="0" i="0" dirty="0" err="1">
+                <a:effectLst/>
+                <a:latin typeface="Times New Roman" panose="02020603050405020304" pitchFamily="18" charset="0"/>
+                <a:cs typeface="Times New Roman" panose="02020603050405020304" pitchFamily="18" charset="0"/>
+              </a:rPr>
+              <a:t>вочевидь</a:t>
+            </a:r>
+            <a:r>
+              <a:rPr lang="ru-RU" sz="2400" b="0" i="0" dirty="0">
+                <a:effectLst/>
+                <a:latin typeface="Times New Roman" panose="02020603050405020304" pitchFamily="18" charset="0"/>
+                <a:cs typeface="Times New Roman" panose="02020603050405020304" pitchFamily="18" charset="0"/>
+              </a:rPr>
+              <a:t> буде </a:t>
+            </a:r>
+            <a:r>
+              <a:rPr lang="ru-RU" sz="2400" b="0" i="0" dirty="0" err="1">
+                <a:effectLst/>
+                <a:latin typeface="Times New Roman" panose="02020603050405020304" pitchFamily="18" charset="0"/>
+                <a:cs typeface="Times New Roman" panose="02020603050405020304" pitchFamily="18" charset="0"/>
+              </a:rPr>
+              <a:t>постійно</a:t>
+            </a:r>
+            <a:r>
+              <a:rPr lang="ru-RU" sz="2400" b="0" i="0" dirty="0">
+                <a:effectLst/>
+                <a:latin typeface="Times New Roman" panose="02020603050405020304" pitchFamily="18" charset="0"/>
+                <a:cs typeface="Times New Roman" panose="02020603050405020304" pitchFamily="18" charset="0"/>
+              </a:rPr>
+              <a:t> </a:t>
+            </a:r>
+            <a:r>
+              <a:rPr lang="ru-RU" sz="2400" b="0" i="0" dirty="0" err="1">
+                <a:effectLst/>
+                <a:latin typeface="Times New Roman" panose="02020603050405020304" pitchFamily="18" charset="0"/>
+                <a:cs typeface="Times New Roman" panose="02020603050405020304" pitchFamily="18" charset="0"/>
+              </a:rPr>
+              <a:t>використовуватися</a:t>
+            </a:r>
+            <a:r>
+              <a:rPr lang="ru-RU" sz="2400" b="0" i="0" dirty="0">
+                <a:effectLst/>
+                <a:latin typeface="Times New Roman" panose="02020603050405020304" pitchFamily="18" charset="0"/>
+                <a:cs typeface="Times New Roman" panose="02020603050405020304" pitchFamily="18" charset="0"/>
+              </a:rPr>
+              <a:t> </a:t>
+            </a:r>
+            <a:r>
+              <a:rPr lang="ru-RU" sz="2400" b="0" i="0" dirty="0" err="1">
+                <a:effectLst/>
+                <a:latin typeface="Times New Roman" panose="02020603050405020304" pitchFamily="18" charset="0"/>
+                <a:cs typeface="Times New Roman" panose="02020603050405020304" pitchFamily="18" charset="0"/>
+              </a:rPr>
+              <a:t>ім'я</a:t>
+            </a:r>
+            <a:r>
+              <a:rPr lang="ru-RU" sz="2400" b="0" i="0" dirty="0">
+                <a:effectLst/>
+                <a:latin typeface="Times New Roman" panose="02020603050405020304" pitchFamily="18" charset="0"/>
+                <a:cs typeface="Times New Roman" panose="02020603050405020304" pitchFamily="18" charset="0"/>
+              </a:rPr>
+              <a:t> головного героя – "</a:t>
+            </a:r>
+            <a:r>
+              <a:rPr lang="ru-RU" sz="2400" b="0" i="0" dirty="0" err="1">
+                <a:effectLst/>
+                <a:latin typeface="Times New Roman" panose="02020603050405020304" pitchFamily="18" charset="0"/>
+                <a:cs typeface="Times New Roman" panose="02020603050405020304" pitchFamily="18" charset="0"/>
+              </a:rPr>
+              <a:t>Ґеральт</a:t>
+            </a:r>
+            <a:r>
+              <a:rPr lang="ru-RU" sz="2400" b="0" i="0" dirty="0">
+                <a:effectLst/>
+                <a:latin typeface="Times New Roman" panose="02020603050405020304" pitchFamily="18" charset="0"/>
+                <a:cs typeface="Times New Roman" panose="02020603050405020304" pitchFamily="18" charset="0"/>
+              </a:rPr>
+              <a:t> з </a:t>
+            </a:r>
+            <a:r>
+              <a:rPr lang="ru-RU" sz="2400" b="0" i="0" dirty="0" err="1">
+                <a:effectLst/>
+                <a:latin typeface="Times New Roman" panose="02020603050405020304" pitchFamily="18" charset="0"/>
+                <a:cs typeface="Times New Roman" panose="02020603050405020304" pitchFamily="18" charset="0"/>
+              </a:rPr>
+              <a:t>Рівії</a:t>
+            </a:r>
+            <a:r>
+              <a:rPr lang="ru-RU" sz="2400" b="0" i="0" dirty="0">
+                <a:effectLst/>
+                <a:latin typeface="Times New Roman" panose="02020603050405020304" pitchFamily="18" charset="0"/>
+                <a:cs typeface="Times New Roman" panose="02020603050405020304" pitchFamily="18" charset="0"/>
+              </a:rPr>
+              <a:t>". </a:t>
+            </a:r>
+          </a:p>
+          <a:p>
+            <a:r>
+              <a:rPr lang="ru-RU" sz="2400" b="0" i="0" dirty="0" err="1">
+                <a:effectLst/>
+                <a:latin typeface="Times New Roman" panose="02020603050405020304" pitchFamily="18" charset="0"/>
+                <a:cs typeface="Times New Roman" panose="02020603050405020304" pitchFamily="18" charset="0"/>
+              </a:rPr>
+              <a:t>Цей</a:t>
+            </a:r>
+            <a:r>
+              <a:rPr lang="ru-RU" sz="2400" b="0" i="0" dirty="0">
+                <a:effectLst/>
+                <a:latin typeface="Times New Roman" panose="02020603050405020304" pitchFamily="18" charset="0"/>
+                <a:cs typeface="Times New Roman" panose="02020603050405020304" pitchFamily="18" charset="0"/>
+              </a:rPr>
+              <a:t> рядок та </a:t>
+            </a:r>
+            <a:r>
+              <a:rPr lang="ru-RU" sz="2400" b="0" i="0" dirty="0" err="1">
+                <a:effectLst/>
+                <a:latin typeface="Times New Roman" panose="02020603050405020304" pitchFamily="18" charset="0"/>
+                <a:cs typeface="Times New Roman" panose="02020603050405020304" pitchFamily="18" charset="0"/>
+              </a:rPr>
+              <a:t>імена</a:t>
+            </a:r>
+            <a:r>
+              <a:rPr lang="ru-RU" sz="2400" b="0" i="0" dirty="0">
+                <a:effectLst/>
+                <a:latin typeface="Times New Roman" panose="02020603050405020304" pitchFamily="18" charset="0"/>
+                <a:cs typeface="Times New Roman" panose="02020603050405020304" pitchFamily="18" charset="0"/>
+              </a:rPr>
+              <a:t> </a:t>
+            </a:r>
+            <a:r>
+              <a:rPr lang="ru-RU" sz="2400" b="0" i="0" dirty="0" err="1">
+                <a:effectLst/>
+                <a:latin typeface="Times New Roman" panose="02020603050405020304" pitchFamily="18" charset="0"/>
+                <a:cs typeface="Times New Roman" panose="02020603050405020304" pitchFamily="18" charset="0"/>
+              </a:rPr>
+              <a:t>інших</a:t>
+            </a:r>
+            <a:r>
+              <a:rPr lang="ru-RU" sz="2400" b="0" i="0" dirty="0">
+                <a:effectLst/>
+                <a:latin typeface="Times New Roman" panose="02020603050405020304" pitchFamily="18" charset="0"/>
+                <a:cs typeface="Times New Roman" panose="02020603050405020304" pitchFamily="18" charset="0"/>
+              </a:rPr>
+              <a:t> </a:t>
+            </a:r>
+            <a:r>
+              <a:rPr lang="ru-RU" sz="2400" b="0" i="0" dirty="0" err="1">
+                <a:effectLst/>
+                <a:latin typeface="Times New Roman" panose="02020603050405020304" pitchFamily="18" charset="0"/>
+                <a:cs typeface="Times New Roman" panose="02020603050405020304" pitchFamily="18" charset="0"/>
+              </a:rPr>
+              <a:t>героїв</a:t>
+            </a:r>
+            <a:r>
+              <a:rPr lang="ru-RU" sz="2400" b="0" i="0" dirty="0">
+                <a:effectLst/>
+                <a:latin typeface="Times New Roman" panose="02020603050405020304" pitchFamily="18" charset="0"/>
+                <a:cs typeface="Times New Roman" panose="02020603050405020304" pitchFamily="18" charset="0"/>
+              </a:rPr>
+              <a:t> </a:t>
+            </a:r>
+            <a:r>
+              <a:rPr lang="ru-RU" sz="2400" b="0" i="0" dirty="0" err="1">
+                <a:effectLst/>
+                <a:latin typeface="Times New Roman" panose="02020603050405020304" pitchFamily="18" charset="0"/>
+                <a:cs typeface="Times New Roman" panose="02020603050405020304" pitchFamily="18" charset="0"/>
+              </a:rPr>
+              <a:t>краще</a:t>
+            </a:r>
+            <a:r>
+              <a:rPr lang="ru-RU" sz="2400" b="0" i="0" dirty="0">
+                <a:effectLst/>
+                <a:latin typeface="Times New Roman" panose="02020603050405020304" pitchFamily="18" charset="0"/>
+                <a:cs typeface="Times New Roman" panose="02020603050405020304" pitchFamily="18" charset="0"/>
+              </a:rPr>
+              <a:t> </a:t>
+            </a:r>
+            <a:r>
+              <a:rPr lang="ru-RU" sz="2400" b="0" i="0" dirty="0" err="1">
+                <a:effectLst/>
+                <a:latin typeface="Times New Roman" panose="02020603050405020304" pitchFamily="18" charset="0"/>
+                <a:cs typeface="Times New Roman" panose="02020603050405020304" pitchFamily="18" charset="0"/>
+              </a:rPr>
+              <a:t>виділити</a:t>
+            </a:r>
+            <a:r>
+              <a:rPr lang="ru-RU" sz="2400" b="0" i="0" dirty="0">
+                <a:effectLst/>
+                <a:latin typeface="Times New Roman" panose="02020603050405020304" pitchFamily="18" charset="0"/>
+                <a:cs typeface="Times New Roman" panose="02020603050405020304" pitchFamily="18" charset="0"/>
+              </a:rPr>
+              <a:t> в константу: </a:t>
+            </a:r>
+            <a:r>
+              <a:rPr lang="ru-RU" sz="2400" b="0" i="0" dirty="0" err="1">
+                <a:effectLst/>
+                <a:latin typeface="Times New Roman" panose="02020603050405020304" pitchFamily="18" charset="0"/>
+                <a:cs typeface="Times New Roman" panose="02020603050405020304" pitchFamily="18" charset="0"/>
+              </a:rPr>
+              <a:t>потрібне</a:t>
+            </a:r>
+            <a:r>
+              <a:rPr lang="ru-RU" sz="2400" b="0" i="0" dirty="0">
+                <a:effectLst/>
+                <a:latin typeface="Times New Roman" panose="02020603050405020304" pitchFamily="18" charset="0"/>
+                <a:cs typeface="Times New Roman" panose="02020603050405020304" pitchFamily="18" charset="0"/>
+              </a:rPr>
+              <a:t> </a:t>
+            </a:r>
+            <a:r>
+              <a:rPr lang="ru-RU" sz="2400" b="0" i="0" dirty="0" err="1">
+                <a:effectLst/>
+                <a:latin typeface="Times New Roman" panose="02020603050405020304" pitchFamily="18" charset="0"/>
+                <a:cs typeface="Times New Roman" panose="02020603050405020304" pitchFamily="18" charset="0"/>
+              </a:rPr>
+              <a:t>тобі</a:t>
+            </a:r>
+            <a:r>
+              <a:rPr lang="ru-RU" sz="2400" b="0" i="0" dirty="0">
+                <a:effectLst/>
+                <a:latin typeface="Times New Roman" panose="02020603050405020304" pitchFamily="18" charset="0"/>
+                <a:cs typeface="Times New Roman" panose="02020603050405020304" pitchFamily="18" charset="0"/>
+              </a:rPr>
+              <a:t> </a:t>
+            </a:r>
+            <a:r>
+              <a:rPr lang="ru-RU" sz="2400" b="0" i="0" dirty="0" err="1">
+                <a:effectLst/>
+                <a:latin typeface="Times New Roman" panose="02020603050405020304" pitchFamily="18" charset="0"/>
+                <a:cs typeface="Times New Roman" panose="02020603050405020304" pitchFamily="18" charset="0"/>
+              </a:rPr>
+              <a:t>значення</a:t>
+            </a:r>
+            <a:r>
+              <a:rPr lang="ru-RU" sz="2400" b="0" i="0" dirty="0">
+                <a:effectLst/>
+                <a:latin typeface="Times New Roman" panose="02020603050405020304" pitchFamily="18" charset="0"/>
+                <a:cs typeface="Times New Roman" panose="02020603050405020304" pitchFamily="18" charset="0"/>
+              </a:rPr>
+              <a:t> </a:t>
+            </a:r>
+            <a:r>
+              <a:rPr lang="ru-RU" sz="2400" b="0" i="0" dirty="0" err="1">
+                <a:effectLst/>
+                <a:latin typeface="Times New Roman" panose="02020603050405020304" pitchFamily="18" charset="0"/>
+                <a:cs typeface="Times New Roman" panose="02020603050405020304" pitchFamily="18" charset="0"/>
+              </a:rPr>
+              <a:t>зберігатиметься</a:t>
+            </a:r>
+            <a:r>
+              <a:rPr lang="ru-RU" sz="2400" b="0" i="0" dirty="0">
+                <a:effectLst/>
+                <a:latin typeface="Times New Roman" panose="02020603050405020304" pitchFamily="18" charset="0"/>
+                <a:cs typeface="Times New Roman" panose="02020603050405020304" pitchFamily="18" charset="0"/>
+              </a:rPr>
+              <a:t> в одному </a:t>
+            </a:r>
+            <a:r>
+              <a:rPr lang="ru-RU" sz="2400" b="0" i="0" dirty="0" err="1">
+                <a:effectLst/>
+                <a:latin typeface="Times New Roman" panose="02020603050405020304" pitchFamily="18" charset="0"/>
+                <a:cs typeface="Times New Roman" panose="02020603050405020304" pitchFamily="18" charset="0"/>
+              </a:rPr>
+              <a:t>місці</a:t>
+            </a:r>
+            <a:r>
+              <a:rPr lang="ru-RU" sz="2400" b="0" i="0" dirty="0">
+                <a:effectLst/>
+                <a:latin typeface="Times New Roman" panose="02020603050405020304" pitchFamily="18" charset="0"/>
+                <a:cs typeface="Times New Roman" panose="02020603050405020304" pitchFamily="18" charset="0"/>
+              </a:rPr>
+              <a:t>, і </a:t>
+            </a:r>
+            <a:r>
+              <a:rPr lang="ru-RU" sz="2400" b="0" i="0" dirty="0" err="1">
+                <a:effectLst/>
+                <a:latin typeface="Times New Roman" panose="02020603050405020304" pitchFamily="18" charset="0"/>
+                <a:cs typeface="Times New Roman" panose="02020603050405020304" pitchFamily="18" charset="0"/>
+              </a:rPr>
+              <a:t>ти</a:t>
+            </a:r>
+            <a:r>
+              <a:rPr lang="ru-RU" sz="2400" b="0" i="0" dirty="0">
+                <a:effectLst/>
+                <a:latin typeface="Times New Roman" panose="02020603050405020304" pitchFamily="18" charset="0"/>
+                <a:cs typeface="Times New Roman" panose="02020603050405020304" pitchFamily="18" charset="0"/>
+              </a:rPr>
+              <a:t> точно не </a:t>
+            </a:r>
+            <a:r>
+              <a:rPr lang="ru-RU" sz="2400" b="0" i="0" dirty="0" err="1">
+                <a:effectLst/>
+                <a:latin typeface="Times New Roman" panose="02020603050405020304" pitchFamily="18" charset="0"/>
+                <a:cs typeface="Times New Roman" panose="02020603050405020304" pitchFamily="18" charset="0"/>
+              </a:rPr>
+              <a:t>помилишся</a:t>
+            </a:r>
+            <a:r>
+              <a:rPr lang="ru-RU" sz="2400" b="0" i="0" dirty="0">
+                <a:effectLst/>
+                <a:latin typeface="Times New Roman" panose="02020603050405020304" pitchFamily="18" charset="0"/>
+                <a:cs typeface="Times New Roman" panose="02020603050405020304" pitchFamily="18" charset="0"/>
+              </a:rPr>
+              <a:t>, </a:t>
+            </a:r>
+            <a:r>
+              <a:rPr lang="ru-RU" sz="2400" b="0" i="0" dirty="0" err="1">
+                <a:effectLst/>
+                <a:latin typeface="Times New Roman" panose="02020603050405020304" pitchFamily="18" charset="0"/>
+                <a:cs typeface="Times New Roman" panose="02020603050405020304" pitchFamily="18" charset="0"/>
+              </a:rPr>
+              <a:t>друкуючи</a:t>
+            </a:r>
+            <a:r>
+              <a:rPr lang="ru-RU" sz="2400" b="0" i="0" dirty="0">
+                <a:effectLst/>
+                <a:latin typeface="Times New Roman" panose="02020603050405020304" pitchFamily="18" charset="0"/>
+                <a:cs typeface="Times New Roman" panose="02020603050405020304" pitchFamily="18" charset="0"/>
+              </a:rPr>
+              <a:t> </a:t>
+            </a:r>
+            <a:r>
+              <a:rPr lang="ru-RU" sz="2400" b="0" i="0" dirty="0" err="1">
+                <a:effectLst/>
+                <a:latin typeface="Times New Roman" panose="02020603050405020304" pitchFamily="18" charset="0"/>
+                <a:cs typeface="Times New Roman" panose="02020603050405020304" pitchFamily="18" charset="0"/>
+              </a:rPr>
+              <a:t>його</a:t>
+            </a:r>
+            <a:r>
+              <a:rPr lang="ru-RU" sz="2400" b="0" i="0" dirty="0">
+                <a:effectLst/>
+                <a:latin typeface="Times New Roman" panose="02020603050405020304" pitchFamily="18" charset="0"/>
+                <a:cs typeface="Times New Roman" panose="02020603050405020304" pitchFamily="18" charset="0"/>
+              </a:rPr>
+              <a:t> в </a:t>
+            </a:r>
+            <a:r>
+              <a:rPr lang="ru-RU" sz="2400" b="0" i="0" dirty="0" err="1">
+                <a:effectLst/>
+                <a:latin typeface="Times New Roman" panose="02020603050405020304" pitchFamily="18" charset="0"/>
+                <a:cs typeface="Times New Roman" panose="02020603050405020304" pitchFamily="18" charset="0"/>
+              </a:rPr>
+              <a:t>мільйонний</a:t>
+            </a:r>
+            <a:r>
+              <a:rPr lang="ru-RU" sz="2400" b="0" i="0" dirty="0">
+                <a:effectLst/>
+                <a:latin typeface="Times New Roman" panose="02020603050405020304" pitchFamily="18" charset="0"/>
+                <a:cs typeface="Times New Roman" panose="02020603050405020304" pitchFamily="18" charset="0"/>
+              </a:rPr>
+              <a:t> раз.</a:t>
+            </a:r>
+            <a:endParaRPr lang="uk-UA" sz="2400" dirty="0">
+              <a:latin typeface="Times New Roman" panose="02020603050405020304" pitchFamily="18" charset="0"/>
+              <a:cs typeface="Times New Roman" panose="02020603050405020304" pitchFamily="18" charset="0"/>
+            </a:endParaRPr>
+          </a:p>
+        </p:txBody>
+      </p:sp>
+    </p:spTree>
+    <p:extLst>
+      <p:ext uri="{BB962C8B-B14F-4D97-AF65-F5344CB8AC3E}">
+        <p14:creationId xmlns:p14="http://schemas.microsoft.com/office/powerpoint/2010/main" val="2690774504"/>
+      </p:ext>
+    </p:extLst>
+  </p:cSld>
+  <p:clrMapOvr>
+    <a:masterClrMapping/>
+  </p:clrMapOvr>
+</p:sld>
+</file>
+
 <file path=ppt/slides/slide18.xml><?xml version="1.0" encoding="utf-8"?>
 <p:sld xmlns:a="http://schemas.openxmlformats.org/drawingml/2006/main" xmlns:r="http://schemas.openxmlformats.org/officeDocument/2006/relationships" xmlns:p="http://schemas.openxmlformats.org/presentationml/2006/main">
   <p:cSld>
@@ -13346,399 +12463,1282 @@
       </p:grpSpPr>
       <p:sp>
         <p:nvSpPr>
-          <p:cNvPr id="103426" name="Заголовок 1"/>
-          <p:cNvSpPr>
-            <a:spLocks noGrp="1"/>
-          </p:cNvSpPr>
-          <p:nvPr>
-            <p:ph type="title"/>
-          </p:nvPr>
+          <p:cNvPr id="5" name="TextBox 4">
+            <a:extLst>
+              <a:ext uri="{FF2B5EF4-FFF2-40B4-BE49-F238E27FC236}">
+                <a16:creationId xmlns:a16="http://schemas.microsoft.com/office/drawing/2014/main" id="{5FA723CC-103D-4C6D-BD97-2747ADFF646D}"/>
+              </a:ext>
+            </a:extLst>
+          </p:cNvPr>
+          <p:cNvSpPr txBox="1"/>
+          <p:nvPr/>
         </p:nvSpPr>
         <p:spPr>
           <a:xfrm>
-            <a:off x="0" y="1"/>
-            <a:ext cx="12192000" cy="593888"/>
+            <a:off x="386498" y="1582340"/>
+            <a:ext cx="11642104" cy="4524315"/>
           </a:xfrm>
+          <a:prstGeom prst="rect">
+            <a:avLst/>
+          </a:prstGeom>
+          <a:noFill/>
         </p:spPr>
         <p:txBody>
-          <a:bodyPr>
-            <a:noAutofit/>
+          <a:bodyPr wrap="square">
+            <a:spAutoFit/>
           </a:bodyPr>
           <a:lstStyle/>
           <a:p>
-            <a:pPr algn="ctr"/>
-            <a:r>
-              <a:rPr lang="uk-UA" altLang="ru-RU" sz="4000" dirty="0">
-                <a:latin typeface="Times New Roman" panose="02020603050405020304" pitchFamily="18" charset="0"/>
-                <a:cs typeface="Times New Roman" panose="02020603050405020304" pitchFamily="18" charset="0"/>
-              </a:rPr>
-              <a:t>Методи зі змінним числом параметрів. Приклад</a:t>
-            </a:r>
+            <a:r>
+              <a:rPr lang="en-US" b="1" i="0" dirty="0">
+                <a:solidFill>
+                  <a:srgbClr val="000080"/>
+                </a:solidFill>
+                <a:effectLst/>
+                <a:latin typeface="Courier New" panose="02070309020205020404" pitchFamily="49" charset="0"/>
+                <a:cs typeface="Courier New" panose="02070309020205020404" pitchFamily="49" charset="0"/>
+              </a:rPr>
+              <a:t>public</a:t>
+            </a:r>
+            <a:r>
+              <a:rPr lang="en-US" b="0" i="0" dirty="0">
+                <a:solidFill>
+                  <a:srgbClr val="000000"/>
+                </a:solidFill>
+                <a:effectLst/>
+                <a:latin typeface="Courier New" panose="02070309020205020404" pitchFamily="49" charset="0"/>
+                <a:cs typeface="Courier New" panose="02070309020205020404" pitchFamily="49" charset="0"/>
+              </a:rPr>
+              <a:t> </a:t>
+            </a:r>
+            <a:r>
+              <a:rPr lang="en-US" b="1" i="0" dirty="0">
+                <a:solidFill>
+                  <a:srgbClr val="000080"/>
+                </a:solidFill>
+                <a:effectLst/>
+                <a:latin typeface="Courier New" panose="02070309020205020404" pitchFamily="49" charset="0"/>
+                <a:cs typeface="Courier New" panose="02070309020205020404" pitchFamily="49" charset="0"/>
+              </a:rPr>
+              <a:t>class</a:t>
+            </a:r>
+            <a:r>
+              <a:rPr lang="en-US" b="0" i="0" dirty="0">
+                <a:solidFill>
+                  <a:srgbClr val="000000"/>
+                </a:solidFill>
+                <a:effectLst/>
+                <a:latin typeface="Courier New" panose="02070309020205020404" pitchFamily="49" charset="0"/>
+                <a:cs typeface="Courier New" panose="02070309020205020404" pitchFamily="49" charset="0"/>
+              </a:rPr>
+              <a:t> TheWitcher4 { </a:t>
+            </a:r>
+            <a:endParaRPr lang="uk-UA" b="0" i="0" dirty="0">
+              <a:solidFill>
+                <a:srgbClr val="000000"/>
+              </a:solidFill>
+              <a:effectLst/>
+              <a:latin typeface="Courier New" panose="02070309020205020404" pitchFamily="49" charset="0"/>
+              <a:cs typeface="Courier New" panose="02070309020205020404" pitchFamily="49" charset="0"/>
+            </a:endParaRPr>
+          </a:p>
+          <a:p>
+            <a:r>
+              <a:rPr lang="uk-UA" dirty="0">
+                <a:solidFill>
+                  <a:srgbClr val="000000"/>
+                </a:solidFill>
+                <a:latin typeface="Courier New" panose="02070309020205020404" pitchFamily="49" charset="0"/>
+                <a:cs typeface="Courier New" panose="02070309020205020404" pitchFamily="49" charset="0"/>
+              </a:rPr>
+              <a:t>	</a:t>
+            </a:r>
+            <a:r>
+              <a:rPr lang="en-US" b="1" i="0" dirty="0">
+                <a:solidFill>
+                  <a:srgbClr val="000080"/>
+                </a:solidFill>
+                <a:effectLst/>
+                <a:latin typeface="Courier New" panose="02070309020205020404" pitchFamily="49" charset="0"/>
+                <a:cs typeface="Courier New" panose="02070309020205020404" pitchFamily="49" charset="0"/>
+              </a:rPr>
+              <a:t>private</a:t>
+            </a:r>
+            <a:r>
+              <a:rPr lang="en-US" b="0" i="0" dirty="0">
+                <a:solidFill>
+                  <a:srgbClr val="000000"/>
+                </a:solidFill>
+                <a:effectLst/>
+                <a:latin typeface="Courier New" panose="02070309020205020404" pitchFamily="49" charset="0"/>
+                <a:cs typeface="Courier New" panose="02070309020205020404" pitchFamily="49" charset="0"/>
+              </a:rPr>
+              <a:t> </a:t>
+            </a:r>
+            <a:r>
+              <a:rPr lang="en-US" b="1" i="0" dirty="0">
+                <a:solidFill>
+                  <a:srgbClr val="000080"/>
+                </a:solidFill>
+                <a:effectLst/>
+                <a:latin typeface="Courier New" panose="02070309020205020404" pitchFamily="49" charset="0"/>
+                <a:cs typeface="Courier New" panose="02070309020205020404" pitchFamily="49" charset="0"/>
+              </a:rPr>
+              <a:t>static</a:t>
+            </a:r>
+            <a:r>
+              <a:rPr lang="en-US" b="0" i="0" dirty="0">
+                <a:solidFill>
+                  <a:srgbClr val="000000"/>
+                </a:solidFill>
+                <a:effectLst/>
+                <a:latin typeface="Courier New" panose="02070309020205020404" pitchFamily="49" charset="0"/>
+                <a:cs typeface="Courier New" panose="02070309020205020404" pitchFamily="49" charset="0"/>
+              </a:rPr>
+              <a:t> </a:t>
+            </a:r>
+            <a:r>
+              <a:rPr lang="en-US" b="1" i="0" dirty="0">
+                <a:solidFill>
+                  <a:srgbClr val="000080"/>
+                </a:solidFill>
+                <a:effectLst/>
+                <a:latin typeface="Courier New" panose="02070309020205020404" pitchFamily="49" charset="0"/>
+                <a:cs typeface="Courier New" panose="02070309020205020404" pitchFamily="49" charset="0"/>
+              </a:rPr>
+              <a:t>final</a:t>
+            </a:r>
+            <a:r>
+              <a:rPr lang="en-US" b="0" i="0" dirty="0">
+                <a:solidFill>
+                  <a:srgbClr val="000000"/>
+                </a:solidFill>
+                <a:effectLst/>
+                <a:latin typeface="Courier New" panose="02070309020205020404" pitchFamily="49" charset="0"/>
+                <a:cs typeface="Courier New" panose="02070309020205020404" pitchFamily="49" charset="0"/>
+              </a:rPr>
+              <a:t> String GERALT_NAME = </a:t>
+            </a:r>
+            <a:r>
+              <a:rPr lang="en-US" b="0" i="0" dirty="0">
+                <a:solidFill>
+                  <a:srgbClr val="008000"/>
+                </a:solidFill>
+                <a:effectLst/>
+                <a:latin typeface="Courier New" panose="02070309020205020404" pitchFamily="49" charset="0"/>
+                <a:cs typeface="Courier New" panose="02070309020205020404" pitchFamily="49" charset="0"/>
+              </a:rPr>
+              <a:t>"</a:t>
+            </a:r>
+            <a:r>
+              <a:rPr lang="uk-UA" b="0" i="0" dirty="0" err="1">
+                <a:solidFill>
+                  <a:srgbClr val="008000"/>
+                </a:solidFill>
+                <a:effectLst/>
+                <a:latin typeface="Courier New" panose="02070309020205020404" pitchFamily="49" charset="0"/>
+                <a:cs typeface="Courier New" panose="02070309020205020404" pitchFamily="49" charset="0"/>
+              </a:rPr>
+              <a:t>Ґеральт</a:t>
+            </a:r>
+            <a:r>
+              <a:rPr lang="uk-UA" b="0" i="0" dirty="0">
+                <a:solidFill>
+                  <a:srgbClr val="008000"/>
+                </a:solidFill>
+                <a:effectLst/>
+                <a:latin typeface="Courier New" panose="02070309020205020404" pitchFamily="49" charset="0"/>
+                <a:cs typeface="Courier New" panose="02070309020205020404" pitchFamily="49" charset="0"/>
+              </a:rPr>
+              <a:t> з </a:t>
+            </a:r>
+            <a:r>
+              <a:rPr lang="uk-UA" b="0" i="0" dirty="0" err="1">
+                <a:solidFill>
+                  <a:srgbClr val="008000"/>
+                </a:solidFill>
+                <a:effectLst/>
+                <a:latin typeface="Courier New" panose="02070309020205020404" pitchFamily="49" charset="0"/>
+                <a:cs typeface="Courier New" panose="02070309020205020404" pitchFamily="49" charset="0"/>
+              </a:rPr>
+              <a:t>Рівії</a:t>
+            </a:r>
+            <a:r>
+              <a:rPr lang="uk-UA" b="0" i="0" dirty="0">
+                <a:solidFill>
+                  <a:srgbClr val="008000"/>
+                </a:solidFill>
+                <a:effectLst/>
+                <a:latin typeface="Courier New" panose="02070309020205020404" pitchFamily="49" charset="0"/>
+                <a:cs typeface="Courier New" panose="02070309020205020404" pitchFamily="49" charset="0"/>
+              </a:rPr>
+              <a:t>"</a:t>
+            </a:r>
+            <a:r>
+              <a:rPr lang="uk-UA" b="0" i="0" dirty="0">
+                <a:solidFill>
+                  <a:srgbClr val="000000"/>
+                </a:solidFill>
+                <a:effectLst/>
+                <a:latin typeface="Courier New" panose="02070309020205020404" pitchFamily="49" charset="0"/>
+                <a:cs typeface="Courier New" panose="02070309020205020404" pitchFamily="49" charset="0"/>
+              </a:rPr>
+              <a:t>; </a:t>
+            </a:r>
+          </a:p>
+          <a:p>
+            <a:r>
+              <a:rPr lang="uk-UA" b="1" i="0" dirty="0">
+                <a:solidFill>
+                  <a:srgbClr val="000080"/>
+                </a:solidFill>
+                <a:effectLst/>
+                <a:latin typeface="Courier New" panose="02070309020205020404" pitchFamily="49" charset="0"/>
+                <a:cs typeface="Courier New" panose="02070309020205020404" pitchFamily="49" charset="0"/>
+              </a:rPr>
+              <a:t>	</a:t>
+            </a:r>
+            <a:r>
+              <a:rPr lang="en-US" b="1" i="0" dirty="0">
+                <a:solidFill>
+                  <a:srgbClr val="000080"/>
+                </a:solidFill>
+                <a:effectLst/>
+                <a:latin typeface="Courier New" panose="02070309020205020404" pitchFamily="49" charset="0"/>
+                <a:cs typeface="Courier New" panose="02070309020205020404" pitchFamily="49" charset="0"/>
+              </a:rPr>
+              <a:t>private</a:t>
+            </a:r>
+            <a:r>
+              <a:rPr lang="en-US" b="0" i="0" dirty="0">
+                <a:solidFill>
+                  <a:srgbClr val="000000"/>
+                </a:solidFill>
+                <a:effectLst/>
+                <a:latin typeface="Courier New" panose="02070309020205020404" pitchFamily="49" charset="0"/>
+                <a:cs typeface="Courier New" panose="02070309020205020404" pitchFamily="49" charset="0"/>
+              </a:rPr>
+              <a:t> </a:t>
+            </a:r>
+            <a:r>
+              <a:rPr lang="en-US" b="1" i="0" dirty="0">
+                <a:solidFill>
+                  <a:srgbClr val="000080"/>
+                </a:solidFill>
+                <a:effectLst/>
+                <a:latin typeface="Courier New" panose="02070309020205020404" pitchFamily="49" charset="0"/>
+                <a:cs typeface="Courier New" panose="02070309020205020404" pitchFamily="49" charset="0"/>
+              </a:rPr>
+              <a:t>static</a:t>
+            </a:r>
+            <a:r>
+              <a:rPr lang="en-US" b="0" i="0" dirty="0">
+                <a:solidFill>
+                  <a:srgbClr val="000000"/>
+                </a:solidFill>
+                <a:effectLst/>
+                <a:latin typeface="Courier New" panose="02070309020205020404" pitchFamily="49" charset="0"/>
+                <a:cs typeface="Courier New" panose="02070309020205020404" pitchFamily="49" charset="0"/>
+              </a:rPr>
+              <a:t> </a:t>
+            </a:r>
+            <a:r>
+              <a:rPr lang="en-US" b="1" i="0" dirty="0">
+                <a:solidFill>
+                  <a:srgbClr val="000080"/>
+                </a:solidFill>
+                <a:effectLst/>
+                <a:latin typeface="Courier New" panose="02070309020205020404" pitchFamily="49" charset="0"/>
+                <a:cs typeface="Courier New" panose="02070309020205020404" pitchFamily="49" charset="0"/>
+              </a:rPr>
+              <a:t>final</a:t>
+            </a:r>
+            <a:r>
+              <a:rPr lang="en-US" b="0" i="0" dirty="0">
+                <a:solidFill>
+                  <a:srgbClr val="000000"/>
+                </a:solidFill>
+                <a:effectLst/>
+                <a:latin typeface="Courier New" panose="02070309020205020404" pitchFamily="49" charset="0"/>
+                <a:cs typeface="Courier New" panose="02070309020205020404" pitchFamily="49" charset="0"/>
+              </a:rPr>
+              <a:t> String YENNEFER_NAME = </a:t>
+            </a:r>
+            <a:r>
+              <a:rPr lang="en-US" b="0" i="0" dirty="0">
+                <a:solidFill>
+                  <a:srgbClr val="008000"/>
+                </a:solidFill>
+                <a:effectLst/>
+                <a:latin typeface="Courier New" panose="02070309020205020404" pitchFamily="49" charset="0"/>
+                <a:cs typeface="Courier New" panose="02070309020205020404" pitchFamily="49" charset="0"/>
+              </a:rPr>
+              <a:t>"</a:t>
+            </a:r>
+            <a:r>
+              <a:rPr lang="uk-UA" b="0" i="0" dirty="0" err="1">
+                <a:solidFill>
+                  <a:srgbClr val="008000"/>
+                </a:solidFill>
+                <a:effectLst/>
+                <a:latin typeface="Courier New" panose="02070309020205020404" pitchFamily="49" charset="0"/>
+                <a:cs typeface="Courier New" panose="02070309020205020404" pitchFamily="49" charset="0"/>
+              </a:rPr>
+              <a:t>Йеннефер</a:t>
+            </a:r>
+            <a:r>
+              <a:rPr lang="uk-UA" b="0" i="0" dirty="0">
+                <a:solidFill>
+                  <a:srgbClr val="008000"/>
+                </a:solidFill>
+                <a:effectLst/>
+                <a:latin typeface="Courier New" panose="02070309020205020404" pitchFamily="49" charset="0"/>
+                <a:cs typeface="Courier New" panose="02070309020205020404" pitchFamily="49" charset="0"/>
+              </a:rPr>
+              <a:t> з </a:t>
+            </a:r>
+            <a:r>
+              <a:rPr lang="uk-UA" b="0" i="0" dirty="0" err="1">
+                <a:solidFill>
+                  <a:srgbClr val="008000"/>
+                </a:solidFill>
+                <a:effectLst/>
+                <a:latin typeface="Courier New" panose="02070309020205020404" pitchFamily="49" charset="0"/>
+                <a:cs typeface="Courier New" panose="02070309020205020404" pitchFamily="49" charset="0"/>
+              </a:rPr>
+              <a:t>Венґерберґу</a:t>
+            </a:r>
+            <a:r>
+              <a:rPr lang="uk-UA" b="0" i="0" dirty="0">
+                <a:solidFill>
+                  <a:srgbClr val="008000"/>
+                </a:solidFill>
+                <a:effectLst/>
+                <a:latin typeface="Courier New" panose="02070309020205020404" pitchFamily="49" charset="0"/>
+                <a:cs typeface="Courier New" panose="02070309020205020404" pitchFamily="49" charset="0"/>
+              </a:rPr>
+              <a:t>"</a:t>
+            </a:r>
+            <a:r>
+              <a:rPr lang="uk-UA" b="0" i="0" dirty="0">
+                <a:solidFill>
+                  <a:srgbClr val="000000"/>
+                </a:solidFill>
+                <a:effectLst/>
+                <a:latin typeface="Courier New" panose="02070309020205020404" pitchFamily="49" charset="0"/>
+                <a:cs typeface="Courier New" panose="02070309020205020404" pitchFamily="49" charset="0"/>
+              </a:rPr>
+              <a:t>; </a:t>
+            </a:r>
+          </a:p>
+          <a:p>
+            <a:r>
+              <a:rPr lang="uk-UA" dirty="0">
+                <a:solidFill>
+                  <a:srgbClr val="000000"/>
+                </a:solidFill>
+                <a:latin typeface="Courier New" panose="02070309020205020404" pitchFamily="49" charset="0"/>
+                <a:cs typeface="Courier New" panose="02070309020205020404" pitchFamily="49" charset="0"/>
+              </a:rPr>
+              <a:t>	</a:t>
+            </a:r>
+            <a:r>
+              <a:rPr lang="en-US" b="1" i="0" dirty="0">
+                <a:solidFill>
+                  <a:srgbClr val="000080"/>
+                </a:solidFill>
+                <a:effectLst/>
+                <a:latin typeface="Courier New" panose="02070309020205020404" pitchFamily="49" charset="0"/>
+                <a:cs typeface="Courier New" panose="02070309020205020404" pitchFamily="49" charset="0"/>
+              </a:rPr>
+              <a:t>private</a:t>
+            </a:r>
+            <a:r>
+              <a:rPr lang="en-US" b="0" i="0" dirty="0">
+                <a:solidFill>
+                  <a:srgbClr val="000000"/>
+                </a:solidFill>
+                <a:effectLst/>
+                <a:latin typeface="Courier New" panose="02070309020205020404" pitchFamily="49" charset="0"/>
+                <a:cs typeface="Courier New" panose="02070309020205020404" pitchFamily="49" charset="0"/>
+              </a:rPr>
+              <a:t> </a:t>
+            </a:r>
+            <a:r>
+              <a:rPr lang="en-US" b="1" i="0" dirty="0">
+                <a:solidFill>
+                  <a:srgbClr val="000080"/>
+                </a:solidFill>
+                <a:effectLst/>
+                <a:latin typeface="Courier New" panose="02070309020205020404" pitchFamily="49" charset="0"/>
+                <a:cs typeface="Courier New" panose="02070309020205020404" pitchFamily="49" charset="0"/>
+              </a:rPr>
+              <a:t>static</a:t>
+            </a:r>
+            <a:r>
+              <a:rPr lang="en-US" b="0" i="0" dirty="0">
+                <a:solidFill>
+                  <a:srgbClr val="000000"/>
+                </a:solidFill>
+                <a:effectLst/>
+                <a:latin typeface="Courier New" panose="02070309020205020404" pitchFamily="49" charset="0"/>
+                <a:cs typeface="Courier New" panose="02070309020205020404" pitchFamily="49" charset="0"/>
+              </a:rPr>
+              <a:t> </a:t>
+            </a:r>
+            <a:r>
+              <a:rPr lang="en-US" b="1" i="0" dirty="0">
+                <a:solidFill>
+                  <a:srgbClr val="000080"/>
+                </a:solidFill>
+                <a:effectLst/>
+                <a:latin typeface="Courier New" panose="02070309020205020404" pitchFamily="49" charset="0"/>
+                <a:cs typeface="Courier New" panose="02070309020205020404" pitchFamily="49" charset="0"/>
+              </a:rPr>
+              <a:t>final</a:t>
+            </a:r>
+            <a:r>
+              <a:rPr lang="en-US" b="0" i="0" dirty="0">
+                <a:solidFill>
+                  <a:srgbClr val="000000"/>
+                </a:solidFill>
+                <a:effectLst/>
+                <a:latin typeface="Courier New" panose="02070309020205020404" pitchFamily="49" charset="0"/>
+                <a:cs typeface="Courier New" panose="02070309020205020404" pitchFamily="49" charset="0"/>
+              </a:rPr>
+              <a:t> String TRISS_NAME = </a:t>
+            </a:r>
+            <a:r>
+              <a:rPr lang="en-US" b="0" i="0" dirty="0">
+                <a:solidFill>
+                  <a:srgbClr val="008000"/>
+                </a:solidFill>
+                <a:effectLst/>
+                <a:latin typeface="Courier New" panose="02070309020205020404" pitchFamily="49" charset="0"/>
+                <a:cs typeface="Courier New" panose="02070309020205020404" pitchFamily="49" charset="0"/>
+              </a:rPr>
+              <a:t>"</a:t>
+            </a:r>
+            <a:r>
+              <a:rPr lang="uk-UA" b="0" i="0" dirty="0" err="1">
+                <a:solidFill>
+                  <a:srgbClr val="008000"/>
+                </a:solidFill>
+                <a:effectLst/>
+                <a:latin typeface="Courier New" panose="02070309020205020404" pitchFamily="49" charset="0"/>
+                <a:cs typeface="Courier New" panose="02070309020205020404" pitchFamily="49" charset="0"/>
+              </a:rPr>
+              <a:t>Трісс</a:t>
+            </a:r>
+            <a:r>
+              <a:rPr lang="uk-UA" b="0" i="0" dirty="0">
+                <a:solidFill>
+                  <a:srgbClr val="008000"/>
+                </a:solidFill>
+                <a:effectLst/>
+                <a:latin typeface="Courier New" panose="02070309020205020404" pitchFamily="49" charset="0"/>
+                <a:cs typeface="Courier New" panose="02070309020205020404" pitchFamily="49" charset="0"/>
+              </a:rPr>
+              <a:t> </a:t>
+            </a:r>
+            <a:r>
+              <a:rPr lang="uk-UA" b="0" i="0" dirty="0" err="1">
+                <a:solidFill>
+                  <a:srgbClr val="008000"/>
+                </a:solidFill>
+                <a:effectLst/>
+                <a:latin typeface="Courier New" panose="02070309020205020404" pitchFamily="49" charset="0"/>
+                <a:cs typeface="Courier New" panose="02070309020205020404" pitchFamily="49" charset="0"/>
+              </a:rPr>
+              <a:t>Мерігольд</a:t>
+            </a:r>
+            <a:r>
+              <a:rPr lang="uk-UA" b="0" i="0" dirty="0">
+                <a:solidFill>
+                  <a:srgbClr val="008000"/>
+                </a:solidFill>
+                <a:effectLst/>
+                <a:latin typeface="Courier New" panose="02070309020205020404" pitchFamily="49" charset="0"/>
+                <a:cs typeface="Courier New" panose="02070309020205020404" pitchFamily="49" charset="0"/>
+              </a:rPr>
+              <a:t>"</a:t>
+            </a:r>
+            <a:r>
+              <a:rPr lang="uk-UA" b="0" i="0" dirty="0">
+                <a:solidFill>
+                  <a:srgbClr val="000000"/>
+                </a:solidFill>
+                <a:effectLst/>
+                <a:latin typeface="Courier New" panose="02070309020205020404" pitchFamily="49" charset="0"/>
+                <a:cs typeface="Courier New" panose="02070309020205020404" pitchFamily="49" charset="0"/>
+              </a:rPr>
+              <a:t>; </a:t>
+            </a:r>
+          </a:p>
+          <a:p>
+            <a:r>
+              <a:rPr lang="uk-UA" dirty="0">
+                <a:solidFill>
+                  <a:srgbClr val="000000"/>
+                </a:solidFill>
+                <a:latin typeface="Courier New" panose="02070309020205020404" pitchFamily="49" charset="0"/>
+                <a:cs typeface="Courier New" panose="02070309020205020404" pitchFamily="49" charset="0"/>
+              </a:rPr>
+              <a:t>	</a:t>
+            </a:r>
+            <a:r>
+              <a:rPr lang="en-US" b="1" i="0" dirty="0">
+                <a:solidFill>
+                  <a:srgbClr val="000080"/>
+                </a:solidFill>
+                <a:effectLst/>
+                <a:latin typeface="Courier New" panose="02070309020205020404" pitchFamily="49" charset="0"/>
+                <a:cs typeface="Courier New" panose="02070309020205020404" pitchFamily="49" charset="0"/>
+              </a:rPr>
+              <a:t>public</a:t>
+            </a:r>
+            <a:r>
+              <a:rPr lang="en-US" b="0" i="0" dirty="0">
+                <a:solidFill>
+                  <a:srgbClr val="000000"/>
+                </a:solidFill>
+                <a:effectLst/>
+                <a:latin typeface="Courier New" panose="02070309020205020404" pitchFamily="49" charset="0"/>
+                <a:cs typeface="Courier New" panose="02070309020205020404" pitchFamily="49" charset="0"/>
+              </a:rPr>
+              <a:t> </a:t>
+            </a:r>
+            <a:r>
+              <a:rPr lang="en-US" b="1" i="0" dirty="0">
+                <a:solidFill>
+                  <a:srgbClr val="000080"/>
+                </a:solidFill>
+                <a:effectLst/>
+                <a:latin typeface="Courier New" panose="02070309020205020404" pitchFamily="49" charset="0"/>
+                <a:cs typeface="Courier New" panose="02070309020205020404" pitchFamily="49" charset="0"/>
+              </a:rPr>
+              <a:t>static</a:t>
+            </a:r>
+            <a:r>
+              <a:rPr lang="en-US" b="0" i="0" dirty="0">
+                <a:solidFill>
+                  <a:srgbClr val="000000"/>
+                </a:solidFill>
+                <a:effectLst/>
+                <a:latin typeface="Courier New" panose="02070309020205020404" pitchFamily="49" charset="0"/>
+                <a:cs typeface="Courier New" panose="02070309020205020404" pitchFamily="49" charset="0"/>
+              </a:rPr>
+              <a:t> </a:t>
+            </a:r>
+            <a:r>
+              <a:rPr lang="en-US" b="1" i="0" dirty="0">
+                <a:solidFill>
+                  <a:srgbClr val="000080"/>
+                </a:solidFill>
+                <a:effectLst/>
+                <a:latin typeface="Courier New" panose="02070309020205020404" pitchFamily="49" charset="0"/>
+                <a:cs typeface="Courier New" panose="02070309020205020404" pitchFamily="49" charset="0"/>
+              </a:rPr>
+              <a:t>void</a:t>
+            </a:r>
+            <a:r>
+              <a:rPr lang="en-US" b="0" i="0" dirty="0">
+                <a:solidFill>
+                  <a:srgbClr val="000000"/>
+                </a:solidFill>
+                <a:effectLst/>
+                <a:latin typeface="Courier New" panose="02070309020205020404" pitchFamily="49" charset="0"/>
+                <a:cs typeface="Courier New" panose="02070309020205020404" pitchFamily="49" charset="0"/>
+              </a:rPr>
+              <a:t> </a:t>
+            </a:r>
+            <a:r>
+              <a:rPr lang="en-US" b="0" i="0" dirty="0">
+                <a:solidFill>
+                  <a:srgbClr val="900606"/>
+                </a:solidFill>
+                <a:effectLst/>
+                <a:latin typeface="Courier New" panose="02070309020205020404" pitchFamily="49" charset="0"/>
+                <a:cs typeface="Courier New" panose="02070309020205020404" pitchFamily="49" charset="0"/>
+              </a:rPr>
+              <a:t>main</a:t>
+            </a:r>
+            <a:r>
+              <a:rPr lang="en-US" b="0" i="0" dirty="0">
+                <a:solidFill>
+                  <a:srgbClr val="000000"/>
+                </a:solidFill>
+                <a:effectLst/>
+                <a:latin typeface="Courier New" panose="02070309020205020404" pitchFamily="49" charset="0"/>
+                <a:cs typeface="Courier New" panose="02070309020205020404" pitchFamily="49" charset="0"/>
+              </a:rPr>
+              <a:t>(String[] </a:t>
+            </a:r>
+            <a:r>
+              <a:rPr lang="en-US" b="0" i="0" dirty="0" err="1">
+                <a:solidFill>
+                  <a:srgbClr val="000000"/>
+                </a:solidFill>
+                <a:effectLst/>
+                <a:latin typeface="Courier New" panose="02070309020205020404" pitchFamily="49" charset="0"/>
+                <a:cs typeface="Courier New" panose="02070309020205020404" pitchFamily="49" charset="0"/>
+              </a:rPr>
+              <a:t>args</a:t>
+            </a:r>
+            <a:r>
+              <a:rPr lang="en-US" b="0" i="0" dirty="0">
+                <a:solidFill>
+                  <a:srgbClr val="000000"/>
+                </a:solidFill>
+                <a:effectLst/>
+                <a:latin typeface="Courier New" panose="02070309020205020404" pitchFamily="49" charset="0"/>
+                <a:cs typeface="Courier New" panose="02070309020205020404" pitchFamily="49" charset="0"/>
+              </a:rPr>
+              <a:t>) { </a:t>
+            </a:r>
+            <a:endParaRPr lang="uk-UA" b="0" i="0" dirty="0">
+              <a:solidFill>
+                <a:srgbClr val="000000"/>
+              </a:solidFill>
+              <a:effectLst/>
+              <a:latin typeface="Courier New" panose="02070309020205020404" pitchFamily="49" charset="0"/>
+              <a:cs typeface="Courier New" panose="02070309020205020404" pitchFamily="49" charset="0"/>
+            </a:endParaRPr>
+          </a:p>
+          <a:p>
+            <a:r>
+              <a:rPr lang="uk-UA" dirty="0">
+                <a:solidFill>
+                  <a:srgbClr val="000000"/>
+                </a:solidFill>
+                <a:latin typeface="Courier New" panose="02070309020205020404" pitchFamily="49" charset="0"/>
+                <a:cs typeface="Courier New" panose="02070309020205020404" pitchFamily="49" charset="0"/>
+              </a:rPr>
+              <a:t>		</a:t>
+            </a:r>
+            <a:r>
+              <a:rPr lang="en-US" b="0" i="0" dirty="0" err="1">
+                <a:solidFill>
+                  <a:srgbClr val="000000"/>
+                </a:solidFill>
+                <a:effectLst/>
+                <a:latin typeface="Courier New" panose="02070309020205020404" pitchFamily="49" charset="0"/>
+                <a:cs typeface="Courier New" panose="02070309020205020404" pitchFamily="49" charset="0"/>
+              </a:rPr>
+              <a:t>System.out.</a:t>
+            </a:r>
+            <a:r>
+              <a:rPr lang="en-US" b="0" i="0" dirty="0" err="1">
+                <a:solidFill>
+                  <a:srgbClr val="900606"/>
+                </a:solidFill>
+                <a:effectLst/>
+                <a:latin typeface="Courier New" panose="02070309020205020404" pitchFamily="49" charset="0"/>
+                <a:cs typeface="Courier New" panose="02070309020205020404" pitchFamily="49" charset="0"/>
+              </a:rPr>
+              <a:t>println</a:t>
+            </a:r>
+            <a:r>
+              <a:rPr lang="en-US" b="0" i="0" dirty="0">
+                <a:solidFill>
+                  <a:srgbClr val="000000"/>
+                </a:solidFill>
+                <a:effectLst/>
+                <a:latin typeface="Courier New" panose="02070309020205020404" pitchFamily="49" charset="0"/>
+                <a:cs typeface="Courier New" panose="02070309020205020404" pitchFamily="49" charset="0"/>
+              </a:rPr>
+              <a:t>(</a:t>
+            </a:r>
+            <a:r>
+              <a:rPr lang="en-US" b="0" i="0" dirty="0">
+                <a:solidFill>
+                  <a:srgbClr val="008000"/>
+                </a:solidFill>
+                <a:effectLst/>
+                <a:latin typeface="Courier New" panose="02070309020205020404" pitchFamily="49" charset="0"/>
+                <a:cs typeface="Courier New" panose="02070309020205020404" pitchFamily="49" charset="0"/>
+              </a:rPr>
+              <a:t>"</a:t>
+            </a:r>
+            <a:r>
+              <a:rPr lang="uk-UA" b="0" i="0" dirty="0">
+                <a:solidFill>
+                  <a:srgbClr val="008000"/>
+                </a:solidFill>
+                <a:effectLst/>
+                <a:latin typeface="Courier New" panose="02070309020205020404" pitchFamily="49" charset="0"/>
+                <a:cs typeface="Courier New" panose="02070309020205020404" pitchFamily="49" charset="0"/>
+              </a:rPr>
+              <a:t>Відьмак 4"</a:t>
+            </a:r>
+            <a:r>
+              <a:rPr lang="uk-UA" b="0" i="0" dirty="0">
+                <a:solidFill>
+                  <a:srgbClr val="000000"/>
+                </a:solidFill>
+                <a:effectLst/>
+                <a:latin typeface="Courier New" panose="02070309020205020404" pitchFamily="49" charset="0"/>
+                <a:cs typeface="Courier New" panose="02070309020205020404" pitchFamily="49" charset="0"/>
+              </a:rPr>
+              <a:t>); </a:t>
+            </a:r>
+          </a:p>
+          <a:p>
+            <a:r>
+              <a:rPr lang="uk-UA" dirty="0">
+                <a:solidFill>
+                  <a:srgbClr val="000000"/>
+                </a:solidFill>
+                <a:latin typeface="Courier New" panose="02070309020205020404" pitchFamily="49" charset="0"/>
+                <a:cs typeface="Courier New" panose="02070309020205020404" pitchFamily="49" charset="0"/>
+              </a:rPr>
+              <a:t>		</a:t>
+            </a:r>
+            <a:r>
+              <a:rPr lang="en-US" b="0" i="0" dirty="0" err="1">
+                <a:solidFill>
+                  <a:srgbClr val="000000"/>
+                </a:solidFill>
+                <a:effectLst/>
+                <a:latin typeface="Courier New" panose="02070309020205020404" pitchFamily="49" charset="0"/>
+                <a:cs typeface="Courier New" panose="02070309020205020404" pitchFamily="49" charset="0"/>
+              </a:rPr>
+              <a:t>System.out.</a:t>
+            </a:r>
+            <a:r>
+              <a:rPr lang="en-US" b="0" i="0" dirty="0" err="1">
+                <a:solidFill>
+                  <a:srgbClr val="900606"/>
+                </a:solidFill>
+                <a:effectLst/>
+                <a:latin typeface="Courier New" panose="02070309020205020404" pitchFamily="49" charset="0"/>
+                <a:cs typeface="Courier New" panose="02070309020205020404" pitchFamily="49" charset="0"/>
+              </a:rPr>
+              <a:t>println</a:t>
+            </a:r>
+            <a:r>
+              <a:rPr lang="en-US" b="0" i="0" dirty="0">
+                <a:solidFill>
+                  <a:srgbClr val="000000"/>
+                </a:solidFill>
+                <a:effectLst/>
+                <a:latin typeface="Courier New" panose="02070309020205020404" pitchFamily="49" charset="0"/>
+                <a:cs typeface="Courier New" panose="02070309020205020404" pitchFamily="49" charset="0"/>
+              </a:rPr>
+              <a:t>(</a:t>
+            </a:r>
+            <a:r>
+              <a:rPr lang="en-US" b="0" i="0" dirty="0">
+                <a:solidFill>
+                  <a:srgbClr val="008000"/>
+                </a:solidFill>
+                <a:effectLst/>
+                <a:latin typeface="Courier New" panose="02070309020205020404" pitchFamily="49" charset="0"/>
+                <a:cs typeface="Courier New" panose="02070309020205020404" pitchFamily="49" charset="0"/>
+              </a:rPr>
+              <a:t>"</a:t>
+            </a:r>
+            <a:r>
+              <a:rPr lang="uk-UA" b="0" i="0" dirty="0">
+                <a:solidFill>
+                  <a:srgbClr val="008000"/>
+                </a:solidFill>
+                <a:effectLst/>
+                <a:latin typeface="Courier New" panose="02070309020205020404" pitchFamily="49" charset="0"/>
+                <a:cs typeface="Courier New" panose="02070309020205020404" pitchFamily="49" charset="0"/>
+              </a:rPr>
+              <a:t>Це вже четверта частина Відьмака, а "</a:t>
+            </a:r>
+            <a:r>
+              <a:rPr lang="uk-UA" b="0" i="0" dirty="0">
+                <a:solidFill>
+                  <a:srgbClr val="000000"/>
+                </a:solidFill>
+                <a:effectLst/>
+                <a:latin typeface="Courier New" panose="02070309020205020404" pitchFamily="49" charset="0"/>
+                <a:cs typeface="Courier New" panose="02070309020205020404" pitchFamily="49" charset="0"/>
+              </a:rPr>
+              <a:t> + </a:t>
+            </a:r>
+            <a:r>
+              <a:rPr lang="en-US" b="0" i="0" dirty="0">
+                <a:solidFill>
+                  <a:srgbClr val="000000"/>
+                </a:solidFill>
+                <a:effectLst/>
+                <a:latin typeface="Courier New" panose="02070309020205020404" pitchFamily="49" charset="0"/>
+                <a:cs typeface="Courier New" panose="02070309020205020404" pitchFamily="49" charset="0"/>
+              </a:rPr>
+              <a:t>GERALT_NAME + </a:t>
+            </a:r>
+            <a:r>
+              <a:rPr lang="en-US" b="0" i="0" dirty="0">
+                <a:solidFill>
+                  <a:srgbClr val="008000"/>
+                </a:solidFill>
+                <a:effectLst/>
+                <a:latin typeface="Courier New" panose="02070309020205020404" pitchFamily="49" charset="0"/>
+                <a:cs typeface="Courier New" panose="02070309020205020404" pitchFamily="49" charset="0"/>
+              </a:rPr>
+              <a:t>" </a:t>
+            </a:r>
+            <a:r>
+              <a:rPr lang="uk-UA" b="0" i="0" dirty="0">
+                <a:solidFill>
+                  <a:srgbClr val="008000"/>
+                </a:solidFill>
+                <a:effectLst/>
+                <a:latin typeface="Courier New" panose="02070309020205020404" pitchFamily="49" charset="0"/>
+                <a:cs typeface="Courier New" panose="02070309020205020404" pitchFamily="49" charset="0"/>
+              </a:rPr>
+              <a:t>ніяк не визначиться хто йому"</a:t>
+            </a:r>
+            <a:r>
+              <a:rPr lang="uk-UA" b="0" i="0" dirty="0">
+                <a:solidFill>
+                  <a:srgbClr val="000000"/>
+                </a:solidFill>
+                <a:effectLst/>
+                <a:latin typeface="Courier New" panose="02070309020205020404" pitchFamily="49" charset="0"/>
+                <a:cs typeface="Courier New" panose="02070309020205020404" pitchFamily="49" charset="0"/>
+              </a:rPr>
+              <a:t> + </a:t>
+            </a:r>
+            <a:r>
+              <a:rPr lang="uk-UA" b="0" i="0" dirty="0">
+                <a:solidFill>
+                  <a:srgbClr val="008000"/>
+                </a:solidFill>
+                <a:effectLst/>
+                <a:latin typeface="Courier New" panose="02070309020205020404" pitchFamily="49" charset="0"/>
+                <a:cs typeface="Courier New" panose="02070309020205020404" pitchFamily="49" charset="0"/>
+              </a:rPr>
+              <a:t>" подобається більше: "</a:t>
+            </a:r>
+            <a:r>
+              <a:rPr lang="uk-UA" b="0" i="0" dirty="0">
+                <a:solidFill>
+                  <a:srgbClr val="000000"/>
+                </a:solidFill>
+                <a:effectLst/>
+                <a:latin typeface="Courier New" panose="02070309020205020404" pitchFamily="49" charset="0"/>
+                <a:cs typeface="Courier New" panose="02070309020205020404" pitchFamily="49" charset="0"/>
+              </a:rPr>
+              <a:t> + </a:t>
+            </a:r>
+            <a:r>
+              <a:rPr lang="en-US" b="0" i="0" dirty="0">
+                <a:solidFill>
+                  <a:srgbClr val="000000"/>
+                </a:solidFill>
+                <a:effectLst/>
+                <a:latin typeface="Courier New" panose="02070309020205020404" pitchFamily="49" charset="0"/>
+                <a:cs typeface="Courier New" panose="02070309020205020404" pitchFamily="49" charset="0"/>
+              </a:rPr>
+              <a:t>YENNEFER_NAME + </a:t>
+            </a:r>
+            <a:r>
+              <a:rPr lang="en-US" b="0" i="0" dirty="0">
+                <a:solidFill>
+                  <a:srgbClr val="008000"/>
+                </a:solidFill>
+                <a:effectLst/>
+                <a:latin typeface="Courier New" panose="02070309020205020404" pitchFamily="49" charset="0"/>
+                <a:cs typeface="Courier New" panose="02070309020205020404" pitchFamily="49" charset="0"/>
+              </a:rPr>
+              <a:t>" </a:t>
+            </a:r>
+            <a:r>
+              <a:rPr lang="uk-UA" b="0" i="0" dirty="0">
+                <a:solidFill>
+                  <a:srgbClr val="008000"/>
+                </a:solidFill>
+                <a:effectLst/>
+                <a:latin typeface="Courier New" panose="02070309020205020404" pitchFamily="49" charset="0"/>
+                <a:cs typeface="Courier New" panose="02070309020205020404" pitchFamily="49" charset="0"/>
+              </a:rPr>
+              <a:t>або "</a:t>
+            </a:r>
+            <a:r>
+              <a:rPr lang="uk-UA" b="0" i="0" dirty="0">
+                <a:solidFill>
+                  <a:srgbClr val="000000"/>
+                </a:solidFill>
+                <a:effectLst/>
+                <a:latin typeface="Courier New" panose="02070309020205020404" pitchFamily="49" charset="0"/>
+                <a:cs typeface="Courier New" panose="02070309020205020404" pitchFamily="49" charset="0"/>
+              </a:rPr>
+              <a:t> + </a:t>
+            </a:r>
+            <a:r>
+              <a:rPr lang="en-US" b="0" i="0" dirty="0">
+                <a:solidFill>
+                  <a:srgbClr val="000000"/>
+                </a:solidFill>
+                <a:effectLst/>
+                <a:latin typeface="Courier New" panose="02070309020205020404" pitchFamily="49" charset="0"/>
+                <a:cs typeface="Courier New" panose="02070309020205020404" pitchFamily="49" charset="0"/>
+              </a:rPr>
+              <a:t>TRISS_NAME); </a:t>
+            </a:r>
+            <a:endParaRPr lang="uk-UA" b="0" i="0" dirty="0">
+              <a:solidFill>
+                <a:srgbClr val="000000"/>
+              </a:solidFill>
+              <a:effectLst/>
+              <a:latin typeface="Courier New" panose="02070309020205020404" pitchFamily="49" charset="0"/>
+              <a:cs typeface="Courier New" panose="02070309020205020404" pitchFamily="49" charset="0"/>
+            </a:endParaRPr>
+          </a:p>
+          <a:p>
+            <a:r>
+              <a:rPr lang="uk-UA" dirty="0">
+                <a:solidFill>
+                  <a:srgbClr val="000000"/>
+                </a:solidFill>
+                <a:latin typeface="Courier New" panose="02070309020205020404" pitchFamily="49" charset="0"/>
+                <a:cs typeface="Courier New" panose="02070309020205020404" pitchFamily="49" charset="0"/>
+              </a:rPr>
+              <a:t>		</a:t>
+            </a:r>
+            <a:r>
+              <a:rPr lang="en-US" b="0" i="0" dirty="0" err="1">
+                <a:solidFill>
+                  <a:srgbClr val="000000"/>
+                </a:solidFill>
+                <a:effectLst/>
+                <a:latin typeface="Courier New" panose="02070309020205020404" pitchFamily="49" charset="0"/>
+                <a:cs typeface="Courier New" panose="02070309020205020404" pitchFamily="49" charset="0"/>
+              </a:rPr>
+              <a:t>System.out.</a:t>
+            </a:r>
+            <a:r>
+              <a:rPr lang="en-US" b="0" i="0" dirty="0" err="1">
+                <a:solidFill>
+                  <a:srgbClr val="900606"/>
+                </a:solidFill>
+                <a:effectLst/>
+                <a:latin typeface="Courier New" panose="02070309020205020404" pitchFamily="49" charset="0"/>
+                <a:cs typeface="Courier New" panose="02070309020205020404" pitchFamily="49" charset="0"/>
+              </a:rPr>
+              <a:t>println</a:t>
+            </a:r>
+            <a:r>
+              <a:rPr lang="en-US" b="0" i="0" dirty="0">
+                <a:solidFill>
+                  <a:srgbClr val="000000"/>
+                </a:solidFill>
+                <a:effectLst/>
+                <a:latin typeface="Courier New" panose="02070309020205020404" pitchFamily="49" charset="0"/>
+                <a:cs typeface="Courier New" panose="02070309020205020404" pitchFamily="49" charset="0"/>
+              </a:rPr>
+              <a:t>(</a:t>
+            </a:r>
+            <a:r>
+              <a:rPr lang="en-US" b="0" i="0" dirty="0">
+                <a:solidFill>
+                  <a:srgbClr val="008000"/>
+                </a:solidFill>
+                <a:effectLst/>
+                <a:latin typeface="Courier New" panose="02070309020205020404" pitchFamily="49" charset="0"/>
+                <a:cs typeface="Courier New" panose="02070309020205020404" pitchFamily="49" charset="0"/>
+              </a:rPr>
+              <a:t>"</a:t>
+            </a:r>
+            <a:r>
+              <a:rPr lang="uk-UA" b="0" i="0" dirty="0">
+                <a:solidFill>
+                  <a:srgbClr val="008000"/>
+                </a:solidFill>
+                <a:effectLst/>
+                <a:latin typeface="Courier New" panose="02070309020205020404" pitchFamily="49" charset="0"/>
+                <a:cs typeface="Courier New" panose="02070309020205020404" pitchFamily="49" charset="0"/>
+              </a:rPr>
+              <a:t>Але якщо ви ніколи не грали у Відьмака – почнемо спочатку."</a:t>
+            </a:r>
+            <a:r>
+              <a:rPr lang="uk-UA" b="0" i="0" dirty="0">
+                <a:solidFill>
+                  <a:srgbClr val="000000"/>
+                </a:solidFill>
+                <a:effectLst/>
+                <a:latin typeface="Courier New" panose="02070309020205020404" pitchFamily="49" charset="0"/>
+                <a:cs typeface="Courier New" panose="02070309020205020404" pitchFamily="49" charset="0"/>
+              </a:rPr>
+              <a:t>); </a:t>
+            </a:r>
+          </a:p>
+          <a:p>
+            <a:r>
+              <a:rPr lang="uk-UA" dirty="0">
+                <a:solidFill>
+                  <a:srgbClr val="000000"/>
+                </a:solidFill>
+                <a:latin typeface="Courier New" panose="02070309020205020404" pitchFamily="49" charset="0"/>
+                <a:cs typeface="Courier New" panose="02070309020205020404" pitchFamily="49" charset="0"/>
+              </a:rPr>
+              <a:t>		</a:t>
+            </a:r>
+            <a:r>
+              <a:rPr lang="en-US" b="0" i="0" dirty="0" err="1">
+                <a:solidFill>
+                  <a:srgbClr val="000000"/>
+                </a:solidFill>
+                <a:effectLst/>
+                <a:latin typeface="Courier New" panose="02070309020205020404" pitchFamily="49" charset="0"/>
+                <a:cs typeface="Courier New" panose="02070309020205020404" pitchFamily="49" charset="0"/>
+              </a:rPr>
+              <a:t>System.out.</a:t>
+            </a:r>
+            <a:r>
+              <a:rPr lang="en-US" b="0" i="0" dirty="0" err="1">
+                <a:solidFill>
+                  <a:srgbClr val="900606"/>
+                </a:solidFill>
+                <a:effectLst/>
+                <a:latin typeface="Courier New" panose="02070309020205020404" pitchFamily="49" charset="0"/>
+                <a:cs typeface="Courier New" panose="02070309020205020404" pitchFamily="49" charset="0"/>
+              </a:rPr>
+              <a:t>println</a:t>
+            </a:r>
+            <a:r>
+              <a:rPr lang="en-US" b="0" i="0" dirty="0">
+                <a:solidFill>
+                  <a:srgbClr val="000000"/>
+                </a:solidFill>
+                <a:effectLst/>
+                <a:latin typeface="Courier New" panose="02070309020205020404" pitchFamily="49" charset="0"/>
+                <a:cs typeface="Courier New" panose="02070309020205020404" pitchFamily="49" charset="0"/>
+              </a:rPr>
+              <a:t>(</a:t>
+            </a:r>
+            <a:r>
+              <a:rPr lang="en-US" b="0" i="0" dirty="0">
+                <a:solidFill>
+                  <a:srgbClr val="008000"/>
+                </a:solidFill>
+                <a:effectLst/>
+                <a:latin typeface="Courier New" panose="02070309020205020404" pitchFamily="49" charset="0"/>
+                <a:cs typeface="Courier New" panose="02070309020205020404" pitchFamily="49" charset="0"/>
+              </a:rPr>
+              <a:t>"</a:t>
+            </a:r>
+            <a:r>
+              <a:rPr lang="uk-UA" b="0" i="0" dirty="0">
+                <a:solidFill>
+                  <a:srgbClr val="008000"/>
+                </a:solidFill>
+                <a:effectLst/>
+                <a:latin typeface="Courier New" panose="02070309020205020404" pitchFamily="49" charset="0"/>
+                <a:cs typeface="Courier New" panose="02070309020205020404" pitchFamily="49" charset="0"/>
+              </a:rPr>
+              <a:t>Головного героя звуть "</a:t>
+            </a:r>
+            <a:r>
+              <a:rPr lang="uk-UA" b="0" i="0" dirty="0">
+                <a:solidFill>
+                  <a:srgbClr val="000000"/>
+                </a:solidFill>
+                <a:effectLst/>
+                <a:latin typeface="Courier New" panose="02070309020205020404" pitchFamily="49" charset="0"/>
+                <a:cs typeface="Courier New" panose="02070309020205020404" pitchFamily="49" charset="0"/>
+              </a:rPr>
+              <a:t> + </a:t>
+            </a:r>
+            <a:r>
+              <a:rPr lang="en-US" b="0" i="0" dirty="0">
+                <a:solidFill>
+                  <a:srgbClr val="000000"/>
+                </a:solidFill>
+                <a:effectLst/>
+                <a:latin typeface="Courier New" panose="02070309020205020404" pitchFamily="49" charset="0"/>
+                <a:cs typeface="Courier New" panose="02070309020205020404" pitchFamily="49" charset="0"/>
+              </a:rPr>
+              <a:t>GERALT_NAME); </a:t>
+            </a:r>
+            <a:endParaRPr lang="uk-UA" b="0" i="0" dirty="0">
+              <a:solidFill>
+                <a:srgbClr val="000000"/>
+              </a:solidFill>
+              <a:effectLst/>
+              <a:latin typeface="Courier New" panose="02070309020205020404" pitchFamily="49" charset="0"/>
+              <a:cs typeface="Courier New" panose="02070309020205020404" pitchFamily="49" charset="0"/>
+            </a:endParaRPr>
+          </a:p>
+          <a:p>
+            <a:r>
+              <a:rPr lang="uk-UA" dirty="0">
+                <a:solidFill>
+                  <a:srgbClr val="000000"/>
+                </a:solidFill>
+                <a:latin typeface="Courier New" panose="02070309020205020404" pitchFamily="49" charset="0"/>
+                <a:cs typeface="Courier New" panose="02070309020205020404" pitchFamily="49" charset="0"/>
+              </a:rPr>
+              <a:t>		</a:t>
+            </a:r>
+            <a:r>
+              <a:rPr lang="en-US" b="0" i="0" dirty="0" err="1">
+                <a:solidFill>
+                  <a:srgbClr val="000000"/>
+                </a:solidFill>
+                <a:effectLst/>
+                <a:latin typeface="Courier New" panose="02070309020205020404" pitchFamily="49" charset="0"/>
+                <a:cs typeface="Courier New" panose="02070309020205020404" pitchFamily="49" charset="0"/>
+              </a:rPr>
+              <a:t>System.out.</a:t>
+            </a:r>
+            <a:r>
+              <a:rPr lang="en-US" b="0" i="0" dirty="0" err="1">
+                <a:solidFill>
+                  <a:srgbClr val="900606"/>
+                </a:solidFill>
+                <a:effectLst/>
+                <a:latin typeface="Courier New" panose="02070309020205020404" pitchFamily="49" charset="0"/>
+                <a:cs typeface="Courier New" panose="02070309020205020404" pitchFamily="49" charset="0"/>
+              </a:rPr>
+              <a:t>println</a:t>
+            </a:r>
+            <a:r>
+              <a:rPr lang="en-US" b="0" i="0" dirty="0">
+                <a:solidFill>
+                  <a:srgbClr val="000000"/>
+                </a:solidFill>
+                <a:effectLst/>
+                <a:latin typeface="Courier New" panose="02070309020205020404" pitchFamily="49" charset="0"/>
+                <a:cs typeface="Courier New" panose="02070309020205020404" pitchFamily="49" charset="0"/>
+              </a:rPr>
+              <a:t>(GERALT_NAME + </a:t>
+            </a:r>
+            <a:r>
+              <a:rPr lang="en-US" b="0" i="0" dirty="0">
+                <a:solidFill>
+                  <a:srgbClr val="008000"/>
+                </a:solidFill>
+                <a:effectLst/>
+                <a:latin typeface="Courier New" panose="02070309020205020404" pitchFamily="49" charset="0"/>
+                <a:cs typeface="Courier New" panose="02070309020205020404" pitchFamily="49" charset="0"/>
+              </a:rPr>
+              <a:t>" - </a:t>
+            </a:r>
+            <a:r>
+              <a:rPr lang="uk-UA" b="0" i="0" dirty="0">
+                <a:solidFill>
+                  <a:srgbClr val="008000"/>
+                </a:solidFill>
+                <a:effectLst/>
+                <a:latin typeface="Courier New" panose="02070309020205020404" pitchFamily="49" charset="0"/>
+                <a:cs typeface="Courier New" panose="02070309020205020404" pitchFamily="49" charset="0"/>
+              </a:rPr>
+              <a:t>відьмак, мисливець на чудовиськ"</a:t>
+            </a:r>
+            <a:r>
+              <a:rPr lang="uk-UA" b="0" i="0" dirty="0">
+                <a:solidFill>
+                  <a:srgbClr val="000000"/>
+                </a:solidFill>
+                <a:effectLst/>
+                <a:latin typeface="Courier New" panose="02070309020205020404" pitchFamily="49" charset="0"/>
+                <a:cs typeface="Courier New" panose="02070309020205020404" pitchFamily="49" charset="0"/>
+              </a:rPr>
+              <a:t>); </a:t>
+            </a:r>
+          </a:p>
+          <a:p>
+            <a:r>
+              <a:rPr lang="uk-UA" dirty="0">
+                <a:solidFill>
+                  <a:srgbClr val="000000"/>
+                </a:solidFill>
+                <a:latin typeface="Courier New" panose="02070309020205020404" pitchFamily="49" charset="0"/>
+                <a:cs typeface="Courier New" panose="02070309020205020404" pitchFamily="49" charset="0"/>
+              </a:rPr>
+              <a:t>	</a:t>
+            </a:r>
+            <a:r>
+              <a:rPr lang="uk-UA" b="0" i="0" dirty="0">
+                <a:solidFill>
+                  <a:srgbClr val="000000"/>
+                </a:solidFill>
+                <a:effectLst/>
+                <a:latin typeface="Courier New" panose="02070309020205020404" pitchFamily="49" charset="0"/>
+                <a:cs typeface="Courier New" panose="02070309020205020404" pitchFamily="49" charset="0"/>
+              </a:rPr>
+              <a:t>} </a:t>
+            </a:r>
+          </a:p>
+          <a:p>
+            <a:r>
+              <a:rPr lang="uk-UA" b="0" i="0" dirty="0">
+                <a:solidFill>
+                  <a:srgbClr val="000000"/>
+                </a:solidFill>
+                <a:effectLst/>
+                <a:latin typeface="Courier New" panose="02070309020205020404" pitchFamily="49" charset="0"/>
+                <a:cs typeface="Courier New" panose="02070309020205020404" pitchFamily="49" charset="0"/>
+              </a:rPr>
+              <a:t>}</a:t>
+            </a:r>
+            <a:endParaRPr lang="uk-UA" dirty="0">
+              <a:latin typeface="Courier New" panose="02070309020205020404" pitchFamily="49" charset="0"/>
+              <a:cs typeface="Courier New" panose="02070309020205020404" pitchFamily="49" charset="0"/>
+            </a:endParaRPr>
           </a:p>
         </p:txBody>
       </p:sp>
-      <p:graphicFrame>
-        <p:nvGraphicFramePr>
-          <p:cNvPr id="103427" name="Объект 4"/>
-          <p:cNvGraphicFramePr>
-            <a:graphicFrameLocks noChangeAspect="1"/>
-          </p:cNvGraphicFramePr>
-          <p:nvPr>
-            <p:extLst>
-              <p:ext uri="{D42A27DB-BD31-4B8C-83A1-F6EECF244321}">
-                <p14:modId xmlns:p14="http://schemas.microsoft.com/office/powerpoint/2010/main" val="2094301653"/>
-              </p:ext>
-            </p:extLst>
-          </p:nvPr>
-        </p:nvGraphicFramePr>
-        <p:xfrm>
-          <a:off x="1414021" y="1076965"/>
-          <a:ext cx="7031479" cy="4942835"/>
-        </p:xfrm>
-        <a:graphic>
-          <a:graphicData uri="http://schemas.openxmlformats.org/presentationml/2006/ole">
-            <mc:AlternateContent xmlns:mc="http://schemas.openxmlformats.org/markup-compatibility/2006">
-              <mc:Choice xmlns:v="urn:schemas-microsoft-com:vml" Requires="v">
-                <p:oleObj spid="_x0000_s2202" name="Visio" r:id="rId3" imgW="4136574" imgH="2907994" progId="Visio.Drawing.11">
-                  <p:embed/>
-                </p:oleObj>
-              </mc:Choice>
-              <mc:Fallback>
-                <p:oleObj name="Visio" r:id="rId3" imgW="4136574" imgH="2907994" progId="Visio.Drawing.11">
-                  <p:embed/>
-                  <p:pic>
-                    <p:nvPicPr>
-                      <p:cNvPr id="103427" name="Объект 4"/>
-                      <p:cNvPicPr>
-                        <a:picLocks noChangeAspect="1" noChangeArrowheads="1"/>
-                      </p:cNvPicPr>
-                      <p:nvPr/>
-                    </p:nvPicPr>
-                    <p:blipFill>
-                      <a:blip r:embed="rId4">
-                        <a:extLst>
-                          <a:ext uri="{28A0092B-C50C-407E-A947-70E740481C1C}">
-                            <a14:useLocalDpi xmlns:a14="http://schemas.microsoft.com/office/drawing/2010/main" val="0"/>
-                          </a:ext>
-                        </a:extLst>
-                      </a:blip>
-                      <a:srcRect/>
-                      <a:stretch>
-                        <a:fillRect/>
-                      </a:stretch>
-                    </p:blipFill>
-                    <p:spPr bwMode="auto">
-                      <a:xfrm>
-                        <a:off x="1414021" y="1076965"/>
-                        <a:ext cx="7031479" cy="4942835"/>
-                      </a:xfrm>
-                      <a:prstGeom prst="rect">
-                        <a:avLst/>
-                      </a:prstGeom>
-                      <a:noFill/>
-                      <a:ln>
-                        <a:noFill/>
-                      </a:ln>
-                    </p:spPr>
-                  </p:pic>
-                </p:oleObj>
-              </mc:Fallback>
-            </mc:AlternateContent>
-          </a:graphicData>
-        </a:graphic>
-      </p:graphicFrame>
-      <p:graphicFrame>
-        <p:nvGraphicFramePr>
-          <p:cNvPr id="103428" name="Объект 5"/>
-          <p:cNvGraphicFramePr>
-            <a:graphicFrameLocks noChangeAspect="1"/>
-          </p:cNvGraphicFramePr>
-          <p:nvPr>
-            <p:extLst>
-              <p:ext uri="{D42A27DB-BD31-4B8C-83A1-F6EECF244321}">
-                <p14:modId xmlns:p14="http://schemas.microsoft.com/office/powerpoint/2010/main" val="747160224"/>
-              </p:ext>
-            </p:extLst>
-          </p:nvPr>
-        </p:nvGraphicFramePr>
-        <p:xfrm>
-          <a:off x="9184081" y="3021332"/>
-          <a:ext cx="698500" cy="1054100"/>
-        </p:xfrm>
-        <a:graphic>
-          <a:graphicData uri="http://schemas.openxmlformats.org/presentationml/2006/ole">
-            <mc:AlternateContent xmlns:mc="http://schemas.openxmlformats.org/markup-compatibility/2006">
-              <mc:Choice xmlns:v="urn:schemas-microsoft-com:vml" Requires="v">
-                <p:oleObj spid="_x0000_s2203" name="Visio" r:id="rId5" imgW="453771" imgH="685631" progId="Visio.Drawing.11">
-                  <p:embed/>
-                </p:oleObj>
-              </mc:Choice>
-              <mc:Fallback>
-                <p:oleObj name="Visio" r:id="rId5" imgW="453771" imgH="685631" progId="Visio.Drawing.11">
-                  <p:embed/>
-                  <p:pic>
-                    <p:nvPicPr>
-                      <p:cNvPr id="103428" name="Объект 5"/>
-                      <p:cNvPicPr>
-                        <a:picLocks noChangeAspect="1" noChangeArrowheads="1"/>
-                      </p:cNvPicPr>
-                      <p:nvPr/>
-                    </p:nvPicPr>
-                    <p:blipFill>
-                      <a:blip r:embed="rId6">
-                        <a:extLst>
-                          <a:ext uri="{28A0092B-C50C-407E-A947-70E740481C1C}">
-                            <a14:useLocalDpi xmlns:a14="http://schemas.microsoft.com/office/drawing/2010/main" val="0"/>
-                          </a:ext>
-                        </a:extLst>
-                      </a:blip>
-                      <a:srcRect/>
-                      <a:stretch>
-                        <a:fillRect/>
-                      </a:stretch>
-                    </p:blipFill>
-                    <p:spPr bwMode="auto">
-                      <a:xfrm>
-                        <a:off x="9184081" y="3021332"/>
-                        <a:ext cx="698500" cy="1054100"/>
-                      </a:xfrm>
-                      <a:prstGeom prst="rect">
-                        <a:avLst/>
-                      </a:prstGeom>
-                      <a:noFill/>
-                      <a:ln>
-                        <a:noFill/>
-                      </a:ln>
-                      <a:extLst>
-                        <a:ext uri="{909E8E84-426E-40DD-AFC4-6F175D3DCCD1}">
-                          <a14:hiddenFill xmlns:a14="http://schemas.microsoft.com/office/drawing/2010/main">
-                            <a:solidFill>
-                              <a:srgbClr val="FFFFFF"/>
-                            </a:solidFill>
-                          </a14:hiddenFill>
-                        </a:ext>
-                        <a:ext uri="{91240B29-F687-4F45-9708-019B960494DF}">
-                          <a14:hiddenLine xmlns:a14="http://schemas.microsoft.com/office/drawing/2010/main" w="9525">
-                            <a:solidFill>
-                              <a:srgbClr val="000000"/>
-                            </a:solidFill>
-                            <a:miter lim="800000"/>
-                            <a:headEnd/>
-                            <a:tailEnd/>
-                          </a14:hiddenLine>
-                        </a:ext>
-                      </a:extLst>
-                    </p:spPr>
-                  </p:pic>
-                </p:oleObj>
-              </mc:Fallback>
-            </mc:AlternateContent>
-          </a:graphicData>
-        </a:graphic>
-      </p:graphicFrame>
       <p:sp>
         <p:nvSpPr>
-          <p:cNvPr id="103429" name="AutoShape 6"/>
-          <p:cNvSpPr>
-            <a:spLocks noChangeArrowheads="1"/>
-          </p:cNvSpPr>
+          <p:cNvPr id="6" name="TextBox 5">
+            <a:extLst>
+              <a:ext uri="{FF2B5EF4-FFF2-40B4-BE49-F238E27FC236}">
+                <a16:creationId xmlns:a16="http://schemas.microsoft.com/office/drawing/2014/main" id="{FEB75F3F-C915-4FFF-ABE1-BA5B67136AC0}"/>
+              </a:ext>
+            </a:extLst>
+          </p:cNvPr>
+          <p:cNvSpPr txBox="1"/>
           <p:nvPr/>
         </p:nvSpPr>
-        <p:spPr bwMode="auto">
-          <a:xfrm rot="19442806">
-            <a:off x="8085139" y="4117975"/>
-            <a:ext cx="935037" cy="323850"/>
+        <p:spPr>
+          <a:xfrm>
+            <a:off x="32725" y="0"/>
+            <a:ext cx="12191999" cy="830997"/>
           </a:xfrm>
-          <a:prstGeom prst="rightArrow">
-            <a:avLst>
-              <a:gd name="adj1" fmla="val 50000"/>
-              <a:gd name="adj2" fmla="val 60298"/>
-            </a:avLst>
+          <a:prstGeom prst="rect">
+            <a:avLst/>
           </a:prstGeom>
-          <a:solidFill>
-            <a:schemeClr val="accent1"/>
-          </a:solidFill>
-          <a:ln w="9525">
-            <a:solidFill>
-              <a:schemeClr val="tx1"/>
-            </a:solidFill>
-            <a:miter lim="800000"/>
-            <a:headEnd/>
-            <a:tailEnd/>
-          </a:ln>
-          <a:effectLst/>
-          <a:extLst>
-            <a:ext uri="{AF507438-7753-43E0-B8FC-AC1667EBCBE1}">
-              <a14:hiddenEffects xmlns:a14="http://schemas.microsoft.com/office/drawing/2010/main">
-                <a:effectLst>
-                  <a:outerShdw dist="35921" dir="2700000" algn="ctr" rotWithShape="0">
-                    <a:schemeClr val="bg2"/>
-                  </a:outerShdw>
-                </a:effectLst>
-              </a14:hiddenEffects>
-            </a:ext>
-          </a:extLst>
+          <a:noFill/>
         </p:spPr>
         <p:txBody>
-          <a:bodyPr wrap="none" anchor="ctr"/>
-          <a:lstStyle>
-            <a:lvl1pPr eaLnBrk="0" hangingPunct="0">
-              <a:spcAft>
-                <a:spcPct val="40000"/>
-              </a:spcAft>
-              <a:buClr>
-                <a:srgbClr val="004587"/>
-              </a:buClr>
-              <a:buFont typeface="Wingdings" panose="05000000000000000000" pitchFamily="2" charset="2"/>
-              <a:buChar char="§"/>
-              <a:defRPr sz="2000">
-                <a:solidFill>
-                  <a:schemeClr val="tx1"/>
-                </a:solidFill>
-                <a:latin typeface="Arial" panose="020B0604020202020204" pitchFamily="34" charset="0"/>
-                <a:cs typeface="Arial" panose="020B0604020202020204" pitchFamily="34" charset="0"/>
-              </a:defRPr>
-            </a:lvl1pPr>
-            <a:lvl2pPr marL="742950" indent="-285750" eaLnBrk="0" hangingPunct="0">
-              <a:spcAft>
-                <a:spcPct val="40000"/>
-              </a:spcAft>
-              <a:buClr>
-                <a:srgbClr val="004587"/>
-              </a:buClr>
-              <a:buChar char="–"/>
-              <a:defRPr>
-                <a:solidFill>
-                  <a:schemeClr val="tx1"/>
-                </a:solidFill>
-                <a:latin typeface="Arial" panose="020B0604020202020204" pitchFamily="34" charset="0"/>
-                <a:cs typeface="Arial" panose="020B0604020202020204" pitchFamily="34" charset="0"/>
-              </a:defRPr>
-            </a:lvl2pPr>
-            <a:lvl3pPr marL="1143000" indent="-228600" eaLnBrk="0" hangingPunct="0">
-              <a:spcAft>
-                <a:spcPct val="40000"/>
-              </a:spcAft>
-              <a:buClr>
-                <a:srgbClr val="004587"/>
-              </a:buClr>
-              <a:buChar char="•"/>
-              <a:defRPr sz="1600">
-                <a:solidFill>
-                  <a:schemeClr val="tx1"/>
-                </a:solidFill>
-                <a:latin typeface="Arial" panose="020B0604020202020204" pitchFamily="34" charset="0"/>
-                <a:cs typeface="Arial" panose="020B0604020202020204" pitchFamily="34" charset="0"/>
-              </a:defRPr>
-            </a:lvl3pPr>
-            <a:lvl4pPr marL="1600200" indent="-228600" eaLnBrk="0" hangingPunct="0">
-              <a:spcAft>
-                <a:spcPct val="40000"/>
-              </a:spcAft>
-              <a:buChar char="–"/>
-              <a:defRPr sz="2000">
-                <a:solidFill>
-                  <a:schemeClr val="tx1"/>
-                </a:solidFill>
-                <a:latin typeface="Arial" panose="020B0604020202020204" pitchFamily="34" charset="0"/>
-                <a:cs typeface="Arial" panose="020B0604020202020204" pitchFamily="34" charset="0"/>
-              </a:defRPr>
-            </a:lvl4pPr>
-            <a:lvl5pPr marL="2057400" indent="-228600" eaLnBrk="0" hangingPunct="0">
-              <a:spcAft>
-                <a:spcPct val="40000"/>
-              </a:spcAft>
-              <a:buChar char="»"/>
-              <a:defRPr sz="2000">
-                <a:solidFill>
-                  <a:schemeClr val="tx1"/>
-                </a:solidFill>
-                <a:latin typeface="Arial" panose="020B0604020202020204" pitchFamily="34" charset="0"/>
-                <a:cs typeface="Arial" panose="020B0604020202020204" pitchFamily="34" charset="0"/>
-              </a:defRPr>
-            </a:lvl5pPr>
-            <a:lvl6pPr marL="2514600" indent="-228600" eaLnBrk="0" fontAlgn="base" hangingPunct="0">
-              <a:spcBef>
-                <a:spcPct val="0"/>
-              </a:spcBef>
-              <a:spcAft>
-                <a:spcPct val="40000"/>
-              </a:spcAft>
-              <a:buChar char="»"/>
-              <a:defRPr sz="2000">
-                <a:solidFill>
-                  <a:schemeClr val="tx1"/>
-                </a:solidFill>
-                <a:latin typeface="Arial" panose="020B0604020202020204" pitchFamily="34" charset="0"/>
-                <a:cs typeface="Arial" panose="020B0604020202020204" pitchFamily="34" charset="0"/>
-              </a:defRPr>
-            </a:lvl6pPr>
-            <a:lvl7pPr marL="2971800" indent="-228600" eaLnBrk="0" fontAlgn="base" hangingPunct="0">
-              <a:spcBef>
-                <a:spcPct val="0"/>
-              </a:spcBef>
-              <a:spcAft>
-                <a:spcPct val="40000"/>
-              </a:spcAft>
-              <a:buChar char="»"/>
-              <a:defRPr sz="2000">
-                <a:solidFill>
-                  <a:schemeClr val="tx1"/>
-                </a:solidFill>
-                <a:latin typeface="Arial" panose="020B0604020202020204" pitchFamily="34" charset="0"/>
-                <a:cs typeface="Arial" panose="020B0604020202020204" pitchFamily="34" charset="0"/>
-              </a:defRPr>
-            </a:lvl7pPr>
-            <a:lvl8pPr marL="3429000" indent="-228600" eaLnBrk="0" fontAlgn="base" hangingPunct="0">
-              <a:spcBef>
-                <a:spcPct val="0"/>
-              </a:spcBef>
-              <a:spcAft>
-                <a:spcPct val="40000"/>
-              </a:spcAft>
-              <a:buChar char="»"/>
-              <a:defRPr sz="2000">
-                <a:solidFill>
-                  <a:schemeClr val="tx1"/>
-                </a:solidFill>
-                <a:latin typeface="Arial" panose="020B0604020202020204" pitchFamily="34" charset="0"/>
-                <a:cs typeface="Arial" panose="020B0604020202020204" pitchFamily="34" charset="0"/>
-              </a:defRPr>
-            </a:lvl8pPr>
-            <a:lvl9pPr marL="3886200" indent="-228600" eaLnBrk="0" fontAlgn="base" hangingPunct="0">
-              <a:spcBef>
-                <a:spcPct val="0"/>
-              </a:spcBef>
-              <a:spcAft>
-                <a:spcPct val="40000"/>
-              </a:spcAft>
-              <a:buChar char="»"/>
-              <a:defRPr sz="2000">
-                <a:solidFill>
-                  <a:schemeClr val="tx1"/>
-                </a:solidFill>
-                <a:latin typeface="Arial" panose="020B0604020202020204" pitchFamily="34" charset="0"/>
-                <a:cs typeface="Arial" panose="020B0604020202020204" pitchFamily="34" charset="0"/>
-              </a:defRPr>
-            </a:lvl9pPr>
-          </a:lstStyle>
-          <a:p>
-            <a:pPr eaLnBrk="1" hangingPunct="1">
-              <a:spcAft>
-                <a:spcPct val="0"/>
-              </a:spcAft>
-              <a:buClrTx/>
-              <a:buFontTx/>
-              <a:buNone/>
-            </a:pPr>
-            <a:endParaRPr lang="ru-RU" altLang="ru-RU"/>
+          <a:bodyPr wrap="square" rtlCol="0">
+            <a:spAutoFit/>
+          </a:bodyPr>
+          <a:lstStyle/>
+          <a:p>
+            <a:pPr algn="ctr"/>
+            <a:r>
+              <a:rPr lang="uk-UA" sz="4800" dirty="0">
+                <a:latin typeface="Times New Roman" panose="02020603050405020304" pitchFamily="18" charset="0"/>
+                <a:cs typeface="Times New Roman" panose="02020603050405020304" pitchFamily="18" charset="0"/>
+              </a:rPr>
+              <a:t>Модифікатор </a:t>
+            </a:r>
+            <a:r>
+              <a:rPr lang="en-US" sz="4800" dirty="0">
+                <a:latin typeface="Times New Roman" panose="02020603050405020304" pitchFamily="18" charset="0"/>
+                <a:cs typeface="Times New Roman" panose="02020603050405020304" pitchFamily="18" charset="0"/>
+              </a:rPr>
+              <a:t>final</a:t>
+            </a:r>
+            <a:endParaRPr lang="uk-UA" sz="4800" dirty="0">
+              <a:latin typeface="Times New Roman" panose="02020603050405020304" pitchFamily="18" charset="0"/>
+              <a:cs typeface="Times New Roman" panose="02020603050405020304" pitchFamily="18" charset="0"/>
+            </a:endParaRPr>
           </a:p>
         </p:txBody>
       </p:sp>
     </p:spTree>
     <p:extLst>
       <p:ext uri="{BB962C8B-B14F-4D97-AF65-F5344CB8AC3E}">
-        <p14:creationId xmlns:p14="http://schemas.microsoft.com/office/powerpoint/2010/main" val="4085348349"/>
+        <p14:creationId xmlns:p14="http://schemas.microsoft.com/office/powerpoint/2010/main" val="1735003452"/>
       </p:ext>
     </p:extLst>
   </p:cSld>
@@ -15795,7 +15795,7 @@
         </p:nvSpPr>
         <p:spPr>
           <a:xfrm>
-            <a:off x="407707" y="3258139"/>
+            <a:off x="407707" y="3231464"/>
             <a:ext cx="9245339" cy="1477328"/>
           </a:xfrm>
           <a:prstGeom prst="rect">
@@ -19228,7 +19228,7 @@
           <a:graphicData uri="http://schemas.openxmlformats.org/presentationml/2006/ole">
             <mc:AlternateContent xmlns:mc="http://schemas.openxmlformats.org/markup-compatibility/2006">
               <mc:Choice xmlns:v="urn:schemas-microsoft-com:vml" Requires="v">
-                <p:oleObj spid="_x0000_s1102" name="Visio" r:id="rId3" imgW="3138091" imgH="3169785" progId="Visio.Drawing.11">
+                <p:oleObj spid="_x0000_s1107" name="Visio" r:id="rId3" imgW="3138091" imgH="3169785" progId="Visio.Drawing.11">
                   <p:embed/>
                 </p:oleObj>
               </mc:Choice>
@@ -20996,6 +20996,20 @@
                 <a:cs typeface="Times New Roman" panose="02020603050405020304" pitchFamily="18" charset="0"/>
               </a:rPr>
               <a:t>Модифікатори доступу</a:t>
+            </a:r>
+            <a:r>
+              <a:rPr lang="en-US" sz="4800" dirty="0">
+                <a:latin typeface="Times New Roman" panose="02020603050405020304" pitchFamily="18" charset="0"/>
+                <a:cs typeface="Times New Roman" panose="02020603050405020304" pitchFamily="18" charset="0"/>
+              </a:rPr>
+              <a:t>. </a:t>
+            </a:r>
+            <a:r>
+              <a:rPr lang="uk-UA" sz="4800" dirty="0">
+                <a:latin typeface="Times New Roman" panose="02020603050405020304" pitchFamily="18" charset="0"/>
+                <a:cs typeface="Times New Roman" panose="02020603050405020304" pitchFamily="18" charset="0"/>
+              </a:rPr>
+              <a:t>ООП</a:t>
             </a:r>
           </a:p>
         </p:txBody>
@@ -22246,7 +22260,7 @@
                 <a:latin typeface="Times New Roman" panose="02020603050405020304" pitchFamily="18" charset="0"/>
                 <a:cs typeface="Times New Roman" panose="02020603050405020304" pitchFamily="18" charset="0"/>
               </a:rPr>
-              <a:t>Модифікатори доступу</a:t>
+              <a:t>Модифікатори доступу. ООП</a:t>
             </a:r>
           </a:p>
         </p:txBody>

--- a/Java Урок 6 Методи.pptx
+++ b/Java Урок 6 Методи.pptx
@@ -217,7 +217,7 @@
           <a:p>
             <a:fld id="{0E8BD93E-8DC1-4C6E-9A0C-53B63244A1A1}" type="datetimeFigureOut">
               <a:rPr lang="uk-UA" smtClean="0"/>
-              <a:t>27.12.2023</a:t>
+              <a:t>19.01.2024</a:t>
             </a:fld>
             <a:endParaRPr lang="uk-UA"/>
           </a:p>
@@ -718,7 +718,7 @@
           <a:p>
             <a:fld id="{8B6C0C13-D616-4B7A-ADAD-21744A79AB48}" type="datetimeFigureOut">
               <a:rPr lang="uk-UA" smtClean="0"/>
-              <a:t>27.12.2023</a:t>
+              <a:t>19.01.2024</a:t>
             </a:fld>
             <a:endParaRPr lang="uk-UA"/>
           </a:p>
@@ -918,7 +918,7 @@
           <a:p>
             <a:fld id="{8B6C0C13-D616-4B7A-ADAD-21744A79AB48}" type="datetimeFigureOut">
               <a:rPr lang="uk-UA" smtClean="0"/>
-              <a:t>27.12.2023</a:t>
+              <a:t>19.01.2024</a:t>
             </a:fld>
             <a:endParaRPr lang="uk-UA"/>
           </a:p>
@@ -1128,7 +1128,7 @@
           <a:p>
             <a:fld id="{8B6C0C13-D616-4B7A-ADAD-21744A79AB48}" type="datetimeFigureOut">
               <a:rPr lang="uk-UA" smtClean="0"/>
-              <a:t>27.12.2023</a:t>
+              <a:t>19.01.2024</a:t>
             </a:fld>
             <a:endParaRPr lang="uk-UA"/>
           </a:p>
@@ -1328,7 +1328,7 @@
           <a:p>
             <a:fld id="{8B6C0C13-D616-4B7A-ADAD-21744A79AB48}" type="datetimeFigureOut">
               <a:rPr lang="uk-UA" smtClean="0"/>
-              <a:t>27.12.2023</a:t>
+              <a:t>19.01.2024</a:t>
             </a:fld>
             <a:endParaRPr lang="uk-UA"/>
           </a:p>
@@ -1604,7 +1604,7 @@
           <a:p>
             <a:fld id="{8B6C0C13-D616-4B7A-ADAD-21744A79AB48}" type="datetimeFigureOut">
               <a:rPr lang="uk-UA" smtClean="0"/>
-              <a:t>27.12.2023</a:t>
+              <a:t>19.01.2024</a:t>
             </a:fld>
             <a:endParaRPr lang="uk-UA"/>
           </a:p>
@@ -1872,7 +1872,7 @@
           <a:p>
             <a:fld id="{8B6C0C13-D616-4B7A-ADAD-21744A79AB48}" type="datetimeFigureOut">
               <a:rPr lang="uk-UA" smtClean="0"/>
-              <a:t>27.12.2023</a:t>
+              <a:t>19.01.2024</a:t>
             </a:fld>
             <a:endParaRPr lang="uk-UA"/>
           </a:p>
@@ -2287,7 +2287,7 @@
           <a:p>
             <a:fld id="{8B6C0C13-D616-4B7A-ADAD-21744A79AB48}" type="datetimeFigureOut">
               <a:rPr lang="uk-UA" smtClean="0"/>
-              <a:t>27.12.2023</a:t>
+              <a:t>19.01.2024</a:t>
             </a:fld>
             <a:endParaRPr lang="uk-UA"/>
           </a:p>
@@ -2429,7 +2429,7 @@
           <a:p>
             <a:fld id="{8B6C0C13-D616-4B7A-ADAD-21744A79AB48}" type="datetimeFigureOut">
               <a:rPr lang="uk-UA" smtClean="0"/>
-              <a:t>27.12.2023</a:t>
+              <a:t>19.01.2024</a:t>
             </a:fld>
             <a:endParaRPr lang="uk-UA"/>
           </a:p>
@@ -2542,7 +2542,7 @@
           <a:p>
             <a:fld id="{8B6C0C13-D616-4B7A-ADAD-21744A79AB48}" type="datetimeFigureOut">
               <a:rPr lang="uk-UA" smtClean="0"/>
-              <a:t>27.12.2023</a:t>
+              <a:t>19.01.2024</a:t>
             </a:fld>
             <a:endParaRPr lang="uk-UA"/>
           </a:p>
@@ -2855,7 +2855,7 @@
           <a:p>
             <a:fld id="{8B6C0C13-D616-4B7A-ADAD-21744A79AB48}" type="datetimeFigureOut">
               <a:rPr lang="uk-UA" smtClean="0"/>
-              <a:t>27.12.2023</a:t>
+              <a:t>19.01.2024</a:t>
             </a:fld>
             <a:endParaRPr lang="uk-UA"/>
           </a:p>
@@ -3144,7 +3144,7 @@
           <a:p>
             <a:fld id="{8B6C0C13-D616-4B7A-ADAD-21744A79AB48}" type="datetimeFigureOut">
               <a:rPr lang="uk-UA" smtClean="0"/>
-              <a:t>27.12.2023</a:t>
+              <a:t>19.01.2024</a:t>
             </a:fld>
             <a:endParaRPr lang="uk-UA"/>
           </a:p>
@@ -3387,7 +3387,7 @@
           <a:p>
             <a:fld id="{8B6C0C13-D616-4B7A-ADAD-21744A79AB48}" type="datetimeFigureOut">
               <a:rPr lang="uk-UA" smtClean="0"/>
-              <a:t>27.12.2023</a:t>
+              <a:t>19.01.2024</a:t>
             </a:fld>
             <a:endParaRPr lang="uk-UA"/>
           </a:p>
@@ -8922,7 +8922,7 @@
           <a:graphicData uri="http://schemas.openxmlformats.org/presentationml/2006/ole">
             <mc:AlternateContent xmlns:mc="http://schemas.openxmlformats.org/markup-compatibility/2006">
               <mc:Choice xmlns:v="urn:schemas-microsoft-com:vml" Requires="v">
-                <p:oleObj spid="_x0000_s2212" name="Visio" r:id="rId3" imgW="4136574" imgH="2907994" progId="Visio.Drawing.11">
+                <p:oleObj spid="_x0000_s2214" name="Visio" r:id="rId3" imgW="4136574" imgH="2907994" progId="Visio.Drawing.11">
                   <p:embed/>
                 </p:oleObj>
               </mc:Choice>
@@ -8992,7 +8992,7 @@
           <a:graphicData uri="http://schemas.openxmlformats.org/presentationml/2006/ole">
             <mc:AlternateContent xmlns:mc="http://schemas.openxmlformats.org/markup-compatibility/2006">
               <mc:Choice xmlns:v="urn:schemas-microsoft-com:vml" Requires="v">
-                <p:oleObj spid="_x0000_s2213" name="Visio" r:id="rId5" imgW="453771" imgH="685631" progId="Visio.Drawing.11">
+                <p:oleObj spid="_x0000_s2215" name="Visio" r:id="rId5" imgW="453771" imgH="685631" progId="Visio.Drawing.11">
                   <p:embed/>
                 </p:oleObj>
               </mc:Choice>
@@ -9448,7 +9448,7 @@
           <a:graphicData uri="http://schemas.openxmlformats.org/presentationml/2006/ole">
             <mc:AlternateContent xmlns:mc="http://schemas.openxmlformats.org/markup-compatibility/2006">
               <mc:Choice xmlns:v="urn:schemas-microsoft-com:vml" Requires="v">
-                <p:oleObj spid="_x0000_s3317" name="Visio" r:id="rId3" imgW="4052761" imgH="1697289" progId="Visio.Drawing.11">
+                <p:oleObj spid="_x0000_s3320" name="Visio" r:id="rId3" imgW="4052761" imgH="1697289" progId="Visio.Drawing.11">
                   <p:embed/>
                 </p:oleObj>
               </mc:Choice>
@@ -9541,7 +9541,7 @@
           <a:graphicData uri="http://schemas.openxmlformats.org/presentationml/2006/ole">
             <mc:AlternateContent xmlns:mc="http://schemas.openxmlformats.org/markup-compatibility/2006">
               <mc:Choice xmlns:v="urn:schemas-microsoft-com:vml" Requires="v">
-                <p:oleObj spid="_x0000_s3318" name="Visio" r:id="rId5" imgW="4144201" imgH="3179241" progId="Visio.Drawing.11">
+                <p:oleObj spid="_x0000_s3321" name="Visio" r:id="rId5" imgW="4144201" imgH="3179241" progId="Visio.Drawing.11">
                   <p:embed/>
                 </p:oleObj>
               </mc:Choice>
@@ -9634,7 +9634,7 @@
           <a:graphicData uri="http://schemas.openxmlformats.org/presentationml/2006/ole">
             <mc:AlternateContent xmlns:mc="http://schemas.openxmlformats.org/markup-compatibility/2006">
               <mc:Choice xmlns:v="urn:schemas-microsoft-com:vml" Requires="v">
-                <p:oleObj spid="_x0000_s3319" name="Visio" r:id="rId7" imgW="4327081" imgH="3352699" progId="Visio.Drawing.11">
+                <p:oleObj spid="_x0000_s3322" name="Visio" r:id="rId7" imgW="4327081" imgH="3352699" progId="Visio.Drawing.11">
                   <p:embed/>
                 </p:oleObj>
               </mc:Choice>
@@ -19228,7 +19228,7 @@
           <a:graphicData uri="http://schemas.openxmlformats.org/presentationml/2006/ole">
             <mc:AlternateContent xmlns:mc="http://schemas.openxmlformats.org/markup-compatibility/2006">
               <mc:Choice xmlns:v="urn:schemas-microsoft-com:vml" Requires="v">
-                <p:oleObj spid="_x0000_s1107" name="Visio" r:id="rId3" imgW="3138091" imgH="3169785" progId="Visio.Drawing.11">
+                <p:oleObj spid="_x0000_s1108" name="Visio" r:id="rId3" imgW="3138091" imgH="3169785" progId="Visio.Drawing.11">
                   <p:embed/>
                 </p:oleObj>
               </mc:Choice>
